--- a/StreamZ_presentation (part 2).pptx
+++ b/StreamZ_presentation (part 2).pptx
@@ -10,7 +10,7 @@
     <p:sldId id="258" r:id="rId4"/>
     <p:sldId id="262" r:id="rId5"/>
     <p:sldId id="263" r:id="rId6"/>
-    <p:sldId id="270" r:id="rId7"/>
+    <p:sldId id="272" r:id="rId7"/>
     <p:sldId id="271" r:id="rId8"/>
     <p:sldId id="265" r:id="rId9"/>
     <p:sldId id="266" r:id="rId10"/>
@@ -281,7 +281,7 @@
           <a:p>
             <a:fld id="{A19A71F5-DA94-4BA2-B9E9-1E6B8C3AD471}" type="datetimeFigureOut">
               <a:rPr lang="pt-PT" smtClean="0"/>
-              <a:t>29/12/2020</a:t>
+              <a:t>30/12/2020</a:t>
             </a:fld>
             <a:endParaRPr lang="pt-PT"/>
           </a:p>
@@ -479,7 +479,7 @@
           <a:p>
             <a:fld id="{A19A71F5-DA94-4BA2-B9E9-1E6B8C3AD471}" type="datetimeFigureOut">
               <a:rPr lang="pt-PT" smtClean="0"/>
-              <a:t>29/12/2020</a:t>
+              <a:t>30/12/2020</a:t>
             </a:fld>
             <a:endParaRPr lang="pt-PT"/>
           </a:p>
@@ -687,7 +687,7 @@
           <a:p>
             <a:fld id="{A19A71F5-DA94-4BA2-B9E9-1E6B8C3AD471}" type="datetimeFigureOut">
               <a:rPr lang="pt-PT" smtClean="0"/>
-              <a:t>29/12/2020</a:t>
+              <a:t>30/12/2020</a:t>
             </a:fld>
             <a:endParaRPr lang="pt-PT"/>
           </a:p>
@@ -885,7 +885,7 @@
           <a:p>
             <a:fld id="{A19A71F5-DA94-4BA2-B9E9-1E6B8C3AD471}" type="datetimeFigureOut">
               <a:rPr lang="pt-PT" smtClean="0"/>
-              <a:t>29/12/2020</a:t>
+              <a:t>30/12/2020</a:t>
             </a:fld>
             <a:endParaRPr lang="pt-PT"/>
           </a:p>
@@ -1160,7 +1160,7 @@
           <a:p>
             <a:fld id="{A19A71F5-DA94-4BA2-B9E9-1E6B8C3AD471}" type="datetimeFigureOut">
               <a:rPr lang="pt-PT" smtClean="0"/>
-              <a:t>29/12/2020</a:t>
+              <a:t>30/12/2020</a:t>
             </a:fld>
             <a:endParaRPr lang="pt-PT"/>
           </a:p>
@@ -1425,7 +1425,7 @@
           <a:p>
             <a:fld id="{A19A71F5-DA94-4BA2-B9E9-1E6B8C3AD471}" type="datetimeFigureOut">
               <a:rPr lang="pt-PT" smtClean="0"/>
-              <a:t>29/12/2020</a:t>
+              <a:t>30/12/2020</a:t>
             </a:fld>
             <a:endParaRPr lang="pt-PT"/>
           </a:p>
@@ -1837,7 +1837,7 @@
           <a:p>
             <a:fld id="{A19A71F5-DA94-4BA2-B9E9-1E6B8C3AD471}" type="datetimeFigureOut">
               <a:rPr lang="pt-PT" smtClean="0"/>
-              <a:t>29/12/2020</a:t>
+              <a:t>30/12/2020</a:t>
             </a:fld>
             <a:endParaRPr lang="pt-PT"/>
           </a:p>
@@ -1978,7 +1978,7 @@
           <a:p>
             <a:fld id="{A19A71F5-DA94-4BA2-B9E9-1E6B8C3AD471}" type="datetimeFigureOut">
               <a:rPr lang="pt-PT" smtClean="0"/>
-              <a:t>29/12/2020</a:t>
+              <a:t>30/12/2020</a:t>
             </a:fld>
             <a:endParaRPr lang="pt-PT"/>
           </a:p>
@@ -2091,7 +2091,7 @@
           <a:p>
             <a:fld id="{A19A71F5-DA94-4BA2-B9E9-1E6B8C3AD471}" type="datetimeFigureOut">
               <a:rPr lang="pt-PT" smtClean="0"/>
-              <a:t>29/12/2020</a:t>
+              <a:t>30/12/2020</a:t>
             </a:fld>
             <a:endParaRPr lang="pt-PT"/>
           </a:p>
@@ -2402,7 +2402,7 @@
           <a:p>
             <a:fld id="{A19A71F5-DA94-4BA2-B9E9-1E6B8C3AD471}" type="datetimeFigureOut">
               <a:rPr lang="pt-PT" smtClean="0"/>
-              <a:t>29/12/2020</a:t>
+              <a:t>30/12/2020</a:t>
             </a:fld>
             <a:endParaRPr lang="pt-PT"/>
           </a:p>
@@ -2690,7 +2690,7 @@
           <a:p>
             <a:fld id="{A19A71F5-DA94-4BA2-B9E9-1E6B8C3AD471}" type="datetimeFigureOut">
               <a:rPr lang="pt-PT" smtClean="0"/>
-              <a:t>29/12/2020</a:t>
+              <a:t>30/12/2020</a:t>
             </a:fld>
             <a:endParaRPr lang="pt-PT"/>
           </a:p>
@@ -2931,7 +2931,7 @@
           <a:p>
             <a:fld id="{A19A71F5-DA94-4BA2-B9E9-1E6B8C3AD471}" type="datetimeFigureOut">
               <a:rPr lang="pt-PT" smtClean="0"/>
-              <a:t>29/12/2020</a:t>
+              <a:t>30/12/2020</a:t>
             </a:fld>
             <a:endParaRPr lang="pt-PT"/>
           </a:p>
@@ -7782,7 +7782,7 @@
             </a:r>
             <a:r>
               <a:rPr lang="pt-PT" sz="1600" b="1" dirty="0"/>
-              <a:t> files</a:t>
+              <a:t> files criadas/os na segunda parte</a:t>
             </a:r>
             <a:r>
               <a:rPr lang="pt-PT" sz="1600" dirty="0"/>
@@ -7796,20 +7796,20 @@
               </a:lnSpc>
             </a:pPr>
             <a:r>
+              <a:rPr lang="pt-PT" sz="1300" i="1" u="sng" dirty="0" err="1"/>
+              <a:t>Donation</a:t>
+            </a:r>
+            <a:r>
               <a:rPr lang="pt-PT" sz="1300" i="1" u="sng" dirty="0"/>
-              <a:t>StreamZ:</a:t>
+              <a:t>:</a:t>
             </a:r>
             <a:r>
               <a:rPr lang="pt-PT" sz="1300" i="1" dirty="0"/>
-              <a:t> </a:t>
-            </a:r>
-            <a:r>
-              <a:rPr lang="pt-PT" sz="1300" dirty="0" err="1"/>
-              <a:t>infrastrutura</a:t>
+              <a:t> representativo das donações efetuadas através da plataforma</a:t>
             </a:r>
             <a:r>
               <a:rPr lang="pt-PT" sz="1300" dirty="0"/>
-              <a:t> principal da plataforma;</a:t>
+              <a:t>;</a:t>
             </a:r>
           </a:p>
           <a:p>
@@ -7820,7 +7820,7 @@
             </a:pPr>
             <a:r>
               <a:rPr lang="pt-PT" sz="1300" i="1" u="sng" dirty="0" err="1"/>
-              <a:t>User</a:t>
+              <a:t>Order</a:t>
             </a:r>
             <a:r>
               <a:rPr lang="pt-PT" sz="1300" i="1" u="sng" dirty="0"/>
@@ -7832,51 +7832,13 @@
             </a:r>
             <a:r>
               <a:rPr lang="pt-PT" sz="1300" dirty="0"/>
-              <a:t>utilizadores da plataforma;</a:t>
-            </a:r>
-          </a:p>
-          <a:p>
-            <a:pPr lvl="2" algn="just">
-              <a:lnSpc>
-                <a:spcPct val="120000"/>
-              </a:lnSpc>
-            </a:pPr>
-            <a:r>
-              <a:rPr lang="pt-PT" sz="1300" dirty="0"/>
-              <a:t>Podem ser </a:t>
-            </a:r>
-            <a:r>
-              <a:rPr lang="pt-PT" sz="1300" i="1" dirty="0"/>
-              <a:t>streamers</a:t>
-            </a:r>
-            <a:r>
-              <a:rPr lang="pt-PT" sz="1300" dirty="0"/>
-              <a:t> (subclasse </a:t>
+              <a:t>define cada ordem de compra que é efetuada pelos </a:t>
             </a:r>
             <a:r>
               <a:rPr lang="pt-PT" sz="1300" i="1" dirty="0" err="1"/>
-              <a:t>streamer</a:t>
-            </a:r>
-            <a:r>
-              <a:rPr lang="pt-PT" sz="1300" dirty="0"/>
-              <a:t>) ou </a:t>
-            </a:r>
-            <a:r>
-              <a:rPr lang="pt-PT" sz="1300" i="1" dirty="0" err="1"/>
-              <a:t>viewer</a:t>
-            </a:r>
-            <a:r>
-              <a:rPr lang="pt-PT" sz="1300" dirty="0"/>
-              <a:t> (subclasse </a:t>
-            </a:r>
-            <a:r>
-              <a:rPr lang="pt-PT" sz="1300" i="1" dirty="0" err="1"/>
-              <a:t>viewer</a:t>
-            </a:r>
-            <a:r>
-              <a:rPr lang="pt-PT" sz="1300" dirty="0"/>
-              <a:t>).</a:t>
-            </a:r>
+              <a:t>viewers</a:t>
+            </a:r>
+            <a:endParaRPr lang="pt-PT" sz="1300" i="1" dirty="0"/>
           </a:p>
           <a:p>
             <a:pPr lvl="1" algn="just">
@@ -7885,64 +7847,26 @@
               </a:lnSpc>
             </a:pPr>
             <a:r>
+              <a:rPr lang="pt-PT" sz="1300" i="1" u="sng" dirty="0" err="1"/>
+              <a:t>Product</a:t>
+            </a:r>
+            <a:r>
               <a:rPr lang="pt-PT" sz="1300" i="1" u="sng" dirty="0"/>
-              <a:t>Stream:</a:t>
+              <a:t>:</a:t>
             </a:r>
             <a:r>
               <a:rPr lang="pt-PT" sz="1300" dirty="0"/>
               <a:t> </a:t>
             </a:r>
             <a:r>
+              <a:rPr lang="pt-PT" sz="1300" i="1" dirty="0"/>
+              <a:t>descrevem cada produto que pode ser vendido por um </a:t>
+            </a:r>
+            <a:r>
               <a:rPr lang="pt-PT" sz="1300" i="1" dirty="0" err="1"/>
-              <a:t>streams</a:t>
-            </a:r>
-            <a:r>
-              <a:rPr lang="pt-PT" sz="1300" dirty="0"/>
-              <a:t> criadas pelos </a:t>
-            </a:r>
-            <a:r>
-              <a:rPr lang="pt-PT" sz="1300" i="1" dirty="0"/>
-              <a:t>streamers</a:t>
-            </a:r>
-            <a:r>
-              <a:rPr lang="pt-PT" sz="1300" dirty="0"/>
-              <a:t> e assistidas pelos </a:t>
-            </a:r>
-            <a:r>
-              <a:rPr lang="pt-PT" sz="1300" i="1" dirty="0" err="1"/>
-              <a:t>viewers</a:t>
-            </a:r>
-            <a:r>
-              <a:rPr lang="pt-PT" sz="1300" i="1" dirty="0"/>
-              <a:t>.</a:t>
-            </a:r>
-          </a:p>
-          <a:p>
-            <a:pPr lvl="2" algn="just">
-              <a:lnSpc>
-                <a:spcPct val="120000"/>
-              </a:lnSpc>
-            </a:pPr>
-            <a:r>
-              <a:rPr lang="pt-PT" sz="1300" dirty="0"/>
-              <a:t>Podem ser públicas (subclasse </a:t>
-            </a:r>
-            <a:r>
-              <a:rPr lang="pt-PT" sz="1300" i="1" dirty="0" err="1"/>
-              <a:t>PublicStream</a:t>
-            </a:r>
-            <a:r>
-              <a:rPr lang="pt-PT" sz="1300" dirty="0"/>
-              <a:t>) ou privadas (subclasse </a:t>
-            </a:r>
-            <a:r>
-              <a:rPr lang="pt-PT" sz="1300" i="1" dirty="0" err="1"/>
-              <a:t>PrivateStream</a:t>
-            </a:r>
-            <a:r>
-              <a:rPr lang="pt-PT" sz="1300" dirty="0"/>
-              <a:t>).</a:t>
-            </a:r>
+              <a:t>streamer</a:t>
+            </a:r>
+            <a:endParaRPr lang="pt-PT" sz="1300" i="1" dirty="0"/>
           </a:p>
           <a:p>
             <a:pPr>
@@ -7952,7 +7876,7 @@
             </a:pPr>
             <a:r>
               <a:rPr lang="pt-PT" sz="1600" b="1" dirty="0"/>
-              <a:t>Outros:</a:t>
+              <a:t>Restrições em algumas das classes:</a:t>
             </a:r>
           </a:p>
           <a:p>
@@ -7963,15 +7887,19 @@
             </a:pPr>
             <a:r>
               <a:rPr lang="pt-PT" sz="1300" i="1" u="sng" dirty="0" err="1"/>
-              <a:t>Utils</a:t>
+              <a:t>Donations</a:t>
             </a:r>
             <a:r>
               <a:rPr lang="pt-PT" sz="1300" i="1" u="sng" dirty="0"/>
               <a:t>:</a:t>
             </a:r>
             <a:r>
+              <a:rPr lang="pt-PT" sz="1300" i="1" dirty="0"/>
+              <a:t> </a:t>
+            </a:r>
+            <a:r>
               <a:rPr lang="pt-PT" sz="1300" dirty="0"/>
-              <a:t> contém certos utilitários usados nas restantes;</a:t>
+              <a:t>não podem haver vários donativos iguais, dado que se encontram estruturados numa BST, estrutura de dados que não permite elementos repetidos;</a:t>
             </a:r>
           </a:p>
           <a:p>
@@ -7981,82 +7909,60 @@
               </a:lnSpc>
             </a:pPr>
             <a:r>
-              <a:rPr lang="pt-PT" sz="1300" i="1" u="sng" dirty="0" err="1"/>
-              <a:t>Exceptions</a:t>
-            </a:r>
-            <a:r>
-              <a:rPr lang="pt-PT" sz="1300" i="1" u="sng" dirty="0"/>
+              <a:rPr lang="pt-PT" sz="1300" u="sng" dirty="0" err="1"/>
+              <a:t>Orders</a:t>
+            </a:r>
+            <a:r>
+              <a:rPr lang="pt-PT" sz="1300" u="sng" dirty="0"/>
               <a:t>:</a:t>
             </a:r>
             <a:r>
               <a:rPr lang="pt-PT" sz="1300" dirty="0"/>
-              <a:t> utilizado para a criação das </a:t>
+              <a:t> como nos foi pedido que as </a:t>
             </a:r>
             <a:r>
               <a:rPr lang="pt-PT" sz="1300" i="1" dirty="0" err="1"/>
-              <a:t>exceptions</a:t>
+              <a:t>orders</a:t>
             </a:r>
             <a:r>
               <a:rPr lang="pt-PT" sz="1300" dirty="0"/>
-              <a:t> necessárias;</a:t>
-            </a:r>
-          </a:p>
-          <a:p>
-            <a:pPr lvl="1" algn="just">
-              <a:lnSpc>
-                <a:spcPct val="120000"/>
-              </a:lnSpc>
-            </a:pPr>
-            <a:r>
-              <a:rPr lang="pt-PT" sz="1300" u="sng" dirty="0"/>
-              <a:t>Menu:</a:t>
+              <a:t> fossem identificadas pelo nome do </a:t>
+            </a:r>
+            <a:r>
+              <a:rPr lang="pt-PT" sz="1300" i="1" dirty="0" err="1"/>
+              <a:t>viewer</a:t>
             </a:r>
             <a:r>
               <a:rPr lang="pt-PT" sz="1300" dirty="0"/>
-              <a:t> classe genérica para a criação de menus;</a:t>
-            </a:r>
-          </a:p>
-          <a:p>
-            <a:pPr lvl="1" algn="just">
-              <a:lnSpc>
-                <a:spcPct val="120000"/>
-              </a:lnSpc>
-            </a:pPr>
-            <a:r>
-              <a:rPr lang="pt-PT" sz="1300" i="1" u="sng" dirty="0" err="1"/>
-              <a:t>Streamz</a:t>
-            </a:r>
-            <a:r>
-              <a:rPr lang="pt-PT" sz="1300" u="sng" dirty="0" err="1"/>
-              <a:t>_</a:t>
-            </a:r>
-            <a:r>
-              <a:rPr lang="pt-PT" sz="1300" i="1" u="sng" dirty="0" err="1"/>
-              <a:t>framework</a:t>
-            </a:r>
-            <a:r>
-              <a:rPr lang="pt-PT" sz="1300" i="1" u="sng" dirty="0"/>
-              <a:t>:</a:t>
+              <a:t>, pela quantidade de produto e pela prioridade, e que posteriormente estas pudessem ser apagadas da fila de prioridade, onde se encontram ordenadas, a qualquer momento, não é possível haver mais do que uma </a:t>
+            </a:r>
+            <a:r>
+              <a:rPr lang="pt-PT" sz="1300" i="1" dirty="0" err="1"/>
+              <a:t>order</a:t>
             </a:r>
             <a:r>
               <a:rPr lang="pt-PT" sz="1300" dirty="0"/>
-              <a:t> utiliza todas as anteriores classes para criar uma </a:t>
+              <a:t>, do mesmo </a:t>
+            </a:r>
+            <a:r>
+              <a:rPr lang="pt-PT" sz="1300" i="1" dirty="0" err="1"/>
+              <a:t>viewer</a:t>
             </a:r>
             <a:r>
               <a:rPr lang="pt-PT" sz="1300" i="1" dirty="0"/>
-              <a:t>framework</a:t>
+              <a:t>, </a:t>
             </a:r>
             <a:r>
               <a:rPr lang="pt-PT" sz="1300" dirty="0"/>
-              <a:t> utilizável através da consola, onde é possível a criação de várias plataformas </a:t>
-            </a:r>
-            <a:r>
-              <a:rPr lang="pt-PT" sz="1300" i="1" dirty="0"/>
-              <a:t>StreamZ</a:t>
+              <a:t>com os parâmetros de quantidade e de prioridade iguais; Esta restrição deve-se então  meramente ao facto de termos decidido cumprir a caracterização das </a:t>
+            </a:r>
+            <a:r>
+              <a:rPr lang="pt-PT" sz="1300" dirty="0" err="1"/>
+              <a:t>orders</a:t>
             </a:r>
             <a:r>
               <a:rPr lang="pt-PT" sz="1300" dirty="0"/>
-              <a:t> e de entrar em cada um delas através de utilizadores registados na mesma, entre muitas outras funcionalidades.</a:t>
+              <a:t> da forma que nos era pedida no enunciado.</a:t>
             </a:r>
           </a:p>
         </p:txBody>
@@ -9837,8 +9743,8 @@
         </p:nvSpPr>
         <p:spPr bwMode="auto">
           <a:xfrm>
-            <a:off x="2807716" y="2353052"/>
-            <a:ext cx="3286760" cy="3893374"/>
+            <a:off x="3488900" y="2666903"/>
+            <a:ext cx="3375365" cy="3293209"/>
           </a:xfrm>
           <a:prstGeom prst="rect">
             <a:avLst/>
@@ -9907,1337 +9813,100 @@
               <a:tabLst/>
             </a:pPr>
             <a:r>
-              <a:rPr kumimoji="0" lang="pt-PT" altLang="pt-PT" sz="1300" b="0" i="0" u="none" strike="noStrike" cap="none" normalizeH="0" baseline="0" dirty="0">
-                <a:ln>
-                  <a:noFill/>
-                </a:ln>
+              <a:rPr lang="pt-PT" altLang="pt-PT" sz="1300" dirty="0" err="1">
                 <a:solidFill>
-                  <a:srgbClr val="CC7832"/>
+                  <a:schemeClr val="accent6">
+                    <a:lumMod val="75000"/>
+                  </a:schemeClr>
                 </a:solidFill>
-                <a:effectLst/>
                 <a:latin typeface="JetBrains Mono"/>
               </a:rPr>
-              <a:t>class </a:t>
-            </a:r>
-            <a:r>
-              <a:rPr kumimoji="0" lang="pt-PT" altLang="pt-PT" sz="1300" b="0" i="0" u="none" strike="noStrike" cap="none" normalizeH="0" baseline="0" dirty="0">
-                <a:ln>
-                  <a:noFill/>
-                </a:ln>
+              <a:t>class</a:t>
+            </a:r>
+            <a:r>
+              <a:rPr lang="pt-PT" altLang="pt-PT" sz="1300" dirty="0">
+                <a:latin typeface="JetBrains Mono"/>
+              </a:rPr>
+              <a:t> </a:t>
+            </a:r>
+            <a:r>
+              <a:rPr lang="pt-PT" altLang="pt-PT" sz="1300" dirty="0" err="1">
                 <a:solidFill>
-                  <a:srgbClr val="B5B6E3"/>
+                  <a:schemeClr val="accent5">
+                    <a:lumMod val="60000"/>
+                    <a:lumOff val="40000"/>
+                  </a:schemeClr>
                 </a:solidFill>
-                <a:effectLst/>
                 <a:latin typeface="JetBrains Mono"/>
               </a:rPr>
-              <a:t>AlreadyViewing </a:t>
-            </a:r>
-            <a:r>
-              <a:rPr kumimoji="0" lang="pt-PT" altLang="pt-PT" sz="1300" b="0" i="0" u="none" strike="noStrike" cap="none" normalizeH="0" baseline="0" dirty="0">
-                <a:ln>
-                  <a:noFill/>
-                </a:ln>
+              <a:t>OrderAlreadyExists</a:t>
+            </a:r>
+            <a:r>
+              <a:rPr lang="pt-PT" altLang="pt-PT" sz="1300" dirty="0">
                 <a:solidFill>
-                  <a:srgbClr val="A9B7C6"/>
+                  <a:schemeClr val="accent5">
+                    <a:lumMod val="60000"/>
+                    <a:lumOff val="40000"/>
+                  </a:schemeClr>
                 </a:solidFill>
-                <a:effectLst/>
                 <a:latin typeface="JetBrains Mono"/>
               </a:rPr>
-              <a:t>: </a:t>
-            </a:r>
-            <a:r>
-              <a:rPr kumimoji="0" lang="pt-PT" altLang="pt-PT" sz="1300" b="0" i="0" u="none" strike="noStrike" cap="none" normalizeH="0" baseline="0" dirty="0">
-                <a:ln>
-                  <a:noFill/>
-                </a:ln>
+              <a:t> : </a:t>
+            </a:r>
+            <a:r>
+              <a:rPr lang="pt-PT" altLang="pt-PT" sz="1300" dirty="0" err="1">
                 <a:solidFill>
-                  <a:srgbClr val="B5B6E3"/>
+                  <a:schemeClr val="accent5">
+                    <a:lumMod val="60000"/>
+                    <a:lumOff val="40000"/>
+                  </a:schemeClr>
                 </a:solidFill>
-                <a:effectLst/>
                 <a:latin typeface="JetBrains Mono"/>
               </a:rPr>
               <a:t>std</a:t>
             </a:r>
             <a:r>
-              <a:rPr kumimoji="0" lang="pt-PT" altLang="pt-PT" sz="1300" b="0" i="0" u="none" strike="noStrike" cap="none" normalizeH="0" baseline="0" dirty="0">
-                <a:ln>
-                  <a:noFill/>
-                </a:ln>
+              <a:rPr lang="pt-PT" altLang="pt-PT" sz="1300" dirty="0">
                 <a:solidFill>
-                  <a:srgbClr val="A9B7C6"/>
+                  <a:schemeClr val="accent5">
+                    <a:lumMod val="60000"/>
+                    <a:lumOff val="40000"/>
+                  </a:schemeClr>
                 </a:solidFill>
-                <a:effectLst/>
                 <a:latin typeface="JetBrains Mono"/>
               </a:rPr>
               <a:t>::</a:t>
             </a:r>
             <a:r>
-              <a:rPr kumimoji="0" lang="pt-PT" altLang="pt-PT" sz="1300" b="0" i="0" u="none" strike="noStrike" cap="none" normalizeH="0" baseline="0" dirty="0">
-                <a:ln>
-                  <a:noFill/>
-                </a:ln>
+              <a:rPr lang="pt-PT" altLang="pt-PT" sz="1300" dirty="0" err="1">
                 <a:solidFill>
-                  <a:srgbClr val="B5B6E3"/>
+                  <a:schemeClr val="accent5">
+                    <a:lumMod val="60000"/>
+                    <a:lumOff val="40000"/>
+                  </a:schemeClr>
                 </a:solidFill>
-                <a:effectLst/>
                 <a:latin typeface="JetBrains Mono"/>
               </a:rPr>
-              <a:t>exception </a:t>
-            </a:r>
-            <a:r>
-              <a:rPr kumimoji="0" lang="pt-PT" altLang="pt-PT" sz="1300" b="0" i="0" u="none" strike="noStrike" cap="none" normalizeH="0" baseline="0" dirty="0">
-                <a:ln>
-                  <a:noFill/>
-                </a:ln>
+              <a:t>exception</a:t>
+            </a:r>
+            <a:r>
+              <a:rPr lang="pt-PT" altLang="pt-PT" sz="1300" dirty="0">
                 <a:solidFill>
-                  <a:srgbClr val="A9B7C6"/>
+                  <a:schemeClr val="accent5">
+                    <a:lumMod val="60000"/>
+                    <a:lumOff val="40000"/>
+                  </a:schemeClr>
                 </a:solidFill>
-                <a:effectLst/>
                 <a:latin typeface="JetBrains Mono"/>
               </a:rPr>
-              <a:t>{}</a:t>
-            </a:r>
-            <a:r>
-              <a:rPr kumimoji="0" lang="pt-PT" altLang="pt-PT" sz="1300" b="0" i="0" u="none" strike="noStrike" cap="none" normalizeH="0" baseline="0" dirty="0">
-                <a:ln>
-                  <a:noFill/>
-                </a:ln>
-                <a:solidFill>
-                  <a:srgbClr val="CC7832"/>
-                </a:solidFill>
-                <a:effectLst/>
-                <a:latin typeface="JetBrains Mono"/>
-              </a:rPr>
-              <a:t>;</a:t>
-            </a:r>
-            <a:br>
-              <a:rPr kumimoji="0" lang="pt-PT" altLang="pt-PT" sz="1300" b="0" i="0" u="none" strike="noStrike" cap="none" normalizeH="0" baseline="0" dirty="0">
-                <a:ln>
-                  <a:noFill/>
-                </a:ln>
-                <a:solidFill>
-                  <a:srgbClr val="CC7832"/>
-                </a:solidFill>
-                <a:effectLst/>
-                <a:latin typeface="JetBrains Mono"/>
-              </a:rPr>
-            </a:br>
-            <a:br>
-              <a:rPr kumimoji="0" lang="pt-PT" altLang="pt-PT" sz="1300" b="0" i="0" u="none" strike="noStrike" cap="none" normalizeH="0" baseline="0" dirty="0">
-                <a:ln>
-                  <a:noFill/>
-                </a:ln>
-                <a:solidFill>
-                  <a:srgbClr val="CC7832"/>
-                </a:solidFill>
-                <a:effectLst/>
-                <a:latin typeface="JetBrains Mono"/>
-              </a:rPr>
-            </a:br>
-            <a:r>
-              <a:rPr kumimoji="0" lang="pt-PT" altLang="pt-PT" sz="1300" b="0" i="0" u="none" strike="noStrike" cap="none" normalizeH="0" baseline="0" dirty="0">
-                <a:ln>
-                  <a:noFill/>
-                </a:ln>
-                <a:solidFill>
-                  <a:srgbClr val="CC7832"/>
-                </a:solidFill>
-                <a:effectLst/>
-                <a:latin typeface="JetBrains Mono"/>
-              </a:rPr>
-              <a:t>class </a:t>
-            </a:r>
-            <a:r>
-              <a:rPr kumimoji="0" lang="pt-PT" altLang="pt-PT" sz="1300" b="0" i="0" u="none" strike="noStrike" cap="none" normalizeH="0" baseline="0" dirty="0">
-                <a:ln>
-                  <a:noFill/>
-                </a:ln>
-                <a:solidFill>
-                  <a:srgbClr val="B5B6E3"/>
-                </a:solidFill>
-                <a:effectLst/>
-                <a:latin typeface="JetBrains Mono"/>
-              </a:rPr>
-              <a:t>AlreadyStreaming </a:t>
-            </a:r>
-            <a:r>
-              <a:rPr kumimoji="0" lang="pt-PT" altLang="pt-PT" sz="1300" b="0" i="0" u="none" strike="noStrike" cap="none" normalizeH="0" baseline="0" dirty="0">
-                <a:ln>
-                  <a:noFill/>
-                </a:ln>
-                <a:solidFill>
-                  <a:srgbClr val="A9B7C6"/>
-                </a:solidFill>
-                <a:effectLst/>
-                <a:latin typeface="JetBrains Mono"/>
-              </a:rPr>
-              <a:t>: </a:t>
-            </a:r>
-            <a:r>
-              <a:rPr kumimoji="0" lang="pt-PT" altLang="pt-PT" sz="1300" b="0" i="0" u="none" strike="noStrike" cap="none" normalizeH="0" baseline="0" dirty="0">
-                <a:ln>
-                  <a:noFill/>
-                </a:ln>
-                <a:solidFill>
-                  <a:srgbClr val="B5B6E3"/>
-                </a:solidFill>
-                <a:effectLst/>
-                <a:latin typeface="JetBrains Mono"/>
-              </a:rPr>
-              <a:t>std</a:t>
-            </a:r>
-            <a:r>
-              <a:rPr kumimoji="0" lang="pt-PT" altLang="pt-PT" sz="1300" b="0" i="0" u="none" strike="noStrike" cap="none" normalizeH="0" baseline="0" dirty="0">
-                <a:ln>
-                  <a:noFill/>
-                </a:ln>
-                <a:solidFill>
-                  <a:srgbClr val="A9B7C6"/>
-                </a:solidFill>
-                <a:effectLst/>
-                <a:latin typeface="JetBrains Mono"/>
-              </a:rPr>
-              <a:t>::</a:t>
-            </a:r>
-            <a:r>
-              <a:rPr kumimoji="0" lang="pt-PT" altLang="pt-PT" sz="1300" b="0" i="0" u="none" strike="noStrike" cap="none" normalizeH="0" baseline="0" dirty="0">
-                <a:ln>
-                  <a:noFill/>
-                </a:ln>
-                <a:solidFill>
-                  <a:srgbClr val="B5B6E3"/>
-                </a:solidFill>
-                <a:effectLst/>
-                <a:latin typeface="JetBrains Mono"/>
-              </a:rPr>
-              <a:t>exception </a:t>
-            </a:r>
-            <a:r>
-              <a:rPr kumimoji="0" lang="pt-PT" altLang="pt-PT" sz="1300" b="0" i="0" u="none" strike="noStrike" cap="none" normalizeH="0" baseline="0" dirty="0">
-                <a:ln>
-                  <a:noFill/>
-                </a:ln>
-                <a:solidFill>
-                  <a:srgbClr val="A9B7C6"/>
-                </a:solidFill>
-                <a:effectLst/>
-                <a:latin typeface="JetBrains Mono"/>
-              </a:rPr>
-              <a:t>{}</a:t>
-            </a:r>
-            <a:r>
-              <a:rPr kumimoji="0" lang="pt-PT" altLang="pt-PT" sz="1300" b="0" i="0" u="none" strike="noStrike" cap="none" normalizeH="0" baseline="0" dirty="0">
-                <a:ln>
-                  <a:noFill/>
-                </a:ln>
-                <a:solidFill>
-                  <a:srgbClr val="CC7832"/>
-                </a:solidFill>
-                <a:effectLst/>
-                <a:latin typeface="JetBrains Mono"/>
-              </a:rPr>
-              <a:t>;</a:t>
-            </a:r>
-            <a:br>
-              <a:rPr kumimoji="0" lang="pt-PT" altLang="pt-PT" sz="1300" b="0" i="0" u="none" strike="noStrike" cap="none" normalizeH="0" baseline="0" dirty="0">
-                <a:ln>
-                  <a:noFill/>
-                </a:ln>
-                <a:solidFill>
-                  <a:srgbClr val="CC7832"/>
-                </a:solidFill>
-                <a:effectLst/>
-                <a:latin typeface="JetBrains Mono"/>
-              </a:rPr>
-            </a:br>
-            <a:br>
-              <a:rPr kumimoji="0" lang="pt-PT" altLang="pt-PT" sz="1300" b="0" i="0" u="none" strike="noStrike" cap="none" normalizeH="0" baseline="0" dirty="0">
-                <a:ln>
-                  <a:noFill/>
-                </a:ln>
-                <a:solidFill>
-                  <a:srgbClr val="CC7832"/>
-                </a:solidFill>
-                <a:effectLst/>
-                <a:latin typeface="JetBrains Mono"/>
-              </a:rPr>
-            </a:br>
-            <a:r>
-              <a:rPr kumimoji="0" lang="pt-PT" altLang="pt-PT" sz="1300" b="0" i="0" u="none" strike="noStrike" cap="none" normalizeH="0" baseline="0" dirty="0">
-                <a:ln>
-                  <a:noFill/>
-                </a:ln>
-                <a:solidFill>
-                  <a:srgbClr val="CC7832"/>
-                </a:solidFill>
-                <a:effectLst/>
-                <a:latin typeface="JetBrains Mono"/>
-              </a:rPr>
-              <a:t>class </a:t>
-            </a:r>
-            <a:r>
-              <a:rPr kumimoji="0" lang="pt-PT" altLang="pt-PT" sz="1300" b="0" i="0" u="none" strike="noStrike" cap="none" normalizeH="0" baseline="0" dirty="0">
-                <a:ln>
-                  <a:noFill/>
-                </a:ln>
-                <a:solidFill>
-                  <a:srgbClr val="B5B6E3"/>
-                </a:solidFill>
-                <a:effectLst/>
-                <a:latin typeface="JetBrains Mono"/>
-              </a:rPr>
-              <a:t>AlreadyInteracted </a:t>
-            </a:r>
-            <a:r>
-              <a:rPr kumimoji="0" lang="pt-PT" altLang="pt-PT" sz="1300" b="0" i="0" u="none" strike="noStrike" cap="none" normalizeH="0" baseline="0" dirty="0">
-                <a:ln>
-                  <a:noFill/>
-                </a:ln>
-                <a:solidFill>
-                  <a:srgbClr val="A9B7C6"/>
-                </a:solidFill>
-                <a:effectLst/>
-                <a:latin typeface="JetBrains Mono"/>
-              </a:rPr>
-              <a:t>: </a:t>
-            </a:r>
-            <a:r>
-              <a:rPr kumimoji="0" lang="pt-PT" altLang="pt-PT" sz="1300" b="0" i="0" u="none" strike="noStrike" cap="none" normalizeH="0" baseline="0" dirty="0">
-                <a:ln>
-                  <a:noFill/>
-                </a:ln>
-                <a:solidFill>
-                  <a:srgbClr val="B5B6E3"/>
-                </a:solidFill>
-                <a:effectLst/>
-                <a:latin typeface="JetBrains Mono"/>
-              </a:rPr>
-              <a:t>std</a:t>
-            </a:r>
-            <a:r>
-              <a:rPr kumimoji="0" lang="pt-PT" altLang="pt-PT" sz="1300" b="0" i="0" u="none" strike="noStrike" cap="none" normalizeH="0" baseline="0" dirty="0">
-                <a:ln>
-                  <a:noFill/>
-                </a:ln>
-                <a:solidFill>
-                  <a:srgbClr val="A9B7C6"/>
-                </a:solidFill>
-                <a:effectLst/>
-                <a:latin typeface="JetBrains Mono"/>
-              </a:rPr>
-              <a:t>::</a:t>
-            </a:r>
-            <a:r>
-              <a:rPr kumimoji="0" lang="pt-PT" altLang="pt-PT" sz="1300" b="0" i="0" u="none" strike="noStrike" cap="none" normalizeH="0" baseline="0" dirty="0">
-                <a:ln>
-                  <a:noFill/>
-                </a:ln>
-                <a:solidFill>
-                  <a:srgbClr val="B5B6E3"/>
-                </a:solidFill>
-                <a:effectLst/>
-                <a:latin typeface="JetBrains Mono"/>
-              </a:rPr>
-              <a:t>exception </a:t>
-            </a:r>
-            <a:r>
-              <a:rPr kumimoji="0" lang="pt-PT" altLang="pt-PT" sz="1300" b="0" i="0" u="none" strike="noStrike" cap="none" normalizeH="0" baseline="0" dirty="0">
-                <a:ln>
-                  <a:noFill/>
-                </a:ln>
-                <a:solidFill>
-                  <a:srgbClr val="A9B7C6"/>
-                </a:solidFill>
-                <a:effectLst/>
-                <a:latin typeface="JetBrains Mono"/>
-              </a:rPr>
-              <a:t>{}</a:t>
-            </a:r>
-            <a:r>
-              <a:rPr kumimoji="0" lang="pt-PT" altLang="pt-PT" sz="1300" b="0" i="0" u="none" strike="noStrike" cap="none" normalizeH="0" baseline="0" dirty="0">
-                <a:ln>
-                  <a:noFill/>
-                </a:ln>
-                <a:solidFill>
-                  <a:srgbClr val="CC7832"/>
-                </a:solidFill>
-                <a:effectLst/>
-                <a:latin typeface="JetBrains Mono"/>
-              </a:rPr>
-              <a:t>;</a:t>
-            </a:r>
-            <a:br>
-              <a:rPr kumimoji="0" lang="pt-PT" altLang="pt-PT" sz="1300" b="0" i="0" u="none" strike="noStrike" cap="none" normalizeH="0" baseline="0" dirty="0">
-                <a:ln>
-                  <a:noFill/>
-                </a:ln>
-                <a:solidFill>
-                  <a:srgbClr val="CC7832"/>
-                </a:solidFill>
-                <a:effectLst/>
-                <a:latin typeface="JetBrains Mono"/>
-              </a:rPr>
-            </a:br>
-            <a:br>
-              <a:rPr kumimoji="0" lang="pt-PT" altLang="pt-PT" sz="1300" b="0" i="0" u="none" strike="noStrike" cap="none" normalizeH="0" baseline="0" dirty="0">
-                <a:ln>
-                  <a:noFill/>
-                </a:ln>
-                <a:solidFill>
-                  <a:srgbClr val="CC7832"/>
-                </a:solidFill>
-                <a:effectLst/>
-                <a:latin typeface="JetBrains Mono"/>
-              </a:rPr>
-            </a:br>
-            <a:r>
-              <a:rPr kumimoji="0" lang="pt-PT" altLang="pt-PT" sz="1300" b="0" i="0" u="none" strike="noStrike" cap="none" normalizeH="0" baseline="0" dirty="0">
-                <a:ln>
-                  <a:noFill/>
-                </a:ln>
-                <a:solidFill>
-                  <a:srgbClr val="CC7832"/>
-                </a:solidFill>
-                <a:effectLst/>
-                <a:latin typeface="JetBrains Mono"/>
-              </a:rPr>
-              <a:t>class </a:t>
-            </a:r>
-            <a:r>
-              <a:rPr kumimoji="0" lang="pt-PT" altLang="pt-PT" sz="1300" b="0" i="0" u="none" strike="noStrike" cap="none" normalizeH="0" baseline="0" dirty="0">
-                <a:ln>
-                  <a:noFill/>
-                </a:ln>
-                <a:solidFill>
-                  <a:srgbClr val="B5B6E3"/>
-                </a:solidFill>
-                <a:effectLst/>
-                <a:latin typeface="JetBrains Mono"/>
-              </a:rPr>
-              <a:t>HasNotInteracted </a:t>
-            </a:r>
-            <a:r>
-              <a:rPr kumimoji="0" lang="pt-PT" altLang="pt-PT" sz="1300" b="0" i="0" u="none" strike="noStrike" cap="none" normalizeH="0" baseline="0" dirty="0">
-                <a:ln>
-                  <a:noFill/>
-                </a:ln>
-                <a:solidFill>
-                  <a:srgbClr val="A9B7C6"/>
-                </a:solidFill>
-                <a:effectLst/>
-                <a:latin typeface="JetBrains Mono"/>
-              </a:rPr>
-              <a:t>: </a:t>
-            </a:r>
-            <a:r>
-              <a:rPr kumimoji="0" lang="pt-PT" altLang="pt-PT" sz="1300" b="0" i="0" u="none" strike="noStrike" cap="none" normalizeH="0" baseline="0" dirty="0">
-                <a:ln>
-                  <a:noFill/>
-                </a:ln>
-                <a:solidFill>
-                  <a:srgbClr val="B5B6E3"/>
-                </a:solidFill>
-                <a:effectLst/>
-                <a:latin typeface="JetBrains Mono"/>
-              </a:rPr>
-              <a:t>std</a:t>
-            </a:r>
-            <a:r>
-              <a:rPr kumimoji="0" lang="pt-PT" altLang="pt-PT" sz="1300" b="0" i="0" u="none" strike="noStrike" cap="none" normalizeH="0" baseline="0" dirty="0">
-                <a:ln>
-                  <a:noFill/>
-                </a:ln>
-                <a:solidFill>
-                  <a:srgbClr val="A9B7C6"/>
-                </a:solidFill>
-                <a:effectLst/>
-                <a:latin typeface="JetBrains Mono"/>
-              </a:rPr>
-              <a:t>::</a:t>
-            </a:r>
-            <a:r>
-              <a:rPr kumimoji="0" lang="pt-PT" altLang="pt-PT" sz="1300" b="0" i="0" u="none" strike="noStrike" cap="none" normalizeH="0" baseline="0" dirty="0">
-                <a:ln>
-                  <a:noFill/>
-                </a:ln>
-                <a:solidFill>
-                  <a:srgbClr val="B5B6E3"/>
-                </a:solidFill>
-                <a:effectLst/>
-                <a:latin typeface="JetBrains Mono"/>
-              </a:rPr>
-              <a:t>exception </a:t>
-            </a:r>
-            <a:r>
-              <a:rPr kumimoji="0" lang="pt-PT" altLang="pt-PT" sz="1300" b="0" i="0" u="none" strike="noStrike" cap="none" normalizeH="0" baseline="0" dirty="0">
-                <a:ln>
-                  <a:noFill/>
-                </a:ln>
-                <a:solidFill>
-                  <a:srgbClr val="A9B7C6"/>
-                </a:solidFill>
-                <a:effectLst/>
-                <a:latin typeface="JetBrains Mono"/>
-              </a:rPr>
-              <a:t>{}</a:t>
-            </a:r>
-            <a:r>
-              <a:rPr kumimoji="0" lang="pt-PT" altLang="pt-PT" sz="1300" b="0" i="0" u="none" strike="noStrike" cap="none" normalizeH="0" baseline="0" dirty="0">
-                <a:ln>
-                  <a:noFill/>
-                </a:ln>
-                <a:solidFill>
-                  <a:srgbClr val="CC7832"/>
-                </a:solidFill>
-                <a:effectLst/>
-                <a:latin typeface="JetBrains Mono"/>
-              </a:rPr>
-              <a:t>;</a:t>
-            </a:r>
-            <a:br>
-              <a:rPr kumimoji="0" lang="pt-PT" altLang="pt-PT" sz="1300" b="0" i="0" u="none" strike="noStrike" cap="none" normalizeH="0" baseline="0" dirty="0">
-                <a:ln>
-                  <a:noFill/>
-                </a:ln>
-                <a:solidFill>
-                  <a:srgbClr val="CC7832"/>
-                </a:solidFill>
-                <a:effectLst/>
-                <a:latin typeface="JetBrains Mono"/>
-              </a:rPr>
-            </a:br>
-            <a:br>
-              <a:rPr kumimoji="0" lang="pt-PT" altLang="pt-PT" sz="1300" b="0" i="0" u="none" strike="noStrike" cap="none" normalizeH="0" baseline="0" dirty="0">
-                <a:ln>
-                  <a:noFill/>
-                </a:ln>
-                <a:solidFill>
-                  <a:srgbClr val="CC7832"/>
-                </a:solidFill>
-                <a:effectLst/>
-                <a:latin typeface="JetBrains Mono"/>
-              </a:rPr>
-            </a:br>
-            <a:r>
-              <a:rPr kumimoji="0" lang="pt-PT" altLang="pt-PT" sz="1300" b="0" i="0" u="none" strike="noStrike" cap="none" normalizeH="0" baseline="0" dirty="0">
-                <a:ln>
-                  <a:noFill/>
-                </a:ln>
-                <a:solidFill>
-                  <a:srgbClr val="CC7832"/>
-                </a:solidFill>
-                <a:effectLst/>
-                <a:latin typeface="JetBrains Mono"/>
-              </a:rPr>
-              <a:t>class </a:t>
-            </a:r>
-            <a:r>
-              <a:rPr kumimoji="0" lang="pt-PT" altLang="pt-PT" sz="1300" b="0" i="0" u="none" strike="noStrike" cap="none" normalizeH="0" baseline="0" dirty="0">
-                <a:ln>
-                  <a:noFill/>
-                </a:ln>
-                <a:solidFill>
-                  <a:srgbClr val="B5B6E3"/>
-                </a:solidFill>
-                <a:effectLst/>
-                <a:latin typeface="JetBrains Mono"/>
-              </a:rPr>
-              <a:t>FullCapacity </a:t>
-            </a:r>
-            <a:r>
-              <a:rPr kumimoji="0" lang="pt-PT" altLang="pt-PT" sz="1300" b="0" i="0" u="none" strike="noStrike" cap="none" normalizeH="0" baseline="0" dirty="0">
-                <a:ln>
-                  <a:noFill/>
-                </a:ln>
-                <a:solidFill>
-                  <a:srgbClr val="A9B7C6"/>
-                </a:solidFill>
-                <a:effectLst/>
-                <a:latin typeface="JetBrains Mono"/>
-              </a:rPr>
-              <a:t>: </a:t>
-            </a:r>
-            <a:r>
-              <a:rPr kumimoji="0" lang="pt-PT" altLang="pt-PT" sz="1300" b="0" i="0" u="none" strike="noStrike" cap="none" normalizeH="0" baseline="0" dirty="0">
-                <a:ln>
-                  <a:noFill/>
-                </a:ln>
-                <a:solidFill>
-                  <a:srgbClr val="B5B6E3"/>
-                </a:solidFill>
-                <a:effectLst/>
-                <a:latin typeface="JetBrains Mono"/>
-              </a:rPr>
-              <a:t>std</a:t>
-            </a:r>
-            <a:r>
-              <a:rPr kumimoji="0" lang="pt-PT" altLang="pt-PT" sz="1300" b="0" i="0" u="none" strike="noStrike" cap="none" normalizeH="0" baseline="0" dirty="0">
-                <a:ln>
-                  <a:noFill/>
-                </a:ln>
-                <a:solidFill>
-                  <a:srgbClr val="A9B7C6"/>
-                </a:solidFill>
-                <a:effectLst/>
-                <a:latin typeface="JetBrains Mono"/>
-              </a:rPr>
-              <a:t>::</a:t>
-            </a:r>
-            <a:r>
-              <a:rPr kumimoji="0" lang="pt-PT" altLang="pt-PT" sz="1300" b="0" i="0" u="none" strike="noStrike" cap="none" normalizeH="0" baseline="0" dirty="0">
-                <a:ln>
-                  <a:noFill/>
-                </a:ln>
-                <a:solidFill>
-                  <a:srgbClr val="B5B6E3"/>
-                </a:solidFill>
-                <a:effectLst/>
-                <a:latin typeface="JetBrains Mono"/>
-              </a:rPr>
-              <a:t>exception</a:t>
-            </a:r>
-            <a:r>
-              <a:rPr kumimoji="0" lang="pt-PT" altLang="pt-PT" sz="1300" b="0" i="0" u="none" strike="noStrike" cap="none" normalizeH="0" baseline="0" dirty="0">
-                <a:ln>
-                  <a:noFill/>
-                </a:ln>
-                <a:solidFill>
-                  <a:srgbClr val="A9B7C6"/>
-                </a:solidFill>
-                <a:effectLst/>
-                <a:latin typeface="JetBrains Mono"/>
-              </a:rPr>
-              <a:t>{}</a:t>
-            </a:r>
-            <a:r>
-              <a:rPr kumimoji="0" lang="pt-PT" altLang="pt-PT" sz="1300" b="0" i="0" u="none" strike="noStrike" cap="none" normalizeH="0" baseline="0" dirty="0">
-                <a:ln>
-                  <a:noFill/>
-                </a:ln>
-                <a:solidFill>
-                  <a:srgbClr val="CC7832"/>
-                </a:solidFill>
-                <a:effectLst/>
-                <a:latin typeface="JetBrains Mono"/>
-              </a:rPr>
-              <a:t>;</a:t>
-            </a:r>
-            <a:br>
-              <a:rPr kumimoji="0" lang="pt-PT" altLang="pt-PT" sz="1300" b="0" i="0" u="none" strike="noStrike" cap="none" normalizeH="0" baseline="0" dirty="0">
-                <a:ln>
-                  <a:noFill/>
-                </a:ln>
-                <a:solidFill>
-                  <a:srgbClr val="CC7832"/>
-                </a:solidFill>
-                <a:effectLst/>
-                <a:latin typeface="JetBrains Mono"/>
-              </a:rPr>
-            </a:br>
-            <a:br>
-              <a:rPr kumimoji="0" lang="pt-PT" altLang="pt-PT" sz="1300" b="0" i="0" u="none" strike="noStrike" cap="none" normalizeH="0" baseline="0" dirty="0">
-                <a:ln>
-                  <a:noFill/>
-                </a:ln>
-                <a:solidFill>
-                  <a:srgbClr val="CC7832"/>
-                </a:solidFill>
-                <a:effectLst/>
-                <a:latin typeface="JetBrains Mono"/>
-              </a:rPr>
-            </a:br>
-            <a:r>
-              <a:rPr kumimoji="0" lang="pt-PT" altLang="pt-PT" sz="1300" b="0" i="0" u="none" strike="noStrike" cap="none" normalizeH="0" baseline="0" dirty="0">
-                <a:ln>
-                  <a:noFill/>
-                </a:ln>
-                <a:solidFill>
-                  <a:srgbClr val="CC7832"/>
-                </a:solidFill>
-                <a:effectLst/>
-                <a:latin typeface="JetBrains Mono"/>
-              </a:rPr>
-              <a:t>class </a:t>
-            </a:r>
-            <a:r>
-              <a:rPr kumimoji="0" lang="pt-PT" altLang="pt-PT" sz="1300" b="0" i="0" u="none" strike="noStrike" cap="none" normalizeH="0" baseline="0" dirty="0">
-                <a:ln>
-                  <a:noFill/>
-                </a:ln>
-                <a:solidFill>
-                  <a:srgbClr val="B5B6E3"/>
-                </a:solidFill>
-                <a:effectLst/>
-                <a:latin typeface="JetBrains Mono"/>
-              </a:rPr>
-              <a:t>InactiveUser </a:t>
-            </a:r>
-            <a:r>
-              <a:rPr kumimoji="0" lang="pt-PT" altLang="pt-PT" sz="1300" b="0" i="0" u="none" strike="noStrike" cap="none" normalizeH="0" baseline="0" dirty="0">
-                <a:ln>
-                  <a:noFill/>
-                </a:ln>
-                <a:solidFill>
-                  <a:srgbClr val="A9B7C6"/>
-                </a:solidFill>
-                <a:effectLst/>
-                <a:latin typeface="JetBrains Mono"/>
-              </a:rPr>
-              <a:t>: </a:t>
-            </a:r>
-            <a:r>
-              <a:rPr kumimoji="0" lang="pt-PT" altLang="pt-PT" sz="1300" b="0" i="0" u="none" strike="noStrike" cap="none" normalizeH="0" baseline="0" dirty="0">
-                <a:ln>
-                  <a:noFill/>
-                </a:ln>
-                <a:solidFill>
-                  <a:srgbClr val="B5B6E3"/>
-                </a:solidFill>
-                <a:effectLst/>
-                <a:latin typeface="JetBrains Mono"/>
-              </a:rPr>
-              <a:t>std</a:t>
-            </a:r>
-            <a:r>
-              <a:rPr kumimoji="0" lang="pt-PT" altLang="pt-PT" sz="1300" b="0" i="0" u="none" strike="noStrike" cap="none" normalizeH="0" baseline="0" dirty="0">
-                <a:ln>
-                  <a:noFill/>
-                </a:ln>
-                <a:solidFill>
-                  <a:srgbClr val="A9B7C6"/>
-                </a:solidFill>
-                <a:effectLst/>
-                <a:latin typeface="JetBrains Mono"/>
-              </a:rPr>
-              <a:t>::</a:t>
-            </a:r>
-            <a:r>
-              <a:rPr kumimoji="0" lang="pt-PT" altLang="pt-PT" sz="1300" b="0" i="0" u="none" strike="noStrike" cap="none" normalizeH="0" baseline="0" dirty="0">
-                <a:ln>
-                  <a:noFill/>
-                </a:ln>
-                <a:solidFill>
-                  <a:srgbClr val="B5B6E3"/>
-                </a:solidFill>
-                <a:effectLst/>
-                <a:latin typeface="JetBrains Mono"/>
-              </a:rPr>
-              <a:t>exception</a:t>
-            </a:r>
-            <a:r>
-              <a:rPr kumimoji="0" lang="pt-PT" altLang="pt-PT" sz="1300" b="0" i="0" u="none" strike="noStrike" cap="none" normalizeH="0" baseline="0" dirty="0">
-                <a:ln>
-                  <a:noFill/>
-                </a:ln>
-                <a:solidFill>
-                  <a:srgbClr val="A9B7C6"/>
-                </a:solidFill>
-                <a:effectLst/>
-                <a:latin typeface="JetBrains Mono"/>
-              </a:rPr>
-              <a:t>{}</a:t>
-            </a:r>
-            <a:r>
-              <a:rPr kumimoji="0" lang="pt-PT" altLang="pt-PT" sz="1300" b="0" i="0" u="none" strike="noStrike" cap="none" normalizeH="0" baseline="0" dirty="0">
-                <a:ln>
-                  <a:noFill/>
-                </a:ln>
-                <a:solidFill>
-                  <a:srgbClr val="CC7832"/>
-                </a:solidFill>
-                <a:effectLst/>
-                <a:latin typeface="JetBrains Mono"/>
-              </a:rPr>
-              <a:t>;</a:t>
-            </a:r>
-            <a:br>
-              <a:rPr kumimoji="0" lang="pt-PT" altLang="pt-PT" sz="1300" b="0" i="0" u="none" strike="noStrike" cap="none" normalizeH="0" baseline="0" dirty="0">
-                <a:ln>
-                  <a:noFill/>
-                </a:ln>
-                <a:solidFill>
-                  <a:srgbClr val="CC7832"/>
-                </a:solidFill>
-                <a:effectLst/>
-                <a:latin typeface="JetBrains Mono"/>
-              </a:rPr>
-            </a:br>
-            <a:br>
-              <a:rPr kumimoji="0" lang="pt-PT" altLang="pt-PT" sz="1300" b="0" i="0" u="none" strike="noStrike" cap="none" normalizeH="0" baseline="0" dirty="0">
-                <a:ln>
-                  <a:noFill/>
-                </a:ln>
-                <a:solidFill>
-                  <a:srgbClr val="CC7832"/>
-                </a:solidFill>
-                <a:effectLst/>
-                <a:latin typeface="JetBrains Mono"/>
-              </a:rPr>
-            </a:br>
-            <a:r>
-              <a:rPr kumimoji="0" lang="pt-PT" altLang="pt-PT" sz="1300" b="0" i="0" u="none" strike="noStrike" cap="none" normalizeH="0" baseline="0" dirty="0">
-                <a:ln>
-                  <a:noFill/>
-                </a:ln>
-                <a:solidFill>
-                  <a:srgbClr val="CC7832"/>
-                </a:solidFill>
-                <a:effectLst/>
-                <a:latin typeface="JetBrains Mono"/>
-              </a:rPr>
-              <a:t>class </a:t>
-            </a:r>
-            <a:r>
-              <a:rPr kumimoji="0" lang="pt-PT" altLang="pt-PT" sz="1300" b="0" i="0" u="none" strike="noStrike" cap="none" normalizeH="0" baseline="0" dirty="0">
-                <a:ln>
-                  <a:noFill/>
-                </a:ln>
-                <a:solidFill>
-                  <a:srgbClr val="B5B6E3"/>
-                </a:solidFill>
-                <a:effectLst/>
-                <a:latin typeface="JetBrains Mono"/>
-              </a:rPr>
-              <a:t>UnauthorizedViewer </a:t>
-            </a:r>
-            <a:r>
-              <a:rPr kumimoji="0" lang="pt-PT" altLang="pt-PT" sz="1300" b="0" i="0" u="none" strike="noStrike" cap="none" normalizeH="0" baseline="0" dirty="0">
-                <a:ln>
-                  <a:noFill/>
-                </a:ln>
-                <a:solidFill>
-                  <a:srgbClr val="A9B7C6"/>
-                </a:solidFill>
-                <a:effectLst/>
-                <a:latin typeface="JetBrains Mono"/>
-              </a:rPr>
-              <a:t>: </a:t>
-            </a:r>
-            <a:r>
-              <a:rPr kumimoji="0" lang="pt-PT" altLang="pt-PT" sz="1300" b="0" i="0" u="none" strike="noStrike" cap="none" normalizeH="0" baseline="0" dirty="0">
-                <a:ln>
-                  <a:noFill/>
-                </a:ln>
-                <a:solidFill>
-                  <a:srgbClr val="B5B6E3"/>
-                </a:solidFill>
-                <a:effectLst/>
-                <a:latin typeface="JetBrains Mono"/>
-              </a:rPr>
-              <a:t>std</a:t>
-            </a:r>
-            <a:r>
-              <a:rPr kumimoji="0" lang="pt-PT" altLang="pt-PT" sz="1300" b="0" i="0" u="none" strike="noStrike" cap="none" normalizeH="0" baseline="0" dirty="0">
-                <a:ln>
-                  <a:noFill/>
-                </a:ln>
-                <a:solidFill>
-                  <a:srgbClr val="A9B7C6"/>
-                </a:solidFill>
-                <a:effectLst/>
-                <a:latin typeface="JetBrains Mono"/>
-              </a:rPr>
-              <a:t>::</a:t>
-            </a:r>
-            <a:r>
-              <a:rPr kumimoji="0" lang="pt-PT" altLang="pt-PT" sz="1300" b="0" i="0" u="none" strike="noStrike" cap="none" normalizeH="0" baseline="0" dirty="0">
-                <a:ln>
-                  <a:noFill/>
-                </a:ln>
-                <a:solidFill>
-                  <a:srgbClr val="B5B6E3"/>
-                </a:solidFill>
-                <a:effectLst/>
-                <a:latin typeface="JetBrains Mono"/>
-              </a:rPr>
-              <a:t>exception</a:t>
-            </a:r>
-            <a:r>
-              <a:rPr kumimoji="0" lang="pt-PT" altLang="pt-PT" sz="1300" b="0" i="0" u="none" strike="noStrike" cap="none" normalizeH="0" baseline="0" dirty="0">
-                <a:ln>
-                  <a:noFill/>
-                </a:ln>
-                <a:solidFill>
-                  <a:srgbClr val="A9B7C6"/>
-                </a:solidFill>
-                <a:effectLst/>
-                <a:latin typeface="JetBrains Mono"/>
-              </a:rPr>
-              <a:t>{}</a:t>
-            </a:r>
-            <a:r>
-              <a:rPr kumimoji="0" lang="pt-PT" altLang="pt-PT" sz="1300" b="0" i="0" u="none" strike="noStrike" cap="none" normalizeH="0" baseline="0" dirty="0">
-                <a:ln>
-                  <a:noFill/>
-                </a:ln>
-                <a:solidFill>
-                  <a:srgbClr val="CC7832"/>
-                </a:solidFill>
-                <a:effectLst/>
-                <a:latin typeface="JetBrains Mono"/>
-              </a:rPr>
-              <a:t>;</a:t>
-            </a:r>
-            <a:br>
-              <a:rPr kumimoji="0" lang="pt-PT" altLang="pt-PT" sz="1300" b="0" i="0" u="none" strike="noStrike" cap="none" normalizeH="0" baseline="0" dirty="0">
-                <a:ln>
-                  <a:noFill/>
-                </a:ln>
-                <a:solidFill>
-                  <a:srgbClr val="CC7832"/>
-                </a:solidFill>
-                <a:effectLst/>
-                <a:latin typeface="JetBrains Mono"/>
-              </a:rPr>
-            </a:br>
-            <a:br>
-              <a:rPr kumimoji="0" lang="pt-PT" altLang="pt-PT" sz="1300" b="0" i="0" u="none" strike="noStrike" cap="none" normalizeH="0" baseline="0" dirty="0">
-                <a:ln>
-                  <a:noFill/>
-                </a:ln>
-                <a:solidFill>
-                  <a:srgbClr val="CC7832"/>
-                </a:solidFill>
-                <a:effectLst/>
-                <a:latin typeface="JetBrains Mono"/>
-              </a:rPr>
-            </a:br>
-            <a:r>
-              <a:rPr kumimoji="0" lang="pt-PT" altLang="pt-PT" sz="1300" b="0" i="0" u="none" strike="noStrike" cap="none" normalizeH="0" baseline="0" dirty="0">
-                <a:ln>
-                  <a:noFill/>
-                </a:ln>
-                <a:solidFill>
-                  <a:srgbClr val="CC7832"/>
-                </a:solidFill>
-                <a:effectLst/>
-                <a:latin typeface="JetBrains Mono"/>
-              </a:rPr>
-              <a:t>class </a:t>
-            </a:r>
-            <a:r>
-              <a:rPr kumimoji="0" lang="pt-PT" altLang="pt-PT" sz="1300" b="0" i="0" u="none" strike="noStrike" cap="none" normalizeH="0" baseline="0" dirty="0">
-                <a:ln>
-                  <a:noFill/>
-                </a:ln>
-                <a:solidFill>
-                  <a:srgbClr val="B5B6E3"/>
-                </a:solidFill>
-                <a:effectLst/>
-                <a:latin typeface="JetBrains Mono"/>
-              </a:rPr>
-              <a:t>NotInPrivateStream </a:t>
-            </a:r>
-            <a:r>
-              <a:rPr kumimoji="0" lang="pt-PT" altLang="pt-PT" sz="1300" b="0" i="0" u="none" strike="noStrike" cap="none" normalizeH="0" baseline="0" dirty="0">
-                <a:ln>
-                  <a:noFill/>
-                </a:ln>
-                <a:solidFill>
-                  <a:srgbClr val="A9B7C6"/>
-                </a:solidFill>
-                <a:effectLst/>
-                <a:latin typeface="JetBrains Mono"/>
-              </a:rPr>
-              <a:t>: </a:t>
-            </a:r>
-            <a:r>
-              <a:rPr kumimoji="0" lang="pt-PT" altLang="pt-PT" sz="1300" b="0" i="0" u="none" strike="noStrike" cap="none" normalizeH="0" baseline="0" dirty="0">
-                <a:ln>
-                  <a:noFill/>
-                </a:ln>
-                <a:solidFill>
-                  <a:srgbClr val="B5B6E3"/>
-                </a:solidFill>
-                <a:effectLst/>
-                <a:latin typeface="JetBrains Mono"/>
-              </a:rPr>
-              <a:t>std</a:t>
-            </a:r>
-            <a:r>
-              <a:rPr kumimoji="0" lang="pt-PT" altLang="pt-PT" sz="1300" b="0" i="0" u="none" strike="noStrike" cap="none" normalizeH="0" baseline="0" dirty="0">
-                <a:ln>
-                  <a:noFill/>
-                </a:ln>
-                <a:solidFill>
-                  <a:srgbClr val="A9B7C6"/>
-                </a:solidFill>
-                <a:effectLst/>
-                <a:latin typeface="JetBrains Mono"/>
-              </a:rPr>
-              <a:t>::</a:t>
-            </a:r>
-            <a:r>
-              <a:rPr kumimoji="0" lang="pt-PT" altLang="pt-PT" sz="1300" b="0" i="0" u="none" strike="noStrike" cap="none" normalizeH="0" baseline="0" dirty="0">
-                <a:ln>
-                  <a:noFill/>
-                </a:ln>
-                <a:solidFill>
-                  <a:srgbClr val="B5B6E3"/>
-                </a:solidFill>
-                <a:effectLst/>
-                <a:latin typeface="JetBrains Mono"/>
-              </a:rPr>
-              <a:t>exception</a:t>
-            </a:r>
-            <a:r>
-              <a:rPr kumimoji="0" lang="pt-PT" altLang="pt-PT" sz="1300" b="0" i="0" u="none" strike="noStrike" cap="none" normalizeH="0" baseline="0" dirty="0">
-                <a:ln>
-                  <a:noFill/>
-                </a:ln>
-                <a:solidFill>
-                  <a:srgbClr val="A9B7C6"/>
-                </a:solidFill>
-                <a:effectLst/>
-                <a:latin typeface="JetBrains Mono"/>
-              </a:rPr>
-              <a:t>{}</a:t>
-            </a:r>
-            <a:r>
-              <a:rPr kumimoji="0" lang="pt-PT" altLang="pt-PT" sz="1300" b="0" i="0" u="none" strike="noStrike" cap="none" normalizeH="0" baseline="0" dirty="0">
-                <a:ln>
-                  <a:noFill/>
-                </a:ln>
-                <a:solidFill>
-                  <a:srgbClr val="CC7832"/>
-                </a:solidFill>
-                <a:effectLst/>
-                <a:latin typeface="JetBrains Mono"/>
-              </a:rPr>
-              <a:t>;</a:t>
-            </a:r>
-            <a:br>
-              <a:rPr kumimoji="0" lang="pt-PT" altLang="pt-PT" sz="1300" b="0" i="0" u="none" strike="noStrike" cap="none" normalizeH="0" baseline="0" dirty="0">
-                <a:ln>
-                  <a:noFill/>
-                </a:ln>
-                <a:solidFill>
-                  <a:srgbClr val="CC7832"/>
-                </a:solidFill>
-                <a:effectLst/>
-                <a:latin typeface="JetBrains Mono"/>
-              </a:rPr>
-            </a:br>
-            <a:br>
-              <a:rPr kumimoji="0" lang="pt-PT" altLang="pt-PT" sz="1300" b="0" i="0" u="none" strike="noStrike" cap="none" normalizeH="0" baseline="0" dirty="0">
-                <a:ln>
-                  <a:noFill/>
-                </a:ln>
-                <a:solidFill>
-                  <a:srgbClr val="CC7832"/>
-                </a:solidFill>
-                <a:effectLst/>
-                <a:latin typeface="JetBrains Mono"/>
-              </a:rPr>
-            </a:br>
-            <a:r>
-              <a:rPr kumimoji="0" lang="pt-PT" altLang="pt-PT" sz="1300" b="0" i="0" u="none" strike="noStrike" cap="none" normalizeH="0" baseline="0" dirty="0">
-                <a:ln>
-                  <a:noFill/>
-                </a:ln>
-                <a:solidFill>
-                  <a:srgbClr val="CC7832"/>
-                </a:solidFill>
-                <a:effectLst/>
-                <a:latin typeface="JetBrains Mono"/>
-              </a:rPr>
-              <a:t>class </a:t>
-            </a:r>
-            <a:r>
-              <a:rPr kumimoji="0" lang="pt-PT" altLang="pt-PT" sz="1300" b="0" i="0" u="none" strike="noStrike" cap="none" normalizeH="0" baseline="0" dirty="0">
-                <a:ln>
-                  <a:noFill/>
-                </a:ln>
-                <a:solidFill>
-                  <a:srgbClr val="B5B6E3"/>
-                </a:solidFill>
-                <a:effectLst/>
-                <a:latin typeface="JetBrains Mono"/>
-              </a:rPr>
-              <a:t>NoMinimumAge </a:t>
-            </a:r>
-            <a:r>
-              <a:rPr kumimoji="0" lang="pt-PT" altLang="pt-PT" sz="1300" b="0" i="0" u="none" strike="noStrike" cap="none" normalizeH="0" baseline="0" dirty="0">
-                <a:ln>
-                  <a:noFill/>
-                </a:ln>
-                <a:solidFill>
-                  <a:srgbClr val="A9B7C6"/>
-                </a:solidFill>
-                <a:effectLst/>
-                <a:latin typeface="JetBrains Mono"/>
-              </a:rPr>
-              <a:t>: </a:t>
-            </a:r>
-            <a:r>
-              <a:rPr kumimoji="0" lang="pt-PT" altLang="pt-PT" sz="1300" b="0" i="0" u="none" strike="noStrike" cap="none" normalizeH="0" baseline="0" dirty="0">
-                <a:ln>
-                  <a:noFill/>
-                </a:ln>
-                <a:solidFill>
-                  <a:srgbClr val="B5B6E3"/>
-                </a:solidFill>
-                <a:effectLst/>
-                <a:latin typeface="JetBrains Mono"/>
-              </a:rPr>
-              <a:t>std</a:t>
-            </a:r>
-            <a:r>
-              <a:rPr kumimoji="0" lang="pt-PT" altLang="pt-PT" sz="1300" b="0" i="0" u="none" strike="noStrike" cap="none" normalizeH="0" baseline="0" dirty="0">
-                <a:ln>
-                  <a:noFill/>
-                </a:ln>
-                <a:solidFill>
-                  <a:srgbClr val="A9B7C6"/>
-                </a:solidFill>
-                <a:effectLst/>
-                <a:latin typeface="JetBrains Mono"/>
-              </a:rPr>
-              <a:t>::</a:t>
-            </a:r>
-            <a:r>
-              <a:rPr kumimoji="0" lang="pt-PT" altLang="pt-PT" sz="1300" b="0" i="0" u="none" strike="noStrike" cap="none" normalizeH="0" baseline="0" dirty="0">
-                <a:ln>
-                  <a:noFill/>
-                </a:ln>
-                <a:solidFill>
-                  <a:srgbClr val="B5B6E3"/>
-                </a:solidFill>
-                <a:effectLst/>
-                <a:latin typeface="JetBrains Mono"/>
-              </a:rPr>
-              <a:t>exception</a:t>
-            </a:r>
-            <a:r>
-              <a:rPr kumimoji="0" lang="pt-PT" altLang="pt-PT" sz="1300" b="0" i="0" u="none" strike="noStrike" cap="none" normalizeH="0" baseline="0" dirty="0">
-                <a:ln>
-                  <a:noFill/>
-                </a:ln>
-                <a:solidFill>
-                  <a:srgbClr val="A9B7C6"/>
-                </a:solidFill>
-                <a:effectLst/>
-                <a:latin typeface="JetBrains Mono"/>
-              </a:rPr>
-              <a:t>{}</a:t>
-            </a:r>
-            <a:r>
-              <a:rPr kumimoji="0" lang="pt-PT" altLang="pt-PT" sz="1300" b="0" i="0" u="none" strike="noStrike" cap="none" normalizeH="0" baseline="0" dirty="0">
-                <a:ln>
-                  <a:noFill/>
-                </a:ln>
-                <a:solidFill>
-                  <a:srgbClr val="CC7832"/>
-                </a:solidFill>
-                <a:effectLst/>
-                <a:latin typeface="JetBrains Mono"/>
-              </a:rPr>
-              <a:t>;</a:t>
-            </a:r>
-            <a:br>
-              <a:rPr kumimoji="0" lang="pt-PT" altLang="pt-PT" sz="1300" b="0" i="0" u="none" strike="noStrike" cap="none" normalizeH="0" baseline="0" dirty="0">
-                <a:ln>
-                  <a:noFill/>
-                </a:ln>
-                <a:solidFill>
-                  <a:srgbClr val="CC7832"/>
-                </a:solidFill>
-                <a:effectLst/>
-                <a:latin typeface="JetBrains Mono"/>
-              </a:rPr>
-            </a:br>
-            <a:br>
-              <a:rPr kumimoji="0" lang="pt-PT" altLang="pt-PT" sz="1300" b="0" i="0" u="none" strike="noStrike" cap="none" normalizeH="0" baseline="0" dirty="0">
-                <a:ln>
-                  <a:noFill/>
-                </a:ln>
-                <a:solidFill>
-                  <a:srgbClr val="CC7832"/>
-                </a:solidFill>
-                <a:effectLst/>
-                <a:latin typeface="JetBrains Mono"/>
-              </a:rPr>
-            </a:br>
-            <a:r>
-              <a:rPr kumimoji="0" lang="pt-PT" altLang="pt-PT" sz="1300" b="0" i="0" u="none" strike="noStrike" cap="none" normalizeH="0" baseline="0" dirty="0">
-                <a:ln>
-                  <a:noFill/>
-                </a:ln>
-                <a:solidFill>
-                  <a:srgbClr val="CC7832"/>
-                </a:solidFill>
-                <a:effectLst/>
-                <a:latin typeface="JetBrains Mono"/>
-              </a:rPr>
-              <a:t>class </a:t>
-            </a:r>
-            <a:r>
-              <a:rPr kumimoji="0" lang="pt-PT" altLang="pt-PT" sz="1300" b="0" i="0" u="none" strike="noStrike" cap="none" normalizeH="0" baseline="0" dirty="0">
-                <a:ln>
-                  <a:noFill/>
-                </a:ln>
-                <a:solidFill>
-                  <a:srgbClr val="B5B6E3"/>
-                </a:solidFill>
-                <a:effectLst/>
-                <a:latin typeface="JetBrains Mono"/>
-              </a:rPr>
-              <a:t>NameAlreadyInUse </a:t>
-            </a:r>
-            <a:r>
-              <a:rPr kumimoji="0" lang="pt-PT" altLang="pt-PT" sz="1300" b="0" i="0" u="none" strike="noStrike" cap="none" normalizeH="0" baseline="0" dirty="0">
-                <a:ln>
-                  <a:noFill/>
-                </a:ln>
-                <a:solidFill>
-                  <a:srgbClr val="A9B7C6"/>
-                </a:solidFill>
-                <a:effectLst/>
-                <a:latin typeface="JetBrains Mono"/>
-              </a:rPr>
-              <a:t>: </a:t>
-            </a:r>
-            <a:r>
-              <a:rPr kumimoji="0" lang="pt-PT" altLang="pt-PT" sz="1300" b="0" i="0" u="none" strike="noStrike" cap="none" normalizeH="0" baseline="0" dirty="0">
-                <a:ln>
-                  <a:noFill/>
-                </a:ln>
-                <a:solidFill>
-                  <a:srgbClr val="B5B6E3"/>
-                </a:solidFill>
-                <a:effectLst/>
-                <a:latin typeface="JetBrains Mono"/>
-              </a:rPr>
-              <a:t>std</a:t>
-            </a:r>
-            <a:r>
-              <a:rPr kumimoji="0" lang="pt-PT" altLang="pt-PT" sz="1300" b="0" i="0" u="none" strike="noStrike" cap="none" normalizeH="0" baseline="0" dirty="0">
-                <a:ln>
-                  <a:noFill/>
-                </a:ln>
-                <a:solidFill>
-                  <a:srgbClr val="A9B7C6"/>
-                </a:solidFill>
-                <a:effectLst/>
-                <a:latin typeface="JetBrains Mono"/>
-              </a:rPr>
-              <a:t>::</a:t>
-            </a:r>
-            <a:r>
-              <a:rPr kumimoji="0" lang="pt-PT" altLang="pt-PT" sz="1300" b="0" i="0" u="none" strike="noStrike" cap="none" normalizeH="0" baseline="0" dirty="0">
-                <a:ln>
-                  <a:noFill/>
-                </a:ln>
-                <a:solidFill>
-                  <a:srgbClr val="B5B6E3"/>
-                </a:solidFill>
-                <a:effectLst/>
-                <a:latin typeface="JetBrains Mono"/>
-              </a:rPr>
-              <a:t>exception</a:t>
-            </a:r>
-            <a:r>
-              <a:rPr kumimoji="0" lang="pt-PT" altLang="pt-PT" sz="1300" b="0" i="0" u="none" strike="noStrike" cap="none" normalizeH="0" baseline="0" dirty="0">
-                <a:ln>
-                  <a:noFill/>
-                </a:ln>
-                <a:solidFill>
-                  <a:srgbClr val="A9B7C6"/>
-                </a:solidFill>
-                <a:effectLst/>
-                <a:latin typeface="JetBrains Mono"/>
-              </a:rPr>
-              <a:t>{}</a:t>
-            </a:r>
-            <a:r>
-              <a:rPr kumimoji="0" lang="pt-PT" altLang="pt-PT" sz="1300" b="0" i="0" u="none" strike="noStrike" cap="none" normalizeH="0" baseline="0" dirty="0">
-                <a:ln>
-                  <a:noFill/>
-                </a:ln>
-                <a:solidFill>
-                  <a:srgbClr val="CC7832"/>
-                </a:solidFill>
-                <a:effectLst/>
-                <a:latin typeface="JetBrains Mono"/>
-              </a:rPr>
-              <a:t>;</a:t>
-            </a:r>
-            <a:endParaRPr lang="pt-PT" altLang="pt-PT" sz="1300" dirty="0">
-              <a:latin typeface="Arial" panose="020B0604020202020204" pitchFamily="34" charset="0"/>
-            </a:endParaRPr>
-          </a:p>
-        </p:txBody>
-      </p:sp>
-      <p:sp>
-        <p:nvSpPr>
-          <p:cNvPr id="5" name="Rectangle 2">
-            <a:extLst>
-              <a:ext uri="{FF2B5EF4-FFF2-40B4-BE49-F238E27FC236}">
-                <a16:creationId xmlns:a16="http://schemas.microsoft.com/office/drawing/2014/main" id="{7642C953-EBCF-4426-B2B5-09E13B87476A}"/>
-              </a:ext>
-            </a:extLst>
-          </p:cNvPr>
-          <p:cNvSpPr>
-            <a:spLocks noChangeArrowheads="1"/>
-          </p:cNvSpPr>
-          <p:nvPr/>
-        </p:nvSpPr>
-        <p:spPr bwMode="auto">
-          <a:xfrm>
-            <a:off x="8994001" y="3713000"/>
-            <a:ext cx="2840035" cy="1092607"/>
-          </a:xfrm>
-          <a:prstGeom prst="rect">
-            <a:avLst/>
-          </a:prstGeom>
-          <a:solidFill>
-            <a:srgbClr val="2B2B2B"/>
-          </a:solidFill>
-          <a:ln>
-            <a:noFill/>
-          </a:ln>
-          <a:effectLst>
-            <a:outerShdw blurRad="107950" dist="12700" dir="5400000" algn="ctr">
-              <a:srgbClr val="000000"/>
-            </a:outerShdw>
-          </a:effectLst>
-          <a:scene3d>
-            <a:camera prst="orthographicFront">
-              <a:rot lat="0" lon="0" rev="0"/>
-            </a:camera>
-            <a:lightRig rig="soft" dir="t">
-              <a:rot lat="0" lon="0" rev="0"/>
-            </a:lightRig>
-          </a:scene3d>
-          <a:sp3d contourW="44450" prstMaterial="matte">
-            <a:bevelT w="63500" h="63500" prst="artDeco"/>
-            <a:contourClr>
-              <a:srgbClr val="FFFFFF"/>
-            </a:contourClr>
-          </a:sp3d>
-          <a:extLst>
-            <a:ext uri="{91240B29-F687-4F45-9708-019B960494DF}">
-              <a14:hiddenLine xmlns:a14="http://schemas.microsoft.com/office/drawing/2010/main" w="9525">
-                <a:solidFill>
-                  <a:schemeClr val="tx1"/>
-                </a:solidFill>
-                <a:miter lim="800000"/>
-                <a:headEnd/>
-                <a:tailEnd/>
-              </a14:hiddenLine>
-            </a:ext>
-          </a:extLst>
-        </p:spPr>
-        <p:txBody>
-          <a:bodyPr vert="horz" wrap="square" lIns="91440" tIns="45720" rIns="91440" bIns="45720" numCol="1" anchor="ctr" anchorCtr="0" compatLnSpc="1">
-            <a:prstTxWarp prst="textNoShape">
-              <a:avLst/>
-            </a:prstTxWarp>
-            <a:spAutoFit/>
-          </a:bodyPr>
-          <a:lstStyle/>
+              <a:t>{};</a:t>
+            </a:r>
+          </a:p>
           <a:p>
             <a:pPr marL="0" marR="0" lvl="0" indent="0" algn="l" defTabSz="914400" rtl="0" eaLnBrk="0" fontAlgn="base" latinLnBrk="0" hangingPunct="0">
+              <a:lnSpc>
+                <a:spcPct val="100000"/>
+              </a:lnSpc>
               <a:spcBef>
                 <a:spcPct val="0"/>
               </a:spcBef>
@@ -11250,87 +9919,15 @@
               <a:buNone/>
               <a:tabLst/>
             </a:pPr>
-            <a:r>
-              <a:rPr kumimoji="0" lang="pt-PT" altLang="pt-PT" sz="1300" b="0" i="0" u="none" strike="noStrike" cap="none" normalizeH="0" baseline="0" dirty="0">
-                <a:ln>
-                  <a:noFill/>
-                </a:ln>
-                <a:solidFill>
-                  <a:srgbClr val="CC7832"/>
-                </a:solidFill>
-                <a:effectLst/>
-                <a:latin typeface="JetBrains Mono"/>
-              </a:rPr>
-              <a:t>class </a:t>
-            </a:r>
-            <a:r>
-              <a:rPr kumimoji="0" lang="pt-PT" altLang="pt-PT" sz="1300" b="0" i="0" u="none" strike="noStrike" cap="none" normalizeH="0" baseline="0" dirty="0">
-                <a:ln>
-                  <a:noFill/>
-                </a:ln>
-                <a:solidFill>
-                  <a:srgbClr val="B5B6E3"/>
-                </a:solidFill>
-                <a:effectLst/>
-                <a:latin typeface="JetBrains Mono"/>
-              </a:rPr>
-              <a:t>InvalidLanguage </a:t>
-            </a:r>
-            <a:r>
-              <a:rPr kumimoji="0" lang="pt-PT" altLang="pt-PT" sz="1300" b="0" i="0" u="none" strike="noStrike" cap="none" normalizeH="0" baseline="0" dirty="0">
-                <a:ln>
-                  <a:noFill/>
-                </a:ln>
-                <a:solidFill>
-                  <a:srgbClr val="A9B7C6"/>
-                </a:solidFill>
-                <a:effectLst/>
-                <a:latin typeface="JetBrains Mono"/>
-              </a:rPr>
-              <a:t>: </a:t>
-            </a:r>
-            <a:r>
-              <a:rPr kumimoji="0" lang="pt-PT" altLang="pt-PT" sz="1300" b="0" i="0" u="none" strike="noStrike" cap="none" normalizeH="0" baseline="0" dirty="0">
-                <a:ln>
-                  <a:noFill/>
-                </a:ln>
-                <a:solidFill>
-                  <a:srgbClr val="B5B6E3"/>
-                </a:solidFill>
-                <a:effectLst/>
-                <a:latin typeface="JetBrains Mono"/>
-              </a:rPr>
-              <a:t>std</a:t>
-            </a:r>
-            <a:r>
-              <a:rPr kumimoji="0" lang="pt-PT" altLang="pt-PT" sz="1300" b="0" i="0" u="none" strike="noStrike" cap="none" normalizeH="0" baseline="0" dirty="0">
-                <a:ln>
-                  <a:noFill/>
-                </a:ln>
-                <a:solidFill>
-                  <a:srgbClr val="A9B7C6"/>
-                </a:solidFill>
-                <a:effectLst/>
-                <a:latin typeface="JetBrains Mono"/>
-              </a:rPr>
-              <a:t>::</a:t>
-            </a:r>
-            <a:r>
-              <a:rPr kumimoji="0" lang="pt-PT" altLang="pt-PT" sz="1300" b="0" i="0" u="none" strike="noStrike" cap="none" normalizeH="0" baseline="0" dirty="0">
-                <a:ln>
-                  <a:noFill/>
-                </a:ln>
-                <a:solidFill>
-                  <a:srgbClr val="B5B6E3"/>
-                </a:solidFill>
-                <a:effectLst/>
-                <a:latin typeface="JetBrains Mono"/>
-              </a:rPr>
-              <a:t>exception{};</a:t>
-            </a:r>
+            <a:endParaRPr lang="pt-PT" altLang="pt-PT" sz="1300" dirty="0">
+              <a:latin typeface="JetBrains Mono"/>
+            </a:endParaRPr>
           </a:p>
           <a:p>
             <a:pPr marL="0" marR="0" lvl="0" indent="0" algn="l" defTabSz="914400" rtl="0" eaLnBrk="0" fontAlgn="base" latinLnBrk="0" hangingPunct="0">
+              <a:lnSpc>
+                <a:spcPct val="100000"/>
+              </a:lnSpc>
               <a:spcBef>
                 <a:spcPct val="0"/>
               </a:spcBef>
@@ -11343,211 +9940,868 @@
               <a:buNone/>
               <a:tabLst/>
             </a:pPr>
-            <a:endParaRPr kumimoji="0" lang="pt-PT" altLang="pt-PT" sz="1300" b="0" i="0" u="none" strike="noStrike" cap="none" normalizeH="0" baseline="0" dirty="0">
-              <a:ln>
-                <a:noFill/>
-              </a:ln>
-              <a:solidFill>
-                <a:srgbClr val="B5B6E3"/>
-              </a:solidFill>
-              <a:effectLst/>
-              <a:latin typeface="JetBrains Mono"/>
-            </a:endParaRPr>
-          </a:p>
-          <a:p>
-            <a:pPr eaLnBrk="0" fontAlgn="base" hangingPunct="0">
+            <a:r>
+              <a:rPr lang="pt-PT" altLang="pt-PT" sz="1300" dirty="0" err="1">
+                <a:solidFill>
+                  <a:schemeClr val="accent6">
+                    <a:lumMod val="75000"/>
+                  </a:schemeClr>
+                </a:solidFill>
+                <a:latin typeface="JetBrains Mono"/>
+              </a:rPr>
+              <a:t>class</a:t>
+            </a:r>
+            <a:r>
+              <a:rPr lang="pt-PT" altLang="pt-PT" sz="1300" dirty="0">
+                <a:latin typeface="JetBrains Mono"/>
+              </a:rPr>
+              <a:t> </a:t>
+            </a:r>
+            <a:r>
+              <a:rPr lang="pt-PT" altLang="pt-PT" sz="1300" dirty="0" err="1">
+                <a:solidFill>
+                  <a:schemeClr val="accent5">
+                    <a:lumMod val="60000"/>
+                    <a:lumOff val="40000"/>
+                  </a:schemeClr>
+                </a:solidFill>
+                <a:latin typeface="JetBrains Mono"/>
+              </a:rPr>
+              <a:t>OrderDoesNotExist</a:t>
+            </a:r>
+            <a:r>
+              <a:rPr lang="pt-PT" altLang="pt-PT" sz="1300" dirty="0">
+                <a:solidFill>
+                  <a:schemeClr val="accent5">
+                    <a:lumMod val="60000"/>
+                    <a:lumOff val="40000"/>
+                  </a:schemeClr>
+                </a:solidFill>
+                <a:latin typeface="JetBrains Mono"/>
+              </a:rPr>
+              <a:t> : </a:t>
+            </a:r>
+            <a:r>
+              <a:rPr lang="pt-PT" altLang="pt-PT" sz="1300" dirty="0" err="1">
+                <a:solidFill>
+                  <a:schemeClr val="accent5">
+                    <a:lumMod val="60000"/>
+                    <a:lumOff val="40000"/>
+                  </a:schemeClr>
+                </a:solidFill>
+                <a:latin typeface="JetBrains Mono"/>
+              </a:rPr>
+              <a:t>std</a:t>
+            </a:r>
+            <a:r>
+              <a:rPr lang="pt-PT" altLang="pt-PT" sz="1300" dirty="0">
+                <a:solidFill>
+                  <a:schemeClr val="accent5">
+                    <a:lumMod val="60000"/>
+                    <a:lumOff val="40000"/>
+                  </a:schemeClr>
+                </a:solidFill>
+                <a:latin typeface="JetBrains Mono"/>
+              </a:rPr>
+              <a:t>::</a:t>
+            </a:r>
+            <a:r>
+              <a:rPr lang="pt-PT" altLang="pt-PT" sz="1300" dirty="0" err="1">
+                <a:solidFill>
+                  <a:schemeClr val="accent5">
+                    <a:lumMod val="60000"/>
+                    <a:lumOff val="40000"/>
+                  </a:schemeClr>
+                </a:solidFill>
+                <a:latin typeface="JetBrains Mono"/>
+              </a:rPr>
+              <a:t>exception</a:t>
+            </a:r>
+            <a:r>
+              <a:rPr lang="pt-PT" altLang="pt-PT" sz="1300" dirty="0">
+                <a:solidFill>
+                  <a:schemeClr val="accent5">
+                    <a:lumMod val="60000"/>
+                    <a:lumOff val="40000"/>
+                  </a:schemeClr>
+                </a:solidFill>
+                <a:latin typeface="JetBrains Mono"/>
+              </a:rPr>
+              <a:t>{};</a:t>
+            </a:r>
+          </a:p>
+          <a:p>
+            <a:pPr marL="0" marR="0" lvl="0" indent="0" algn="l" defTabSz="914400" rtl="0" eaLnBrk="0" fontAlgn="base" latinLnBrk="0" hangingPunct="0">
+              <a:lnSpc>
+                <a:spcPct val="100000"/>
+              </a:lnSpc>
               <a:spcBef>
                 <a:spcPct val="0"/>
               </a:spcBef>
               <a:spcAft>
                 <a:spcPct val="0"/>
               </a:spcAft>
+              <a:buClrTx/>
+              <a:buSzTx/>
+              <a:buFontTx/>
+              <a:buNone/>
+              <a:tabLst/>
             </a:pPr>
-            <a:r>
-              <a:rPr kumimoji="0" lang="pt-PT" altLang="pt-PT" sz="1300" b="0" i="0" u="none" strike="noStrike" cap="none" normalizeH="0" baseline="0" dirty="0">
-                <a:ln>
-                  <a:noFill/>
-                </a:ln>
-                <a:solidFill>
-                  <a:srgbClr val="CC7832"/>
-                </a:solidFill>
-                <a:effectLst/>
-                <a:latin typeface="JetBrains Mono"/>
-              </a:rPr>
-              <a:t>class </a:t>
-            </a:r>
-            <a:r>
-              <a:rPr kumimoji="0" lang="pt-PT" altLang="pt-PT" sz="1300" b="0" i="0" u="none" strike="noStrike" cap="none" normalizeH="0" baseline="0" dirty="0">
-                <a:ln>
-                  <a:noFill/>
-                </a:ln>
-                <a:solidFill>
-                  <a:srgbClr val="B5B6E3"/>
-                </a:solidFill>
-                <a:effectLst/>
-                <a:latin typeface="JetBrains Mono"/>
-              </a:rPr>
-              <a:t>InvalidDate </a:t>
-            </a:r>
-            <a:r>
-              <a:rPr kumimoji="0" lang="pt-PT" altLang="pt-PT" sz="1300" b="0" i="0" u="none" strike="noStrike" cap="none" normalizeH="0" baseline="0" dirty="0">
-                <a:ln>
-                  <a:noFill/>
-                </a:ln>
-                <a:solidFill>
-                  <a:srgbClr val="A9B7C6"/>
-                </a:solidFill>
-                <a:effectLst/>
-                <a:latin typeface="JetBrains Mono"/>
-              </a:rPr>
-              <a:t>: </a:t>
-            </a:r>
-            <a:r>
-              <a:rPr kumimoji="0" lang="pt-PT" altLang="pt-PT" sz="1300" b="0" i="0" u="none" strike="noStrike" cap="none" normalizeH="0" baseline="0" dirty="0">
-                <a:ln>
-                  <a:noFill/>
-                </a:ln>
-                <a:solidFill>
-                  <a:srgbClr val="B5B6E3"/>
-                </a:solidFill>
-                <a:effectLst/>
-                <a:latin typeface="JetBrains Mono"/>
-              </a:rPr>
-              <a:t>std</a:t>
-            </a:r>
-            <a:r>
-              <a:rPr kumimoji="0" lang="pt-PT" altLang="pt-PT" sz="1300" b="0" i="0" u="none" strike="noStrike" cap="none" normalizeH="0" baseline="0" dirty="0">
-                <a:ln>
-                  <a:noFill/>
-                </a:ln>
-                <a:solidFill>
-                  <a:srgbClr val="A9B7C6"/>
-                </a:solidFill>
-                <a:effectLst/>
-                <a:latin typeface="JetBrains Mono"/>
-              </a:rPr>
-              <a:t>::</a:t>
-            </a:r>
-            <a:r>
-              <a:rPr kumimoji="0" lang="pt-PT" altLang="pt-PT" sz="1300" b="0" i="0" u="none" strike="noStrike" cap="none" normalizeH="0" baseline="0" dirty="0">
-                <a:ln>
-                  <a:noFill/>
-                </a:ln>
-                <a:solidFill>
-                  <a:srgbClr val="B5B6E3"/>
-                </a:solidFill>
-                <a:effectLst/>
-                <a:latin typeface="JetBrains Mono"/>
-              </a:rPr>
-              <a:t>exception{};</a:t>
-            </a:r>
-          </a:p>
-          <a:p>
-            <a:pPr eaLnBrk="0" fontAlgn="base" hangingPunct="0">
+            <a:endParaRPr lang="pt-PT" altLang="pt-PT" sz="1300" dirty="0">
+              <a:latin typeface="JetBrains Mono"/>
+            </a:endParaRPr>
+          </a:p>
+          <a:p>
+            <a:pPr marL="0" marR="0" lvl="0" indent="0" algn="l" defTabSz="914400" rtl="0" eaLnBrk="0" fontAlgn="base" latinLnBrk="0" hangingPunct="0">
+              <a:lnSpc>
+                <a:spcPct val="100000"/>
+              </a:lnSpc>
               <a:spcBef>
                 <a:spcPct val="0"/>
               </a:spcBef>
               <a:spcAft>
                 <a:spcPct val="0"/>
               </a:spcAft>
+              <a:buClrTx/>
+              <a:buSzTx/>
+              <a:buFontTx/>
+              <a:buNone/>
+              <a:tabLst/>
             </a:pPr>
-            <a:endParaRPr kumimoji="0" lang="pt-PT" altLang="pt-PT" sz="1300" b="0" i="0" u="none" strike="noStrike" cap="none" normalizeH="0" baseline="0" dirty="0">
-              <a:ln>
-                <a:noFill/>
-              </a:ln>
-              <a:solidFill>
-                <a:srgbClr val="B5B6E3"/>
-              </a:solidFill>
-              <a:effectLst/>
-              <a:latin typeface="JetBrains Mono"/>
-            </a:endParaRPr>
-          </a:p>
-          <a:p>
-            <a:pPr eaLnBrk="0" fontAlgn="base" hangingPunct="0">
+            <a:r>
+              <a:rPr lang="pt-PT" altLang="pt-PT" sz="1300" dirty="0" err="1">
+                <a:solidFill>
+                  <a:schemeClr val="accent6">
+                    <a:lumMod val="75000"/>
+                  </a:schemeClr>
+                </a:solidFill>
+                <a:latin typeface="JetBrains Mono"/>
+              </a:rPr>
+              <a:t>class</a:t>
+            </a:r>
+            <a:r>
+              <a:rPr lang="pt-PT" altLang="pt-PT" sz="1300" dirty="0">
+                <a:latin typeface="JetBrains Mono"/>
+              </a:rPr>
+              <a:t> </a:t>
+            </a:r>
+            <a:r>
+              <a:rPr lang="pt-PT" altLang="pt-PT" sz="1300" dirty="0" err="1">
+                <a:solidFill>
+                  <a:schemeClr val="accent5">
+                    <a:lumMod val="60000"/>
+                    <a:lumOff val="40000"/>
+                  </a:schemeClr>
+                </a:solidFill>
+                <a:latin typeface="JetBrains Mono"/>
+              </a:rPr>
+              <a:t>ExceededMaxQuantityPerPurchase</a:t>
+            </a:r>
+            <a:r>
+              <a:rPr lang="pt-PT" altLang="pt-PT" sz="1300" dirty="0">
+                <a:solidFill>
+                  <a:schemeClr val="accent5">
+                    <a:lumMod val="60000"/>
+                    <a:lumOff val="40000"/>
+                  </a:schemeClr>
+                </a:solidFill>
+                <a:latin typeface="JetBrains Mono"/>
+              </a:rPr>
+              <a:t> : </a:t>
+            </a:r>
+            <a:r>
+              <a:rPr lang="pt-PT" altLang="pt-PT" sz="1300" dirty="0" err="1">
+                <a:solidFill>
+                  <a:schemeClr val="accent5">
+                    <a:lumMod val="60000"/>
+                    <a:lumOff val="40000"/>
+                  </a:schemeClr>
+                </a:solidFill>
+                <a:latin typeface="JetBrains Mono"/>
+              </a:rPr>
+              <a:t>std</a:t>
+            </a:r>
+            <a:r>
+              <a:rPr lang="pt-PT" altLang="pt-PT" sz="1300" dirty="0">
+                <a:solidFill>
+                  <a:schemeClr val="accent5">
+                    <a:lumMod val="60000"/>
+                    <a:lumOff val="40000"/>
+                  </a:schemeClr>
+                </a:solidFill>
+                <a:latin typeface="JetBrains Mono"/>
+              </a:rPr>
+              <a:t>::</a:t>
+            </a:r>
+            <a:r>
+              <a:rPr lang="pt-PT" altLang="pt-PT" sz="1300" dirty="0" err="1">
+                <a:solidFill>
+                  <a:schemeClr val="accent5">
+                    <a:lumMod val="60000"/>
+                    <a:lumOff val="40000"/>
+                  </a:schemeClr>
+                </a:solidFill>
+                <a:latin typeface="JetBrains Mono"/>
+              </a:rPr>
+              <a:t>exception</a:t>
+            </a:r>
+            <a:r>
+              <a:rPr lang="pt-PT" altLang="pt-PT" sz="1300" dirty="0">
+                <a:solidFill>
+                  <a:schemeClr val="accent5">
+                    <a:lumMod val="60000"/>
+                    <a:lumOff val="40000"/>
+                  </a:schemeClr>
+                </a:solidFill>
+                <a:latin typeface="JetBrains Mono"/>
+              </a:rPr>
+              <a:t>{};</a:t>
+            </a:r>
+          </a:p>
+          <a:p>
+            <a:pPr marL="0" marR="0" lvl="0" indent="0" algn="l" defTabSz="914400" rtl="0" eaLnBrk="0" fontAlgn="base" latinLnBrk="0" hangingPunct="0">
+              <a:lnSpc>
+                <a:spcPct val="100000"/>
+              </a:lnSpc>
               <a:spcBef>
                 <a:spcPct val="0"/>
               </a:spcBef>
               <a:spcAft>
                 <a:spcPct val="0"/>
               </a:spcAft>
+              <a:buClrTx/>
+              <a:buSzTx/>
+              <a:buFontTx/>
+              <a:buNone/>
+              <a:tabLst/>
             </a:pPr>
-            <a:r>
-              <a:rPr kumimoji="0" lang="pt-PT" altLang="pt-PT" sz="1300" b="0" i="0" u="none" strike="noStrike" cap="none" normalizeH="0" baseline="0" dirty="0">
-                <a:ln>
-                  <a:noFill/>
-                </a:ln>
+            <a:endParaRPr lang="pt-PT" altLang="pt-PT" sz="1300" dirty="0">
+              <a:latin typeface="JetBrains Mono"/>
+            </a:endParaRPr>
+          </a:p>
+          <a:p>
+            <a:pPr marL="0" marR="0" lvl="0" indent="0" algn="l" defTabSz="914400" rtl="0" eaLnBrk="0" fontAlgn="base" latinLnBrk="0" hangingPunct="0">
+              <a:lnSpc>
+                <a:spcPct val="100000"/>
+              </a:lnSpc>
+              <a:spcBef>
+                <a:spcPct val="0"/>
+              </a:spcBef>
+              <a:spcAft>
+                <a:spcPct val="0"/>
+              </a:spcAft>
+              <a:buClrTx/>
+              <a:buSzTx/>
+              <a:buFontTx/>
+              <a:buNone/>
+              <a:tabLst/>
+            </a:pPr>
+            <a:r>
+              <a:rPr lang="pt-PT" altLang="pt-PT" sz="1300" dirty="0" err="1">
                 <a:solidFill>
-                  <a:srgbClr val="CC7832"/>
+                  <a:schemeClr val="accent6">
+                    <a:lumMod val="75000"/>
+                  </a:schemeClr>
                 </a:solidFill>
-                <a:effectLst/>
                 <a:latin typeface="JetBrains Mono"/>
               </a:rPr>
-              <a:t>class </a:t>
-            </a:r>
-            <a:r>
-              <a:rPr kumimoji="0" lang="pt-PT" altLang="pt-PT" sz="1300" b="0" i="0" u="none" strike="noStrike" cap="none" normalizeH="0" baseline="0" dirty="0">
-                <a:ln>
-                  <a:noFill/>
-                </a:ln>
+              <a:t>class</a:t>
+            </a:r>
+            <a:r>
+              <a:rPr lang="pt-PT" altLang="pt-PT" sz="1300" dirty="0">
+                <a:latin typeface="JetBrains Mono"/>
+              </a:rPr>
+              <a:t> </a:t>
+            </a:r>
+            <a:r>
+              <a:rPr lang="pt-PT" altLang="pt-PT" sz="1300" dirty="0" err="1">
                 <a:solidFill>
-                  <a:srgbClr val="B5B6E3"/>
+                  <a:schemeClr val="accent5">
+                    <a:lumMod val="60000"/>
+                    <a:lumOff val="40000"/>
+                  </a:schemeClr>
                 </a:solidFill>
-                <a:effectLst/>
                 <a:latin typeface="JetBrains Mono"/>
               </a:rPr>
-              <a:t>InvalidFile </a:t>
-            </a:r>
-            <a:r>
-              <a:rPr kumimoji="0" lang="pt-PT" altLang="pt-PT" sz="1300" b="0" i="0" u="none" strike="noStrike" cap="none" normalizeH="0" baseline="0" dirty="0">
-                <a:ln>
-                  <a:noFill/>
-                </a:ln>
+              <a:t>InvalidPriority</a:t>
+            </a:r>
+            <a:r>
+              <a:rPr lang="pt-PT" altLang="pt-PT" sz="1300" dirty="0">
                 <a:solidFill>
-                  <a:srgbClr val="A9B7C6"/>
+                  <a:schemeClr val="accent5">
+                    <a:lumMod val="60000"/>
+                    <a:lumOff val="40000"/>
+                  </a:schemeClr>
                 </a:solidFill>
-                <a:effectLst/>
                 <a:latin typeface="JetBrains Mono"/>
               </a:rPr>
-              <a:t>: </a:t>
-            </a:r>
-            <a:r>
-              <a:rPr kumimoji="0" lang="pt-PT" altLang="pt-PT" sz="1300" b="0" i="0" u="none" strike="noStrike" cap="none" normalizeH="0" baseline="0" dirty="0">
-                <a:ln>
-                  <a:noFill/>
-                </a:ln>
+              <a:t> : </a:t>
+            </a:r>
+            <a:r>
+              <a:rPr lang="pt-PT" altLang="pt-PT" sz="1300" dirty="0" err="1">
                 <a:solidFill>
-                  <a:srgbClr val="B5B6E3"/>
+                  <a:schemeClr val="accent5">
+                    <a:lumMod val="60000"/>
+                    <a:lumOff val="40000"/>
+                  </a:schemeClr>
                 </a:solidFill>
-                <a:effectLst/>
                 <a:latin typeface="JetBrains Mono"/>
               </a:rPr>
               <a:t>std</a:t>
             </a:r>
             <a:r>
-              <a:rPr kumimoji="0" lang="pt-PT" altLang="pt-PT" sz="1300" b="0" i="0" u="none" strike="noStrike" cap="none" normalizeH="0" baseline="0" dirty="0">
-                <a:ln>
-                  <a:noFill/>
-                </a:ln>
+              <a:rPr lang="pt-PT" altLang="pt-PT" sz="1300" dirty="0">
                 <a:solidFill>
-                  <a:srgbClr val="A9B7C6"/>
+                  <a:schemeClr val="accent5">
+                    <a:lumMod val="60000"/>
+                    <a:lumOff val="40000"/>
+                  </a:schemeClr>
                 </a:solidFill>
-                <a:effectLst/>
                 <a:latin typeface="JetBrains Mono"/>
               </a:rPr>
               <a:t>::</a:t>
             </a:r>
             <a:r>
-              <a:rPr kumimoji="0" lang="pt-PT" altLang="pt-PT" sz="1300" b="0" i="0" u="none" strike="noStrike" cap="none" normalizeH="0" baseline="0" dirty="0">
-                <a:ln>
-                  <a:noFill/>
-                </a:ln>
+              <a:rPr lang="pt-PT" altLang="pt-PT" sz="1300" dirty="0" err="1">
                 <a:solidFill>
-                  <a:srgbClr val="B5B6E3"/>
+                  <a:schemeClr val="accent5">
+                    <a:lumMod val="60000"/>
+                    <a:lumOff val="40000"/>
+                  </a:schemeClr>
                 </a:solidFill>
-                <a:effectLst/>
                 <a:latin typeface="JetBrains Mono"/>
               </a:rPr>
-              <a:t>exception{};</a:t>
+              <a:t>exception</a:t>
+            </a:r>
+            <a:r>
+              <a:rPr lang="pt-PT" altLang="pt-PT" sz="1300" dirty="0">
+                <a:solidFill>
+                  <a:schemeClr val="accent5">
+                    <a:lumMod val="60000"/>
+                    <a:lumOff val="40000"/>
+                  </a:schemeClr>
+                </a:solidFill>
+                <a:latin typeface="JetBrains Mono"/>
+              </a:rPr>
+              <a:t>{};</a:t>
+            </a:r>
+          </a:p>
+          <a:p>
+            <a:pPr marL="0" marR="0" lvl="0" indent="0" algn="l" defTabSz="914400" rtl="0" eaLnBrk="0" fontAlgn="base" latinLnBrk="0" hangingPunct="0">
+              <a:lnSpc>
+                <a:spcPct val="100000"/>
+              </a:lnSpc>
+              <a:spcBef>
+                <a:spcPct val="0"/>
+              </a:spcBef>
+              <a:spcAft>
+                <a:spcPct val="0"/>
+              </a:spcAft>
+              <a:buClrTx/>
+              <a:buSzTx/>
+              <a:buFontTx/>
+              <a:buNone/>
+              <a:tabLst/>
+            </a:pPr>
+            <a:endParaRPr lang="pt-PT" altLang="pt-PT" sz="1300" dirty="0">
+              <a:latin typeface="JetBrains Mono"/>
+            </a:endParaRPr>
+          </a:p>
+          <a:p>
+            <a:pPr marL="0" marR="0" lvl="0" indent="0" algn="l" defTabSz="914400" rtl="0" eaLnBrk="0" fontAlgn="base" latinLnBrk="0" hangingPunct="0">
+              <a:lnSpc>
+                <a:spcPct val="100000"/>
+              </a:lnSpc>
+              <a:spcBef>
+                <a:spcPct val="0"/>
+              </a:spcBef>
+              <a:spcAft>
+                <a:spcPct val="0"/>
+              </a:spcAft>
+              <a:buClrTx/>
+              <a:buSzTx/>
+              <a:buFontTx/>
+              <a:buNone/>
+              <a:tabLst/>
+            </a:pPr>
+            <a:r>
+              <a:rPr lang="pt-PT" altLang="pt-PT" sz="1300" dirty="0" err="1">
+                <a:solidFill>
+                  <a:schemeClr val="accent6">
+                    <a:lumMod val="75000"/>
+                  </a:schemeClr>
+                </a:solidFill>
+                <a:latin typeface="JetBrains Mono"/>
+              </a:rPr>
+              <a:t>class</a:t>
+            </a:r>
+            <a:r>
+              <a:rPr lang="pt-PT" altLang="pt-PT" sz="1300" dirty="0">
+                <a:latin typeface="JetBrains Mono"/>
+              </a:rPr>
+              <a:t> </a:t>
+            </a:r>
+            <a:r>
+              <a:rPr lang="pt-PT" altLang="pt-PT" sz="1300" dirty="0" err="1">
+                <a:solidFill>
+                  <a:schemeClr val="accent5">
+                    <a:lumMod val="60000"/>
+                    <a:lumOff val="40000"/>
+                  </a:schemeClr>
+                </a:solidFill>
+                <a:latin typeface="JetBrains Mono"/>
+              </a:rPr>
+              <a:t>InactiveAccount</a:t>
+            </a:r>
+            <a:r>
+              <a:rPr lang="pt-PT" altLang="pt-PT" sz="1300" dirty="0">
+                <a:solidFill>
+                  <a:schemeClr val="accent5">
+                    <a:lumMod val="60000"/>
+                    <a:lumOff val="40000"/>
+                  </a:schemeClr>
+                </a:solidFill>
+                <a:latin typeface="JetBrains Mono"/>
+              </a:rPr>
+              <a:t> : </a:t>
+            </a:r>
+            <a:r>
+              <a:rPr lang="pt-PT" altLang="pt-PT" sz="1300" dirty="0" err="1">
+                <a:solidFill>
+                  <a:schemeClr val="accent5">
+                    <a:lumMod val="60000"/>
+                    <a:lumOff val="40000"/>
+                  </a:schemeClr>
+                </a:solidFill>
+                <a:latin typeface="JetBrains Mono"/>
+              </a:rPr>
+              <a:t>std</a:t>
+            </a:r>
+            <a:r>
+              <a:rPr lang="pt-PT" altLang="pt-PT" sz="1300" dirty="0">
+                <a:solidFill>
+                  <a:schemeClr val="accent5">
+                    <a:lumMod val="60000"/>
+                    <a:lumOff val="40000"/>
+                  </a:schemeClr>
+                </a:solidFill>
+                <a:latin typeface="JetBrains Mono"/>
+              </a:rPr>
+              <a:t>::</a:t>
+            </a:r>
+            <a:r>
+              <a:rPr lang="pt-PT" altLang="pt-PT" sz="1300" dirty="0" err="1">
+                <a:solidFill>
+                  <a:schemeClr val="accent5">
+                    <a:lumMod val="60000"/>
+                    <a:lumOff val="40000"/>
+                  </a:schemeClr>
+                </a:solidFill>
+                <a:latin typeface="JetBrains Mono"/>
+              </a:rPr>
+              <a:t>exception</a:t>
+            </a:r>
+            <a:r>
+              <a:rPr lang="pt-PT" altLang="pt-PT" sz="1300" dirty="0">
+                <a:solidFill>
+                  <a:schemeClr val="accent5">
+                    <a:lumMod val="60000"/>
+                    <a:lumOff val="40000"/>
+                  </a:schemeClr>
+                </a:solidFill>
+                <a:latin typeface="JetBrains Mono"/>
+              </a:rPr>
+              <a:t>{};</a:t>
+            </a:r>
+          </a:p>
+          <a:p>
+            <a:pPr marL="0" marR="0" lvl="0" indent="0" algn="l" defTabSz="914400" rtl="0" eaLnBrk="0" fontAlgn="base" latinLnBrk="0" hangingPunct="0">
+              <a:lnSpc>
+                <a:spcPct val="100000"/>
+              </a:lnSpc>
+              <a:spcBef>
+                <a:spcPct val="0"/>
+              </a:spcBef>
+              <a:spcAft>
+                <a:spcPct val="0"/>
+              </a:spcAft>
+              <a:buClrTx/>
+              <a:buSzTx/>
+              <a:buFontTx/>
+              <a:buNone/>
+              <a:tabLst/>
+            </a:pPr>
+            <a:endParaRPr lang="pt-PT" altLang="pt-PT" sz="1300" dirty="0">
+              <a:latin typeface="JetBrains Mono"/>
+            </a:endParaRPr>
+          </a:p>
+          <a:p>
+            <a:pPr marL="0" marR="0" lvl="0" indent="0" algn="l" defTabSz="914400" rtl="0" eaLnBrk="0" fontAlgn="base" latinLnBrk="0" hangingPunct="0">
+              <a:lnSpc>
+                <a:spcPct val="100000"/>
+              </a:lnSpc>
+              <a:spcBef>
+                <a:spcPct val="0"/>
+              </a:spcBef>
+              <a:spcAft>
+                <a:spcPct val="0"/>
+              </a:spcAft>
+              <a:buClrTx/>
+              <a:buSzTx/>
+              <a:buFontTx/>
+              <a:buNone/>
+              <a:tabLst/>
+            </a:pPr>
+            <a:r>
+              <a:rPr lang="pt-PT" altLang="pt-PT" sz="1300" dirty="0" err="1">
+                <a:solidFill>
+                  <a:schemeClr val="accent6">
+                    <a:lumMod val="75000"/>
+                  </a:schemeClr>
+                </a:solidFill>
+                <a:latin typeface="JetBrains Mono"/>
+              </a:rPr>
+              <a:t>class</a:t>
+            </a:r>
+            <a:r>
+              <a:rPr lang="pt-PT" altLang="pt-PT" sz="1300" dirty="0">
+                <a:latin typeface="JetBrains Mono"/>
+              </a:rPr>
+              <a:t> </a:t>
+            </a:r>
+            <a:r>
+              <a:rPr lang="pt-PT" altLang="pt-PT" sz="1300" dirty="0" err="1">
+                <a:solidFill>
+                  <a:schemeClr val="accent5">
+                    <a:lumMod val="60000"/>
+                    <a:lumOff val="40000"/>
+                  </a:schemeClr>
+                </a:solidFill>
+                <a:latin typeface="JetBrains Mono"/>
+              </a:rPr>
+              <a:t>ProductNotFound</a:t>
+            </a:r>
+            <a:r>
+              <a:rPr lang="pt-PT" altLang="pt-PT" sz="1300" dirty="0">
+                <a:solidFill>
+                  <a:schemeClr val="accent5">
+                    <a:lumMod val="60000"/>
+                    <a:lumOff val="40000"/>
+                  </a:schemeClr>
+                </a:solidFill>
+                <a:latin typeface="JetBrains Mono"/>
+              </a:rPr>
+              <a:t> : </a:t>
+            </a:r>
+            <a:r>
+              <a:rPr lang="pt-PT" altLang="pt-PT" sz="1300" dirty="0" err="1">
+                <a:solidFill>
+                  <a:schemeClr val="accent5">
+                    <a:lumMod val="60000"/>
+                    <a:lumOff val="40000"/>
+                  </a:schemeClr>
+                </a:solidFill>
+                <a:latin typeface="JetBrains Mono"/>
+              </a:rPr>
+              <a:t>std</a:t>
+            </a:r>
+            <a:r>
+              <a:rPr lang="pt-PT" altLang="pt-PT" sz="1300" dirty="0">
+                <a:solidFill>
+                  <a:schemeClr val="accent5">
+                    <a:lumMod val="60000"/>
+                    <a:lumOff val="40000"/>
+                  </a:schemeClr>
+                </a:solidFill>
+                <a:latin typeface="JetBrains Mono"/>
+              </a:rPr>
+              <a:t>::</a:t>
+            </a:r>
+            <a:r>
+              <a:rPr lang="pt-PT" altLang="pt-PT" sz="1300" dirty="0" err="1">
+                <a:solidFill>
+                  <a:schemeClr val="accent5">
+                    <a:lumMod val="60000"/>
+                    <a:lumOff val="40000"/>
+                  </a:schemeClr>
+                </a:solidFill>
+                <a:latin typeface="JetBrains Mono"/>
+              </a:rPr>
+              <a:t>exception</a:t>
+            </a:r>
+            <a:r>
+              <a:rPr lang="pt-PT" altLang="pt-PT" sz="1300" dirty="0">
+                <a:solidFill>
+                  <a:schemeClr val="accent5">
+                    <a:lumMod val="60000"/>
+                    <a:lumOff val="40000"/>
+                  </a:schemeClr>
+                </a:solidFill>
+                <a:latin typeface="JetBrains Mono"/>
+              </a:rPr>
+              <a:t>{};</a:t>
+            </a:r>
+          </a:p>
+          <a:p>
+            <a:pPr marL="0" marR="0" lvl="0" indent="0" algn="l" defTabSz="914400" rtl="0" eaLnBrk="0" fontAlgn="base" latinLnBrk="0" hangingPunct="0">
+              <a:lnSpc>
+                <a:spcPct val="100000"/>
+              </a:lnSpc>
+              <a:spcBef>
+                <a:spcPct val="0"/>
+              </a:spcBef>
+              <a:spcAft>
+                <a:spcPct val="0"/>
+              </a:spcAft>
+              <a:buClrTx/>
+              <a:buSzTx/>
+              <a:buFontTx/>
+              <a:buNone/>
+              <a:tabLst/>
+            </a:pPr>
+            <a:endParaRPr lang="pt-PT" altLang="pt-PT" sz="1300" dirty="0">
+              <a:latin typeface="JetBrains Mono"/>
+            </a:endParaRPr>
+          </a:p>
+          <a:p>
+            <a:pPr marL="0" marR="0" lvl="0" indent="0" algn="l" defTabSz="914400" rtl="0" eaLnBrk="0" fontAlgn="base" latinLnBrk="0" hangingPunct="0">
+              <a:lnSpc>
+                <a:spcPct val="100000"/>
+              </a:lnSpc>
+              <a:spcBef>
+                <a:spcPct val="0"/>
+              </a:spcBef>
+              <a:spcAft>
+                <a:spcPct val="0"/>
+              </a:spcAft>
+              <a:buClrTx/>
+              <a:buSzTx/>
+              <a:buFontTx/>
+              <a:buNone/>
+              <a:tabLst/>
+            </a:pPr>
+            <a:r>
+              <a:rPr lang="pt-PT" altLang="pt-PT" sz="1300" dirty="0" err="1">
+                <a:solidFill>
+                  <a:schemeClr val="accent6">
+                    <a:lumMod val="75000"/>
+                  </a:schemeClr>
+                </a:solidFill>
+                <a:latin typeface="JetBrains Mono"/>
+              </a:rPr>
+              <a:t>class</a:t>
+            </a:r>
+            <a:r>
+              <a:rPr lang="pt-PT" altLang="pt-PT" sz="1300" dirty="0">
+                <a:latin typeface="JetBrains Mono"/>
+              </a:rPr>
+              <a:t> </a:t>
+            </a:r>
+            <a:r>
+              <a:rPr lang="pt-PT" altLang="pt-PT" sz="1300" dirty="0" err="1">
+                <a:solidFill>
+                  <a:schemeClr val="accent5">
+                    <a:lumMod val="60000"/>
+                    <a:lumOff val="40000"/>
+                  </a:schemeClr>
+                </a:solidFill>
+                <a:latin typeface="JetBrains Mono"/>
+              </a:rPr>
+              <a:t>QuantityOverTheStock</a:t>
+            </a:r>
+            <a:r>
+              <a:rPr lang="pt-PT" altLang="pt-PT" sz="1300" dirty="0">
+                <a:solidFill>
+                  <a:schemeClr val="accent5">
+                    <a:lumMod val="60000"/>
+                    <a:lumOff val="40000"/>
+                  </a:schemeClr>
+                </a:solidFill>
+                <a:latin typeface="JetBrains Mono"/>
+              </a:rPr>
+              <a:t> : </a:t>
+            </a:r>
+            <a:r>
+              <a:rPr lang="pt-PT" altLang="pt-PT" sz="1300" dirty="0" err="1">
+                <a:solidFill>
+                  <a:schemeClr val="accent5">
+                    <a:lumMod val="60000"/>
+                    <a:lumOff val="40000"/>
+                  </a:schemeClr>
+                </a:solidFill>
+                <a:latin typeface="JetBrains Mono"/>
+              </a:rPr>
+              <a:t>std</a:t>
+            </a:r>
+            <a:r>
+              <a:rPr lang="pt-PT" altLang="pt-PT" sz="1300" dirty="0">
+                <a:solidFill>
+                  <a:schemeClr val="accent5">
+                    <a:lumMod val="60000"/>
+                    <a:lumOff val="40000"/>
+                  </a:schemeClr>
+                </a:solidFill>
+                <a:latin typeface="JetBrains Mono"/>
+              </a:rPr>
+              <a:t>::</a:t>
+            </a:r>
+            <a:r>
+              <a:rPr lang="pt-PT" altLang="pt-PT" sz="1300" dirty="0" err="1">
+                <a:solidFill>
+                  <a:schemeClr val="accent5">
+                    <a:lumMod val="60000"/>
+                    <a:lumOff val="40000"/>
+                  </a:schemeClr>
+                </a:solidFill>
+                <a:latin typeface="JetBrains Mono"/>
+              </a:rPr>
+              <a:t>exception</a:t>
+            </a:r>
+            <a:r>
+              <a:rPr lang="pt-PT" altLang="pt-PT" sz="1300" dirty="0">
+                <a:solidFill>
+                  <a:schemeClr val="accent5">
+                    <a:lumMod val="60000"/>
+                    <a:lumOff val="40000"/>
+                  </a:schemeClr>
+                </a:solidFill>
+                <a:latin typeface="JetBrains Mono"/>
+              </a:rPr>
+              <a:t>{};</a:t>
+            </a:r>
+          </a:p>
+          <a:p>
+            <a:pPr marL="0" marR="0" lvl="0" indent="0" algn="l" defTabSz="914400" rtl="0" eaLnBrk="0" fontAlgn="base" latinLnBrk="0" hangingPunct="0">
+              <a:lnSpc>
+                <a:spcPct val="100000"/>
+              </a:lnSpc>
+              <a:spcBef>
+                <a:spcPct val="0"/>
+              </a:spcBef>
+              <a:spcAft>
+                <a:spcPct val="0"/>
+              </a:spcAft>
+              <a:buClrTx/>
+              <a:buSzTx/>
+              <a:buFontTx/>
+              <a:buNone/>
+              <a:tabLst/>
+            </a:pPr>
+            <a:endParaRPr lang="pt-PT" altLang="pt-PT" sz="1300" dirty="0">
+              <a:solidFill>
+                <a:schemeClr val="accent5">
+                  <a:lumMod val="60000"/>
+                  <a:lumOff val="40000"/>
+                </a:schemeClr>
+              </a:solidFill>
+              <a:latin typeface="JetBrains Mono"/>
+            </a:endParaRPr>
+          </a:p>
+          <a:p>
+            <a:pPr marL="0" marR="0" lvl="0" indent="0" algn="l" defTabSz="914400" rtl="0" eaLnBrk="0" fontAlgn="base" latinLnBrk="0" hangingPunct="0">
+              <a:lnSpc>
+                <a:spcPct val="100000"/>
+              </a:lnSpc>
+              <a:spcBef>
+                <a:spcPct val="0"/>
+              </a:spcBef>
+              <a:spcAft>
+                <a:spcPct val="0"/>
+              </a:spcAft>
+              <a:buClrTx/>
+              <a:buSzTx/>
+              <a:buFontTx/>
+              <a:buNone/>
+              <a:tabLst/>
+            </a:pPr>
+            <a:r>
+              <a:rPr lang="pt-PT" altLang="pt-PT" sz="1300" dirty="0" err="1">
+                <a:solidFill>
+                  <a:schemeClr val="accent6">
+                    <a:lumMod val="75000"/>
+                  </a:schemeClr>
+                </a:solidFill>
+                <a:latin typeface="JetBrains Mono"/>
+              </a:rPr>
+              <a:t>class</a:t>
+            </a:r>
+            <a:r>
+              <a:rPr lang="pt-PT" altLang="pt-PT" sz="1300" dirty="0">
+                <a:latin typeface="JetBrains Mono"/>
+              </a:rPr>
+              <a:t> </a:t>
+            </a:r>
+            <a:r>
+              <a:rPr lang="pt-PT" altLang="pt-PT" sz="1300" dirty="0" err="1">
+                <a:solidFill>
+                  <a:schemeClr val="accent5">
+                    <a:lumMod val="60000"/>
+                    <a:lumOff val="40000"/>
+                  </a:schemeClr>
+                </a:solidFill>
+                <a:latin typeface="JetBrains Mono"/>
+              </a:rPr>
+              <a:t>NotEnoughCapital</a:t>
+            </a:r>
+            <a:r>
+              <a:rPr lang="pt-PT" altLang="pt-PT" sz="1300" dirty="0">
+                <a:solidFill>
+                  <a:schemeClr val="accent5">
+                    <a:lumMod val="60000"/>
+                    <a:lumOff val="40000"/>
+                  </a:schemeClr>
+                </a:solidFill>
+                <a:latin typeface="JetBrains Mono"/>
+              </a:rPr>
+              <a:t> : </a:t>
+            </a:r>
+            <a:r>
+              <a:rPr lang="pt-PT" altLang="pt-PT" sz="1300" dirty="0" err="1">
+                <a:solidFill>
+                  <a:schemeClr val="accent5">
+                    <a:lumMod val="60000"/>
+                    <a:lumOff val="40000"/>
+                  </a:schemeClr>
+                </a:solidFill>
+                <a:latin typeface="JetBrains Mono"/>
+              </a:rPr>
+              <a:t>std</a:t>
+            </a:r>
+            <a:r>
+              <a:rPr lang="pt-PT" altLang="pt-PT" sz="1300" dirty="0">
+                <a:solidFill>
+                  <a:schemeClr val="accent5">
+                    <a:lumMod val="60000"/>
+                    <a:lumOff val="40000"/>
+                  </a:schemeClr>
+                </a:solidFill>
+                <a:latin typeface="JetBrains Mono"/>
+              </a:rPr>
+              <a:t>::</a:t>
+            </a:r>
+            <a:r>
+              <a:rPr lang="pt-PT" altLang="pt-PT" sz="1300" dirty="0" err="1">
+                <a:solidFill>
+                  <a:schemeClr val="accent5">
+                    <a:lumMod val="60000"/>
+                    <a:lumOff val="40000"/>
+                  </a:schemeClr>
+                </a:solidFill>
+                <a:latin typeface="JetBrains Mono"/>
+              </a:rPr>
+              <a:t>exception</a:t>
+            </a:r>
+            <a:r>
+              <a:rPr lang="pt-PT" altLang="pt-PT" sz="1300" dirty="0">
+                <a:solidFill>
+                  <a:schemeClr val="accent5">
+                    <a:lumMod val="60000"/>
+                    <a:lumOff val="40000"/>
+                  </a:schemeClr>
+                </a:solidFill>
+                <a:latin typeface="JetBrains Mono"/>
+              </a:rPr>
+              <a:t>{};</a:t>
             </a:r>
           </a:p>
         </p:txBody>
@@ -11566,7 +10820,7 @@
         </p:nvSpPr>
         <p:spPr>
           <a:xfrm>
-            <a:off x="459598" y="3514905"/>
+            <a:off x="930731" y="3644653"/>
             <a:ext cx="1748286" cy="1569660"/>
           </a:xfrm>
           <a:prstGeom prst="rect">
@@ -11608,8 +10862,8 @@
         </p:nvSpPr>
         <p:spPr>
           <a:xfrm>
-            <a:off x="6645885" y="3022463"/>
-            <a:ext cx="1748286" cy="2554545"/>
+            <a:off x="7728601" y="3331339"/>
+            <a:ext cx="3375365" cy="2062103"/>
           </a:xfrm>
           <a:prstGeom prst="rect">
             <a:avLst/>
@@ -11630,8 +10884,48 @@
           <a:p>
             <a:pPr algn="just"/>
             <a:r>
+              <a:rPr lang="pt-PT" sz="1600" u="sng" dirty="0"/>
+              <a:t>Nota</a:t>
+            </a:r>
+            <a:r>
               <a:rPr lang="pt-PT" sz="1600" dirty="0"/>
-              <a:t>O seu respetivo nome também retrata o erro tratado, no entanto não detêm apenas a sua declaração, como também alguns atributos e métodos.</a:t>
+              <a:t>: Estas exceções são apenas as criadas na segunda parte do trabalho, correspondentes respetivamente ao tratamento de erros que surgiram com a criação da classe </a:t>
+            </a:r>
+            <a:r>
+              <a:rPr lang="pt-PT" sz="1600" i="1" dirty="0" err="1"/>
+              <a:t>Order</a:t>
+            </a:r>
+            <a:r>
+              <a:rPr lang="pt-PT" sz="1600" dirty="0"/>
+              <a:t>, </a:t>
+            </a:r>
+            <a:r>
+              <a:rPr lang="pt-PT" sz="1600" i="1" dirty="0" err="1"/>
+              <a:t>Donation</a:t>
+            </a:r>
+            <a:r>
+              <a:rPr lang="pt-PT" sz="1600" dirty="0"/>
+              <a:t> e </a:t>
+            </a:r>
+            <a:r>
+              <a:rPr lang="pt-PT" sz="1600" i="1" dirty="0" err="1"/>
+              <a:t>Product</a:t>
+            </a:r>
+            <a:r>
+              <a:rPr lang="pt-PT" sz="1600" i="1" dirty="0"/>
+              <a:t>. </a:t>
+            </a:r>
+            <a:r>
+              <a:rPr lang="pt-PT" sz="1600" dirty="0"/>
+              <a:t>Assim, estas são lançadas nos métodos da </a:t>
+            </a:r>
+            <a:r>
+              <a:rPr lang="pt-PT" sz="1600" i="1" dirty="0" err="1"/>
+              <a:t>streamz</a:t>
+            </a:r>
+            <a:r>
+              <a:rPr lang="pt-PT" sz="1600" dirty="0"/>
+              <a:t> que utilizam as classes referidas anteriormente.</a:t>
             </a:r>
           </a:p>
         </p:txBody>
@@ -11650,7 +10944,7 @@
         </p:nvSpPr>
         <p:spPr>
           <a:xfrm>
-            <a:off x="2344912" y="4230583"/>
+            <a:off x="2921070" y="4339010"/>
             <a:ext cx="325776" cy="138306"/>
           </a:xfrm>
           <a:prstGeom prst="leftRightArrow">
@@ -11684,10 +10978,10 @@
       </p:sp>
       <p:sp>
         <p:nvSpPr>
-          <p:cNvPr id="26" name="Seta: Bidirecional 25">
-            <a:extLst>
-              <a:ext uri="{FF2B5EF4-FFF2-40B4-BE49-F238E27FC236}">
-                <a16:creationId xmlns:a16="http://schemas.microsoft.com/office/drawing/2014/main" id="{9BDB9850-B7E0-4B9B-8379-C941B431733A}"/>
+          <p:cNvPr id="9" name="Seta: Entalhada Para a Direita 8">
+            <a:extLst>
+              <a:ext uri="{FF2B5EF4-FFF2-40B4-BE49-F238E27FC236}">
+                <a16:creationId xmlns:a16="http://schemas.microsoft.com/office/drawing/2014/main" id="{3F62DAD4-C626-4245-BC52-A5CF7A1A1820}"/>
               </a:ext>
             </a:extLst>
           </p:cNvPr>
@@ -11696,10 +10990,10 @@
         </p:nvSpPr>
         <p:spPr>
           <a:xfrm>
-            <a:off x="8531198" y="4230583"/>
-            <a:ext cx="325776" cy="138306"/>
+            <a:off x="7141326" y="4248638"/>
+            <a:ext cx="310213" cy="227504"/>
           </a:xfrm>
-          <a:prstGeom prst="leftRightArrow">
+          <a:prstGeom prst="notchedRightArrow">
             <a:avLst/>
           </a:prstGeom>
         </p:spPr>
@@ -11744,6 +11038,14 @@
 <file path=ppt/slides/slide6.xml><?xml version="1.0" encoding="utf-8"?>
 <p:sld xmlns:a="http://schemas.openxmlformats.org/drawingml/2006/main" xmlns:r="http://schemas.openxmlformats.org/officeDocument/2006/relationships" xmlns:p="http://schemas.openxmlformats.org/presentationml/2006/main">
   <p:cSld>
+    <p:bg>
+      <p:bgPr>
+        <a:solidFill>
+          <a:schemeClr val="bg1"/>
+        </a:solidFill>
+        <a:effectLst/>
+      </p:bgPr>
+    </p:bg>
     <p:spTree>
       <p:nvGrpSpPr>
         <p:cNvPr id="1" name=""/>
@@ -11760,30 +11062,41 @@
       </p:grpSpPr>
       <p:sp>
         <p:nvSpPr>
-          <p:cNvPr id="53" name="Triângulo retângulo 52">
-            <a:extLst>
-              <a:ext uri="{FF2B5EF4-FFF2-40B4-BE49-F238E27FC236}">
-                <a16:creationId xmlns:a16="http://schemas.microsoft.com/office/drawing/2014/main" id="{63B97383-FD5C-44C6-A869-75F560FABA1C}"/>
-              </a:ext>
-            </a:extLst>
-          </p:cNvPr>
-          <p:cNvSpPr/>
-          <p:nvPr/>
+          <p:cNvPr id="8" name="Rectangle 7">
+            <a:extLst>
+              <a:ext uri="{FF2B5EF4-FFF2-40B4-BE49-F238E27FC236}">
+                <a16:creationId xmlns:a16="http://schemas.microsoft.com/office/drawing/2014/main" id="{8D70B121-56F4-4848-B38B-182089D909FA}"/>
+              </a:ext>
+              <a:ext uri="{C183D7F6-B498-43B3-948B-1728B52AA6E4}">
+                <adec:decorative xmlns:adec="http://schemas.microsoft.com/office/drawing/2017/decorative" val="1"/>
+              </a:ext>
+            </a:extLst>
+          </p:cNvPr>
+          <p:cNvSpPr>
+            <a:spLocks noGrp="1" noRot="1" noChangeAspect="1" noMove="1" noResize="1" noEditPoints="1" noAdjustHandles="1" noChangeArrowheads="1" noChangeShapeType="1" noTextEdit="1"/>
+          </p:cNvSpPr>
+          <p:nvPr>
+            <p:extLst>
+              <p:ext uri="{386F3935-93C4-4BCD-93E2-E3B085C9AB24}">
+                <p16:designElem xmlns:p16="http://schemas.microsoft.com/office/powerpoint/2015/main" val="1"/>
+              </p:ext>
+            </p:extLst>
+          </p:nvPr>
         </p:nvSpPr>
-        <p:spPr>
+        <p:spPr bwMode="ltGray">
           <a:xfrm>
-            <a:off x="-9985" y="0"/>
-            <a:ext cx="5347774" cy="6858000"/>
+            <a:off x="321564" y="320040"/>
+            <a:ext cx="11548872" cy="6217920"/>
           </a:xfrm>
-          <a:prstGeom prst="rtTriangle">
+          <a:prstGeom prst="rect">
             <a:avLst/>
           </a:prstGeom>
           <a:solidFill>
-            <a:srgbClr val="0563C1">
-              <a:alpha val="78824"/>
-            </a:srgbClr>
+            <a:schemeClr val="tx1">
+              <a:alpha val="8000"/>
+            </a:schemeClr>
           </a:solidFill>
-          <a:ln>
+          <a:ln w="127000" cap="sq" cmpd="thinThick">
             <a:noFill/>
           </a:ln>
         </p:spPr>
@@ -11808,68 +11121,266 @@
           <a:lstStyle/>
           <a:p>
             <a:pPr algn="ctr"/>
-            <a:endParaRPr lang="pt-PT" dirty="0"/>
+            <a:endParaRPr lang="en-US"/>
           </a:p>
         </p:txBody>
       </p:sp>
       <p:sp>
         <p:nvSpPr>
-          <p:cNvPr id="55" name="Triângulo retângulo 54">
-            <a:extLst>
-              <a:ext uri="{FF2B5EF4-FFF2-40B4-BE49-F238E27FC236}">
-                <a16:creationId xmlns:a16="http://schemas.microsoft.com/office/drawing/2014/main" id="{71A705DE-8109-4151-A32A-208B04B7B6A2}"/>
-              </a:ext>
-            </a:extLst>
-          </p:cNvPr>
-          <p:cNvSpPr/>
-          <p:nvPr/>
+          <p:cNvPr id="2" name="Título 1">
+            <a:extLst>
+              <a:ext uri="{FF2B5EF4-FFF2-40B4-BE49-F238E27FC236}">
+                <a16:creationId xmlns:a16="http://schemas.microsoft.com/office/drawing/2014/main" id="{8452E594-B91E-4541-B354-7DBC6E4B87EA}"/>
+              </a:ext>
+            </a:extLst>
+          </p:cNvPr>
+          <p:cNvSpPr>
+            <a:spLocks noGrp="1"/>
+          </p:cNvSpPr>
+          <p:nvPr>
+            <p:ph type="title"/>
+          </p:nvPr>
         </p:nvSpPr>
         <p:spPr>
           <a:xfrm>
-            <a:off x="-9987" y="-1"/>
-            <a:ext cx="1735215" cy="1935565"/>
+            <a:off x="838200" y="963877"/>
+            <a:ext cx="3494362" cy="4930246"/>
           </a:xfrm>
-          <a:prstGeom prst="rtTriangle">
+        </p:spPr>
+        <p:txBody>
+          <a:bodyPr>
+            <a:normAutofit/>
+          </a:bodyPr>
+          <a:lstStyle/>
+          <a:p>
+            <a:pPr algn="r"/>
+            <a:r>
+              <a:rPr lang="pt-PT">
+                <a:solidFill>
+                  <a:schemeClr val="accent1"/>
+                </a:solidFill>
+                <a:effectLst>
+                  <a:outerShdw blurRad="38100" dist="38100" dir="2700000" algn="tl">
+                    <a:srgbClr val="000000">
+                      <a:alpha val="43137"/>
+                    </a:srgbClr>
+                  </a:outerShdw>
+                </a:effectLst>
+              </a:rPr>
+              <a:t>Exemplo de tratamento de exceção</a:t>
+            </a:r>
+            <a:endParaRPr lang="pt-PT" dirty="0">
+              <a:solidFill>
+                <a:schemeClr val="accent1"/>
+              </a:solidFill>
+            </a:endParaRPr>
+          </a:p>
+        </p:txBody>
+      </p:sp>
+      <p:cxnSp>
+        <p:nvCxnSpPr>
+          <p:cNvPr id="10" name="Straight Connector 9">
+            <a:extLst>
+              <a:ext uri="{FF2B5EF4-FFF2-40B4-BE49-F238E27FC236}">
+                <a16:creationId xmlns:a16="http://schemas.microsoft.com/office/drawing/2014/main" id="{2D72A2C9-F3CA-4216-8BAD-FA4C970C3C4E}"/>
+              </a:ext>
+              <a:ext uri="{C183D7F6-B498-43B3-948B-1728B52AA6E4}">
+                <adec:decorative xmlns:adec="http://schemas.microsoft.com/office/drawing/2017/decorative" val="1"/>
+              </a:ext>
+            </a:extLst>
+          </p:cNvPr>
+          <p:cNvCxnSpPr>
+            <a:cxnSpLocks noGrp="1" noRot="1" noChangeAspect="1" noMove="1" noResize="1" noEditPoints="1" noAdjustHandles="1" noChangeArrowheads="1" noChangeShapeType="1"/>
+          </p:cNvCxnSpPr>
+          <p:nvPr>
+            <p:extLst>
+              <p:ext uri="{386F3935-93C4-4BCD-93E2-E3B085C9AB24}">
+                <p16:designElem xmlns:p16="http://schemas.microsoft.com/office/powerpoint/2015/main" val="1"/>
+              </p:ext>
+            </p:extLst>
+          </p:nvPr>
+        </p:nvCxnSpPr>
+        <p:spPr>
+          <a:xfrm>
+            <a:off x="4654296" y="2057400"/>
+            <a:ext cx="0" cy="2743200"/>
+          </a:xfrm>
+          <a:prstGeom prst="line">
             <a:avLst/>
           </a:prstGeom>
-          <a:solidFill>
-            <a:schemeClr val="bg1"/>
-          </a:solidFill>
-          <a:ln>
-            <a:noFill/>
+          <a:ln w="19050">
+            <a:solidFill>
+              <a:schemeClr val="tx1">
+                <a:lumMod val="85000"/>
+                <a:lumOff val="15000"/>
+              </a:schemeClr>
+            </a:solidFill>
           </a:ln>
         </p:spPr>
         <p:style>
-          <a:lnRef idx="2">
-            <a:schemeClr val="accent1">
-              <a:shade val="50000"/>
-            </a:schemeClr>
+          <a:lnRef idx="1">
+            <a:schemeClr val="accent1"/>
           </a:lnRef>
-          <a:fillRef idx="1">
+          <a:fillRef idx="0">
             <a:schemeClr val="accent1"/>
           </a:fillRef>
           <a:effectRef idx="0">
             <a:schemeClr val="accent1"/>
           </a:effectRef>
           <a:fontRef idx="minor">
-            <a:schemeClr val="lt1"/>
+            <a:schemeClr val="tx1"/>
           </a:fontRef>
         </p:style>
-        <p:txBody>
-          <a:bodyPr rtlCol="0" anchor="ctr"/>
-          <a:lstStyle/>
-          <a:p>
-            <a:pPr algn="ctr"/>
-            <a:endParaRPr lang="pt-PT"/>
-          </a:p>
-        </p:txBody>
-      </p:sp>
+      </p:cxnSp>
+      <p:pic>
+        <p:nvPicPr>
+          <p:cNvPr id="5" name="Marcador de Posição de Conteúdo 4" descr="Uma imagem com texto&#10;&#10;Descrição gerada automaticamente">
+            <a:extLst>
+              <a:ext uri="{FF2B5EF4-FFF2-40B4-BE49-F238E27FC236}">
+                <a16:creationId xmlns:a16="http://schemas.microsoft.com/office/drawing/2014/main" id="{FAA0475E-BFF5-4DAA-ADC1-B15A01A37136}"/>
+              </a:ext>
+            </a:extLst>
+          </p:cNvPr>
+          <p:cNvPicPr>
+            <a:picLocks noGrp="1" noChangeAspect="1"/>
+          </p:cNvPicPr>
+          <p:nvPr>
+            <p:ph idx="1"/>
+          </p:nvPr>
+        </p:nvPicPr>
+        <p:blipFill>
+          <a:blip r:embed="rId2">
+            <a:extLst>
+              <a:ext uri="{28A0092B-C50C-407E-A947-70E740481C1C}">
+                <a14:useLocalDpi xmlns:a14="http://schemas.microsoft.com/office/drawing/2010/main" val="0"/>
+              </a:ext>
+            </a:extLst>
+          </a:blip>
+          <a:stretch>
+            <a:fillRect/>
+          </a:stretch>
+        </p:blipFill>
+        <p:spPr>
+          <a:xfrm>
+            <a:off x="5110191" y="963877"/>
+            <a:ext cx="6304336" cy="1802879"/>
+          </a:xfrm>
+        </p:spPr>
+      </p:pic>
+      <p:pic>
+        <p:nvPicPr>
+          <p:cNvPr id="7" name="Imagem 6" descr="Uma imagem com texto&#10;&#10;Descrição gerada automaticamente">
+            <a:extLst>
+              <a:ext uri="{FF2B5EF4-FFF2-40B4-BE49-F238E27FC236}">
+                <a16:creationId xmlns:a16="http://schemas.microsoft.com/office/drawing/2014/main" id="{F49C8941-4754-42B6-8818-4453D3EE93DB}"/>
+              </a:ext>
+            </a:extLst>
+          </p:cNvPr>
+          <p:cNvPicPr>
+            <a:picLocks noChangeAspect="1"/>
+          </p:cNvPicPr>
+          <p:nvPr/>
+        </p:nvPicPr>
+        <p:blipFill>
+          <a:blip r:embed="rId3">
+            <a:extLst>
+              <a:ext uri="{28A0092B-C50C-407E-A947-70E740481C1C}">
+                <a14:useLocalDpi xmlns:a14="http://schemas.microsoft.com/office/drawing/2010/main" val="0"/>
+              </a:ext>
+            </a:extLst>
+          </a:blip>
+          <a:stretch>
+            <a:fillRect/>
+          </a:stretch>
+        </p:blipFill>
+        <p:spPr>
+          <a:xfrm>
+            <a:off x="5107203" y="3019335"/>
+            <a:ext cx="6310326" cy="939537"/>
+          </a:xfrm>
+          <a:prstGeom prst="rect">
+            <a:avLst/>
+          </a:prstGeom>
+        </p:spPr>
+      </p:pic>
+      <p:pic>
+        <p:nvPicPr>
+          <p:cNvPr id="11" name="Imagem 10">
+            <a:extLst>
+              <a:ext uri="{FF2B5EF4-FFF2-40B4-BE49-F238E27FC236}">
+                <a16:creationId xmlns:a16="http://schemas.microsoft.com/office/drawing/2014/main" id="{768F63FD-9348-4A38-B661-CBC1511749E6}"/>
+              </a:ext>
+            </a:extLst>
+          </p:cNvPr>
+          <p:cNvPicPr>
+            <a:picLocks noChangeAspect="1"/>
+          </p:cNvPicPr>
+          <p:nvPr/>
+        </p:nvPicPr>
+        <p:blipFill>
+          <a:blip r:embed="rId4">
+            <a:extLst>
+              <a:ext uri="{28A0092B-C50C-407E-A947-70E740481C1C}">
+                <a14:useLocalDpi xmlns:a14="http://schemas.microsoft.com/office/drawing/2010/main" val="0"/>
+              </a:ext>
+            </a:extLst>
+          </a:blip>
+          <a:stretch>
+            <a:fillRect/>
+          </a:stretch>
+        </p:blipFill>
+        <p:spPr>
+          <a:xfrm>
+            <a:off x="5110198" y="4211452"/>
+            <a:ext cx="6304329" cy="314954"/>
+          </a:xfrm>
+          <a:prstGeom prst="rect">
+            <a:avLst/>
+          </a:prstGeom>
+        </p:spPr>
+      </p:pic>
+      <p:pic>
+        <p:nvPicPr>
+          <p:cNvPr id="13" name="Imagem 12" descr="Uma imagem com texto&#10;&#10;Descrição gerada automaticamente">
+            <a:extLst>
+              <a:ext uri="{FF2B5EF4-FFF2-40B4-BE49-F238E27FC236}">
+                <a16:creationId xmlns:a16="http://schemas.microsoft.com/office/drawing/2014/main" id="{AF1108A4-4120-40F3-8691-DF82BBCE75D0}"/>
+              </a:ext>
+            </a:extLst>
+          </p:cNvPr>
+          <p:cNvPicPr>
+            <a:picLocks noChangeAspect="1"/>
+          </p:cNvPicPr>
+          <p:nvPr/>
+        </p:nvPicPr>
+        <p:blipFill>
+          <a:blip r:embed="rId5">
+            <a:extLst>
+              <a:ext uri="{28A0092B-C50C-407E-A947-70E740481C1C}">
+                <a14:useLocalDpi xmlns:a14="http://schemas.microsoft.com/office/drawing/2010/main" val="0"/>
+              </a:ext>
+            </a:extLst>
+          </a:blip>
+          <a:stretch>
+            <a:fillRect/>
+          </a:stretch>
+        </p:blipFill>
+        <p:spPr>
+          <a:xfrm>
+            <a:off x="5110198" y="4814523"/>
+            <a:ext cx="6304329" cy="1079600"/>
+          </a:xfrm>
+          <a:prstGeom prst="rect">
+            <a:avLst/>
+          </a:prstGeom>
+        </p:spPr>
+      </p:pic>
       <p:sp>
         <p:nvSpPr>
-          <p:cNvPr id="54" name="Triângulo retângulo 53">
-            <a:extLst>
-              <a:ext uri="{FF2B5EF4-FFF2-40B4-BE49-F238E27FC236}">
-                <a16:creationId xmlns:a16="http://schemas.microsoft.com/office/drawing/2014/main" id="{9451502F-6A7D-4103-A8A2-C5F11340EDEE}"/>
+          <p:cNvPr id="16" name="Retângulo: Cantos Arredondados 15">
+            <a:extLst>
+              <a:ext uri="{FF2B5EF4-FFF2-40B4-BE49-F238E27FC236}">
+                <a16:creationId xmlns:a16="http://schemas.microsoft.com/office/drawing/2014/main" id="{4580C373-2F50-4CF3-A0CB-BA11F6CC0FD6}"/>
               </a:ext>
             </a:extLst>
           </p:cNvPr>
@@ -11878,18 +11389,16 @@
         </p:nvSpPr>
         <p:spPr>
           <a:xfrm>
-            <a:off x="-9985" y="50555"/>
-            <a:ext cx="1814427" cy="1935565"/>
+            <a:off x="6895322" y="1828800"/>
+            <a:ext cx="1343609" cy="149290"/>
           </a:xfrm>
-          <a:prstGeom prst="rtTriangle">
+          <a:prstGeom prst="roundRect">
             <a:avLst/>
           </a:prstGeom>
-          <a:solidFill>
-            <a:schemeClr val="bg1"/>
-          </a:solidFill>
-          <a:ln>
+          <a:noFill/>
+          <a:ln w="28575">
             <a:solidFill>
-              <a:schemeClr val="bg1"/>
+              <a:srgbClr val="FFFF00"/>
             </a:solidFill>
           </a:ln>
         </p:spPr>
@@ -11920,10 +11429,10 @@
       </p:sp>
       <p:sp>
         <p:nvSpPr>
-          <p:cNvPr id="51" name="Triângulo retângulo 50">
-            <a:extLst>
-              <a:ext uri="{FF2B5EF4-FFF2-40B4-BE49-F238E27FC236}">
-                <a16:creationId xmlns:a16="http://schemas.microsoft.com/office/drawing/2014/main" id="{62AB3277-73D0-460A-8096-DEEE686FEC5E}"/>
+          <p:cNvPr id="20" name="Retângulo: Cantos Arredondados 19">
+            <a:extLst>
+              <a:ext uri="{FF2B5EF4-FFF2-40B4-BE49-F238E27FC236}">
+                <a16:creationId xmlns:a16="http://schemas.microsoft.com/office/drawing/2014/main" id="{3966D498-3F4B-409E-AABE-1FAF2D359857}"/>
               </a:ext>
             </a:extLst>
           </p:cNvPr>
@@ -11932,24 +11441,16 @@
         </p:nvSpPr>
         <p:spPr>
           <a:xfrm>
-            <a:off x="-9984" y="-1"/>
-            <a:ext cx="1418904" cy="1851103"/>
+            <a:off x="7150359" y="2136710"/>
+            <a:ext cx="1685731" cy="173509"/>
           </a:xfrm>
-          <a:prstGeom prst="rtTriangle">
+          <a:prstGeom prst="roundRect">
             <a:avLst/>
           </a:prstGeom>
-          <a:solidFill>
-            <a:schemeClr val="accent3">
-              <a:lumMod val="60000"/>
-              <a:lumOff val="40000"/>
-            </a:schemeClr>
-          </a:solidFill>
-          <a:ln>
+          <a:noFill/>
+          <a:ln w="28575">
             <a:solidFill>
-              <a:schemeClr val="accent3">
-                <a:lumMod val="60000"/>
-                <a:lumOff val="40000"/>
-              </a:schemeClr>
+              <a:srgbClr val="FFFF00"/>
             </a:solidFill>
           </a:ln>
         </p:spPr>
@@ -11980,188 +11481,10 @@
       </p:sp>
       <p:sp>
         <p:nvSpPr>
-          <p:cNvPr id="2" name="Título 1">
-            <a:extLst>
-              <a:ext uri="{FF2B5EF4-FFF2-40B4-BE49-F238E27FC236}">
-                <a16:creationId xmlns:a16="http://schemas.microsoft.com/office/drawing/2014/main" id="{BFFEC387-405C-408D-A19A-16CA199198AD}"/>
-              </a:ext>
-            </a:extLst>
-          </p:cNvPr>
-          <p:cNvSpPr>
-            <a:spLocks noGrp="1"/>
-          </p:cNvSpPr>
-          <p:nvPr>
-            <p:ph type="title"/>
-          </p:nvPr>
-        </p:nvSpPr>
-        <p:spPr/>
-        <p:txBody>
-          <a:bodyPr/>
-          <a:lstStyle/>
-          <a:p>
-            <a:r>
-              <a:rPr lang="pt-PT" dirty="0">
-                <a:effectLst>
-                  <a:outerShdw blurRad="38100" dist="38100" dir="2700000" algn="tl">
-                    <a:srgbClr val="000000">
-                      <a:alpha val="43137"/>
-                    </a:srgbClr>
-                  </a:outerShdw>
-                </a:effectLst>
-              </a:rPr>
-              <a:t>Exemplo de tratamento de exceção</a:t>
-            </a:r>
-          </a:p>
-        </p:txBody>
-      </p:sp>
-      <p:pic>
-        <p:nvPicPr>
-          <p:cNvPr id="5" name="Marcador de Posição de Conteúdo 4" descr="Uma imagem com texto&#10;&#10;Descrição gerada automaticamente">
-            <a:extLst>
-              <a:ext uri="{FF2B5EF4-FFF2-40B4-BE49-F238E27FC236}">
-                <a16:creationId xmlns:a16="http://schemas.microsoft.com/office/drawing/2014/main" id="{B1074A4C-B587-4F07-9F42-42A2B6C91E01}"/>
-              </a:ext>
-            </a:extLst>
-          </p:cNvPr>
-          <p:cNvPicPr>
-            <a:picLocks noGrp="1" noChangeAspect="1"/>
-          </p:cNvPicPr>
-          <p:nvPr>
-            <p:ph idx="1"/>
-          </p:nvPr>
-        </p:nvPicPr>
-        <p:blipFill>
-          <a:blip r:embed="rId2">
-            <a:extLst>
-              <a:ext uri="{28A0092B-C50C-407E-A947-70E740481C1C}">
-                <a14:useLocalDpi xmlns:a14="http://schemas.microsoft.com/office/drawing/2010/main" val="0"/>
-              </a:ext>
-            </a:extLst>
-          </a:blip>
-          <a:stretch>
-            <a:fillRect/>
-          </a:stretch>
-        </p:blipFill>
-        <p:spPr>
-          <a:xfrm>
-            <a:off x="1166898" y="1735606"/>
-            <a:ext cx="5758162" cy="2201488"/>
-          </a:xfrm>
-        </p:spPr>
-      </p:pic>
-      <p:pic>
-        <p:nvPicPr>
-          <p:cNvPr id="7" name="Imagem 6" descr="Uma imagem com texto&#10;&#10;Descrição gerada automaticamente">
-            <a:extLst>
-              <a:ext uri="{FF2B5EF4-FFF2-40B4-BE49-F238E27FC236}">
-                <a16:creationId xmlns:a16="http://schemas.microsoft.com/office/drawing/2014/main" id="{4FFC7ADC-4629-4F73-A9E9-65F055314AE3}"/>
-              </a:ext>
-            </a:extLst>
-          </p:cNvPr>
-          <p:cNvPicPr>
-            <a:picLocks noChangeAspect="1"/>
-          </p:cNvPicPr>
-          <p:nvPr/>
-        </p:nvPicPr>
-        <p:blipFill rotWithShape="1">
-          <a:blip r:embed="rId3">
-            <a:extLst>
-              <a:ext uri="{28A0092B-C50C-407E-A947-70E740481C1C}">
-                <a14:useLocalDpi xmlns:a14="http://schemas.microsoft.com/office/drawing/2010/main" val="0"/>
-              </a:ext>
-            </a:extLst>
-          </a:blip>
-          <a:srcRect r="8804"/>
-          <a:stretch/>
-        </p:blipFill>
-        <p:spPr>
-          <a:xfrm>
-            <a:off x="7960825" y="4434860"/>
-            <a:ext cx="3945731" cy="1807838"/>
-          </a:xfrm>
-          <a:prstGeom prst="rect">
-            <a:avLst/>
-          </a:prstGeom>
-        </p:spPr>
-      </p:pic>
-      <p:pic>
-        <p:nvPicPr>
-          <p:cNvPr id="9" name="Imagem 8" descr="Uma imagem com texto&#10;&#10;Descrição gerada automaticamente">
-            <a:extLst>
-              <a:ext uri="{FF2B5EF4-FFF2-40B4-BE49-F238E27FC236}">
-                <a16:creationId xmlns:a16="http://schemas.microsoft.com/office/drawing/2014/main" id="{D6C974DA-E19C-435B-B195-849D047B9FBC}"/>
-              </a:ext>
-            </a:extLst>
-          </p:cNvPr>
-          <p:cNvPicPr>
-            <a:picLocks noChangeAspect="1"/>
-          </p:cNvPicPr>
-          <p:nvPr/>
-        </p:nvPicPr>
-        <p:blipFill>
-          <a:blip r:embed="rId4">
-            <a:extLst>
-              <a:ext uri="{28A0092B-C50C-407E-A947-70E740481C1C}">
-                <a14:useLocalDpi xmlns:a14="http://schemas.microsoft.com/office/drawing/2010/main" val="0"/>
-              </a:ext>
-            </a:extLst>
-          </a:blip>
-          <a:stretch>
-            <a:fillRect/>
-          </a:stretch>
-        </p:blipFill>
-        <p:spPr>
-          <a:xfrm>
-            <a:off x="305764" y="4464476"/>
-            <a:ext cx="3740215" cy="1782209"/>
-          </a:xfrm>
-          <a:prstGeom prst="rect">
-            <a:avLst/>
-          </a:prstGeom>
-        </p:spPr>
-      </p:pic>
-      <p:pic>
-        <p:nvPicPr>
-          <p:cNvPr id="11" name="Imagem 10" descr="Uma imagem com texto&#10;&#10;Descrição gerada automaticamente">
-            <a:extLst>
-              <a:ext uri="{FF2B5EF4-FFF2-40B4-BE49-F238E27FC236}">
-                <a16:creationId xmlns:a16="http://schemas.microsoft.com/office/drawing/2014/main" id="{89B157ED-FFF6-4236-86F8-B035CDAF8CC4}"/>
-              </a:ext>
-            </a:extLst>
-          </p:cNvPr>
-          <p:cNvPicPr>
-            <a:picLocks noChangeAspect="1"/>
-          </p:cNvPicPr>
-          <p:nvPr/>
-        </p:nvPicPr>
-        <p:blipFill>
-          <a:blip r:embed="rId5">
-            <a:extLst>
-              <a:ext uri="{28A0092B-C50C-407E-A947-70E740481C1C}">
-                <a14:useLocalDpi xmlns:a14="http://schemas.microsoft.com/office/drawing/2010/main" val="0"/>
-              </a:ext>
-            </a:extLst>
-          </a:blip>
-          <a:stretch>
-            <a:fillRect/>
-          </a:stretch>
-        </p:blipFill>
-        <p:spPr>
-          <a:xfrm>
-            <a:off x="4231175" y="4445101"/>
-            <a:ext cx="3556801" cy="1801583"/>
-          </a:xfrm>
-          <a:prstGeom prst="rect">
-            <a:avLst/>
-          </a:prstGeom>
-        </p:spPr>
-      </p:pic>
-      <p:sp>
-        <p:nvSpPr>
-          <p:cNvPr id="12" name="Oval 11">
-            <a:extLst>
-              <a:ext uri="{FF2B5EF4-FFF2-40B4-BE49-F238E27FC236}">
-                <a16:creationId xmlns:a16="http://schemas.microsoft.com/office/drawing/2014/main" id="{9862C63A-70C9-4BFA-8337-B7CF5B299BBE}"/>
+          <p:cNvPr id="23" name="Retângulo: Cantos Arredondados 22">
+            <a:extLst>
+              <a:ext uri="{FF2B5EF4-FFF2-40B4-BE49-F238E27FC236}">
+                <a16:creationId xmlns:a16="http://schemas.microsoft.com/office/drawing/2014/main" id="{A654EC21-4E22-4731-870D-20C8D9DA7842}"/>
               </a:ext>
             </a:extLst>
           </p:cNvPr>
@@ -12170,16 +11493,16 @@
         </p:nvSpPr>
         <p:spPr>
           <a:xfrm>
-            <a:off x="132916" y="5802860"/>
-            <a:ext cx="3569150" cy="439838"/>
+            <a:off x="7713306" y="2424827"/>
+            <a:ext cx="2298441" cy="173509"/>
           </a:xfrm>
-          <a:prstGeom prst="ellipse">
+          <a:prstGeom prst="roundRect">
             <a:avLst/>
           </a:prstGeom>
           <a:noFill/>
-          <a:ln w="38100">
+          <a:ln w="28575">
             <a:solidFill>
-              <a:srgbClr val="FF0000"/>
+              <a:srgbClr val="FFFF00"/>
             </a:solidFill>
           </a:ln>
         </p:spPr>
@@ -12210,10 +11533,10 @@
       </p:sp>
       <p:sp>
         <p:nvSpPr>
-          <p:cNvPr id="13" name="Oval 12">
-            <a:extLst>
-              <a:ext uri="{FF2B5EF4-FFF2-40B4-BE49-F238E27FC236}">
-                <a16:creationId xmlns:a16="http://schemas.microsoft.com/office/drawing/2014/main" id="{22F1C9F0-7FB8-4C9E-8A1F-C216A9673ED8}"/>
+          <p:cNvPr id="24" name="Retângulo: Cantos Arredondados 23">
+            <a:extLst>
+              <a:ext uri="{FF2B5EF4-FFF2-40B4-BE49-F238E27FC236}">
+                <a16:creationId xmlns:a16="http://schemas.microsoft.com/office/drawing/2014/main" id="{96D7D51A-BBDA-4D70-8C76-29933A13FDAA}"/>
               </a:ext>
             </a:extLst>
           </p:cNvPr>
@@ -12222,16 +11545,16 @@
         </p:nvSpPr>
         <p:spPr>
           <a:xfrm>
-            <a:off x="4126231" y="5904560"/>
-            <a:ext cx="3740216" cy="324840"/>
+            <a:off x="7865706" y="3265715"/>
+            <a:ext cx="1754155" cy="182682"/>
           </a:xfrm>
-          <a:prstGeom prst="ellipse">
+          <a:prstGeom prst="roundRect">
             <a:avLst/>
           </a:prstGeom>
           <a:noFill/>
-          <a:ln w="38100">
+          <a:ln w="28575">
             <a:solidFill>
-              <a:srgbClr val="92D050"/>
+              <a:srgbClr val="FFFF00"/>
             </a:solidFill>
           </a:ln>
         </p:spPr>
@@ -12256,20 +11579,16 @@
           <a:lstStyle/>
           <a:p>
             <a:pPr algn="ctr"/>
-            <a:endParaRPr lang="pt-PT">
-              <a:solidFill>
-                <a:srgbClr val="FF0000"/>
-              </a:solidFill>
-            </a:endParaRPr>
+            <a:endParaRPr lang="pt-PT"/>
           </a:p>
         </p:txBody>
       </p:sp>
       <p:sp>
         <p:nvSpPr>
-          <p:cNvPr id="14" name="Oval 13">
-            <a:extLst>
-              <a:ext uri="{FF2B5EF4-FFF2-40B4-BE49-F238E27FC236}">
-                <a16:creationId xmlns:a16="http://schemas.microsoft.com/office/drawing/2014/main" id="{717D9583-AA41-4152-A6F8-A8FB6BCB519F}"/>
+          <p:cNvPr id="25" name="Retângulo: Cantos Arredondados 24">
+            <a:extLst>
+              <a:ext uri="{FF2B5EF4-FFF2-40B4-BE49-F238E27FC236}">
+                <a16:creationId xmlns:a16="http://schemas.microsoft.com/office/drawing/2014/main" id="{18DFCDAF-5284-4E56-B87E-01FA4EE09C49}"/>
               </a:ext>
             </a:extLst>
           </p:cNvPr>
@@ -12278,16 +11597,16 @@
         </p:nvSpPr>
         <p:spPr>
           <a:xfrm>
-            <a:off x="7960825" y="5083633"/>
-            <a:ext cx="2164755" cy="271947"/>
+            <a:off x="7150359" y="4356384"/>
+            <a:ext cx="1340498" cy="161750"/>
           </a:xfrm>
-          <a:prstGeom prst="ellipse">
+          <a:prstGeom prst="roundRect">
             <a:avLst/>
           </a:prstGeom>
           <a:noFill/>
-          <a:ln w="38100">
+          <a:ln w="28575">
             <a:solidFill>
-              <a:srgbClr val="0070C0"/>
+              <a:srgbClr val="FFFF00"/>
             </a:solidFill>
           </a:ln>
         </p:spPr>
@@ -12316,94 +11635,12 @@
           </a:p>
         </p:txBody>
       </p:sp>
-      <p:cxnSp>
-        <p:nvCxnSpPr>
-          <p:cNvPr id="16" name="Conexão reta 15">
-            <a:extLst>
-              <a:ext uri="{FF2B5EF4-FFF2-40B4-BE49-F238E27FC236}">
-                <a16:creationId xmlns:a16="http://schemas.microsoft.com/office/drawing/2014/main" id="{96A70521-04B3-4453-946F-F824434111E1}"/>
-              </a:ext>
-            </a:extLst>
-          </p:cNvPr>
-          <p:cNvCxnSpPr/>
-          <p:nvPr/>
-        </p:nvCxnSpPr>
-        <p:spPr>
-          <a:xfrm>
-            <a:off x="10972800" y="5521124"/>
-            <a:ext cx="787078" cy="0"/>
-          </a:xfrm>
-          <a:prstGeom prst="line">
-            <a:avLst/>
-          </a:prstGeom>
-          <a:ln w="38100">
-            <a:solidFill>
-              <a:srgbClr val="0070C0"/>
-            </a:solidFill>
-          </a:ln>
-        </p:spPr>
-        <p:style>
-          <a:lnRef idx="1">
-            <a:schemeClr val="accent1"/>
-          </a:lnRef>
-          <a:fillRef idx="0">
-            <a:schemeClr val="accent1"/>
-          </a:fillRef>
-          <a:effectRef idx="0">
-            <a:schemeClr val="accent1"/>
-          </a:effectRef>
-          <a:fontRef idx="minor">
-            <a:schemeClr val="tx1"/>
-          </a:fontRef>
-        </p:style>
-      </p:cxnSp>
-      <p:cxnSp>
-        <p:nvCxnSpPr>
-          <p:cNvPr id="17" name="Conexão reta 16">
-            <a:extLst>
-              <a:ext uri="{FF2B5EF4-FFF2-40B4-BE49-F238E27FC236}">
-                <a16:creationId xmlns:a16="http://schemas.microsoft.com/office/drawing/2014/main" id="{DAEDFB3E-794C-447B-83CF-A77918ECA95D}"/>
-              </a:ext>
-            </a:extLst>
-          </p:cNvPr>
-          <p:cNvCxnSpPr/>
-          <p:nvPr/>
-        </p:nvCxnSpPr>
-        <p:spPr>
-          <a:xfrm>
-            <a:off x="11044177" y="5874237"/>
-            <a:ext cx="787078" cy="0"/>
-          </a:xfrm>
-          <a:prstGeom prst="line">
-            <a:avLst/>
-          </a:prstGeom>
-          <a:ln w="38100">
-            <a:solidFill>
-              <a:srgbClr val="0070C0"/>
-            </a:solidFill>
-          </a:ln>
-        </p:spPr>
-        <p:style>
-          <a:lnRef idx="1">
-            <a:schemeClr val="accent1"/>
-          </a:lnRef>
-          <a:fillRef idx="0">
-            <a:schemeClr val="accent1"/>
-          </a:fillRef>
-          <a:effectRef idx="0">
-            <a:schemeClr val="accent1"/>
-          </a:effectRef>
-          <a:fontRef idx="minor">
-            <a:schemeClr val="tx1"/>
-          </a:fontRef>
-        </p:style>
-      </p:cxnSp>
       <p:sp>
         <p:nvSpPr>
-          <p:cNvPr id="21" name="Oval 20">
-            <a:extLst>
-              <a:ext uri="{FF2B5EF4-FFF2-40B4-BE49-F238E27FC236}">
-                <a16:creationId xmlns:a16="http://schemas.microsoft.com/office/drawing/2014/main" id="{A1B150D1-BA65-4FCD-8CF1-C33A6492246C}"/>
+          <p:cNvPr id="26" name="Retângulo: Cantos Arredondados 25">
+            <a:extLst>
+              <a:ext uri="{FF2B5EF4-FFF2-40B4-BE49-F238E27FC236}">
+                <a16:creationId xmlns:a16="http://schemas.microsoft.com/office/drawing/2014/main" id="{9C011223-BB3C-4A10-8AF8-1BFFAD1E3B01}"/>
               </a:ext>
             </a:extLst>
           </p:cNvPr>
@@ -12412,16 +11649,16 @@
         </p:nvSpPr>
         <p:spPr>
           <a:xfrm>
-            <a:off x="3859107" y="1851103"/>
-            <a:ext cx="1574939" cy="275708"/>
+            <a:off x="5725886" y="5466051"/>
+            <a:ext cx="1747934" cy="240181"/>
           </a:xfrm>
-          <a:prstGeom prst="ellipse">
+          <a:prstGeom prst="roundRect">
             <a:avLst/>
           </a:prstGeom>
           <a:noFill/>
-          <a:ln w="38100">
+          <a:ln w="28575">
             <a:solidFill>
-              <a:srgbClr val="92D050"/>
+              <a:srgbClr val="FFFF00"/>
             </a:solidFill>
           </a:ln>
         </p:spPr>
@@ -12446,234 +11683,373 @@
           <a:lstStyle/>
           <a:p>
             <a:pPr algn="ctr"/>
-            <a:endParaRPr lang="pt-PT">
-              <a:solidFill>
-                <a:srgbClr val="FF0000"/>
-              </a:solidFill>
-            </a:endParaRPr>
+            <a:endParaRPr lang="pt-PT"/>
           </a:p>
         </p:txBody>
       </p:sp>
-      <p:sp>
-        <p:nvSpPr>
-          <p:cNvPr id="22" name="Oval 21">
-            <a:extLst>
-              <a:ext uri="{FF2B5EF4-FFF2-40B4-BE49-F238E27FC236}">
-                <a16:creationId xmlns:a16="http://schemas.microsoft.com/office/drawing/2014/main" id="{64C99ECF-D054-4D43-BDB2-6EAE3AC3068A}"/>
-              </a:ext>
-            </a:extLst>
-          </p:cNvPr>
-          <p:cNvSpPr/>
+      <p:cxnSp>
+        <p:nvCxnSpPr>
+          <p:cNvPr id="28" name="Conexão: Curva 27">
+            <a:extLst>
+              <a:ext uri="{FF2B5EF4-FFF2-40B4-BE49-F238E27FC236}">
+                <a16:creationId xmlns:a16="http://schemas.microsoft.com/office/drawing/2014/main" id="{A05FDB2C-F9B8-4882-A2C7-5E8CDF5CDADC}"/>
+              </a:ext>
+            </a:extLst>
+          </p:cNvPr>
+          <p:cNvCxnSpPr>
+            <a:cxnSpLocks/>
+            <a:stCxn id="16" idx="3"/>
+          </p:cNvCxnSpPr>
           <p:nvPr/>
-        </p:nvSpPr>
+        </p:nvCxnSpPr>
         <p:spPr>
-          <a:xfrm>
-            <a:off x="3232124" y="2265178"/>
-            <a:ext cx="1574939" cy="275708"/>
+          <a:xfrm flipV="1">
+            <a:off x="8238931" y="1446245"/>
+            <a:ext cx="1604865" cy="457200"/>
           </a:xfrm>
-          <a:prstGeom prst="ellipse">
+          <a:prstGeom prst="curvedConnector3">
             <a:avLst/>
           </a:prstGeom>
-          <a:noFill/>
-          <a:ln w="38100">
+          <a:ln>
             <a:solidFill>
-              <a:srgbClr val="FF0000"/>
+              <a:srgbClr val="FFFF00"/>
             </a:solidFill>
+            <a:tailEnd type="triangle"/>
           </a:ln>
         </p:spPr>
         <p:style>
-          <a:lnRef idx="2">
-            <a:schemeClr val="accent1">
-              <a:shade val="50000"/>
-            </a:schemeClr>
+          <a:lnRef idx="1">
+            <a:schemeClr val="accent1"/>
           </a:lnRef>
-          <a:fillRef idx="1">
+          <a:fillRef idx="0">
             <a:schemeClr val="accent1"/>
           </a:fillRef>
           <a:effectRef idx="0">
             <a:schemeClr val="accent1"/>
           </a:effectRef>
           <a:fontRef idx="minor">
-            <a:schemeClr val="lt1"/>
+            <a:schemeClr val="tx1"/>
           </a:fontRef>
         </p:style>
-        <p:txBody>
-          <a:bodyPr rtlCol="0" anchor="ctr"/>
-          <a:lstStyle/>
-          <a:p>
-            <a:pPr algn="ctr"/>
-            <a:endParaRPr lang="pt-PT"/>
-          </a:p>
-        </p:txBody>
-      </p:sp>
+      </p:cxnSp>
       <p:sp>
         <p:nvSpPr>
-          <p:cNvPr id="24" name="Oval 23">
-            <a:extLst>
-              <a:ext uri="{FF2B5EF4-FFF2-40B4-BE49-F238E27FC236}">
-                <a16:creationId xmlns:a16="http://schemas.microsoft.com/office/drawing/2014/main" id="{A6A5DE28-7D27-4E31-83D1-76D30E94A85F}"/>
-              </a:ext>
-            </a:extLst>
-          </p:cNvPr>
-          <p:cNvSpPr/>
+          <p:cNvPr id="30" name="CaixaDeTexto 29">
+            <a:extLst>
+              <a:ext uri="{FF2B5EF4-FFF2-40B4-BE49-F238E27FC236}">
+                <a16:creationId xmlns:a16="http://schemas.microsoft.com/office/drawing/2014/main" id="{18AFB5F4-57BA-4414-8BB0-0999CDFF93D9}"/>
+              </a:ext>
+            </a:extLst>
+          </p:cNvPr>
+          <p:cNvSpPr txBox="1"/>
           <p:nvPr/>
         </p:nvSpPr>
         <p:spPr>
           <a:xfrm>
-            <a:off x="3456944" y="3427497"/>
-            <a:ext cx="619871" cy="275708"/>
+            <a:off x="9769191" y="1263465"/>
+            <a:ext cx="1719942" cy="430887"/>
           </a:xfrm>
-          <a:prstGeom prst="ellipse">
+          <a:prstGeom prst="rect">
             <a:avLst/>
           </a:prstGeom>
           <a:noFill/>
-          <a:ln w="38100">
+        </p:spPr>
+        <p:txBody>
+          <a:bodyPr wrap="square" rtlCol="0">
+            <a:spAutoFit/>
+          </a:bodyPr>
+          <a:lstStyle/>
+          <a:p>
+            <a:r>
+              <a:rPr lang="pt-PT" sz="1050" dirty="0">
+                <a:solidFill>
+                  <a:schemeClr val="bg1"/>
+                </a:solidFill>
+              </a:rPr>
+              <a:t>Quando o produto não existe</a:t>
+            </a:r>
+          </a:p>
+        </p:txBody>
+      </p:sp>
+      <p:cxnSp>
+        <p:nvCxnSpPr>
+          <p:cNvPr id="34" name="Conexão: Curva 33">
+            <a:extLst>
+              <a:ext uri="{FF2B5EF4-FFF2-40B4-BE49-F238E27FC236}">
+                <a16:creationId xmlns:a16="http://schemas.microsoft.com/office/drawing/2014/main" id="{90C7DE4E-33F1-4205-921C-7363587FD469}"/>
+              </a:ext>
+            </a:extLst>
+          </p:cNvPr>
+          <p:cNvCxnSpPr>
+            <a:cxnSpLocks/>
+            <a:stCxn id="20" idx="3"/>
+            <a:endCxn id="35" idx="1"/>
+          </p:cNvCxnSpPr>
+          <p:nvPr/>
+        </p:nvCxnSpPr>
+        <p:spPr>
+          <a:xfrm flipV="1">
+            <a:off x="8836090" y="2004126"/>
+            <a:ext cx="933101" cy="219339"/>
+          </a:xfrm>
+          <a:prstGeom prst="curvedConnector3">
+            <a:avLst/>
+          </a:prstGeom>
+          <a:ln>
             <a:solidFill>
-              <a:srgbClr val="0070C0"/>
+              <a:srgbClr val="FFFF00"/>
             </a:solidFill>
+            <a:tailEnd type="triangle"/>
           </a:ln>
         </p:spPr>
         <p:style>
-          <a:lnRef idx="2">
-            <a:schemeClr val="accent1">
-              <a:shade val="50000"/>
-            </a:schemeClr>
+          <a:lnRef idx="1">
+            <a:schemeClr val="accent1"/>
           </a:lnRef>
-          <a:fillRef idx="1">
+          <a:fillRef idx="0">
             <a:schemeClr val="accent1"/>
           </a:fillRef>
           <a:effectRef idx="0">
             <a:schemeClr val="accent1"/>
           </a:effectRef>
           <a:fontRef idx="minor">
-            <a:schemeClr val="lt1"/>
+            <a:schemeClr val="tx1"/>
           </a:fontRef>
         </p:style>
-        <p:txBody>
-          <a:bodyPr rtlCol="0" anchor="ctr"/>
-          <a:lstStyle/>
-          <a:p>
-            <a:pPr algn="ctr"/>
-            <a:endParaRPr lang="pt-PT"/>
-          </a:p>
-        </p:txBody>
-      </p:sp>
-      <p:pic>
-        <p:nvPicPr>
-          <p:cNvPr id="28" name="Imagem 27">
-            <a:extLst>
-              <a:ext uri="{FF2B5EF4-FFF2-40B4-BE49-F238E27FC236}">
-                <a16:creationId xmlns:a16="http://schemas.microsoft.com/office/drawing/2014/main" id="{8A80F190-51FD-4C07-A87C-E96C526EEECF}"/>
-              </a:ext>
-            </a:extLst>
-          </p:cNvPr>
-          <p:cNvPicPr>
-            <a:picLocks noChangeAspect="1"/>
-          </p:cNvPicPr>
-          <p:nvPr/>
-        </p:nvPicPr>
-        <p:blipFill>
-          <a:blip r:embed="rId6">
-            <a:extLst>
-              <a:ext uri="{28A0092B-C50C-407E-A947-70E740481C1C}">
-                <a14:useLocalDpi xmlns:a14="http://schemas.microsoft.com/office/drawing/2010/main" val="0"/>
-              </a:ext>
-            </a:extLst>
-          </a:blip>
-          <a:stretch>
-            <a:fillRect/>
-          </a:stretch>
-        </p:blipFill>
-        <p:spPr>
-          <a:xfrm>
-            <a:off x="7197979" y="1739717"/>
-            <a:ext cx="3268793" cy="2197377"/>
-          </a:xfrm>
-          <a:prstGeom prst="rect">
-            <a:avLst/>
-          </a:prstGeom>
-        </p:spPr>
-      </p:pic>
+      </p:cxnSp>
       <p:sp>
         <p:nvSpPr>
-          <p:cNvPr id="29" name="Retângulo 28">
-            <a:extLst>
-              <a:ext uri="{FF2B5EF4-FFF2-40B4-BE49-F238E27FC236}">
-                <a16:creationId xmlns:a16="http://schemas.microsoft.com/office/drawing/2014/main" id="{08BD4959-0645-4F2B-A12C-95911209D1DE}"/>
-              </a:ext>
-            </a:extLst>
-          </p:cNvPr>
-          <p:cNvSpPr/>
+          <p:cNvPr id="35" name="CaixaDeTexto 34">
+            <a:extLst>
+              <a:ext uri="{FF2B5EF4-FFF2-40B4-BE49-F238E27FC236}">
+                <a16:creationId xmlns:a16="http://schemas.microsoft.com/office/drawing/2014/main" id="{E86002BF-F61F-4FE0-A7A0-BAC6F700EE62}"/>
+              </a:ext>
+            </a:extLst>
+          </p:cNvPr>
+          <p:cNvSpPr txBox="1"/>
           <p:nvPr/>
         </p:nvSpPr>
         <p:spPr>
           <a:xfrm>
-            <a:off x="7197979" y="1735604"/>
-            <a:ext cx="3268793" cy="2201489"/>
+            <a:off x="9769191" y="1796377"/>
+            <a:ext cx="1517780" cy="415498"/>
           </a:xfrm>
           <a:prstGeom prst="rect">
             <a:avLst/>
           </a:prstGeom>
           <a:noFill/>
-          <a:ln w="38100">
+        </p:spPr>
+        <p:txBody>
+          <a:bodyPr wrap="square" rtlCol="0">
+            <a:spAutoFit/>
+          </a:bodyPr>
+          <a:lstStyle/>
+          <a:p>
+            <a:r>
+              <a:rPr lang="pt-PT" sz="1050" dirty="0">
+                <a:solidFill>
+                  <a:schemeClr val="bg1"/>
+                </a:solidFill>
+              </a:rPr>
+              <a:t>Quando não existe stock suficiente </a:t>
+            </a:r>
+          </a:p>
+        </p:txBody>
+      </p:sp>
+      <p:cxnSp>
+        <p:nvCxnSpPr>
+          <p:cNvPr id="38" name="Conexão: Curva 37">
+            <a:extLst>
+              <a:ext uri="{FF2B5EF4-FFF2-40B4-BE49-F238E27FC236}">
+                <a16:creationId xmlns:a16="http://schemas.microsoft.com/office/drawing/2014/main" id="{B059574C-CA00-447C-BE6E-6DDCDF394668}"/>
+              </a:ext>
+            </a:extLst>
+          </p:cNvPr>
+          <p:cNvCxnSpPr>
+            <a:stCxn id="23" idx="3"/>
+          </p:cNvCxnSpPr>
+          <p:nvPr/>
+        </p:nvCxnSpPr>
+        <p:spPr>
+          <a:xfrm flipV="1">
+            <a:off x="10011747" y="2424827"/>
+            <a:ext cx="410547" cy="86755"/>
+          </a:xfrm>
+          <a:prstGeom prst="curvedConnector3">
+            <a:avLst/>
+          </a:prstGeom>
+          <a:ln>
             <a:solidFill>
-              <a:srgbClr val="0070C0"/>
+              <a:srgbClr val="FFFF00"/>
             </a:solidFill>
+            <a:tailEnd type="triangle"/>
           </a:ln>
         </p:spPr>
         <p:style>
-          <a:lnRef idx="2">
-            <a:schemeClr val="accent1">
-              <a:shade val="50000"/>
-            </a:schemeClr>
+          <a:lnRef idx="1">
+            <a:schemeClr val="accent1"/>
           </a:lnRef>
-          <a:fillRef idx="1">
+          <a:fillRef idx="0">
             <a:schemeClr val="accent1"/>
           </a:fillRef>
           <a:effectRef idx="0">
             <a:schemeClr val="accent1"/>
           </a:effectRef>
           <a:fontRef idx="minor">
-            <a:schemeClr val="lt1"/>
+            <a:schemeClr val="tx1"/>
           </a:fontRef>
         </p:style>
+      </p:cxnSp>
+      <p:sp>
+        <p:nvSpPr>
+          <p:cNvPr id="39" name="CaixaDeTexto 38">
+            <a:extLst>
+              <a:ext uri="{FF2B5EF4-FFF2-40B4-BE49-F238E27FC236}">
+                <a16:creationId xmlns:a16="http://schemas.microsoft.com/office/drawing/2014/main" id="{F3004FFC-FE43-4DCC-AC79-B5222017BC97}"/>
+              </a:ext>
+            </a:extLst>
+          </p:cNvPr>
+          <p:cNvSpPr txBox="1"/>
+          <p:nvPr/>
+        </p:nvSpPr>
+        <p:spPr>
+          <a:xfrm>
+            <a:off x="10427000" y="2136286"/>
+            <a:ext cx="859971" cy="577081"/>
+          </a:xfrm>
+          <a:prstGeom prst="rect">
+            <a:avLst/>
+          </a:prstGeom>
+          <a:noFill/>
+        </p:spPr>
         <p:txBody>
-          <a:bodyPr rtlCol="0" anchor="ctr"/>
+          <a:bodyPr wrap="square" rtlCol="0">
+            <a:spAutoFit/>
+          </a:bodyPr>
           <a:lstStyle/>
           <a:p>
-            <a:pPr algn="ctr"/>
-            <a:endParaRPr lang="pt-PT"/>
+            <a:r>
+              <a:rPr lang="pt-PT" sz="1050" dirty="0">
+                <a:solidFill>
+                  <a:schemeClr val="bg1"/>
+                </a:solidFill>
+              </a:rPr>
+              <a:t>Excedeu a quantidade máxima</a:t>
+            </a:r>
           </a:p>
         </p:txBody>
       </p:sp>
       <p:cxnSp>
         <p:nvCxnSpPr>
-          <p:cNvPr id="34" name="Conexão: Curva 33">
-            <a:extLst>
-              <a:ext uri="{FF2B5EF4-FFF2-40B4-BE49-F238E27FC236}">
-                <a16:creationId xmlns:a16="http://schemas.microsoft.com/office/drawing/2014/main" id="{BBB060A0-E503-4A09-9EBD-A88EE5EBAB14}"/>
+          <p:cNvPr id="41" name="Conexão: Curva 40">
+            <a:extLst>
+              <a:ext uri="{FF2B5EF4-FFF2-40B4-BE49-F238E27FC236}">
+                <a16:creationId xmlns:a16="http://schemas.microsoft.com/office/drawing/2014/main" id="{2CBDAEB7-B99D-45C9-B09C-33D6908DA8D2}"/>
               </a:ext>
             </a:extLst>
           </p:cNvPr>
           <p:cNvCxnSpPr>
-            <a:cxnSpLocks/>
-            <a:stCxn id="24" idx="4"/>
-            <a:endCxn id="28" idx="1"/>
+            <a:stCxn id="24" idx="2"/>
           </p:cNvCxnSpPr>
           <p:nvPr/>
         </p:nvCxnSpPr>
         <p:spPr>
-          <a:xfrm rot="5400000" flipH="1" flipV="1">
-            <a:off x="5050029" y="1555256"/>
-            <a:ext cx="864799" cy="3431099"/>
+          <a:xfrm rot="16200000" flipH="1">
+            <a:off x="8905022" y="3286159"/>
+            <a:ext cx="320628" cy="645104"/>
           </a:xfrm>
-          <a:prstGeom prst="curvedConnector4">
-            <a:avLst>
-              <a:gd name="adj1" fmla="val -26434"/>
-              <a:gd name="adj2" fmla="val 54517"/>
-            </a:avLst>
+          <a:prstGeom prst="curvedConnector2">
+            <a:avLst/>
           </a:prstGeom>
-          <a:ln w="38100">
+          <a:ln>
+            <a:solidFill>
+              <a:srgbClr val="FFFF00"/>
+            </a:solidFill>
+            <a:tailEnd type="triangle"/>
+          </a:ln>
+        </p:spPr>
+        <p:style>
+          <a:lnRef idx="1">
+            <a:schemeClr val="accent1"/>
+          </a:lnRef>
+          <a:fillRef idx="0">
+            <a:schemeClr val="accent1"/>
+          </a:fillRef>
+          <a:effectRef idx="0">
+            <a:schemeClr val="accent1"/>
+          </a:effectRef>
+          <a:fontRef idx="minor">
+            <a:schemeClr val="tx1"/>
+          </a:fontRef>
+        </p:style>
+      </p:cxnSp>
+      <p:sp>
+        <p:nvSpPr>
+          <p:cNvPr id="42" name="CaixaDeTexto 41">
+            <a:extLst>
+              <a:ext uri="{FF2B5EF4-FFF2-40B4-BE49-F238E27FC236}">
+                <a16:creationId xmlns:a16="http://schemas.microsoft.com/office/drawing/2014/main" id="{72EB45B6-C50A-4373-B942-6F1754078896}"/>
+              </a:ext>
+            </a:extLst>
+          </p:cNvPr>
+          <p:cNvSpPr txBox="1"/>
+          <p:nvPr/>
+        </p:nvSpPr>
+        <p:spPr>
+          <a:xfrm>
+            <a:off x="9391299" y="3516527"/>
+            <a:ext cx="1651442" cy="415498"/>
+          </a:xfrm>
+          <a:prstGeom prst="rect">
+            <a:avLst/>
+          </a:prstGeom>
+          <a:noFill/>
+        </p:spPr>
+        <p:txBody>
+          <a:bodyPr wrap="square" rtlCol="0">
+            <a:spAutoFit/>
+          </a:bodyPr>
+          <a:lstStyle/>
+          <a:p>
+            <a:r>
+              <a:rPr lang="pt-PT" sz="1050" dirty="0">
+                <a:solidFill>
+                  <a:schemeClr val="bg1"/>
+                </a:solidFill>
+              </a:rPr>
+              <a:t>Se o utilizador não estiver com a conta ativa</a:t>
+            </a:r>
+          </a:p>
+        </p:txBody>
+      </p:sp>
+      <p:cxnSp>
+        <p:nvCxnSpPr>
+          <p:cNvPr id="47" name="Conexão: Curva 46">
+            <a:extLst>
+              <a:ext uri="{FF2B5EF4-FFF2-40B4-BE49-F238E27FC236}">
+                <a16:creationId xmlns:a16="http://schemas.microsoft.com/office/drawing/2014/main" id="{1F7BB7F6-7DD3-4C75-9C80-C94956F0DF6F}"/>
+              </a:ext>
+            </a:extLst>
+          </p:cNvPr>
+          <p:cNvCxnSpPr>
+            <a:cxnSpLocks/>
+            <a:stCxn id="25" idx="3"/>
+            <a:endCxn id="42" idx="2"/>
+          </p:cNvCxnSpPr>
+          <p:nvPr/>
+        </p:nvCxnSpPr>
+        <p:spPr>
+          <a:xfrm flipV="1">
+            <a:off x="8490857" y="3932025"/>
+            <a:ext cx="1726163" cy="505234"/>
+          </a:xfrm>
+          <a:prstGeom prst="curvedConnector2">
+            <a:avLst/>
+          </a:prstGeom>
+          <a:ln>
+            <a:solidFill>
+              <a:srgbClr val="FFFF00"/>
+            </a:solidFill>
             <a:tailEnd type="triangle"/>
           </a:ln>
         </p:spPr>
@@ -12694,33 +12070,30 @@
       </p:cxnSp>
       <p:cxnSp>
         <p:nvCxnSpPr>
-          <p:cNvPr id="38" name="Conexão: Curva 37">
-            <a:extLst>
-              <a:ext uri="{FF2B5EF4-FFF2-40B4-BE49-F238E27FC236}">
-                <a16:creationId xmlns:a16="http://schemas.microsoft.com/office/drawing/2014/main" id="{2F29CD62-34DE-4950-B9A1-A2A19899C3E4}"/>
+          <p:cNvPr id="51" name="Conexão: Curva 50">
+            <a:extLst>
+              <a:ext uri="{FF2B5EF4-FFF2-40B4-BE49-F238E27FC236}">
+                <a16:creationId xmlns:a16="http://schemas.microsoft.com/office/drawing/2014/main" id="{DD5D2FE5-0588-4126-8388-231D5FCF207B}"/>
               </a:ext>
             </a:extLst>
           </p:cNvPr>
           <p:cNvCxnSpPr>
-            <a:cxnSpLocks/>
-            <a:stCxn id="29" idx="3"/>
-            <a:endCxn id="14" idx="2"/>
+            <a:stCxn id="26" idx="3"/>
           </p:cNvCxnSpPr>
           <p:nvPr/>
         </p:nvCxnSpPr>
         <p:spPr>
-          <a:xfrm flipH="1">
-            <a:off x="7960825" y="2836349"/>
-            <a:ext cx="2505947" cy="2383258"/>
+          <a:xfrm>
+            <a:off x="7473820" y="5586142"/>
+            <a:ext cx="1268963" cy="120090"/>
           </a:xfrm>
-          <a:prstGeom prst="curvedConnector5">
-            <a:avLst>
-              <a:gd name="adj1" fmla="val -9122"/>
-              <a:gd name="adj2" fmla="val 70241"/>
-              <a:gd name="adj3" fmla="val 109122"/>
-            </a:avLst>
+          <a:prstGeom prst="curvedConnector3">
+            <a:avLst/>
           </a:prstGeom>
-          <a:ln w="38100">
+          <a:ln>
+            <a:solidFill>
+              <a:srgbClr val="FFFF00"/>
+            </a:solidFill>
             <a:tailEnd type="triangle"/>
           </a:ln>
         </p:spPr>
@@ -12741,10 +12114,10 @@
       </p:cxnSp>
       <p:sp>
         <p:nvSpPr>
-          <p:cNvPr id="44" name="CaixaDeTexto 43">
-            <a:extLst>
-              <a:ext uri="{FF2B5EF4-FFF2-40B4-BE49-F238E27FC236}">
-                <a16:creationId xmlns:a16="http://schemas.microsoft.com/office/drawing/2014/main" id="{AD1EED88-FDDD-4C24-8F90-A742333EDB78}"/>
+          <p:cNvPr id="52" name="CaixaDeTexto 51">
+            <a:extLst>
+              <a:ext uri="{FF2B5EF4-FFF2-40B4-BE49-F238E27FC236}">
+                <a16:creationId xmlns:a16="http://schemas.microsoft.com/office/drawing/2014/main" id="{4B39CE53-36E7-483E-A4BB-D16015C8709A}"/>
               </a:ext>
             </a:extLst>
           </p:cNvPr>
@@ -12753,8 +12126,8 @@
         </p:nvSpPr>
         <p:spPr>
           <a:xfrm>
-            <a:off x="1068610" y="3936961"/>
-            <a:ext cx="3925412" cy="292388"/>
+            <a:off x="8742783" y="5508258"/>
+            <a:ext cx="2069802" cy="430887"/>
           </a:xfrm>
           <a:prstGeom prst="rect">
             <a:avLst/>
@@ -12768,282 +12141,20 @@
           <a:lstStyle/>
           <a:p>
             <a:r>
-              <a:rPr lang="pt-PT" sz="1300" dirty="0"/>
-              <a:t>Função que cria e adiciona um </a:t>
-            </a:r>
-            <a:r>
-              <a:rPr lang="pt-PT" sz="1300" i="1" dirty="0" err="1"/>
-              <a:t>streamer</a:t>
-            </a:r>
-            <a:r>
-              <a:rPr lang="pt-PT" sz="1300" dirty="0"/>
-              <a:t> ao </a:t>
-            </a:r>
-            <a:r>
-              <a:rPr lang="pt-PT" sz="1300" i="1" dirty="0" err="1"/>
-              <a:t>streamz</a:t>
-            </a:r>
-            <a:r>
-              <a:rPr lang="pt-PT" sz="1300" i="1" dirty="0"/>
-              <a:t>.</a:t>
-            </a:r>
-          </a:p>
-        </p:txBody>
-      </p:sp>
-      <p:sp>
-        <p:nvSpPr>
-          <p:cNvPr id="45" name="CaixaDeTexto 44">
-            <a:extLst>
-              <a:ext uri="{FF2B5EF4-FFF2-40B4-BE49-F238E27FC236}">
-                <a16:creationId xmlns:a16="http://schemas.microsoft.com/office/drawing/2014/main" id="{B1CA2ADB-496F-4A40-95CE-6723B34AD01A}"/>
-              </a:ext>
-            </a:extLst>
-          </p:cNvPr>
-          <p:cNvSpPr txBox="1"/>
-          <p:nvPr/>
-        </p:nvSpPr>
-        <p:spPr>
-          <a:xfrm>
-            <a:off x="7118765" y="3935653"/>
-            <a:ext cx="3348007" cy="292388"/>
-          </a:xfrm>
-          <a:prstGeom prst="rect">
-            <a:avLst/>
-          </a:prstGeom>
-          <a:noFill/>
-        </p:spPr>
-        <p:txBody>
-          <a:bodyPr wrap="square" rtlCol="0">
-            <a:spAutoFit/>
-          </a:bodyPr>
-          <a:lstStyle/>
-          <a:p>
-            <a:r>
-              <a:rPr lang="pt-PT" sz="1300" dirty="0"/>
-              <a:t>Construtor da classe </a:t>
-            </a:r>
-            <a:r>
-              <a:rPr lang="pt-PT" sz="1300" i="1" dirty="0"/>
-              <a:t>Date.</a:t>
-            </a:r>
-          </a:p>
-        </p:txBody>
-      </p:sp>
-      <p:sp>
-        <p:nvSpPr>
-          <p:cNvPr id="47" name="CaixaDeTexto 46">
-            <a:extLst>
-              <a:ext uri="{FF2B5EF4-FFF2-40B4-BE49-F238E27FC236}">
-                <a16:creationId xmlns:a16="http://schemas.microsoft.com/office/drawing/2014/main" id="{864D4DD7-F44A-40EE-9C29-76A7BA36BC22}"/>
-              </a:ext>
-            </a:extLst>
-          </p:cNvPr>
-          <p:cNvSpPr txBox="1"/>
-          <p:nvPr/>
-        </p:nvSpPr>
-        <p:spPr>
-          <a:xfrm>
-            <a:off x="200818" y="6242699"/>
-            <a:ext cx="3740215" cy="492443"/>
-          </a:xfrm>
-          <a:prstGeom prst="rect">
-            <a:avLst/>
-          </a:prstGeom>
-          <a:noFill/>
-        </p:spPr>
-        <p:txBody>
-          <a:bodyPr wrap="square" rtlCol="0">
-            <a:spAutoFit/>
-          </a:bodyPr>
-          <a:lstStyle/>
-          <a:p>
-            <a:r>
-              <a:rPr lang="pt-PT" sz="1300" dirty="0"/>
-              <a:t>Tentativa de criação de </a:t>
-            </a:r>
-            <a:r>
-              <a:rPr lang="pt-PT" sz="1300" i="1" dirty="0" err="1"/>
-              <a:t>streamer</a:t>
-            </a:r>
-            <a:r>
-              <a:rPr lang="pt-PT" sz="1300" dirty="0"/>
-              <a:t> na </a:t>
-            </a:r>
-            <a:r>
-              <a:rPr lang="pt-PT" sz="1300" i="1" dirty="0"/>
-              <a:t>framework</a:t>
-            </a:r>
-            <a:r>
-              <a:rPr lang="pt-PT" sz="1300" dirty="0"/>
-              <a:t> com nome anteriormente usado.</a:t>
-            </a:r>
-            <a:endParaRPr lang="pt-PT" sz="1300" i="1" dirty="0"/>
-          </a:p>
-        </p:txBody>
-      </p:sp>
-      <p:sp>
-        <p:nvSpPr>
-          <p:cNvPr id="48" name="CaixaDeTexto 47">
-            <a:extLst>
-              <a:ext uri="{FF2B5EF4-FFF2-40B4-BE49-F238E27FC236}">
-                <a16:creationId xmlns:a16="http://schemas.microsoft.com/office/drawing/2014/main" id="{5D08D028-DE8E-4BFC-BCFA-B8A1F268E6B8}"/>
-              </a:ext>
-            </a:extLst>
-          </p:cNvPr>
-          <p:cNvSpPr txBox="1"/>
-          <p:nvPr/>
-        </p:nvSpPr>
-        <p:spPr>
-          <a:xfrm>
-            <a:off x="4173419" y="6229400"/>
-            <a:ext cx="3740215" cy="492443"/>
-          </a:xfrm>
-          <a:prstGeom prst="rect">
-            <a:avLst/>
-          </a:prstGeom>
-          <a:noFill/>
-        </p:spPr>
-        <p:txBody>
-          <a:bodyPr wrap="square" rtlCol="0">
-            <a:spAutoFit/>
-          </a:bodyPr>
-          <a:lstStyle/>
-          <a:p>
-            <a:r>
-              <a:rPr lang="pt-PT" sz="1300" dirty="0"/>
-              <a:t>Tentativa de criação de </a:t>
-            </a:r>
-            <a:r>
-              <a:rPr lang="pt-PT" sz="1300" i="1" dirty="0" err="1"/>
-              <a:t>streamer</a:t>
-            </a:r>
-            <a:r>
-              <a:rPr lang="pt-PT" sz="1300" dirty="0"/>
-              <a:t> na </a:t>
-            </a:r>
-            <a:r>
-              <a:rPr lang="pt-PT" sz="1300" i="1" dirty="0"/>
-              <a:t>framework</a:t>
-            </a:r>
-            <a:r>
-              <a:rPr lang="pt-PT" sz="1300" dirty="0"/>
-              <a:t> sem cumprir idade mínima de 15 anos.</a:t>
-            </a:r>
-            <a:endParaRPr lang="pt-PT" sz="1300" i="1" dirty="0"/>
-          </a:p>
-        </p:txBody>
-      </p:sp>
-      <p:sp>
-        <p:nvSpPr>
-          <p:cNvPr id="49" name="CaixaDeTexto 48">
-            <a:extLst>
-              <a:ext uri="{FF2B5EF4-FFF2-40B4-BE49-F238E27FC236}">
-                <a16:creationId xmlns:a16="http://schemas.microsoft.com/office/drawing/2014/main" id="{5C3CE8DF-6D8D-4774-8CC5-6A5FDE46ACFF}"/>
-              </a:ext>
-            </a:extLst>
-          </p:cNvPr>
-          <p:cNvSpPr txBox="1"/>
-          <p:nvPr/>
-        </p:nvSpPr>
-        <p:spPr>
-          <a:xfrm>
-            <a:off x="7892920" y="6241124"/>
-            <a:ext cx="3740215" cy="492443"/>
-          </a:xfrm>
-          <a:prstGeom prst="rect">
-            <a:avLst/>
-          </a:prstGeom>
-          <a:noFill/>
-        </p:spPr>
-        <p:txBody>
-          <a:bodyPr wrap="square" rtlCol="0">
-            <a:spAutoFit/>
-          </a:bodyPr>
-          <a:lstStyle/>
-          <a:p>
-            <a:r>
-              <a:rPr lang="pt-PT" sz="1300" dirty="0"/>
-              <a:t>Tentativa de criação de </a:t>
-            </a:r>
-            <a:r>
-              <a:rPr lang="pt-PT" sz="1300" i="1" dirty="0" err="1"/>
-              <a:t>streamer</a:t>
-            </a:r>
-            <a:r>
-              <a:rPr lang="pt-PT" sz="1300" dirty="0"/>
-              <a:t> na </a:t>
-            </a:r>
-            <a:r>
-              <a:rPr lang="pt-PT" sz="1300" i="1" dirty="0"/>
-              <a:t>framework </a:t>
-            </a:r>
-            <a:r>
-              <a:rPr lang="pt-PT" sz="1300" dirty="0"/>
-              <a:t>dando </a:t>
-            </a:r>
-            <a:r>
-              <a:rPr lang="pt-PT" sz="1300" i="1" dirty="0"/>
-              <a:t>input</a:t>
-            </a:r>
-            <a:r>
-              <a:rPr lang="pt-PT" sz="1300" dirty="0"/>
-              <a:t> de uma data mal formada.</a:t>
-            </a:r>
-          </a:p>
-        </p:txBody>
-      </p:sp>
-      <p:sp>
-        <p:nvSpPr>
-          <p:cNvPr id="50" name="CaixaDeTexto 49">
-            <a:extLst>
-              <a:ext uri="{FF2B5EF4-FFF2-40B4-BE49-F238E27FC236}">
-                <a16:creationId xmlns:a16="http://schemas.microsoft.com/office/drawing/2014/main" id="{6EE40E27-CA59-444D-9A76-AECFC1AC669D}"/>
-              </a:ext>
-            </a:extLst>
-          </p:cNvPr>
-          <p:cNvSpPr txBox="1"/>
-          <p:nvPr/>
-        </p:nvSpPr>
-        <p:spPr>
-          <a:xfrm>
-            <a:off x="10664431" y="1690688"/>
-            <a:ext cx="1378737" cy="892552"/>
-          </a:xfrm>
-          <a:prstGeom prst="rect">
-            <a:avLst/>
-          </a:prstGeom>
-          <a:noFill/>
-        </p:spPr>
-        <p:txBody>
-          <a:bodyPr wrap="square" rtlCol="0">
-            <a:spAutoFit/>
-          </a:bodyPr>
-          <a:lstStyle/>
-          <a:p>
-            <a:r>
-              <a:rPr lang="pt-PT" sz="1300" b="1" dirty="0"/>
-              <a:t>Nota</a:t>
-            </a:r>
-            <a:r>
-              <a:rPr lang="pt-PT" sz="1300" dirty="0"/>
-              <a:t>: Na criação de </a:t>
-            </a:r>
-            <a:r>
-              <a:rPr lang="pt-PT" sz="1300" i="1" dirty="0" err="1"/>
-              <a:t>viewers</a:t>
-            </a:r>
-            <a:r>
-              <a:rPr lang="pt-PT" sz="1300" dirty="0"/>
-              <a:t> o procedimento é semelhante.</a:t>
-            </a:r>
-            <a:endParaRPr lang="pt-PT" sz="1300" i="1" dirty="0"/>
+              <a:rPr lang="pt-PT" sz="1050" dirty="0">
+                <a:solidFill>
+                  <a:schemeClr val="bg1"/>
+                </a:solidFill>
+              </a:rPr>
+              <a:t>Quando uma ordem ainda não foi criado ou já foi cancelada</a:t>
+            </a:r>
           </a:p>
         </p:txBody>
       </p:sp>
     </p:spTree>
     <p:extLst>
       <p:ext uri="{BB962C8B-B14F-4D97-AF65-F5344CB8AC3E}">
-        <p14:creationId xmlns:p14="http://schemas.microsoft.com/office/powerpoint/2010/main" val="1397670778"/>
+        <p14:creationId xmlns:p14="http://schemas.microsoft.com/office/powerpoint/2010/main" val="1378410736"/>
       </p:ext>
     </p:extLst>
   </p:cSld>
@@ -13484,31 +12595,7 @@
             </a:pPr>
             <a:r>
               <a:rPr lang="pt-PT" dirty="0"/>
-              <a:t>Classe </a:t>
-            </a:r>
-            <a:r>
-              <a:rPr lang="pt-PT" i="1" dirty="0"/>
-              <a:t>StreamZ</a:t>
-            </a:r>
-            <a:r>
-              <a:rPr lang="pt-PT" dirty="0"/>
-              <a:t>, </a:t>
-            </a:r>
-            <a:r>
-              <a:rPr lang="pt-PT" i="1" dirty="0" err="1"/>
-              <a:t>User</a:t>
-            </a:r>
-            <a:r>
-              <a:rPr lang="pt-PT" dirty="0"/>
-              <a:t> e </a:t>
-            </a:r>
-            <a:r>
-              <a:rPr lang="pt-PT" i="1" dirty="0"/>
-              <a:t>Stream</a:t>
-            </a:r>
-            <a:r>
-              <a:rPr lang="pt-PT" dirty="0"/>
-              <a:t>, principais classes, com todas as funcionalidades requisitadas no problema inicial.</a:t>
+              <a:t>Todas as funcionalidades requisitadas no problema da segunda parte, tal como a criação de .</a:t>
             </a:r>
           </a:p>
           <a:p>
@@ -13700,7 +12787,7 @@
               </a:lnSpc>
             </a:pPr>
             <a:r>
-              <a:rPr lang="pt-PT" sz="2400" i="1" dirty="0"/>
+              <a:rPr lang="pt-PT" sz="2400" i="1" dirty="0" err="1"/>
               <a:t>Admin</a:t>
             </a:r>
             <a:r>
@@ -13876,12 +12963,12 @@
           <a:chExt cx="0" cy="0"/>
         </a:xfrm>
       </p:grpSpPr>
-      <p:sp>
+      <p:sp useBgFill="1">
         <p:nvSpPr>
-          <p:cNvPr id="10" name="Rectangle 9">
-            <a:extLst>
-              <a:ext uri="{FF2B5EF4-FFF2-40B4-BE49-F238E27FC236}">
-                <a16:creationId xmlns:a16="http://schemas.microsoft.com/office/drawing/2014/main" id="{35555856-9970-4BC3-9AA9-6A917F53AFBD}"/>
+          <p:cNvPr id="19" name="Rectangle 18">
+            <a:extLst>
+              <a:ext uri="{FF2B5EF4-FFF2-40B4-BE49-F238E27FC236}">
+                <a16:creationId xmlns:a16="http://schemas.microsoft.com/office/drawing/2014/main" id="{327D73B4-9F5C-4A64-A179-51B9500CB8B5}"/>
               </a:ext>
               <a:ext uri="{C183D7F6-B498-43B3-948B-1728B52AA6E4}">
                 <adec:decorative xmlns:adec="http://schemas.microsoft.com/office/drawing/2017/decorative" val="1"/>
@@ -13900,39 +12987,13 @@
           </p:nvPr>
         </p:nvSpPr>
         <p:spPr>
-          <a:xfrm flipH="1">
+          <a:xfrm>
             <a:off x="0" y="0"/>
-            <a:ext cx="6421721" cy="6858000"/>
+            <a:ext cx="12192000" cy="6858000"/>
           </a:xfrm>
           <a:prstGeom prst="rect">
             <a:avLst/>
           </a:prstGeom>
-          <a:gradFill>
-            <a:gsLst>
-              <a:gs pos="0">
-                <a:schemeClr val="accent1">
-                  <a:lumMod val="100000"/>
-                  <a:alpha val="82000"/>
-                </a:schemeClr>
-              </a:gs>
-              <a:gs pos="25000">
-                <a:schemeClr val="accent1">
-                  <a:alpha val="60000"/>
-                </a:schemeClr>
-              </a:gs>
-              <a:gs pos="94000">
-                <a:schemeClr val="bg2">
-                  <a:lumMod val="75000"/>
-                </a:schemeClr>
-              </a:gs>
-              <a:gs pos="100000">
-                <a:schemeClr val="bg2">
-                  <a:lumMod val="75000"/>
-                </a:schemeClr>
-              </a:gs>
-            </a:gsLst>
-            <a:lin ang="4200000" scaled="0"/>
-          </a:gradFill>
           <a:ln>
             <a:noFill/>
           </a:ln>
@@ -13958,25 +13019,68 @@
           <a:lstStyle/>
           <a:p>
             <a:pPr algn="ctr"/>
-            <a:endParaRPr lang="en-US"/>
+            <a:endParaRPr lang="en-US" dirty="0"/>
           </a:p>
         </p:txBody>
       </p:sp>
-      <p:pic>
-        <p:nvPicPr>
-          <p:cNvPr id="12" name="Picture 11">
-            <a:extLst>
-              <a:ext uri="{FF2B5EF4-FFF2-40B4-BE49-F238E27FC236}">
-                <a16:creationId xmlns:a16="http://schemas.microsoft.com/office/drawing/2014/main" id="{7F487851-BFAF-46D8-A1ED-50CAD6E46F59}"/>
+      <p:sp>
+        <p:nvSpPr>
+          <p:cNvPr id="2" name="Título 1">
+            <a:extLst>
+              <a:ext uri="{FF2B5EF4-FFF2-40B4-BE49-F238E27FC236}">
+                <a16:creationId xmlns:a16="http://schemas.microsoft.com/office/drawing/2014/main" id="{D8FD4CB8-FBEF-418C-9210-810F790F7904}"/>
+              </a:ext>
+            </a:extLst>
+          </p:cNvPr>
+          <p:cNvSpPr>
+            <a:spLocks noGrp="1"/>
+          </p:cNvSpPr>
+          <p:nvPr>
+            <p:ph type="title"/>
+          </p:nvPr>
+        </p:nvSpPr>
+        <p:spPr>
+          <a:xfrm>
+            <a:off x="6657716" y="467271"/>
+            <a:ext cx="4195674" cy="2052522"/>
+          </a:xfrm>
+        </p:spPr>
+        <p:txBody>
+          <a:bodyPr vert="horz" lIns="91440" tIns="45720" rIns="91440" bIns="45720" rtlCol="0" anchor="b">
+            <a:normAutofit/>
+          </a:bodyPr>
+          <a:lstStyle/>
+          <a:p>
+            <a:r>
+              <a:rPr lang="en-US" sz="4800">
+                <a:effectLst>
+                  <a:outerShdw blurRad="38100" dist="38100" dir="2700000" algn="tl">
+                    <a:srgbClr val="000000">
+                      <a:alpha val="43137"/>
+                    </a:srgbClr>
+                  </a:outerShdw>
+                </a:effectLst>
+              </a:rPr>
+              <a:t>Funcionalidade Destacada</a:t>
+            </a:r>
+          </a:p>
+        </p:txBody>
+      </p:sp>
+      <p:grpSp>
+        <p:nvGrpSpPr>
+          <p:cNvPr id="21" name="Group 20">
+            <a:extLst>
+              <a:ext uri="{FF2B5EF4-FFF2-40B4-BE49-F238E27FC236}">
+                <a16:creationId xmlns:a16="http://schemas.microsoft.com/office/drawing/2014/main" id="{05BBA018-FA75-43BF-99E6-1F5245727D29}"/>
               </a:ext>
               <a:ext uri="{C183D7F6-B498-43B3-948B-1728B52AA6E4}">
                 <adec:decorative xmlns:adec="http://schemas.microsoft.com/office/drawing/2017/decorative" val="1"/>
               </a:ext>
             </a:extLst>
           </p:cNvPr>
-          <p:cNvPicPr>
-            <a:picLocks noGrp="1" noRot="1" noChangeAspect="1" noMove="1" noResize="1" noEditPoints="1" noAdjustHandles="1" noChangeArrowheads="1" noChangeShapeType="1" noCrop="1"/>
-          </p:cNvPicPr>
+          <p:cNvGrpSpPr>
+            <a:grpSpLocks noGrp="1" noUngrp="1" noRot="1" noChangeAspect="1" noMove="1" noResize="1"/>
+          </p:cNvGrpSpPr>
           <p:nvPr>
             <p:extLst>
               <p:ext uri="{386F3935-93C4-4BCD-93E2-E3B085C9AB24}">
@@ -13984,35 +13088,384 @@
               </p:ext>
             </p:extLst>
           </p:nvPr>
-        </p:nvPicPr>
-        <p:blipFill>
-          <a:blip r:embed="rId2">
-            <a:extLst>
-              <a:ext uri="{28A0092B-C50C-407E-A947-70E740481C1C}">
-                <a14:useLocalDpi xmlns:a14="http://schemas.microsoft.com/office/drawing/2010/main" val="0"/>
-              </a:ext>
-            </a:extLst>
-          </a:blip>
-          <a:stretch>
-            <a:fillRect/>
-          </a:stretch>
-        </p:blipFill>
-        <p:spPr>
+        </p:nvGrpSpPr>
+        <p:grpSpPr>
           <a:xfrm>
-            <a:off x="0" y="0"/>
-            <a:ext cx="12192000" cy="6858000"/>
+            <a:off x="422753" y="703679"/>
+            <a:ext cx="753718" cy="1016562"/>
+            <a:chOff x="422753" y="703679"/>
+            <a:chExt cx="753718" cy="1016562"/>
           </a:xfrm>
-          <a:prstGeom prst="rect">
-            <a:avLst/>
-          </a:prstGeom>
-        </p:spPr>
-      </p:pic>
+        </p:grpSpPr>
+        <p:sp>
+          <p:nvSpPr>
+            <p:cNvPr id="22" name="Graphic 11">
+              <a:extLst>
+                <a:ext uri="{FF2B5EF4-FFF2-40B4-BE49-F238E27FC236}">
+                  <a16:creationId xmlns:a16="http://schemas.microsoft.com/office/drawing/2014/main" id="{6CB927A4-E432-4310-9CD5-E89FF5063179}"/>
+                </a:ext>
+                <a:ext uri="{C183D7F6-B498-43B3-948B-1728B52AA6E4}">
+                  <adec:decorative xmlns:adec="http://schemas.microsoft.com/office/drawing/2017/decorative" val="1"/>
+                </a:ext>
+              </a:extLst>
+            </p:cNvPr>
+            <p:cNvSpPr/>
+            <p:nvPr>
+              <p:extLst>
+                <p:ext uri="{386F3935-93C4-4BCD-93E2-E3B085C9AB24}">
+                  <p16:designElem xmlns:p16="http://schemas.microsoft.com/office/powerpoint/2015/main" val="1"/>
+                </p:ext>
+              </p:extLst>
+            </p:nvPr>
+          </p:nvSpPr>
+          <p:spPr>
+            <a:xfrm>
+              <a:off x="1004956" y="703679"/>
+              <a:ext cx="171515" cy="171515"/>
+            </a:xfrm>
+            <a:custGeom>
+              <a:avLst/>
+              <a:gdLst>
+                <a:gd name="connsiteX0" fmla="*/ 159874 w 171515"/>
+                <a:gd name="connsiteY0" fmla="*/ 74116 h 171515"/>
+                <a:gd name="connsiteX1" fmla="*/ 97399 w 171515"/>
+                <a:gd name="connsiteY1" fmla="*/ 74116 h 171515"/>
+                <a:gd name="connsiteX2" fmla="*/ 97399 w 171515"/>
+                <a:gd name="connsiteY2" fmla="*/ 11641 h 171515"/>
+                <a:gd name="connsiteX3" fmla="*/ 85758 w 171515"/>
+                <a:gd name="connsiteY3" fmla="*/ 0 h 171515"/>
+                <a:gd name="connsiteX4" fmla="*/ 74116 w 171515"/>
+                <a:gd name="connsiteY4" fmla="*/ 11641 h 171515"/>
+                <a:gd name="connsiteX5" fmla="*/ 74116 w 171515"/>
+                <a:gd name="connsiteY5" fmla="*/ 74116 h 171515"/>
+                <a:gd name="connsiteX6" fmla="*/ 11641 w 171515"/>
+                <a:gd name="connsiteY6" fmla="*/ 74116 h 171515"/>
+                <a:gd name="connsiteX7" fmla="*/ 0 w 171515"/>
+                <a:gd name="connsiteY7" fmla="*/ 85758 h 171515"/>
+                <a:gd name="connsiteX8" fmla="*/ 11641 w 171515"/>
+                <a:gd name="connsiteY8" fmla="*/ 97399 h 171515"/>
+                <a:gd name="connsiteX9" fmla="*/ 74116 w 171515"/>
+                <a:gd name="connsiteY9" fmla="*/ 97399 h 171515"/>
+                <a:gd name="connsiteX10" fmla="*/ 74116 w 171515"/>
+                <a:gd name="connsiteY10" fmla="*/ 159874 h 171515"/>
+                <a:gd name="connsiteX11" fmla="*/ 85758 w 171515"/>
+                <a:gd name="connsiteY11" fmla="*/ 171515 h 171515"/>
+                <a:gd name="connsiteX12" fmla="*/ 97399 w 171515"/>
+                <a:gd name="connsiteY12" fmla="*/ 159874 h 171515"/>
+                <a:gd name="connsiteX13" fmla="*/ 97399 w 171515"/>
+                <a:gd name="connsiteY13" fmla="*/ 97399 h 171515"/>
+                <a:gd name="connsiteX14" fmla="*/ 159874 w 171515"/>
+                <a:gd name="connsiteY14" fmla="*/ 97399 h 171515"/>
+                <a:gd name="connsiteX15" fmla="*/ 171515 w 171515"/>
+                <a:gd name="connsiteY15" fmla="*/ 85758 h 171515"/>
+                <a:gd name="connsiteX16" fmla="*/ 159874 w 171515"/>
+                <a:gd name="connsiteY16" fmla="*/ 74116 h 171515"/>
+              </a:gdLst>
+              <a:ahLst/>
+              <a:cxnLst>
+                <a:cxn ang="0">
+                  <a:pos x="connsiteX0" y="connsiteY0"/>
+                </a:cxn>
+                <a:cxn ang="0">
+                  <a:pos x="connsiteX1" y="connsiteY1"/>
+                </a:cxn>
+                <a:cxn ang="0">
+                  <a:pos x="connsiteX2" y="connsiteY2"/>
+                </a:cxn>
+                <a:cxn ang="0">
+                  <a:pos x="connsiteX3" y="connsiteY3"/>
+                </a:cxn>
+                <a:cxn ang="0">
+                  <a:pos x="connsiteX4" y="connsiteY4"/>
+                </a:cxn>
+                <a:cxn ang="0">
+                  <a:pos x="connsiteX5" y="connsiteY5"/>
+                </a:cxn>
+                <a:cxn ang="0">
+                  <a:pos x="connsiteX6" y="connsiteY6"/>
+                </a:cxn>
+                <a:cxn ang="0">
+                  <a:pos x="connsiteX7" y="connsiteY7"/>
+                </a:cxn>
+                <a:cxn ang="0">
+                  <a:pos x="connsiteX8" y="connsiteY8"/>
+                </a:cxn>
+                <a:cxn ang="0">
+                  <a:pos x="connsiteX9" y="connsiteY9"/>
+                </a:cxn>
+                <a:cxn ang="0">
+                  <a:pos x="connsiteX10" y="connsiteY10"/>
+                </a:cxn>
+                <a:cxn ang="0">
+                  <a:pos x="connsiteX11" y="connsiteY11"/>
+                </a:cxn>
+                <a:cxn ang="0">
+                  <a:pos x="connsiteX12" y="connsiteY12"/>
+                </a:cxn>
+                <a:cxn ang="0">
+                  <a:pos x="connsiteX13" y="connsiteY13"/>
+                </a:cxn>
+                <a:cxn ang="0">
+                  <a:pos x="connsiteX14" y="connsiteY14"/>
+                </a:cxn>
+                <a:cxn ang="0">
+                  <a:pos x="connsiteX15" y="connsiteY15"/>
+                </a:cxn>
+                <a:cxn ang="0">
+                  <a:pos x="connsiteX16" y="connsiteY16"/>
+                </a:cxn>
+              </a:cxnLst>
+              <a:rect l="l" t="t" r="r" b="b"/>
+              <a:pathLst>
+                <a:path w="171515" h="171515">
+                  <a:moveTo>
+                    <a:pt x="159874" y="74116"/>
+                  </a:moveTo>
+                  <a:lnTo>
+                    <a:pt x="97399" y="74116"/>
+                  </a:lnTo>
+                  <a:lnTo>
+                    <a:pt x="97399" y="11641"/>
+                  </a:lnTo>
+                  <a:cubicBezTo>
+                    <a:pt x="97399" y="5212"/>
+                    <a:pt x="92187" y="0"/>
+                    <a:pt x="85758" y="0"/>
+                  </a:cubicBezTo>
+                  <a:cubicBezTo>
+                    <a:pt x="79328" y="0"/>
+                    <a:pt x="74116" y="5212"/>
+                    <a:pt x="74116" y="11641"/>
+                  </a:cubicBezTo>
+                  <a:lnTo>
+                    <a:pt x="74116" y="74116"/>
+                  </a:lnTo>
+                  <a:lnTo>
+                    <a:pt x="11641" y="74116"/>
+                  </a:lnTo>
+                  <a:cubicBezTo>
+                    <a:pt x="5212" y="74116"/>
+                    <a:pt x="0" y="79328"/>
+                    <a:pt x="0" y="85758"/>
+                  </a:cubicBezTo>
+                  <a:cubicBezTo>
+                    <a:pt x="0" y="92187"/>
+                    <a:pt x="5212" y="97399"/>
+                    <a:pt x="11641" y="97399"/>
+                  </a:cubicBezTo>
+                  <a:lnTo>
+                    <a:pt x="74116" y="97399"/>
+                  </a:lnTo>
+                  <a:lnTo>
+                    <a:pt x="74116" y="159874"/>
+                  </a:lnTo>
+                  <a:cubicBezTo>
+                    <a:pt x="74116" y="166303"/>
+                    <a:pt x="79328" y="171515"/>
+                    <a:pt x="85758" y="171515"/>
+                  </a:cubicBezTo>
+                  <a:cubicBezTo>
+                    <a:pt x="92187" y="171515"/>
+                    <a:pt x="97399" y="166303"/>
+                    <a:pt x="97399" y="159874"/>
+                  </a:cubicBezTo>
+                  <a:lnTo>
+                    <a:pt x="97399" y="97399"/>
+                  </a:lnTo>
+                  <a:lnTo>
+                    <a:pt x="159874" y="97399"/>
+                  </a:lnTo>
+                  <a:cubicBezTo>
+                    <a:pt x="166303" y="97399"/>
+                    <a:pt x="171515" y="92187"/>
+                    <a:pt x="171515" y="85758"/>
+                  </a:cubicBezTo>
+                  <a:cubicBezTo>
+                    <a:pt x="171515" y="79328"/>
+                    <a:pt x="166303" y="74116"/>
+                    <a:pt x="159874" y="74116"/>
+                  </a:cubicBezTo>
+                  <a:close/>
+                </a:path>
+              </a:pathLst>
+            </a:custGeom>
+            <a:solidFill>
+              <a:schemeClr val="accent1"/>
+            </a:solidFill>
+            <a:ln w="776" cap="flat">
+              <a:noFill/>
+              <a:prstDash val="solid"/>
+              <a:miter/>
+            </a:ln>
+          </p:spPr>
+          <p:txBody>
+            <a:bodyPr rtlCol="0" anchor="ctr"/>
+            <a:lstStyle/>
+            <a:p>
+              <a:endParaRPr lang="en-US"/>
+            </a:p>
+          </p:txBody>
+        </p:sp>
+        <p:sp>
+          <p:nvSpPr>
+            <p:cNvPr id="23" name="Graphic 12">
+              <a:extLst>
+                <a:ext uri="{FF2B5EF4-FFF2-40B4-BE49-F238E27FC236}">
+                  <a16:creationId xmlns:a16="http://schemas.microsoft.com/office/drawing/2014/main" id="{1453BF6C-B012-48B7-B4E8-6D7AC7C27D02}"/>
+                </a:ext>
+                <a:ext uri="{C183D7F6-B498-43B3-948B-1728B52AA6E4}">
+                  <adec:decorative xmlns:adec="http://schemas.microsoft.com/office/drawing/2017/decorative" val="1"/>
+                </a:ext>
+              </a:extLst>
+            </p:cNvPr>
+            <p:cNvSpPr/>
+            <p:nvPr>
+              <p:extLst>
+                <p:ext uri="{386F3935-93C4-4BCD-93E2-E3B085C9AB24}">
+                  <p16:designElem xmlns:p16="http://schemas.microsoft.com/office/powerpoint/2015/main" val="1"/>
+                </p:ext>
+              </p:extLst>
+            </p:nvPr>
+          </p:nvSpPr>
+          <p:spPr>
+            <a:xfrm>
+              <a:off x="422753" y="1562696"/>
+              <a:ext cx="157545" cy="157545"/>
+            </a:xfrm>
+            <a:custGeom>
+              <a:avLst/>
+              <a:gdLst>
+                <a:gd name="connsiteX0" fmla="*/ 78773 w 157545"/>
+                <a:gd name="connsiteY0" fmla="*/ 23283 h 157545"/>
+                <a:gd name="connsiteX1" fmla="*/ 134262 w 157545"/>
+                <a:gd name="connsiteY1" fmla="*/ 78773 h 157545"/>
+                <a:gd name="connsiteX2" fmla="*/ 78773 w 157545"/>
+                <a:gd name="connsiteY2" fmla="*/ 134262 h 157545"/>
+                <a:gd name="connsiteX3" fmla="*/ 23283 w 157545"/>
+                <a:gd name="connsiteY3" fmla="*/ 78773 h 157545"/>
+                <a:gd name="connsiteX4" fmla="*/ 78773 w 157545"/>
+                <a:gd name="connsiteY4" fmla="*/ 23283 h 157545"/>
+                <a:gd name="connsiteX5" fmla="*/ 78773 w 157545"/>
+                <a:gd name="connsiteY5" fmla="*/ 0 h 157545"/>
+                <a:gd name="connsiteX6" fmla="*/ 0 w 157545"/>
+                <a:gd name="connsiteY6" fmla="*/ 78773 h 157545"/>
+                <a:gd name="connsiteX7" fmla="*/ 78773 w 157545"/>
+                <a:gd name="connsiteY7" fmla="*/ 157545 h 157545"/>
+                <a:gd name="connsiteX8" fmla="*/ 157545 w 157545"/>
+                <a:gd name="connsiteY8" fmla="*/ 78773 h 157545"/>
+                <a:gd name="connsiteX9" fmla="*/ 78773 w 157545"/>
+                <a:gd name="connsiteY9" fmla="*/ 0 h 157545"/>
+              </a:gdLst>
+              <a:ahLst/>
+              <a:cxnLst>
+                <a:cxn ang="0">
+                  <a:pos x="connsiteX0" y="connsiteY0"/>
+                </a:cxn>
+                <a:cxn ang="0">
+                  <a:pos x="connsiteX1" y="connsiteY1"/>
+                </a:cxn>
+                <a:cxn ang="0">
+                  <a:pos x="connsiteX2" y="connsiteY2"/>
+                </a:cxn>
+                <a:cxn ang="0">
+                  <a:pos x="connsiteX3" y="connsiteY3"/>
+                </a:cxn>
+                <a:cxn ang="0">
+                  <a:pos x="connsiteX4" y="connsiteY4"/>
+                </a:cxn>
+                <a:cxn ang="0">
+                  <a:pos x="connsiteX5" y="connsiteY5"/>
+                </a:cxn>
+                <a:cxn ang="0">
+                  <a:pos x="connsiteX6" y="connsiteY6"/>
+                </a:cxn>
+                <a:cxn ang="0">
+                  <a:pos x="connsiteX7" y="connsiteY7"/>
+                </a:cxn>
+                <a:cxn ang="0">
+                  <a:pos x="connsiteX8" y="connsiteY8"/>
+                </a:cxn>
+                <a:cxn ang="0">
+                  <a:pos x="connsiteX9" y="connsiteY9"/>
+                </a:cxn>
+              </a:cxnLst>
+              <a:rect l="l" t="t" r="r" b="b"/>
+              <a:pathLst>
+                <a:path w="157545" h="157545">
+                  <a:moveTo>
+                    <a:pt x="78773" y="23283"/>
+                  </a:moveTo>
+                  <a:cubicBezTo>
+                    <a:pt x="109419" y="23283"/>
+                    <a:pt x="134262" y="48126"/>
+                    <a:pt x="134262" y="78773"/>
+                  </a:cubicBezTo>
+                  <a:cubicBezTo>
+                    <a:pt x="134262" y="109419"/>
+                    <a:pt x="109419" y="134262"/>
+                    <a:pt x="78773" y="134262"/>
+                  </a:cubicBezTo>
+                  <a:cubicBezTo>
+                    <a:pt x="48126" y="134262"/>
+                    <a:pt x="23283" y="109419"/>
+                    <a:pt x="23283" y="78773"/>
+                  </a:cubicBezTo>
+                  <a:cubicBezTo>
+                    <a:pt x="23312" y="48139"/>
+                    <a:pt x="48139" y="23312"/>
+                    <a:pt x="78773" y="23283"/>
+                  </a:cubicBezTo>
+                  <a:moveTo>
+                    <a:pt x="78773" y="0"/>
+                  </a:moveTo>
+                  <a:cubicBezTo>
+                    <a:pt x="35268" y="0"/>
+                    <a:pt x="0" y="35268"/>
+                    <a:pt x="0" y="78773"/>
+                  </a:cubicBezTo>
+                  <a:cubicBezTo>
+                    <a:pt x="0" y="122277"/>
+                    <a:pt x="35268" y="157545"/>
+                    <a:pt x="78773" y="157545"/>
+                  </a:cubicBezTo>
+                  <a:cubicBezTo>
+                    <a:pt x="122277" y="157545"/>
+                    <a:pt x="157545" y="122277"/>
+                    <a:pt x="157545" y="78773"/>
+                  </a:cubicBezTo>
+                  <a:cubicBezTo>
+                    <a:pt x="157545" y="35268"/>
+                    <a:pt x="122277" y="0"/>
+                    <a:pt x="78773" y="0"/>
+                  </a:cubicBezTo>
+                  <a:close/>
+                </a:path>
+              </a:pathLst>
+            </a:custGeom>
+            <a:solidFill>
+              <a:schemeClr val="accent1"/>
+            </a:solidFill>
+            <a:ln w="751" cap="flat">
+              <a:noFill/>
+              <a:prstDash val="solid"/>
+              <a:miter/>
+            </a:ln>
+          </p:spPr>
+          <p:txBody>
+            <a:bodyPr rtlCol="0" anchor="ctr"/>
+            <a:lstStyle/>
+            <a:p>
+              <a:endParaRPr lang="en-US"/>
+            </a:p>
+          </p:txBody>
+        </p:sp>
+      </p:grpSp>
       <p:sp>
         <p:nvSpPr>
-          <p:cNvPr id="14" name="Freeform 50">
-            <a:extLst>
-              <a:ext uri="{FF2B5EF4-FFF2-40B4-BE49-F238E27FC236}">
-                <a16:creationId xmlns:a16="http://schemas.microsoft.com/office/drawing/2014/main" id="{13722DD7-BA73-4776-93A3-94491FEF7260}"/>
+          <p:cNvPr id="25" name="Freeform: Shape 24">
+            <a:extLst>
+              <a:ext uri="{FF2B5EF4-FFF2-40B4-BE49-F238E27FC236}">
+                <a16:creationId xmlns:a16="http://schemas.microsoft.com/office/drawing/2014/main" id="{AB673405-BF85-493E-8558-0DCBEDB2BB49}"/>
               </a:ext>
               <a:ext uri="{C183D7F6-B498-43B3-948B-1728B52AA6E4}">
                 <adec:decorative xmlns:adec="http://schemas.microsoft.com/office/drawing/2017/decorative" val="1"/>
@@ -14031,35 +13484,29 @@
           </p:nvPr>
         </p:nvSpPr>
         <p:spPr>
-          <a:xfrm flipH="1">
-            <a:off x="0" y="581159"/>
-            <a:ext cx="5464879" cy="6276841"/>
+          <a:xfrm>
+            <a:off x="0" y="2779610"/>
+            <a:ext cx="4831130" cy="4078390"/>
           </a:xfrm>
           <a:custGeom>
             <a:avLst/>
             <a:gdLst>
-              <a:gd name="connsiteX0" fmla="*/ 3299930 w 5464879"/>
-              <a:gd name="connsiteY0" fmla="*/ 0 h 6276841"/>
-              <a:gd name="connsiteX1" fmla="*/ 5398992 w 5464879"/>
-              <a:gd name="connsiteY1" fmla="*/ 753544 h 6276841"/>
-              <a:gd name="connsiteX2" fmla="*/ 5464879 w 5464879"/>
-              <a:gd name="connsiteY2" fmla="*/ 813426 h 6276841"/>
-              <a:gd name="connsiteX3" fmla="*/ 5464879 w 5464879"/>
-              <a:gd name="connsiteY3" fmla="*/ 5786434 h 6276841"/>
-              <a:gd name="connsiteX4" fmla="*/ 5398992 w 5464879"/>
-              <a:gd name="connsiteY4" fmla="*/ 5846317 h 6276841"/>
-              <a:gd name="connsiteX5" fmla="*/ 4872873 w 5464879"/>
-              <a:gd name="connsiteY5" fmla="*/ 6201577 h 6276841"/>
-              <a:gd name="connsiteX6" fmla="*/ 4716632 w 5464879"/>
-              <a:gd name="connsiteY6" fmla="*/ 6276841 h 6276841"/>
-              <a:gd name="connsiteX7" fmla="*/ 1883227 w 5464879"/>
-              <a:gd name="connsiteY7" fmla="*/ 6276841 h 6276841"/>
-              <a:gd name="connsiteX8" fmla="*/ 1726987 w 5464879"/>
-              <a:gd name="connsiteY8" fmla="*/ 6201577 h 6276841"/>
-              <a:gd name="connsiteX9" fmla="*/ 0 w 5464879"/>
-              <a:gd name="connsiteY9" fmla="*/ 3299930 h 6276841"/>
-              <a:gd name="connsiteX10" fmla="*/ 3299930 w 5464879"/>
-              <a:gd name="connsiteY10" fmla="*/ 0 h 6276841"/>
+              <a:gd name="connsiteX0" fmla="*/ 1960035 w 4831130"/>
+              <a:gd name="connsiteY0" fmla="*/ 0 h 4078390"/>
+              <a:gd name="connsiteX1" fmla="*/ 4831130 w 4831130"/>
+              <a:gd name="connsiteY1" fmla="*/ 2871095 h 4078390"/>
+              <a:gd name="connsiteX2" fmla="*/ 4605505 w 4831130"/>
+              <a:gd name="connsiteY2" fmla="*/ 3988655 h 4078390"/>
+              <a:gd name="connsiteX3" fmla="*/ 4562278 w 4831130"/>
+              <a:gd name="connsiteY3" fmla="*/ 4078390 h 4078390"/>
+              <a:gd name="connsiteX4" fmla="*/ 0 w 4831130"/>
+              <a:gd name="connsiteY4" fmla="*/ 4078390 h 4078390"/>
+              <a:gd name="connsiteX5" fmla="*/ 0 w 4831130"/>
+              <a:gd name="connsiteY5" fmla="*/ 777181 h 4078390"/>
+              <a:gd name="connsiteX6" fmla="*/ 133752 w 4831130"/>
+              <a:gd name="connsiteY6" fmla="*/ 655619 h 4078390"/>
+              <a:gd name="connsiteX7" fmla="*/ 1960035 w 4831130"/>
+              <a:gd name="connsiteY7" fmla="*/ 0 h 4078390"/>
             </a:gdLst>
             <a:ahLst/>
             <a:cxnLst>
@@ -14087,95 +13534,58 @@
               <a:cxn ang="0">
                 <a:pos x="connsiteX7" y="connsiteY7"/>
               </a:cxn>
-              <a:cxn ang="0">
-                <a:pos x="connsiteX8" y="connsiteY8"/>
-              </a:cxn>
-              <a:cxn ang="0">
-                <a:pos x="connsiteX9" y="connsiteY9"/>
-              </a:cxn>
-              <a:cxn ang="0">
-                <a:pos x="connsiteX10" y="connsiteY10"/>
-              </a:cxn>
             </a:cxnLst>
             <a:rect l="l" t="t" r="r" b="b"/>
             <a:pathLst>
-              <a:path w="5464879" h="6276841">
+              <a:path w="4831130" h="4078390">
                 <a:moveTo>
-                  <a:pt x="3299930" y="0"/>
+                  <a:pt x="1960035" y="0"/>
                 </a:moveTo>
                 <a:cubicBezTo>
-                  <a:pt x="4097274" y="0"/>
-                  <a:pt x="4828569" y="282789"/>
-                  <a:pt x="5398992" y="753544"/>
+                  <a:pt x="3545697" y="0"/>
+                  <a:pt x="4831130" y="1285433"/>
+                  <a:pt x="4831130" y="2871095"/>
+                </a:cubicBezTo>
+                <a:cubicBezTo>
+                  <a:pt x="4831130" y="3267511"/>
+                  <a:pt x="4750791" y="3645162"/>
+                  <a:pt x="4605505" y="3988655"/>
                 </a:cubicBezTo>
                 <a:lnTo>
-                  <a:pt x="5464879" y="813426"/>
+                  <a:pt x="4562278" y="4078390"/>
                 </a:lnTo>
                 <a:lnTo>
-                  <a:pt x="5464879" y="5786434"/>
+                  <a:pt x="0" y="4078390"/>
                 </a:lnTo>
                 <a:lnTo>
-                  <a:pt x="5398992" y="5846317"/>
+                  <a:pt x="0" y="777181"/>
+                </a:lnTo>
+                <a:lnTo>
+                  <a:pt x="133752" y="655619"/>
                 </a:lnTo>
                 <a:cubicBezTo>
-                  <a:pt x="5236014" y="5980818"/>
-                  <a:pt x="5059904" y="6099975"/>
-                  <a:pt x="4872873" y="6201577"/>
-                </a:cubicBezTo>
-                <a:lnTo>
-                  <a:pt x="4716632" y="6276841"/>
-                </a:lnTo>
-                <a:lnTo>
-                  <a:pt x="1883227" y="6276841"/>
-                </a:lnTo>
-                <a:lnTo>
-                  <a:pt x="1726987" y="6201577"/>
-                </a:lnTo>
-                <a:cubicBezTo>
-                  <a:pt x="698316" y="5642769"/>
-                  <a:pt x="0" y="4552900"/>
-                  <a:pt x="0" y="3299930"/>
-                </a:cubicBezTo>
-                <a:cubicBezTo>
-                  <a:pt x="0" y="1477429"/>
-                  <a:pt x="1477429" y="0"/>
-                  <a:pt x="3299930" y="0"/>
+                  <a:pt x="630047" y="246040"/>
+                  <a:pt x="1266308" y="0"/>
+                  <a:pt x="1960035" y="0"/>
                 </a:cubicBezTo>
                 <a:close/>
               </a:path>
             </a:pathLst>
           </a:custGeom>
-          <a:solidFill>
-            <a:srgbClr val="FFFFFF"/>
-          </a:solidFill>
+          <a:gradFill flip="none" rotWithShape="1">
+            <a:gsLst>
+              <a:gs pos="0">
+                <a:schemeClr val="accent1"/>
+              </a:gs>
+              <a:gs pos="100000">
+                <a:schemeClr val="accent2"/>
+              </a:gs>
+            </a:gsLst>
+            <a:lin ang="2700000" scaled="1"/>
+            <a:tileRect/>
+          </a:gradFill>
           <a:ln>
-            <a:gradFill>
-              <a:gsLst>
-                <a:gs pos="0">
-                  <a:schemeClr val="accent1">
-                    <a:lumMod val="40000"/>
-                    <a:lumOff val="60000"/>
-                  </a:schemeClr>
-                </a:gs>
-                <a:gs pos="23000">
-                  <a:schemeClr val="accent1">
-                    <a:lumMod val="45000"/>
-                    <a:lumOff val="55000"/>
-                  </a:schemeClr>
-                </a:gs>
-                <a:gs pos="83000">
-                  <a:schemeClr val="bg2">
-                    <a:lumMod val="75000"/>
-                  </a:schemeClr>
-                </a:gs>
-                <a:gs pos="100000">
-                  <a:schemeClr val="bg2">
-                    <a:lumMod val="75000"/>
-                  </a:schemeClr>
-                </a:gs>
-              </a:gsLst>
-              <a:lin ang="5400000" scaled="1"/>
-            </a:gradFill>
+            <a:noFill/>
           </a:ln>
         </p:spPr>
         <p:style>
@@ -14195,13 +13605,166 @@
           </a:fontRef>
         </p:style>
         <p:txBody>
-          <a:bodyPr wrap="square" rtlCol="0" anchor="ctr">
-            <a:noAutofit/>
-          </a:bodyPr>
+          <a:bodyPr rtlCol="0" anchor="ctr"/>
           <a:lstStyle/>
           <a:p>
             <a:pPr algn="ctr"/>
-            <a:endParaRPr lang="en-US"/>
+            <a:endParaRPr lang="en-US">
+              <a:solidFill>
+                <a:schemeClr val="tx1"/>
+              </a:solidFill>
+            </a:endParaRPr>
+          </a:p>
+        </p:txBody>
+      </p:sp>
+      <p:sp>
+        <p:nvSpPr>
+          <p:cNvPr id="27" name="Freeform: Shape 26">
+            <a:extLst>
+              <a:ext uri="{FF2B5EF4-FFF2-40B4-BE49-F238E27FC236}">
+                <a16:creationId xmlns:a16="http://schemas.microsoft.com/office/drawing/2014/main" id="{C64EAE84-A813-4501-BC71-DBD14BA0265E}"/>
+              </a:ext>
+              <a:ext uri="{C183D7F6-B498-43B3-948B-1728B52AA6E4}">
+                <adec:decorative xmlns:adec="http://schemas.microsoft.com/office/drawing/2017/decorative" val="1"/>
+              </a:ext>
+            </a:extLst>
+          </p:cNvPr>
+          <p:cNvSpPr>
+            <a:spLocks noGrp="1" noRot="1" noChangeAspect="1" noMove="1" noResize="1" noEditPoints="1" noAdjustHandles="1" noChangeArrowheads="1" noChangeShapeType="1" noTextEdit="1"/>
+          </p:cNvSpPr>
+          <p:nvPr>
+            <p:extLst>
+              <p:ext uri="{386F3935-93C4-4BCD-93E2-E3B085C9AB24}">
+                <p16:designElem xmlns:p16="http://schemas.microsoft.com/office/powerpoint/2015/main" val="1"/>
+              </p:ext>
+            </p:extLst>
+          </p:nvPr>
+        </p:nvSpPr>
+        <p:spPr>
+          <a:xfrm>
+            <a:off x="2159782" y="1"/>
+            <a:ext cx="4195674" cy="3095741"/>
+          </a:xfrm>
+          <a:custGeom>
+            <a:avLst/>
+            <a:gdLst>
+              <a:gd name="connsiteX0" fmla="*/ 252211 w 4195674"/>
+              <a:gd name="connsiteY0" fmla="*/ 0 h 3095741"/>
+              <a:gd name="connsiteX1" fmla="*/ 3943464 w 4195674"/>
+              <a:gd name="connsiteY1" fmla="*/ 0 h 3095741"/>
+              <a:gd name="connsiteX2" fmla="*/ 4030816 w 4195674"/>
+              <a:gd name="connsiteY2" fmla="*/ 181331 h 3095741"/>
+              <a:gd name="connsiteX3" fmla="*/ 4195674 w 4195674"/>
+              <a:gd name="connsiteY3" fmla="*/ 997904 h 3095741"/>
+              <a:gd name="connsiteX4" fmla="*/ 2097837 w 4195674"/>
+              <a:gd name="connsiteY4" fmla="*/ 3095741 h 3095741"/>
+              <a:gd name="connsiteX5" fmla="*/ 0 w 4195674"/>
+              <a:gd name="connsiteY5" fmla="*/ 997904 h 3095741"/>
+              <a:gd name="connsiteX6" fmla="*/ 164859 w 4195674"/>
+              <a:gd name="connsiteY6" fmla="*/ 181331 h 3095741"/>
+            </a:gdLst>
+            <a:ahLst/>
+            <a:cxnLst>
+              <a:cxn ang="0">
+                <a:pos x="connsiteX0" y="connsiteY0"/>
+              </a:cxn>
+              <a:cxn ang="0">
+                <a:pos x="connsiteX1" y="connsiteY1"/>
+              </a:cxn>
+              <a:cxn ang="0">
+                <a:pos x="connsiteX2" y="connsiteY2"/>
+              </a:cxn>
+              <a:cxn ang="0">
+                <a:pos x="connsiteX3" y="connsiteY3"/>
+              </a:cxn>
+              <a:cxn ang="0">
+                <a:pos x="connsiteX4" y="connsiteY4"/>
+              </a:cxn>
+              <a:cxn ang="0">
+                <a:pos x="connsiteX5" y="connsiteY5"/>
+              </a:cxn>
+              <a:cxn ang="0">
+                <a:pos x="connsiteX6" y="connsiteY6"/>
+              </a:cxn>
+            </a:cxnLst>
+            <a:rect l="l" t="t" r="r" b="b"/>
+            <a:pathLst>
+              <a:path w="4195674" h="3095741">
+                <a:moveTo>
+                  <a:pt x="252211" y="0"/>
+                </a:moveTo>
+                <a:lnTo>
+                  <a:pt x="3943464" y="0"/>
+                </a:lnTo>
+                <a:lnTo>
+                  <a:pt x="4030816" y="181331"/>
+                </a:lnTo>
+                <a:cubicBezTo>
+                  <a:pt x="4136972" y="432313"/>
+                  <a:pt x="4195674" y="708253"/>
+                  <a:pt x="4195674" y="997904"/>
+                </a:cubicBezTo>
+                <a:cubicBezTo>
+                  <a:pt x="4195674" y="2156507"/>
+                  <a:pt x="3256440" y="3095741"/>
+                  <a:pt x="2097837" y="3095741"/>
+                </a:cubicBezTo>
+                <a:cubicBezTo>
+                  <a:pt x="939234" y="3095741"/>
+                  <a:pt x="0" y="2156507"/>
+                  <a:pt x="0" y="997904"/>
+                </a:cubicBezTo>
+                <a:cubicBezTo>
+                  <a:pt x="0" y="708253"/>
+                  <a:pt x="58702" y="432313"/>
+                  <a:pt x="164859" y="181331"/>
+                </a:cubicBezTo>
+                <a:close/>
+              </a:path>
+            </a:pathLst>
+          </a:custGeom>
+          <a:gradFill flip="none" rotWithShape="1">
+            <a:gsLst>
+              <a:gs pos="0">
+                <a:schemeClr val="accent1"/>
+              </a:gs>
+              <a:gs pos="100000">
+                <a:schemeClr val="accent2"/>
+              </a:gs>
+            </a:gsLst>
+            <a:lin ang="2700000" scaled="1"/>
+            <a:tileRect/>
+          </a:gradFill>
+          <a:ln>
+            <a:noFill/>
+          </a:ln>
+        </p:spPr>
+        <p:style>
+          <a:lnRef idx="2">
+            <a:schemeClr val="accent1">
+              <a:shade val="50000"/>
+            </a:schemeClr>
+          </a:lnRef>
+          <a:fillRef idx="1">
+            <a:schemeClr val="accent1"/>
+          </a:fillRef>
+          <a:effectRef idx="0">
+            <a:schemeClr val="accent1"/>
+          </a:effectRef>
+          <a:fontRef idx="minor">
+            <a:schemeClr val="lt1"/>
+          </a:fontRef>
+        </p:style>
+        <p:txBody>
+          <a:bodyPr rtlCol="0" anchor="ctr"/>
+          <a:lstStyle/>
+          <a:p>
+            <a:pPr algn="ctr"/>
+            <a:endParaRPr lang="en-US">
+              <a:solidFill>
+                <a:schemeClr val="tx1"/>
+              </a:solidFill>
+            </a:endParaRPr>
           </a:p>
         </p:txBody>
       </p:sp>
@@ -14220,13 +13783,13 @@
           <p:nvPr/>
         </p:nvPicPr>
         <p:blipFill>
-          <a:blip r:embed="rId3">
+          <a:blip r:embed="rId2">
             <a:extLst>
               <a:ext uri="{28A0092B-C50C-407E-A947-70E740481C1C}">
                 <a14:useLocalDpi xmlns:a14="http://schemas.microsoft.com/office/drawing/2010/main" val="0"/>
               </a:ext>
               <a:ext uri="{96DAC541-7B7A-43D3-8B79-37D633B846F1}">
-                <asvg:svgBlip xmlns:asvg="http://schemas.microsoft.com/office/drawing/2016/SVG/main" r:embed="rId4"/>
+                <asvg:svgBlip xmlns:asvg="http://schemas.microsoft.com/office/drawing/2016/SVG/main" r:embed="rId3"/>
               </a:ext>
             </a:extLst>
           </a:blip>
@@ -14236,84 +13799,14 @@
         </p:blipFill>
         <p:spPr>
           <a:xfrm>
-            <a:off x="9451128" y="4806957"/>
-            <a:ext cx="1044152" cy="1044152"/>
+            <a:off x="3036211" y="165871"/>
+            <a:ext cx="2353922" cy="2353922"/>
           </a:xfrm>
-          <a:custGeom>
+          <a:prstGeom prst="rect">
             <a:avLst/>
-            <a:gdLst/>
-            <a:ahLst/>
-            <a:cxnLst/>
-            <a:rect l="l" t="t" r="r" b="b"/>
-            <a:pathLst>
-              <a:path w="4141760" h="4377846">
-                <a:moveTo>
-                  <a:pt x="0" y="0"/>
-                </a:moveTo>
-                <a:lnTo>
-                  <a:pt x="4141760" y="0"/>
-                </a:lnTo>
-                <a:lnTo>
-                  <a:pt x="4141760" y="4377846"/>
-                </a:lnTo>
-                <a:lnTo>
-                  <a:pt x="0" y="4377846"/>
-                </a:lnTo>
-                <a:close/>
-              </a:path>
-            </a:pathLst>
-          </a:custGeom>
+          </a:prstGeom>
         </p:spPr>
       </p:pic>
-      <p:sp>
-        <p:nvSpPr>
-          <p:cNvPr id="2" name="Título 1">
-            <a:extLst>
-              <a:ext uri="{FF2B5EF4-FFF2-40B4-BE49-F238E27FC236}">
-                <a16:creationId xmlns:a16="http://schemas.microsoft.com/office/drawing/2014/main" id="{D8FD4CB8-FBEF-418C-9210-810F790F7904}"/>
-              </a:ext>
-            </a:extLst>
-          </p:cNvPr>
-          <p:cNvSpPr>
-            <a:spLocks noGrp="1"/>
-          </p:cNvSpPr>
-          <p:nvPr>
-            <p:ph type="title"/>
-          </p:nvPr>
-        </p:nvSpPr>
-        <p:spPr>
-          <a:xfrm>
-            <a:off x="6590662" y="4267832"/>
-            <a:ext cx="4805996" cy="1297115"/>
-          </a:xfrm>
-        </p:spPr>
-        <p:txBody>
-          <a:bodyPr vert="horz" lIns="91440" tIns="45720" rIns="91440" bIns="45720" rtlCol="0" anchor="t">
-            <a:noAutofit/>
-          </a:bodyPr>
-          <a:lstStyle/>
-          <a:p>
-            <a:r>
-              <a:rPr lang="en-US" kern="1200" dirty="0">
-                <a:solidFill>
-                  <a:srgbClr val="000000"/>
-                </a:solidFill>
-                <a:effectLst>
-                  <a:outerShdw blurRad="38100" dist="38100" dir="2700000" algn="tl">
-                    <a:srgbClr val="000000">
-                      <a:alpha val="43137"/>
-                    </a:srgbClr>
-                  </a:outerShdw>
-                </a:effectLst>
-                <a:latin typeface="+mj-lt"/>
-                <a:ea typeface="+mj-ea"/>
-                <a:cs typeface="+mj-cs"/>
-              </a:rPr>
-              <a:t>Funcionalidade Destacada</a:t>
-            </a:r>
-          </a:p>
-        </p:txBody>
-      </p:sp>
       <p:sp>
         <p:nvSpPr>
           <p:cNvPr id="3" name="CaixaDeTexto 2">
@@ -14328,60 +13821,518 @@
         </p:nvSpPr>
         <p:spPr>
           <a:xfrm>
-            <a:off x="357597" y="2208179"/>
-            <a:ext cx="3980940" cy="3139321"/>
+            <a:off x="6657716" y="2987064"/>
+            <a:ext cx="4080576" cy="2917626"/>
           </a:xfrm>
           <a:prstGeom prst="rect">
             <a:avLst/>
           </a:prstGeom>
-          <a:noFill/>
         </p:spPr>
         <p:txBody>
-          <a:bodyPr wrap="square" rtlCol="0">
-            <a:spAutoFit/>
+          <a:bodyPr vert="horz" lIns="91440" tIns="45720" rIns="91440" bIns="45720" rtlCol="0" anchor="t">
+            <a:normAutofit/>
           </a:bodyPr>
           <a:lstStyle/>
           <a:p>
-            <a:pPr marL="285750" indent="-285750">
+            <a:pPr marL="285750" indent="-228600">
+              <a:lnSpc>
+                <a:spcPct val="90000"/>
+              </a:lnSpc>
+              <a:spcAft>
+                <a:spcPts val="600"/>
+              </a:spcAft>
               <a:buFont typeface="Arial" panose="020B0604020202020204" pitchFamily="34" charset="0"/>
               <a:buChar char="•"/>
             </a:pPr>
             <a:r>
-              <a:rPr lang="pt-PT" dirty="0"/>
-              <a:t>Criação de um programa que protege o utilizador, da melhor forma possível, encontrando-se todas as passwords encriptadas com sha256;</a:t>
-            </a:r>
-          </a:p>
-          <a:p>
-            <a:endParaRPr lang="pt-PT" dirty="0"/>
-          </a:p>
-          <a:p>
-            <a:pPr marL="285750" indent="-285750">
+              <a:rPr lang="en-US" sz="1700" dirty="0" err="1"/>
+              <a:t>Criação</a:t>
+            </a:r>
+            <a:r>
+              <a:rPr lang="en-US" sz="1700" dirty="0"/>
+              <a:t> de </a:t>
+            </a:r>
+            <a:r>
+              <a:rPr lang="en-US" sz="1700" dirty="0" err="1"/>
+              <a:t>uma</a:t>
+            </a:r>
+            <a:r>
+              <a:rPr lang="en-US" sz="1700" dirty="0"/>
+              <a:t> </a:t>
+            </a:r>
+            <a:r>
+              <a:rPr lang="en-US" sz="1700" dirty="0" err="1"/>
+              <a:t>classe</a:t>
+            </a:r>
+            <a:r>
+              <a:rPr lang="en-US" sz="1700" dirty="0"/>
+              <a:t> </a:t>
+            </a:r>
+            <a:r>
+              <a:rPr lang="en-US" sz="1700" i="1" dirty="0"/>
+              <a:t>Product</a:t>
+            </a:r>
+            <a:r>
+              <a:rPr lang="en-US" sz="1700" dirty="0"/>
+              <a:t> para </a:t>
+            </a:r>
+            <a:r>
+              <a:rPr lang="en-US" sz="1700" dirty="0" err="1"/>
+              <a:t>definir</a:t>
+            </a:r>
+            <a:r>
+              <a:rPr lang="en-US" sz="1700" dirty="0"/>
+              <a:t> </a:t>
+            </a:r>
+            <a:r>
+              <a:rPr lang="en-US" sz="1700" dirty="0" err="1"/>
+              <a:t>cada</a:t>
+            </a:r>
+            <a:r>
+              <a:rPr lang="en-US" sz="1700" dirty="0"/>
+              <a:t> </a:t>
+            </a:r>
+            <a:r>
+              <a:rPr lang="en-US" sz="1700" dirty="0" err="1"/>
+              <a:t>produto</a:t>
+            </a:r>
+            <a:r>
+              <a:rPr lang="en-US" sz="1700" dirty="0"/>
+              <a:t> que um </a:t>
+            </a:r>
+            <a:r>
+              <a:rPr lang="en-US" sz="1700" i="1" dirty="0"/>
+              <a:t>streamer</a:t>
+            </a:r>
+            <a:r>
+              <a:rPr lang="en-US" sz="1700" dirty="0"/>
+              <a:t> </a:t>
+            </a:r>
+            <a:r>
+              <a:rPr lang="en-US" sz="1700" dirty="0" err="1"/>
+              <a:t>vendia</a:t>
+            </a:r>
+            <a:r>
+              <a:rPr lang="en-US" sz="1700" dirty="0"/>
+              <a:t>;</a:t>
+            </a:r>
+          </a:p>
+          <a:p>
+            <a:pPr marL="285750" indent="-228600">
+              <a:lnSpc>
+                <a:spcPct val="90000"/>
+              </a:lnSpc>
+              <a:spcAft>
+                <a:spcPts val="600"/>
+              </a:spcAft>
               <a:buFont typeface="Arial" panose="020B0604020202020204" pitchFamily="34" charset="0"/>
               <a:buChar char="•"/>
             </a:pPr>
-            <a:r>
-              <a:rPr lang="pt-PT" dirty="0"/>
-              <a:t>Isto foi possível com a utilização de uma parte selecionada de uma </a:t>
-            </a:r>
-            <a:r>
-              <a:rPr lang="pt-PT" i="1" dirty="0" err="1"/>
-              <a:t>library</a:t>
-            </a:r>
-            <a:r>
-              <a:rPr lang="pt-PT" dirty="0"/>
-              <a:t> externa (</a:t>
-            </a:r>
-            <a:r>
-              <a:rPr lang="pt-PT" dirty="0" err="1"/>
-              <a:t>hashlib</a:t>
-            </a:r>
-            <a:r>
-              <a:rPr lang="pt-PT" dirty="0"/>
-              <a:t>++), totalmente criada com C++ puro, não sendo específica de nenhum compilador;</a:t>
+            <a:endParaRPr lang="en-US" sz="1700" dirty="0"/>
+          </a:p>
+          <a:p>
+            <a:pPr marL="285750" indent="-228600">
+              <a:lnSpc>
+                <a:spcPct val="90000"/>
+              </a:lnSpc>
+              <a:spcAft>
+                <a:spcPts val="600"/>
+              </a:spcAft>
+              <a:buFont typeface="Arial" panose="020B0604020202020204" pitchFamily="34" charset="0"/>
+              <a:buChar char="•"/>
+            </a:pPr>
+            <a:r>
+              <a:rPr lang="en-US" sz="1700" dirty="0"/>
+              <a:t>O </a:t>
+            </a:r>
+            <a:r>
+              <a:rPr lang="en-US" sz="1700" dirty="0" err="1"/>
+              <a:t>desenvolvimento</a:t>
+            </a:r>
+            <a:r>
+              <a:rPr lang="en-US" sz="1700" dirty="0"/>
+              <a:t> de </a:t>
+            </a:r>
+            <a:r>
+              <a:rPr lang="en-US" sz="1700" dirty="0" err="1"/>
+              <a:t>uma</a:t>
+            </a:r>
+            <a:r>
+              <a:rPr lang="en-US" sz="1700" dirty="0"/>
+              <a:t> </a:t>
+            </a:r>
+            <a:r>
+              <a:rPr lang="en-US" sz="1700" i="1" dirty="0"/>
+              <a:t>wallet</a:t>
+            </a:r>
+            <a:r>
+              <a:rPr lang="en-US" sz="1700" dirty="0"/>
+              <a:t> para </a:t>
+            </a:r>
+            <a:r>
+              <a:rPr lang="en-US" sz="1700" dirty="0" err="1"/>
+              <a:t>cada</a:t>
+            </a:r>
+            <a:r>
+              <a:rPr lang="en-US" sz="1700" dirty="0"/>
+              <a:t> </a:t>
+            </a:r>
+            <a:r>
+              <a:rPr lang="en-US" sz="1700" i="1" dirty="0"/>
+              <a:t>user</a:t>
+            </a:r>
+            <a:r>
+              <a:rPr lang="en-US" sz="1700" dirty="0"/>
+              <a:t>, </a:t>
+            </a:r>
+            <a:r>
+              <a:rPr lang="en-US" sz="1700" dirty="0" err="1"/>
+              <a:t>podendo</a:t>
+            </a:r>
+            <a:r>
+              <a:rPr lang="en-US" sz="1700" dirty="0"/>
+              <a:t> </a:t>
+            </a:r>
+            <a:r>
+              <a:rPr lang="en-US" sz="1700" dirty="0" err="1"/>
+              <a:t>assim</a:t>
+            </a:r>
+            <a:r>
+              <a:rPr lang="en-US" sz="1700" dirty="0"/>
+              <a:t> haver, de facto, </a:t>
+            </a:r>
+            <a:r>
+              <a:rPr lang="en-US" sz="1700" dirty="0" err="1"/>
+              <a:t>transações</a:t>
+            </a:r>
+            <a:r>
+              <a:rPr lang="en-US" sz="1700" dirty="0"/>
+              <a:t> entre </a:t>
+            </a:r>
+            <a:r>
+              <a:rPr lang="en-US" sz="1700" dirty="0" err="1"/>
+              <a:t>os</a:t>
+            </a:r>
+            <a:r>
+              <a:rPr lang="en-US" sz="1700" dirty="0"/>
+              <a:t> </a:t>
+            </a:r>
+            <a:r>
+              <a:rPr lang="en-US" sz="1700" dirty="0" err="1"/>
+              <a:t>utilizadores</a:t>
+            </a:r>
+            <a:r>
+              <a:rPr lang="en-US" sz="1700" dirty="0"/>
+              <a:t> (</a:t>
+            </a:r>
+            <a:r>
+              <a:rPr lang="en-US" sz="1700" dirty="0" err="1"/>
+              <a:t>sem</a:t>
+            </a:r>
+            <a:r>
+              <a:rPr lang="en-US" sz="1700" dirty="0"/>
+              <a:t> </a:t>
+            </a:r>
+            <a:r>
+              <a:rPr lang="en-US" sz="1700" dirty="0" err="1"/>
+              <a:t>comissão</a:t>
+            </a:r>
+            <a:r>
+              <a:rPr lang="en-US" sz="1700" dirty="0"/>
+              <a:t>) e entre a </a:t>
+            </a:r>
+            <a:r>
+              <a:rPr lang="en-US" sz="1700" dirty="0" err="1"/>
+              <a:t>plataforma</a:t>
+            </a:r>
+            <a:r>
+              <a:rPr lang="en-US" sz="1700" dirty="0"/>
+              <a:t> e </a:t>
+            </a:r>
+            <a:r>
+              <a:rPr lang="en-US" sz="1700" dirty="0" err="1"/>
+              <a:t>os</a:t>
+            </a:r>
+            <a:r>
+              <a:rPr lang="en-US" sz="1700" dirty="0"/>
+              <a:t> </a:t>
+            </a:r>
+            <a:r>
+              <a:rPr lang="en-US" sz="1700" dirty="0" err="1"/>
+              <a:t>utilizadores</a:t>
+            </a:r>
+            <a:r>
+              <a:rPr lang="en-US" sz="1700" dirty="0"/>
+              <a:t> (com </a:t>
+            </a:r>
+            <a:r>
+              <a:rPr lang="en-US" sz="1700" dirty="0" err="1"/>
+              <a:t>comissão</a:t>
+            </a:r>
+            <a:r>
+              <a:rPr lang="en-US" sz="1700" dirty="0"/>
+              <a:t> de 10% para a </a:t>
+            </a:r>
+            <a:r>
+              <a:rPr lang="en-US" sz="1700" i="1" dirty="0" err="1"/>
+              <a:t>streamz</a:t>
+            </a:r>
+            <a:r>
+              <a:rPr lang="en-US" sz="1700" dirty="0"/>
+              <a:t> </a:t>
+            </a:r>
+            <a:r>
+              <a:rPr lang="en-US" sz="1700" dirty="0" err="1"/>
+              <a:t>quando</a:t>
+            </a:r>
+            <a:r>
+              <a:rPr lang="en-US" sz="1700" dirty="0"/>
+              <a:t> se </a:t>
+            </a:r>
+            <a:r>
+              <a:rPr lang="en-US" sz="1700" dirty="0" err="1"/>
+              <a:t>trata</a:t>
+            </a:r>
+            <a:r>
+              <a:rPr lang="en-US" sz="1700" dirty="0"/>
+              <a:t> de </a:t>
+            </a:r>
+            <a:r>
+              <a:rPr lang="en-US" sz="1700" dirty="0" err="1"/>
+              <a:t>uma</a:t>
+            </a:r>
+            <a:r>
+              <a:rPr lang="en-US" sz="1700" dirty="0"/>
+              <a:t> </a:t>
+            </a:r>
+            <a:r>
+              <a:rPr lang="en-US" sz="1700" dirty="0" err="1"/>
+              <a:t>venda</a:t>
+            </a:r>
+            <a:r>
+              <a:rPr lang="en-US" sz="1700" dirty="0"/>
+              <a:t> de um </a:t>
+            </a:r>
+            <a:r>
+              <a:rPr lang="en-US" sz="1700" i="1" dirty="0"/>
+              <a:t>streamer</a:t>
+            </a:r>
+            <a:r>
+              <a:rPr lang="en-US" sz="1700" dirty="0"/>
+              <a:t>).</a:t>
             </a:r>
           </a:p>
         </p:txBody>
       </p:sp>
+      <p:pic>
+        <p:nvPicPr>
+          <p:cNvPr id="5" name="Imagem 4">
+            <a:extLst>
+              <a:ext uri="{FF2B5EF4-FFF2-40B4-BE49-F238E27FC236}">
+                <a16:creationId xmlns:a16="http://schemas.microsoft.com/office/drawing/2014/main" id="{71B54370-3EE8-475F-AE16-3B0FAF6B89E0}"/>
+              </a:ext>
+            </a:extLst>
+          </p:cNvPr>
+          <p:cNvPicPr>
+            <a:picLocks noChangeAspect="1"/>
+          </p:cNvPicPr>
+          <p:nvPr/>
+        </p:nvPicPr>
+        <p:blipFill>
+          <a:blip r:embed="rId4">
+            <a:extLst>
+              <a:ext uri="{28A0092B-C50C-407E-A947-70E740481C1C}">
+                <a14:useLocalDpi xmlns:a14="http://schemas.microsoft.com/office/drawing/2010/main" val="0"/>
+              </a:ext>
+            </a:extLst>
+          </a:blip>
+          <a:stretch>
+            <a:fillRect/>
+          </a:stretch>
+        </p:blipFill>
+        <p:spPr>
+          <a:xfrm>
+            <a:off x="705154" y="3684772"/>
+            <a:ext cx="2752751" cy="2752751"/>
+          </a:xfrm>
+          <a:prstGeom prst="rect">
+            <a:avLst/>
+          </a:prstGeom>
+        </p:spPr>
+      </p:pic>
+      <p:sp>
+        <p:nvSpPr>
+          <p:cNvPr id="29" name="Graphic 10">
+            <a:extLst>
+              <a:ext uri="{FF2B5EF4-FFF2-40B4-BE49-F238E27FC236}">
+                <a16:creationId xmlns:a16="http://schemas.microsoft.com/office/drawing/2014/main" id="{E3020543-B24B-4EC4-8FFC-8DD88EEA91A8}"/>
+              </a:ext>
+              <a:ext uri="{C183D7F6-B498-43B3-948B-1728B52AA6E4}">
+                <adec:decorative xmlns:adec="http://schemas.microsoft.com/office/drawing/2017/decorative" val="1"/>
+              </a:ext>
+            </a:extLst>
+          </p:cNvPr>
+          <p:cNvSpPr>
+            <a:spLocks noGrp="1" noRot="1" noChangeAspect="1" noMove="1" noResize="1" noEditPoints="1" noAdjustHandles="1" noChangeArrowheads="1" noChangeShapeType="1" noTextEdit="1"/>
+          </p:cNvSpPr>
+          <p:nvPr>
+            <p:extLst>
+              <p:ext uri="{386F3935-93C4-4BCD-93E2-E3B085C9AB24}">
+                <p16:designElem xmlns:p16="http://schemas.microsoft.com/office/powerpoint/2015/main" val="1"/>
+              </p:ext>
+            </p:extLst>
+          </p:nvPr>
+        </p:nvSpPr>
+        <p:spPr>
+          <a:xfrm>
+            <a:off x="5454149" y="5775082"/>
+            <a:ext cx="112426" cy="112426"/>
+          </a:xfrm>
+          <a:custGeom>
+            <a:avLst/>
+            <a:gdLst>
+              <a:gd name="connsiteX0" fmla="*/ 112426 w 112426"/>
+              <a:gd name="connsiteY0" fmla="*/ 56213 h 112426"/>
+              <a:gd name="connsiteX1" fmla="*/ 56213 w 112426"/>
+              <a:gd name="connsiteY1" fmla="*/ 112426 h 112426"/>
+              <a:gd name="connsiteX2" fmla="*/ 0 w 112426"/>
+              <a:gd name="connsiteY2" fmla="*/ 56213 h 112426"/>
+              <a:gd name="connsiteX3" fmla="*/ 56213 w 112426"/>
+              <a:gd name="connsiteY3" fmla="*/ 0 h 112426"/>
+              <a:gd name="connsiteX4" fmla="*/ 112426 w 112426"/>
+              <a:gd name="connsiteY4" fmla="*/ 56213 h 112426"/>
+            </a:gdLst>
+            <a:ahLst/>
+            <a:cxnLst>
+              <a:cxn ang="0">
+                <a:pos x="connsiteX0" y="connsiteY0"/>
+              </a:cxn>
+              <a:cxn ang="0">
+                <a:pos x="connsiteX1" y="connsiteY1"/>
+              </a:cxn>
+              <a:cxn ang="0">
+                <a:pos x="connsiteX2" y="connsiteY2"/>
+              </a:cxn>
+              <a:cxn ang="0">
+                <a:pos x="connsiteX3" y="connsiteY3"/>
+              </a:cxn>
+              <a:cxn ang="0">
+                <a:pos x="connsiteX4" y="connsiteY4"/>
+              </a:cxn>
+            </a:cxnLst>
+            <a:rect l="l" t="t" r="r" b="b"/>
+            <a:pathLst>
+              <a:path w="112426" h="112426">
+                <a:moveTo>
+                  <a:pt x="112426" y="56213"/>
+                </a:moveTo>
+                <a:cubicBezTo>
+                  <a:pt x="112426" y="87259"/>
+                  <a:pt x="87259" y="112426"/>
+                  <a:pt x="56213" y="112426"/>
+                </a:cubicBezTo>
+                <a:cubicBezTo>
+                  <a:pt x="25167" y="112426"/>
+                  <a:pt x="0" y="87259"/>
+                  <a:pt x="0" y="56213"/>
+                </a:cubicBezTo>
+                <a:cubicBezTo>
+                  <a:pt x="0" y="25167"/>
+                  <a:pt x="25167" y="0"/>
+                  <a:pt x="56213" y="0"/>
+                </a:cubicBezTo>
+                <a:cubicBezTo>
+                  <a:pt x="87259" y="0"/>
+                  <a:pt x="112426" y="25167"/>
+                  <a:pt x="112426" y="56213"/>
+                </a:cubicBezTo>
+                <a:close/>
+              </a:path>
+            </a:pathLst>
+          </a:custGeom>
+          <a:solidFill>
+            <a:schemeClr val="accent1"/>
+          </a:solidFill>
+          <a:ln w="516" cap="flat">
+            <a:noFill/>
+            <a:prstDash val="solid"/>
+            <a:miter/>
+          </a:ln>
+        </p:spPr>
+        <p:txBody>
+          <a:bodyPr rtlCol="0" anchor="ctr"/>
+          <a:lstStyle/>
+          <a:p>
+            <a:endParaRPr lang="en-US">
+              <a:solidFill>
+                <a:srgbClr val="FFFFFF"/>
+              </a:solidFill>
+            </a:endParaRPr>
+          </a:p>
+        </p:txBody>
+      </p:sp>
+      <p:cxnSp>
+        <p:nvCxnSpPr>
+          <p:cNvPr id="31" name="Straight Connector 30">
+            <a:extLst>
+              <a:ext uri="{FF2B5EF4-FFF2-40B4-BE49-F238E27FC236}">
+                <a16:creationId xmlns:a16="http://schemas.microsoft.com/office/drawing/2014/main" id="{C49DA8F6-BCC1-4447-B54C-57856834B94B}"/>
+              </a:ext>
+              <a:ext uri="{C183D7F6-B498-43B3-948B-1728B52AA6E4}">
+                <adec:decorative xmlns:adec="http://schemas.microsoft.com/office/drawing/2017/decorative" val="1"/>
+              </a:ext>
+            </a:extLst>
+          </p:cNvPr>
+          <p:cNvCxnSpPr>
+            <a:cxnSpLocks noGrp="1" noRot="1" noChangeAspect="1" noMove="1" noResize="1" noEditPoints="1" noAdjustHandles="1" noChangeArrowheads="1" noChangeShapeType="1"/>
+          </p:cNvCxnSpPr>
+          <p:nvPr>
+            <p:extLst>
+              <p:ext uri="{386F3935-93C4-4BCD-93E2-E3B085C9AB24}">
+                <p16:designElem xmlns:p16="http://schemas.microsoft.com/office/powerpoint/2015/main" val="1"/>
+              </p:ext>
+            </p:extLst>
+          </p:nvPr>
+        </p:nvCxnSpPr>
+        <p:spPr>
+          <a:xfrm>
+            <a:off x="11586162" y="3610394"/>
+            <a:ext cx="0" cy="3238728"/>
+          </a:xfrm>
+          <a:prstGeom prst="line">
+            <a:avLst/>
+          </a:prstGeom>
+          <a:ln w="25400" cap="sq">
+            <a:gradFill flip="none" rotWithShape="1">
+              <a:gsLst>
+                <a:gs pos="0">
+                  <a:schemeClr val="accent1"/>
+                </a:gs>
+                <a:gs pos="100000">
+                  <a:schemeClr val="accent2"/>
+                </a:gs>
+              </a:gsLst>
+              <a:lin ang="16200000" scaled="1"/>
+              <a:tileRect/>
+            </a:gradFill>
+            <a:bevel/>
+          </a:ln>
+        </p:spPr>
+        <p:style>
+          <a:lnRef idx="1">
+            <a:schemeClr val="accent1"/>
+          </a:lnRef>
+          <a:fillRef idx="0">
+            <a:schemeClr val="accent1"/>
+          </a:fillRef>
+          <a:effectRef idx="0">
+            <a:schemeClr val="accent1"/>
+          </a:effectRef>
+          <a:fontRef idx="minor">
+            <a:schemeClr val="tx1"/>
+          </a:fontRef>
+        </p:style>
+      </p:cxnSp>
     </p:spTree>
     <p:extLst>
       <p:ext uri="{BB962C8B-B14F-4D97-AF65-F5344CB8AC3E}">
@@ -14706,85 +14657,34 @@
             <a:pPr lvl="1"/>
             <a:r>
               <a:rPr lang="pt-PT" sz="1300" dirty="0"/>
-              <a:t>Decompor o problema proposto nas melhores e mais eficientes estruturas de dados;</a:t>
+              <a:t>Adequar as funcionalidades pedidas às estrutura de dados que também era requeridas;</a:t>
             </a:r>
           </a:p>
           <a:p>
             <a:pPr lvl="1"/>
             <a:r>
               <a:rPr lang="pt-PT" sz="1300" dirty="0"/>
-              <a:t>Trabalhar com um número elevado de </a:t>
-            </a:r>
-            <a:r>
-              <a:rPr lang="pt-PT" sz="1300" i="1" dirty="0" err="1"/>
-              <a:t>pointers</a:t>
-            </a:r>
-            <a:r>
-              <a:rPr lang="pt-PT" sz="1300" i="1" dirty="0"/>
-              <a:t>;</a:t>
+              <a:t>Criação de novas classes não solicitadas no enunciado, de modo a completar os sistemas requisitados o melhor possível;</a:t>
             </a:r>
           </a:p>
           <a:p>
             <a:pPr lvl="1"/>
             <a:r>
               <a:rPr lang="pt-PT" sz="1300" dirty="0"/>
-              <a:t>Criação de um programa com fluxo dinâmico e interativo, não permitindo, contudo, maus </a:t>
-            </a:r>
-            <a:r>
-              <a:rPr lang="pt-PT" sz="1300" i="1" dirty="0"/>
-              <a:t>inputs</a:t>
-            </a:r>
+              <a:t>Organizar o trabalho para o tempo que tínhamos, uma vez que não tínhamos imensa disponibilidade;</a:t>
+            </a:r>
+          </a:p>
+          <a:p>
+            <a:pPr lvl="1"/>
             <a:r>
               <a:rPr lang="pt-PT" sz="1300" dirty="0"/>
-              <a:t> do utilizador;</a:t>
-            </a:r>
-          </a:p>
-          <a:p>
-            <a:pPr lvl="1"/>
-            <a:r>
-              <a:rPr lang="pt-PT" sz="1300" dirty="0"/>
-              <a:t>O desenvolvimento do melhor padrão possível para guardar e importar os respetivos dados em ficheiros;</a:t>
-            </a:r>
-          </a:p>
-          <a:p>
-            <a:pPr lvl="1"/>
-            <a:r>
-              <a:rPr lang="pt-PT" sz="1300" dirty="0"/>
-              <a:t>Criação de material de teste detalhado, com a utilização dos google </a:t>
-            </a:r>
-            <a:r>
-              <a:rPr lang="pt-PT" sz="1300" i="1" dirty="0" err="1"/>
-              <a:t>tests</a:t>
-            </a:r>
-            <a:r>
-              <a:rPr lang="pt-PT" sz="1300" dirty="0"/>
-              <a:t>;</a:t>
-            </a:r>
-          </a:p>
-          <a:p>
-            <a:pPr lvl="1"/>
-            <a:r>
-              <a:rPr lang="pt-PT" sz="1300" dirty="0"/>
-              <a:t>Obtenção de um programa </a:t>
-            </a:r>
-            <a:r>
-              <a:rPr lang="pt-PT" sz="1300" i="1" dirty="0" err="1"/>
-              <a:t>user</a:t>
-            </a:r>
-            <a:r>
-              <a:rPr lang="pt-PT" sz="1300" dirty="0"/>
-              <a:t> </a:t>
-            </a:r>
-            <a:r>
-              <a:rPr lang="pt-PT" sz="1300" i="1" dirty="0" err="1"/>
-              <a:t>friendly</a:t>
-            </a:r>
-            <a:r>
-              <a:rPr lang="pt-PT" sz="1300" dirty="0"/>
-              <a:t>.</a:t>
-            </a:r>
-          </a:p>
-          <a:p>
+              <a:t>Não, de certa forma, destruir todo o trabalho que já tínhamos feito antes, com as modificações que tivemos de fazer.</a:t>
+            </a:r>
+          </a:p>
+          <a:p>
+            <a:pPr marL="457200" lvl="1" indent="0">
+              <a:buNone/>
+            </a:pPr>
             <a:endParaRPr lang="pt-PT" sz="2000" dirty="0"/>
           </a:p>
           <a:p>

--- a/StreamZ_presentation (part 2).pptx
+++ b/StreamZ_presentation (part 2).pptx
@@ -281,7 +281,7 @@
           <a:p>
             <a:fld id="{A19A71F5-DA94-4BA2-B9E9-1E6B8C3AD471}" type="datetimeFigureOut">
               <a:rPr lang="pt-PT" smtClean="0"/>
-              <a:t>30/12/2020</a:t>
+              <a:t>02/01/2021</a:t>
             </a:fld>
             <a:endParaRPr lang="pt-PT"/>
           </a:p>
@@ -479,7 +479,7 @@
           <a:p>
             <a:fld id="{A19A71F5-DA94-4BA2-B9E9-1E6B8C3AD471}" type="datetimeFigureOut">
               <a:rPr lang="pt-PT" smtClean="0"/>
-              <a:t>30/12/2020</a:t>
+              <a:t>02/01/2021</a:t>
             </a:fld>
             <a:endParaRPr lang="pt-PT"/>
           </a:p>
@@ -687,7 +687,7 @@
           <a:p>
             <a:fld id="{A19A71F5-DA94-4BA2-B9E9-1E6B8C3AD471}" type="datetimeFigureOut">
               <a:rPr lang="pt-PT" smtClean="0"/>
-              <a:t>30/12/2020</a:t>
+              <a:t>02/01/2021</a:t>
             </a:fld>
             <a:endParaRPr lang="pt-PT"/>
           </a:p>
@@ -885,7 +885,7 @@
           <a:p>
             <a:fld id="{A19A71F5-DA94-4BA2-B9E9-1E6B8C3AD471}" type="datetimeFigureOut">
               <a:rPr lang="pt-PT" smtClean="0"/>
-              <a:t>30/12/2020</a:t>
+              <a:t>02/01/2021</a:t>
             </a:fld>
             <a:endParaRPr lang="pt-PT"/>
           </a:p>
@@ -1160,7 +1160,7 @@
           <a:p>
             <a:fld id="{A19A71F5-DA94-4BA2-B9E9-1E6B8C3AD471}" type="datetimeFigureOut">
               <a:rPr lang="pt-PT" smtClean="0"/>
-              <a:t>30/12/2020</a:t>
+              <a:t>02/01/2021</a:t>
             </a:fld>
             <a:endParaRPr lang="pt-PT"/>
           </a:p>
@@ -1425,7 +1425,7 @@
           <a:p>
             <a:fld id="{A19A71F5-DA94-4BA2-B9E9-1E6B8C3AD471}" type="datetimeFigureOut">
               <a:rPr lang="pt-PT" smtClean="0"/>
-              <a:t>30/12/2020</a:t>
+              <a:t>02/01/2021</a:t>
             </a:fld>
             <a:endParaRPr lang="pt-PT"/>
           </a:p>
@@ -1837,7 +1837,7 @@
           <a:p>
             <a:fld id="{A19A71F5-DA94-4BA2-B9E9-1E6B8C3AD471}" type="datetimeFigureOut">
               <a:rPr lang="pt-PT" smtClean="0"/>
-              <a:t>30/12/2020</a:t>
+              <a:t>02/01/2021</a:t>
             </a:fld>
             <a:endParaRPr lang="pt-PT"/>
           </a:p>
@@ -1978,7 +1978,7 @@
           <a:p>
             <a:fld id="{A19A71F5-DA94-4BA2-B9E9-1E6B8C3AD471}" type="datetimeFigureOut">
               <a:rPr lang="pt-PT" smtClean="0"/>
-              <a:t>30/12/2020</a:t>
+              <a:t>02/01/2021</a:t>
             </a:fld>
             <a:endParaRPr lang="pt-PT"/>
           </a:p>
@@ -2091,7 +2091,7 @@
           <a:p>
             <a:fld id="{A19A71F5-DA94-4BA2-B9E9-1E6B8C3AD471}" type="datetimeFigureOut">
               <a:rPr lang="pt-PT" smtClean="0"/>
-              <a:t>30/12/2020</a:t>
+              <a:t>02/01/2021</a:t>
             </a:fld>
             <a:endParaRPr lang="pt-PT"/>
           </a:p>
@@ -2402,7 +2402,7 @@
           <a:p>
             <a:fld id="{A19A71F5-DA94-4BA2-B9E9-1E6B8C3AD471}" type="datetimeFigureOut">
               <a:rPr lang="pt-PT" smtClean="0"/>
-              <a:t>30/12/2020</a:t>
+              <a:t>02/01/2021</a:t>
             </a:fld>
             <a:endParaRPr lang="pt-PT"/>
           </a:p>
@@ -2690,7 +2690,7 @@
           <a:p>
             <a:fld id="{A19A71F5-DA94-4BA2-B9E9-1E6B8C3AD471}" type="datetimeFigureOut">
               <a:rPr lang="pt-PT" smtClean="0"/>
-              <a:t>30/12/2020</a:t>
+              <a:t>02/01/2021</a:t>
             </a:fld>
             <a:endParaRPr lang="pt-PT"/>
           </a:p>
@@ -2931,7 +2931,7 @@
           <a:p>
             <a:fld id="{A19A71F5-DA94-4BA2-B9E9-1E6B8C3AD471}" type="datetimeFigureOut">
               <a:rPr lang="pt-PT" smtClean="0"/>
-              <a:t>30/12/2020</a:t>
+              <a:t>02/01/2021</a:t>
             </a:fld>
             <a:endParaRPr lang="pt-PT"/>
           </a:p>
@@ -4518,6 +4518,76 @@
           <a:chExt cx="0" cy="0"/>
         </a:xfrm>
       </p:grpSpPr>
+      <p:pic>
+        <p:nvPicPr>
+          <p:cNvPr id="39" name="Imagem 38" descr="Uma imagem com texto&#10;&#10;Descrição gerada automaticamente">
+            <a:extLst>
+              <a:ext uri="{FF2B5EF4-FFF2-40B4-BE49-F238E27FC236}">
+                <a16:creationId xmlns:a16="http://schemas.microsoft.com/office/drawing/2014/main" id="{8A110F93-6A86-444C-A449-A5FA2C8DDCF9}"/>
+              </a:ext>
+            </a:extLst>
+          </p:cNvPr>
+          <p:cNvPicPr>
+            <a:picLocks noChangeAspect="1"/>
+          </p:cNvPicPr>
+          <p:nvPr/>
+        </p:nvPicPr>
+        <p:blipFill rotWithShape="1">
+          <a:blip r:embed="rId2">
+            <a:extLst>
+              <a:ext uri="{28A0092B-C50C-407E-A947-70E740481C1C}">
+                <a14:useLocalDpi xmlns:a14="http://schemas.microsoft.com/office/drawing/2010/main" val="0"/>
+              </a:ext>
+            </a:extLst>
+          </a:blip>
+          <a:srcRect r="4277" b="2621"/>
+          <a:stretch/>
+        </p:blipFill>
+        <p:spPr>
+          <a:xfrm>
+            <a:off x="7150915" y="3295303"/>
+            <a:ext cx="1889330" cy="2960930"/>
+          </a:xfrm>
+          <a:prstGeom prst="rect">
+            <a:avLst/>
+          </a:prstGeom>
+        </p:spPr>
+      </p:pic>
+      <p:pic>
+        <p:nvPicPr>
+          <p:cNvPr id="37" name="Imagem 36" descr="Uma imagem com texto&#10;&#10;Descrição gerada automaticamente">
+            <a:extLst>
+              <a:ext uri="{FF2B5EF4-FFF2-40B4-BE49-F238E27FC236}">
+                <a16:creationId xmlns:a16="http://schemas.microsoft.com/office/drawing/2014/main" id="{BE4B7270-B308-4400-9475-F0D34D95CBF5}"/>
+              </a:ext>
+            </a:extLst>
+          </p:cNvPr>
+          <p:cNvPicPr>
+            <a:picLocks noChangeAspect="1"/>
+          </p:cNvPicPr>
+          <p:nvPr/>
+        </p:nvPicPr>
+        <p:blipFill rotWithShape="1">
+          <a:blip r:embed="rId3">
+            <a:extLst>
+              <a:ext uri="{28A0092B-C50C-407E-A947-70E740481C1C}">
+                <a14:useLocalDpi xmlns:a14="http://schemas.microsoft.com/office/drawing/2010/main" val="0"/>
+              </a:ext>
+            </a:extLst>
+          </a:blip>
+          <a:srcRect l="3534" t="-369"/>
+          <a:stretch/>
+        </p:blipFill>
+        <p:spPr>
+          <a:xfrm>
+            <a:off x="2280237" y="3295303"/>
+            <a:ext cx="2109835" cy="2745903"/>
+          </a:xfrm>
+          <a:prstGeom prst="rect">
+            <a:avLst/>
+          </a:prstGeom>
+        </p:spPr>
+      </p:pic>
       <p:sp>
         <p:nvSpPr>
           <p:cNvPr id="27" name="Retângulo: Cantos Diagonais Cortados 26">
@@ -4616,114 +4686,6 @@
           </a:p>
         </p:txBody>
       </p:sp>
-      <p:pic>
-        <p:nvPicPr>
-          <p:cNvPr id="7" name="Imagem 6">
-            <a:extLst>
-              <a:ext uri="{FF2B5EF4-FFF2-40B4-BE49-F238E27FC236}">
-                <a16:creationId xmlns:a16="http://schemas.microsoft.com/office/drawing/2014/main" id="{2C9D3B97-E1A5-4559-A25D-229F2BC860CA}"/>
-              </a:ext>
-            </a:extLst>
-          </p:cNvPr>
-          <p:cNvPicPr>
-            <a:picLocks noChangeAspect="1"/>
-          </p:cNvPicPr>
-          <p:nvPr/>
-        </p:nvPicPr>
-        <p:blipFill>
-          <a:blip r:embed="rId2">
-            <a:extLst>
-              <a:ext uri="{28A0092B-C50C-407E-A947-70E740481C1C}">
-                <a14:useLocalDpi xmlns:a14="http://schemas.microsoft.com/office/drawing/2010/main" val="0"/>
-              </a:ext>
-            </a:extLst>
-          </a:blip>
-          <a:stretch>
-            <a:fillRect/>
-          </a:stretch>
-        </p:blipFill>
-        <p:spPr>
-          <a:xfrm>
-            <a:off x="5047612" y="1000017"/>
-            <a:ext cx="2096773" cy="2014868"/>
-          </a:xfrm>
-          <a:prstGeom prst="rect">
-            <a:avLst/>
-          </a:prstGeom>
-        </p:spPr>
-      </p:pic>
-      <p:pic>
-        <p:nvPicPr>
-          <p:cNvPr id="11" name="Imagem 10">
-            <a:extLst>
-              <a:ext uri="{FF2B5EF4-FFF2-40B4-BE49-F238E27FC236}">
-                <a16:creationId xmlns:a16="http://schemas.microsoft.com/office/drawing/2014/main" id="{80B4A62B-2658-4719-9DB8-803994DE2C03}"/>
-              </a:ext>
-            </a:extLst>
-          </p:cNvPr>
-          <p:cNvPicPr>
-            <a:picLocks noChangeAspect="1"/>
-          </p:cNvPicPr>
-          <p:nvPr/>
-        </p:nvPicPr>
-        <p:blipFill>
-          <a:blip r:embed="rId3">
-            <a:extLst>
-              <a:ext uri="{28A0092B-C50C-407E-A947-70E740481C1C}">
-                <a14:useLocalDpi xmlns:a14="http://schemas.microsoft.com/office/drawing/2010/main" val="0"/>
-              </a:ext>
-            </a:extLst>
-          </a:blip>
-          <a:stretch>
-            <a:fillRect/>
-          </a:stretch>
-        </p:blipFill>
-        <p:spPr>
-          <a:xfrm>
-            <a:off x="255297" y="4004973"/>
-            <a:ext cx="3952492" cy="2485149"/>
-          </a:xfrm>
-          <a:prstGeom prst="rect">
-            <a:avLst/>
-          </a:prstGeom>
-        </p:spPr>
-      </p:pic>
-      <p:pic>
-        <p:nvPicPr>
-          <p:cNvPr id="13" name="Imagem 12">
-            <a:extLst>
-              <a:ext uri="{FF2B5EF4-FFF2-40B4-BE49-F238E27FC236}">
-                <a16:creationId xmlns:a16="http://schemas.microsoft.com/office/drawing/2014/main" id="{1B51BDFD-49F4-4417-A089-BA2F5942C40E}"/>
-              </a:ext>
-            </a:extLst>
-          </p:cNvPr>
-          <p:cNvPicPr>
-            <a:picLocks noChangeAspect="1"/>
-          </p:cNvPicPr>
-          <p:nvPr/>
-        </p:nvPicPr>
-        <p:blipFill>
-          <a:blip r:embed="rId4">
-            <a:extLst>
-              <a:ext uri="{28A0092B-C50C-407E-A947-70E740481C1C}">
-                <a14:useLocalDpi xmlns:a14="http://schemas.microsoft.com/office/drawing/2010/main" val="0"/>
-              </a:ext>
-            </a:extLst>
-          </a:blip>
-          <a:stretch>
-            <a:fillRect/>
-          </a:stretch>
-        </p:blipFill>
-        <p:spPr>
-          <a:xfrm>
-            <a:off x="7984211" y="4004973"/>
-            <a:ext cx="3825933" cy="2476610"/>
-          </a:xfrm>
-          <a:prstGeom prst="rect">
-            <a:avLst/>
-          </a:prstGeom>
-        </p:spPr>
-      </p:pic>
       <p:cxnSp>
         <p:nvCxnSpPr>
           <p:cNvPr id="56" name="Conexão: Ângulo Reto 55">
@@ -4735,17 +4697,20 @@
           </p:cNvPr>
           <p:cNvCxnSpPr>
             <a:cxnSpLocks/>
-            <a:endCxn id="11" idx="0"/>
+            <a:stCxn id="3" idx="2"/>
+            <a:endCxn id="37" idx="0"/>
           </p:cNvCxnSpPr>
           <p:nvPr/>
         </p:nvCxnSpPr>
         <p:spPr>
-          <a:xfrm rot="10800000" flipV="1">
-            <a:off x="2231543" y="2775529"/>
-            <a:ext cx="3961474" cy="1229444"/>
+          <a:xfrm rot="5400000">
+            <a:off x="4233428" y="1432734"/>
+            <a:ext cx="964296" cy="2760842"/>
           </a:xfrm>
-          <a:prstGeom prst="bentConnector2">
-            <a:avLst/>
+          <a:prstGeom prst="bentConnector3">
+            <a:avLst>
+              <a:gd name="adj1" fmla="val 50000"/>
+            </a:avLst>
           </a:prstGeom>
           <a:ln w="38100">
             <a:tailEnd type="triangle"/>
@@ -4777,14 +4742,14 @@
           </p:cNvPr>
           <p:cNvCxnSpPr>
             <a:cxnSpLocks/>
-            <a:endCxn id="13" idx="0"/>
+            <a:endCxn id="39" idx="0"/>
           </p:cNvCxnSpPr>
           <p:nvPr/>
         </p:nvCxnSpPr>
         <p:spPr>
           <a:xfrm>
-            <a:off x="6674367" y="2772035"/>
-            <a:ext cx="3222811" cy="1232938"/>
+            <a:off x="6093439" y="2815617"/>
+            <a:ext cx="2002141" cy="479686"/>
           </a:xfrm>
           <a:prstGeom prst="bentConnector2">
             <a:avLst/>
@@ -4822,7 +4787,7 @@
         </p:nvGrpSpPr>
         <p:grpSpPr>
           <a:xfrm>
-            <a:off x="3988002" y="6304189"/>
+            <a:off x="4053528" y="5809972"/>
             <a:ext cx="413075" cy="371866"/>
             <a:chOff x="510203" y="599076"/>
             <a:chExt cx="413075" cy="371866"/>
@@ -4908,7 +4873,7 @@
                     <a:schemeClr val="bg1"/>
                   </a:solidFill>
                 </a:rPr>
-                <a:t>6</a:t>
+                <a:t>1</a:t>
               </a:r>
             </a:p>
           </p:txBody>
@@ -4928,7 +4893,7 @@
         </p:nvGrpSpPr>
         <p:grpSpPr>
           <a:xfrm>
-            <a:off x="11603607" y="6295650"/>
+            <a:off x="8794327" y="6049104"/>
             <a:ext cx="413075" cy="653809"/>
             <a:chOff x="510203" y="599076"/>
             <a:chExt cx="413075" cy="653809"/>
@@ -5014,7 +4979,7 @@
                     <a:schemeClr val="bg1"/>
                   </a:solidFill>
                 </a:rPr>
-                <a:t>7</a:t>
+                <a:t>2</a:t>
               </a:r>
             </a:p>
             <a:p>
@@ -5042,7 +5007,7 @@
         <p:spPr>
           <a:xfrm>
             <a:off x="1067691" y="1246245"/>
-            <a:ext cx="2353225" cy="1092607"/>
+            <a:ext cx="2353225" cy="892552"/>
           </a:xfrm>
           <a:prstGeom prst="rect">
             <a:avLst/>
@@ -5071,7 +5036,7 @@
             </a:r>
             <a:r>
               <a:rPr lang="pt-PT" sz="1300" i="1" dirty="0" err="1"/>
-              <a:t>viewer</a:t>
+              <a:t>streamer</a:t>
             </a:r>
             <a:endParaRPr lang="pt-PT" sz="1300" i="1" dirty="0"/>
           </a:p>
@@ -5083,47 +5048,374 @@
             </a:r>
             <a:r>
               <a:rPr lang="pt-PT" sz="1300" i="1" dirty="0" err="1"/>
-              <a:t>streamer</a:t>
+              <a:t>viewer</a:t>
             </a:r>
             <a:endParaRPr lang="pt-PT" sz="1300" i="1" dirty="0"/>
           </a:p>
-          <a:p>
-            <a:pPr algn="just"/>
-            <a:r>
-              <a:rPr lang="pt-PT" sz="1300" dirty="0"/>
-              <a:t>Menu do </a:t>
-            </a:r>
-            <a:r>
-              <a:rPr lang="pt-PT" sz="1300" i="1" dirty="0" err="1"/>
-              <a:t>admin</a:t>
-            </a:r>
-            <a:endParaRPr lang="pt-PT" sz="1300" i="1" dirty="0"/>
+        </p:txBody>
+      </p:sp>
+      <p:sp>
+        <p:nvSpPr>
+          <p:cNvPr id="3" name="CaixaDeTexto 2">
+            <a:extLst>
+              <a:ext uri="{FF2B5EF4-FFF2-40B4-BE49-F238E27FC236}">
+                <a16:creationId xmlns:a16="http://schemas.microsoft.com/office/drawing/2014/main" id="{7A5A7594-4CD8-4F78-B1B2-C67DB22743B7}"/>
+              </a:ext>
+            </a:extLst>
+          </p:cNvPr>
+          <p:cNvSpPr txBox="1"/>
+          <p:nvPr/>
+        </p:nvSpPr>
+        <p:spPr>
+          <a:xfrm>
+            <a:off x="4693745" y="1500010"/>
+            <a:ext cx="2804504" cy="830997"/>
+          </a:xfrm>
+          <a:prstGeom prst="rect">
+            <a:avLst/>
+          </a:prstGeom>
+          <a:noFill/>
+          <a:ln w="57150">
+            <a:solidFill>
+              <a:srgbClr val="E60000"/>
+            </a:solidFill>
+          </a:ln>
+        </p:spPr>
+        <p:txBody>
+          <a:bodyPr wrap="square" rtlCol="0">
+            <a:spAutoFit/>
+          </a:bodyPr>
+          <a:lstStyle/>
+          <a:p>
+            <a:pPr algn="ctr"/>
+            <a:r>
+              <a:rPr lang="pt-PT" sz="2400" dirty="0">
+                <a:solidFill>
+                  <a:schemeClr val="accent1">
+                    <a:lumMod val="75000"/>
+                  </a:schemeClr>
+                </a:solidFill>
+                <a:latin typeface="Impact" panose="020B0806030902050204" pitchFamily="34" charset="0"/>
+              </a:rPr>
+              <a:t>Novas Funcionalidades</a:t>
+            </a:r>
+          </a:p>
+        </p:txBody>
+      </p:sp>
+      <p:pic>
+        <p:nvPicPr>
+          <p:cNvPr id="21" name="Gráfico 20" descr="Distintivo 1 com preenchimento sólido">
+            <a:extLst>
+              <a:ext uri="{FF2B5EF4-FFF2-40B4-BE49-F238E27FC236}">
+                <a16:creationId xmlns:a16="http://schemas.microsoft.com/office/drawing/2014/main" id="{46534A43-88F7-44B8-8CB0-D49866CCF522}"/>
+              </a:ext>
+            </a:extLst>
+          </p:cNvPr>
+          <p:cNvPicPr>
+            <a:picLocks noChangeAspect="1"/>
+          </p:cNvPicPr>
+          <p:nvPr/>
+        </p:nvPicPr>
+        <p:blipFill>
+          <a:blip r:embed="rId4">
+            <a:extLst>
+              <a:ext uri="{28A0092B-C50C-407E-A947-70E740481C1C}">
+                <a14:useLocalDpi xmlns:a14="http://schemas.microsoft.com/office/drawing/2010/main" val="0"/>
+              </a:ext>
+              <a:ext uri="{96DAC541-7B7A-43D3-8B79-37D633B846F1}">
+                <asvg:svgBlip xmlns:asvg="http://schemas.microsoft.com/office/drawing/2016/SVG/main" r:embed="rId5"/>
+              </a:ext>
+            </a:extLst>
+          </a:blip>
+          <a:stretch>
+            <a:fillRect/>
+          </a:stretch>
+        </p:blipFill>
+        <p:spPr>
+          <a:xfrm>
+            <a:off x="929977" y="1696567"/>
+            <a:ext cx="202957" cy="202957"/>
+          </a:xfrm>
+          <a:prstGeom prst="rect">
+            <a:avLst/>
+          </a:prstGeom>
+        </p:spPr>
+      </p:pic>
+      <p:pic>
+        <p:nvPicPr>
+          <p:cNvPr id="23" name="Gráfico 22" descr="Distintivo com preenchimento sólido">
+            <a:extLst>
+              <a:ext uri="{FF2B5EF4-FFF2-40B4-BE49-F238E27FC236}">
+                <a16:creationId xmlns:a16="http://schemas.microsoft.com/office/drawing/2014/main" id="{0CE77F5B-8AD3-4932-A550-B7F2E90C479F}"/>
+              </a:ext>
+            </a:extLst>
+          </p:cNvPr>
+          <p:cNvPicPr>
+            <a:picLocks noChangeAspect="1"/>
+          </p:cNvPicPr>
+          <p:nvPr/>
+        </p:nvPicPr>
+        <p:blipFill>
+          <a:blip r:embed="rId6">
+            <a:extLst>
+              <a:ext uri="{28A0092B-C50C-407E-A947-70E740481C1C}">
+                <a14:useLocalDpi xmlns:a14="http://schemas.microsoft.com/office/drawing/2010/main" val="0"/>
+              </a:ext>
+              <a:ext uri="{96DAC541-7B7A-43D3-8B79-37D633B846F1}">
+                <asvg:svgBlip xmlns:asvg="http://schemas.microsoft.com/office/drawing/2016/SVG/main" r:embed="rId7"/>
+              </a:ext>
+            </a:extLst>
+          </a:blip>
+          <a:stretch>
+            <a:fillRect/>
+          </a:stretch>
+        </p:blipFill>
+        <p:spPr>
+          <a:xfrm>
+            <a:off x="929977" y="1905645"/>
+            <a:ext cx="202957" cy="202957"/>
+          </a:xfrm>
+          <a:prstGeom prst="rect">
+            <a:avLst/>
+          </a:prstGeom>
+        </p:spPr>
+      </p:pic>
+      <p:sp>
+        <p:nvSpPr>
+          <p:cNvPr id="50" name="Retângulo: Cantos Arredondados 49">
+            <a:extLst>
+              <a:ext uri="{FF2B5EF4-FFF2-40B4-BE49-F238E27FC236}">
+                <a16:creationId xmlns:a16="http://schemas.microsoft.com/office/drawing/2014/main" id="{64DDFD45-DDC7-4287-9832-6149388EB0F7}"/>
+              </a:ext>
+            </a:extLst>
+          </p:cNvPr>
+          <p:cNvSpPr/>
+          <p:nvPr/>
+        </p:nvSpPr>
+        <p:spPr>
+          <a:xfrm>
+            <a:off x="2405849" y="5388746"/>
+            <a:ext cx="1260629" cy="223009"/>
+          </a:xfrm>
+          <a:prstGeom prst="roundRect">
+            <a:avLst/>
+          </a:prstGeom>
+          <a:noFill/>
+          <a:ln w="38100">
+            <a:solidFill>
+              <a:srgbClr val="FFC000"/>
+            </a:solidFill>
+          </a:ln>
+        </p:spPr>
+        <p:style>
+          <a:lnRef idx="2">
+            <a:schemeClr val="accent1">
+              <a:shade val="50000"/>
+            </a:schemeClr>
+          </a:lnRef>
+          <a:fillRef idx="1">
+            <a:schemeClr val="accent1"/>
+          </a:fillRef>
+          <a:effectRef idx="0">
+            <a:schemeClr val="accent1"/>
+          </a:effectRef>
+          <a:fontRef idx="minor">
+            <a:schemeClr val="lt1"/>
+          </a:fontRef>
+        </p:style>
+        <p:txBody>
+          <a:bodyPr rtlCol="0" anchor="ctr"/>
+          <a:lstStyle/>
+          <a:p>
+            <a:pPr algn="ctr"/>
+            <a:endParaRPr lang="pt-PT" dirty="0"/>
+          </a:p>
+        </p:txBody>
+      </p:sp>
+      <p:sp>
+        <p:nvSpPr>
+          <p:cNvPr id="61" name="Retângulo: Cantos Arredondados 60">
+            <a:extLst>
+              <a:ext uri="{FF2B5EF4-FFF2-40B4-BE49-F238E27FC236}">
+                <a16:creationId xmlns:a16="http://schemas.microsoft.com/office/drawing/2014/main" id="{518E19C0-1BEB-4C70-A783-D32BB00C9568}"/>
+              </a:ext>
+            </a:extLst>
+          </p:cNvPr>
+          <p:cNvSpPr/>
+          <p:nvPr/>
+        </p:nvSpPr>
+        <p:spPr>
+          <a:xfrm>
+            <a:off x="7201870" y="5244179"/>
+            <a:ext cx="1229619" cy="215678"/>
+          </a:xfrm>
+          <a:prstGeom prst="roundRect">
+            <a:avLst/>
+          </a:prstGeom>
+          <a:noFill/>
+          <a:ln w="38100">
+            <a:solidFill>
+              <a:srgbClr val="FFC000"/>
+            </a:solidFill>
+          </a:ln>
+        </p:spPr>
+        <p:style>
+          <a:lnRef idx="2">
+            <a:schemeClr val="accent1">
+              <a:shade val="50000"/>
+            </a:schemeClr>
+          </a:lnRef>
+          <a:fillRef idx="1">
+            <a:schemeClr val="accent1"/>
+          </a:fillRef>
+          <a:effectRef idx="0">
+            <a:schemeClr val="accent1"/>
+          </a:effectRef>
+          <a:fontRef idx="minor">
+            <a:schemeClr val="lt1"/>
+          </a:fontRef>
+        </p:style>
+        <p:txBody>
+          <a:bodyPr rtlCol="0" anchor="ctr"/>
+          <a:lstStyle/>
+          <a:p>
+            <a:pPr algn="ctr"/>
+            <a:endParaRPr lang="pt-PT" dirty="0"/>
+          </a:p>
+        </p:txBody>
+      </p:sp>
+      <p:sp>
+        <p:nvSpPr>
+          <p:cNvPr id="62" name="Retângulo: Cantos Arredondados 61">
+            <a:extLst>
+              <a:ext uri="{FF2B5EF4-FFF2-40B4-BE49-F238E27FC236}">
+                <a16:creationId xmlns:a16="http://schemas.microsoft.com/office/drawing/2014/main" id="{5249DAB9-C0EA-471F-B628-E30E97C5B562}"/>
+              </a:ext>
+            </a:extLst>
+          </p:cNvPr>
+          <p:cNvSpPr/>
+          <p:nvPr/>
+        </p:nvSpPr>
+        <p:spPr>
+          <a:xfrm>
+            <a:off x="7207086" y="5670306"/>
+            <a:ext cx="1229619" cy="159799"/>
+          </a:xfrm>
+          <a:prstGeom prst="roundRect">
+            <a:avLst/>
+          </a:prstGeom>
+          <a:noFill/>
+          <a:ln w="38100">
+            <a:solidFill>
+              <a:srgbClr val="FFC000"/>
+            </a:solidFill>
+          </a:ln>
+        </p:spPr>
+        <p:style>
+          <a:lnRef idx="2">
+            <a:schemeClr val="accent1">
+              <a:shade val="50000"/>
+            </a:schemeClr>
+          </a:lnRef>
+          <a:fillRef idx="1">
+            <a:schemeClr val="accent1"/>
+          </a:fillRef>
+          <a:effectRef idx="0">
+            <a:schemeClr val="accent1"/>
+          </a:effectRef>
+          <a:fontRef idx="minor">
+            <a:schemeClr val="lt1"/>
+          </a:fontRef>
+        </p:style>
+        <p:txBody>
+          <a:bodyPr rtlCol="0" anchor="ctr"/>
+          <a:lstStyle/>
+          <a:p>
+            <a:pPr algn="ctr"/>
+            <a:endParaRPr lang="pt-PT" dirty="0"/>
+          </a:p>
+        </p:txBody>
+      </p:sp>
+      <p:sp>
+        <p:nvSpPr>
+          <p:cNvPr id="63" name="Retângulo: Cantos Arredondados 62">
+            <a:extLst>
+              <a:ext uri="{FF2B5EF4-FFF2-40B4-BE49-F238E27FC236}">
+                <a16:creationId xmlns:a16="http://schemas.microsoft.com/office/drawing/2014/main" id="{7F86C996-E6A0-408F-8FFB-29A7CA272B1E}"/>
+              </a:ext>
+            </a:extLst>
+          </p:cNvPr>
+          <p:cNvSpPr/>
+          <p:nvPr/>
+        </p:nvSpPr>
+        <p:spPr>
+          <a:xfrm>
+            <a:off x="7201870" y="5454628"/>
+            <a:ext cx="1229619" cy="215678"/>
+          </a:xfrm>
+          <a:prstGeom prst="roundRect">
+            <a:avLst/>
+          </a:prstGeom>
+          <a:noFill/>
+          <a:ln w="38100">
+            <a:solidFill>
+              <a:srgbClr val="FFC000"/>
+            </a:solidFill>
+          </a:ln>
+        </p:spPr>
+        <p:style>
+          <a:lnRef idx="2">
+            <a:schemeClr val="accent1">
+              <a:shade val="50000"/>
+            </a:schemeClr>
+          </a:lnRef>
+          <a:fillRef idx="1">
+            <a:schemeClr val="accent1"/>
+          </a:fillRef>
+          <a:effectRef idx="0">
+            <a:schemeClr val="accent1"/>
+          </a:effectRef>
+          <a:fontRef idx="minor">
+            <a:schemeClr val="lt1"/>
+          </a:fontRef>
+        </p:style>
+        <p:txBody>
+          <a:bodyPr rtlCol="0" anchor="ctr"/>
+          <a:lstStyle/>
+          <a:p>
+            <a:pPr algn="ctr"/>
+            <a:endParaRPr lang="pt-PT" dirty="0"/>
           </a:p>
         </p:txBody>
       </p:sp>
       <p:cxnSp>
         <p:nvCxnSpPr>
-          <p:cNvPr id="41" name="Conexão: Ângulo Reto 40">
-            <a:extLst>
-              <a:ext uri="{FF2B5EF4-FFF2-40B4-BE49-F238E27FC236}">
-                <a16:creationId xmlns:a16="http://schemas.microsoft.com/office/drawing/2014/main" id="{EEEDD055-C0F4-4970-ACA1-5A9D31C3375F}"/>
+          <p:cNvPr id="52" name="Conexão: Curva 51">
+            <a:extLst>
+              <a:ext uri="{FF2B5EF4-FFF2-40B4-BE49-F238E27FC236}">
+                <a16:creationId xmlns:a16="http://schemas.microsoft.com/office/drawing/2014/main" id="{4F0F27EF-6BB5-4C0E-BE4D-D8FA19E718B7}"/>
               </a:ext>
             </a:extLst>
           </p:cNvPr>
           <p:cNvCxnSpPr>
             <a:cxnSpLocks/>
+            <a:stCxn id="50" idx="1"/>
+            <a:endCxn id="64" idx="2"/>
           </p:cNvCxnSpPr>
           <p:nvPr/>
         </p:nvCxnSpPr>
         <p:spPr>
-          <a:xfrm>
-            <a:off x="6475228" y="2849526"/>
-            <a:ext cx="0" cy="1155447"/>
+          <a:xfrm rot="10800000">
+            <a:off x="1351427" y="4698963"/>
+            <a:ext cx="1054422" cy="801288"/>
           </a:xfrm>
-          <a:prstGeom prst="straightConnector1">
+          <a:prstGeom prst="curvedConnector2">
             <a:avLst/>
           </a:prstGeom>
           <a:ln w="38100">
+            <a:solidFill>
+              <a:srgbClr val="FFC000"/>
+            </a:solidFill>
             <a:tailEnd type="triangle"/>
           </a:ln>
         </p:spPr>
@@ -5142,226 +5434,154 @@
           </a:fontRef>
         </p:style>
       </p:cxnSp>
-      <p:pic>
-        <p:nvPicPr>
-          <p:cNvPr id="4" name="Imagem 3" descr="Uma imagem com texto&#10;&#10;Descrição gerada automaticamente">
-            <a:extLst>
-              <a:ext uri="{FF2B5EF4-FFF2-40B4-BE49-F238E27FC236}">
-                <a16:creationId xmlns:a16="http://schemas.microsoft.com/office/drawing/2014/main" id="{2EBE558A-A9F3-4F18-A69B-14CAEB4376A3}"/>
-              </a:ext>
-            </a:extLst>
-          </p:cNvPr>
-          <p:cNvPicPr>
-            <a:picLocks noChangeAspect="1"/>
-          </p:cNvPicPr>
+      <p:cxnSp>
+        <p:nvCxnSpPr>
+          <p:cNvPr id="54" name="Conexão: Curva 53">
+            <a:extLst>
+              <a:ext uri="{FF2B5EF4-FFF2-40B4-BE49-F238E27FC236}">
+                <a16:creationId xmlns:a16="http://schemas.microsoft.com/office/drawing/2014/main" id="{6C7B4ADF-84A6-4904-8FBC-5ACE2E87DA48}"/>
+              </a:ext>
+            </a:extLst>
+          </p:cNvPr>
+          <p:cNvCxnSpPr>
+            <a:cxnSpLocks/>
+            <a:stCxn id="61" idx="3"/>
+            <a:endCxn id="76" idx="2"/>
+          </p:cNvCxnSpPr>
           <p:nvPr/>
-        </p:nvPicPr>
-        <p:blipFill>
-          <a:blip r:embed="rId5">
-            <a:extLst>
-              <a:ext uri="{28A0092B-C50C-407E-A947-70E740481C1C}">
-                <a14:useLocalDpi xmlns:a14="http://schemas.microsoft.com/office/drawing/2010/main" val="0"/>
-              </a:ext>
-            </a:extLst>
-          </a:blip>
-          <a:stretch>
-            <a:fillRect/>
-          </a:stretch>
-        </p:blipFill>
+        </p:nvCxnSpPr>
+        <p:spPr>
+          <a:xfrm flipV="1">
+            <a:off x="8431489" y="4126300"/>
+            <a:ext cx="1349342" cy="1225718"/>
+          </a:xfrm>
+          <a:prstGeom prst="curvedConnector2">
+            <a:avLst/>
+          </a:prstGeom>
+          <a:ln w="57150">
+            <a:solidFill>
+              <a:srgbClr val="FFC000"/>
+            </a:solidFill>
+            <a:tailEnd type="triangle"/>
+          </a:ln>
+        </p:spPr>
+        <p:style>
+          <a:lnRef idx="1">
+            <a:schemeClr val="accent1"/>
+          </a:lnRef>
+          <a:fillRef idx="0">
+            <a:schemeClr val="accent1"/>
+          </a:fillRef>
+          <a:effectRef idx="0">
+            <a:schemeClr val="accent1"/>
+          </a:effectRef>
+          <a:fontRef idx="minor">
+            <a:schemeClr val="tx1"/>
+          </a:fontRef>
+        </p:style>
+      </p:cxnSp>
+      <p:cxnSp>
+        <p:nvCxnSpPr>
+          <p:cNvPr id="57" name="Conexão: Curva 56">
+            <a:extLst>
+              <a:ext uri="{FF2B5EF4-FFF2-40B4-BE49-F238E27FC236}">
+                <a16:creationId xmlns:a16="http://schemas.microsoft.com/office/drawing/2014/main" id="{D95FADF3-8856-4956-835B-8EFF4D88A81B}"/>
+              </a:ext>
+            </a:extLst>
+          </p:cNvPr>
+          <p:cNvCxnSpPr>
+            <a:cxnSpLocks/>
+            <a:stCxn id="63" idx="1"/>
+            <a:endCxn id="81" idx="3"/>
+          </p:cNvCxnSpPr>
+          <p:nvPr/>
+        </p:nvCxnSpPr>
+        <p:spPr>
+          <a:xfrm rot="10800000">
+            <a:off x="6786490" y="5257217"/>
+            <a:ext cx="415381" cy="305251"/>
+          </a:xfrm>
+          <a:prstGeom prst="curvedConnector3">
+            <a:avLst>
+              <a:gd name="adj1" fmla="val 50000"/>
+            </a:avLst>
+          </a:prstGeom>
+          <a:ln w="38100">
+            <a:solidFill>
+              <a:srgbClr val="FFC000"/>
+            </a:solidFill>
+            <a:tailEnd type="triangle"/>
+          </a:ln>
+        </p:spPr>
+        <p:style>
+          <a:lnRef idx="1">
+            <a:schemeClr val="accent1"/>
+          </a:lnRef>
+          <a:fillRef idx="0">
+            <a:schemeClr val="accent1"/>
+          </a:fillRef>
+          <a:effectRef idx="0">
+            <a:schemeClr val="accent1"/>
+          </a:effectRef>
+          <a:fontRef idx="minor">
+            <a:schemeClr val="tx1"/>
+          </a:fontRef>
+        </p:style>
+      </p:cxnSp>
+      <p:cxnSp>
+        <p:nvCxnSpPr>
+          <p:cNvPr id="60" name="Conexão: Curva 59">
+            <a:extLst>
+              <a:ext uri="{FF2B5EF4-FFF2-40B4-BE49-F238E27FC236}">
+                <a16:creationId xmlns:a16="http://schemas.microsoft.com/office/drawing/2014/main" id="{D6059466-61B8-4965-BC5C-A74901C9C8D4}"/>
+              </a:ext>
+            </a:extLst>
+          </p:cNvPr>
+          <p:cNvCxnSpPr>
+            <a:cxnSpLocks/>
+            <a:stCxn id="62" idx="3"/>
+            <a:endCxn id="74" idx="1"/>
+          </p:cNvCxnSpPr>
+          <p:nvPr/>
+        </p:nvCxnSpPr>
         <p:spPr>
           <a:xfrm>
-            <a:off x="2813955" y="3232697"/>
-            <a:ext cx="2004234" cy="2392887"/>
+            <a:off x="8436705" y="5750206"/>
+            <a:ext cx="847228" cy="162832"/>
           </a:xfrm>
-          <a:prstGeom prst="rect">
-            <a:avLst/>
+          <a:prstGeom prst="curvedConnector3">
+            <a:avLst>
+              <a:gd name="adj1" fmla="val 50000"/>
+            </a:avLst>
           </a:prstGeom>
+          <a:ln w="38100">
+            <a:solidFill>
+              <a:srgbClr val="FFC000"/>
+            </a:solidFill>
+            <a:tailEnd type="triangle"/>
+          </a:ln>
         </p:spPr>
-      </p:pic>
-      <p:pic>
-        <p:nvPicPr>
-          <p:cNvPr id="6" name="Imagem 5" descr="Uma imagem com texto&#10;&#10;Descrição gerada automaticamente">
-            <a:extLst>
-              <a:ext uri="{FF2B5EF4-FFF2-40B4-BE49-F238E27FC236}">
-                <a16:creationId xmlns:a16="http://schemas.microsoft.com/office/drawing/2014/main" id="{A26AD443-B548-4E35-ABC1-E31CEFFC45F0}"/>
-              </a:ext>
-            </a:extLst>
-          </p:cNvPr>
-          <p:cNvPicPr>
-            <a:picLocks noChangeAspect="1"/>
-          </p:cNvPicPr>
-          <p:nvPr/>
-        </p:nvPicPr>
-        <p:blipFill>
-          <a:blip r:embed="rId6">
-            <a:extLst>
-              <a:ext uri="{28A0092B-C50C-407E-A947-70E740481C1C}">
-                <a14:useLocalDpi xmlns:a14="http://schemas.microsoft.com/office/drawing/2010/main" val="0"/>
-              </a:ext>
-            </a:extLst>
-          </a:blip>
-          <a:stretch>
-            <a:fillRect/>
-          </a:stretch>
-        </p:blipFill>
-        <p:spPr>
-          <a:xfrm>
-            <a:off x="10477342" y="3232697"/>
-            <a:ext cx="1459360" cy="1837493"/>
-          </a:xfrm>
-          <a:prstGeom prst="rect">
-            <a:avLst/>
-          </a:prstGeom>
-        </p:spPr>
-      </p:pic>
-      <p:pic>
-        <p:nvPicPr>
-          <p:cNvPr id="9" name="Imagem 8" descr="Uma imagem com texto&#10;&#10;Descrição gerada automaticamente">
-            <a:extLst>
-              <a:ext uri="{FF2B5EF4-FFF2-40B4-BE49-F238E27FC236}">
-                <a16:creationId xmlns:a16="http://schemas.microsoft.com/office/drawing/2014/main" id="{9F618556-372B-4F8D-A31C-832DAA53E994}"/>
-              </a:ext>
-            </a:extLst>
-          </p:cNvPr>
-          <p:cNvPicPr>
-            <a:picLocks noChangeAspect="1"/>
-          </p:cNvPicPr>
-          <p:nvPr/>
-        </p:nvPicPr>
-        <p:blipFill>
-          <a:blip r:embed="rId7">
-            <a:extLst>
-              <a:ext uri="{28A0092B-C50C-407E-A947-70E740481C1C}">
-                <a14:useLocalDpi xmlns:a14="http://schemas.microsoft.com/office/drawing/2010/main" val="0"/>
-              </a:ext>
-            </a:extLst>
-          </a:blip>
-          <a:stretch>
-            <a:fillRect/>
-          </a:stretch>
-        </p:blipFill>
-        <p:spPr>
-          <a:xfrm>
-            <a:off x="5670681" y="4022851"/>
-            <a:ext cx="1686385" cy="2316065"/>
-          </a:xfrm>
-          <a:prstGeom prst="rect">
-            <a:avLst/>
-          </a:prstGeom>
-        </p:spPr>
-      </p:pic>
-      <p:grpSp>
-        <p:nvGrpSpPr>
-          <p:cNvPr id="46" name="Agrupar 45">
-            <a:extLst>
-              <a:ext uri="{FF2B5EF4-FFF2-40B4-BE49-F238E27FC236}">
-                <a16:creationId xmlns:a16="http://schemas.microsoft.com/office/drawing/2014/main" id="{7CE4E5AE-00FA-44E0-9440-2E8046385397}"/>
-              </a:ext>
-            </a:extLst>
-          </p:cNvPr>
-          <p:cNvGrpSpPr/>
-          <p:nvPr/>
-        </p:nvGrpSpPr>
-        <p:grpSpPr>
-          <a:xfrm>
-            <a:off x="7068946" y="6291048"/>
-            <a:ext cx="413075" cy="369705"/>
-            <a:chOff x="510203" y="599076"/>
-            <a:chExt cx="413075" cy="369705"/>
-          </a:xfrm>
-        </p:grpSpPr>
-        <p:sp>
-          <p:nvSpPr>
-            <p:cNvPr id="48" name="Oval 47">
-              <a:extLst>
-                <a:ext uri="{FF2B5EF4-FFF2-40B4-BE49-F238E27FC236}">
-                  <a16:creationId xmlns:a16="http://schemas.microsoft.com/office/drawing/2014/main" id="{702F8281-CB39-423F-8775-F2B88CC307EB}"/>
-                </a:ext>
-              </a:extLst>
-            </p:cNvPr>
-            <p:cNvSpPr/>
-            <p:nvPr/>
-          </p:nvSpPr>
-          <p:spPr>
-            <a:xfrm>
-              <a:off x="510203" y="599076"/>
-              <a:ext cx="413075" cy="369332"/>
-            </a:xfrm>
-            <a:prstGeom prst="ellipse">
-              <a:avLst/>
-            </a:prstGeom>
-          </p:spPr>
-          <p:style>
-            <a:lnRef idx="2">
-              <a:schemeClr val="accent1">
-                <a:shade val="50000"/>
-              </a:schemeClr>
-            </a:lnRef>
-            <a:fillRef idx="1">
-              <a:schemeClr val="accent1"/>
-            </a:fillRef>
-            <a:effectRef idx="0">
-              <a:schemeClr val="accent1"/>
-            </a:effectRef>
-            <a:fontRef idx="minor">
-              <a:schemeClr val="lt1"/>
-            </a:fontRef>
-          </p:style>
-          <p:txBody>
-            <a:bodyPr rtlCol="0" anchor="ctr"/>
-            <a:lstStyle/>
-            <a:p>
-              <a:pPr algn="ctr"/>
-              <a:endParaRPr lang="pt-PT"/>
-            </a:p>
-          </p:txBody>
-        </p:sp>
-        <p:sp>
-          <p:nvSpPr>
-            <p:cNvPr id="49" name="CaixaDeTexto 48">
-              <a:extLst>
-                <a:ext uri="{FF2B5EF4-FFF2-40B4-BE49-F238E27FC236}">
-                  <a16:creationId xmlns:a16="http://schemas.microsoft.com/office/drawing/2014/main" id="{F1A5DD42-B7E5-4A55-8296-24B688D036FA}"/>
-                </a:ext>
-              </a:extLst>
-            </p:cNvPr>
-            <p:cNvSpPr txBox="1"/>
-            <p:nvPr/>
-          </p:nvSpPr>
-          <p:spPr>
-            <a:xfrm>
-              <a:off x="572224" y="599449"/>
-              <a:ext cx="274523" cy="369332"/>
-            </a:xfrm>
-            <a:prstGeom prst="rect">
-              <a:avLst/>
-            </a:prstGeom>
-            <a:noFill/>
-          </p:spPr>
-          <p:txBody>
-            <a:bodyPr wrap="square" rtlCol="0">
-              <a:spAutoFit/>
-            </a:bodyPr>
-            <a:lstStyle/>
-            <a:p>
-              <a:r>
-                <a:rPr lang="pt-PT" b="1" dirty="0">
-                  <a:solidFill>
-                    <a:schemeClr val="bg1"/>
-                  </a:solidFill>
-                </a:rPr>
-                <a:t>8</a:t>
-              </a:r>
-            </a:p>
-          </p:txBody>
-        </p:sp>
-      </p:grpSp>
+        <p:style>
+          <a:lnRef idx="1">
+            <a:schemeClr val="accent1"/>
+          </a:lnRef>
+          <a:fillRef idx="0">
+            <a:schemeClr val="accent1"/>
+          </a:fillRef>
+          <a:effectRef idx="0">
+            <a:schemeClr val="accent1"/>
+          </a:effectRef>
+          <a:fontRef idx="minor">
+            <a:schemeClr val="tx1"/>
+          </a:fontRef>
+        </p:style>
+      </p:cxnSp>
       <p:sp>
         <p:nvSpPr>
-          <p:cNvPr id="29" name="CaixaDeTexto 28">
-            <a:extLst>
-              <a:ext uri="{FF2B5EF4-FFF2-40B4-BE49-F238E27FC236}">
-                <a16:creationId xmlns:a16="http://schemas.microsoft.com/office/drawing/2014/main" id="{582DD70B-E3A9-4A45-8509-6602C7B0F932}"/>
+          <p:cNvPr id="64" name="CaixaDeTexto 63">
+            <a:extLst>
+              <a:ext uri="{FF2B5EF4-FFF2-40B4-BE49-F238E27FC236}">
+                <a16:creationId xmlns:a16="http://schemas.microsoft.com/office/drawing/2014/main" id="{0987E646-DE1C-40B8-AF79-941EB6986571}"/>
               </a:ext>
             </a:extLst>
           </p:cNvPr>
@@ -5370,8 +5590,212 @@
         </p:nvSpPr>
         <p:spPr>
           <a:xfrm>
-            <a:off x="897226" y="3880269"/>
-            <a:ext cx="425820" cy="369332"/>
+            <a:off x="559802" y="3867966"/>
+            <a:ext cx="1583249" cy="830997"/>
+          </a:xfrm>
+          <a:prstGeom prst="rect">
+            <a:avLst/>
+          </a:prstGeom>
+          <a:noFill/>
+          <a:ln>
+            <a:solidFill>
+              <a:schemeClr val="tx1"/>
+            </a:solidFill>
+            <a:prstDash val="lgDash"/>
+          </a:ln>
+        </p:spPr>
+        <p:txBody>
+          <a:bodyPr wrap="square" rtlCol="0">
+            <a:spAutoFit/>
+          </a:bodyPr>
+          <a:lstStyle/>
+          <a:p>
+            <a:r>
+              <a:rPr lang="pt-PT" sz="1200" dirty="0"/>
+              <a:t>Opção para os </a:t>
+            </a:r>
+            <a:r>
+              <a:rPr lang="pt-PT" sz="1200" i="1" dirty="0" err="1"/>
+              <a:t>streamers</a:t>
+            </a:r>
+            <a:r>
+              <a:rPr lang="pt-PT" sz="1200" dirty="0"/>
+              <a:t> venderem produtos através da plataforma</a:t>
+            </a:r>
+          </a:p>
+        </p:txBody>
+      </p:sp>
+      <p:sp>
+        <p:nvSpPr>
+          <p:cNvPr id="74" name="CaixaDeTexto 73">
+            <a:extLst>
+              <a:ext uri="{FF2B5EF4-FFF2-40B4-BE49-F238E27FC236}">
+                <a16:creationId xmlns:a16="http://schemas.microsoft.com/office/drawing/2014/main" id="{44681A8B-F672-402C-B487-19556880EC3D}"/>
+              </a:ext>
+            </a:extLst>
+          </p:cNvPr>
+          <p:cNvSpPr txBox="1"/>
+          <p:nvPr/>
+        </p:nvSpPr>
+        <p:spPr>
+          <a:xfrm>
+            <a:off x="9283933" y="5497539"/>
+            <a:ext cx="1239934" cy="830997"/>
+          </a:xfrm>
+          <a:prstGeom prst="rect">
+            <a:avLst/>
+          </a:prstGeom>
+          <a:noFill/>
+          <a:ln>
+            <a:solidFill>
+              <a:schemeClr val="tx1"/>
+            </a:solidFill>
+            <a:prstDash val="lgDash"/>
+          </a:ln>
+        </p:spPr>
+        <p:txBody>
+          <a:bodyPr wrap="square" rtlCol="0">
+            <a:spAutoFit/>
+          </a:bodyPr>
+          <a:lstStyle/>
+          <a:p>
+            <a:r>
+              <a:rPr lang="pt-PT" sz="1200" dirty="0"/>
+              <a:t>Os </a:t>
+            </a:r>
+            <a:r>
+              <a:rPr lang="pt-PT" sz="1200" i="1" dirty="0" err="1"/>
+              <a:t>viewers</a:t>
+            </a:r>
+            <a:r>
+              <a:rPr lang="pt-PT" sz="1200" dirty="0"/>
+              <a:t> podem agora fazer donativos aos </a:t>
+            </a:r>
+            <a:r>
+              <a:rPr lang="pt-PT" sz="1200" i="1" dirty="0" err="1"/>
+              <a:t>streamers</a:t>
+            </a:r>
+            <a:r>
+              <a:rPr lang="pt-PT" sz="1200" dirty="0"/>
+              <a:t> </a:t>
+            </a:r>
+          </a:p>
+        </p:txBody>
+      </p:sp>
+      <p:sp>
+        <p:nvSpPr>
+          <p:cNvPr id="76" name="CaixaDeTexto 75">
+            <a:extLst>
+              <a:ext uri="{FF2B5EF4-FFF2-40B4-BE49-F238E27FC236}">
+                <a16:creationId xmlns:a16="http://schemas.microsoft.com/office/drawing/2014/main" id="{5B337616-028F-48D8-B8C2-E902ECFFB85A}"/>
+              </a:ext>
+            </a:extLst>
+          </p:cNvPr>
+          <p:cNvSpPr txBox="1"/>
+          <p:nvPr/>
+        </p:nvSpPr>
+        <p:spPr>
+          <a:xfrm>
+            <a:off x="9067814" y="3295303"/>
+            <a:ext cx="1426034" cy="830997"/>
+          </a:xfrm>
+          <a:prstGeom prst="rect">
+            <a:avLst/>
+          </a:prstGeom>
+          <a:noFill/>
+          <a:ln>
+            <a:solidFill>
+              <a:schemeClr val="tx1"/>
+            </a:solidFill>
+            <a:prstDash val="lgDash"/>
+          </a:ln>
+        </p:spPr>
+        <p:txBody>
+          <a:bodyPr wrap="square" rtlCol="0">
+            <a:spAutoFit/>
+          </a:bodyPr>
+          <a:lstStyle/>
+          <a:p>
+            <a:r>
+              <a:rPr lang="pt-PT" sz="1200" dirty="0"/>
+              <a:t>Opção para os </a:t>
+            </a:r>
+            <a:r>
+              <a:rPr lang="pt-PT" sz="1200" i="1" dirty="0" err="1"/>
+              <a:t>viewers</a:t>
+            </a:r>
+            <a:r>
+              <a:rPr lang="pt-PT" sz="1200" dirty="0"/>
+              <a:t> comprarem os produtos disponíveis</a:t>
+            </a:r>
+          </a:p>
+        </p:txBody>
+      </p:sp>
+      <p:sp>
+        <p:nvSpPr>
+          <p:cNvPr id="81" name="CaixaDeTexto 80">
+            <a:extLst>
+              <a:ext uri="{FF2B5EF4-FFF2-40B4-BE49-F238E27FC236}">
+                <a16:creationId xmlns:a16="http://schemas.microsoft.com/office/drawing/2014/main" id="{9E3304F4-6DE9-40AD-9EC6-74B71009E42D}"/>
+              </a:ext>
+            </a:extLst>
+          </p:cNvPr>
+          <p:cNvSpPr txBox="1"/>
+          <p:nvPr/>
+        </p:nvSpPr>
+        <p:spPr>
+          <a:xfrm>
+            <a:off x="5746061" y="4564718"/>
+            <a:ext cx="1040428" cy="1384995"/>
+          </a:xfrm>
+          <a:prstGeom prst="rect">
+            <a:avLst/>
+          </a:prstGeom>
+          <a:noFill/>
+          <a:ln>
+            <a:solidFill>
+              <a:schemeClr val="tx1"/>
+            </a:solidFill>
+            <a:prstDash val="lgDash"/>
+          </a:ln>
+        </p:spPr>
+        <p:txBody>
+          <a:bodyPr wrap="square" rtlCol="0">
+            <a:spAutoFit/>
+          </a:bodyPr>
+          <a:lstStyle/>
+          <a:p>
+            <a:r>
+              <a:rPr lang="pt-PT" sz="1200" dirty="0"/>
+              <a:t>Os </a:t>
+            </a:r>
+            <a:r>
+              <a:rPr lang="pt-PT" sz="1200" i="1" dirty="0" err="1"/>
+              <a:t>viewers</a:t>
+            </a:r>
+            <a:r>
+              <a:rPr lang="pt-PT" sz="1200" dirty="0"/>
+              <a:t> podem também cancelar a sua compra a qualquer momento</a:t>
+            </a:r>
+          </a:p>
+        </p:txBody>
+      </p:sp>
+      <p:sp>
+        <p:nvSpPr>
+          <p:cNvPr id="4" name="CaixaDeTexto 3">
+            <a:extLst>
+              <a:ext uri="{FF2B5EF4-FFF2-40B4-BE49-F238E27FC236}">
+                <a16:creationId xmlns:a16="http://schemas.microsoft.com/office/drawing/2014/main" id="{C7E412F6-E6BE-47BD-B2FF-FD8B202684BF}"/>
+              </a:ext>
+            </a:extLst>
+          </p:cNvPr>
+          <p:cNvSpPr txBox="1"/>
+          <p:nvPr/>
+        </p:nvSpPr>
+        <p:spPr>
+          <a:xfrm>
+            <a:off x="9000864" y="2108602"/>
+            <a:ext cx="2760842" cy="954107"/>
           </a:xfrm>
           <a:prstGeom prst="rect">
             <a:avLst/>
@@ -5385,164 +5809,24 @@
           <a:lstStyle/>
           <a:p>
             <a:r>
-              <a:rPr lang="pt-PT" dirty="0"/>
-              <a:t>*</a:t>
+              <a:rPr lang="pt-PT" sz="1400" b="1" dirty="0"/>
+              <a:t>Nota</a:t>
+            </a:r>
+            <a:r>
+              <a:rPr lang="pt-PT" sz="1400" dirty="0"/>
+              <a:t>: Certas listagens agora também mais eficientes na </a:t>
+            </a:r>
+            <a:r>
+              <a:rPr lang="pt-PT" sz="1400" i="1" dirty="0" err="1"/>
+              <a:t>framework</a:t>
+            </a:r>
+            <a:r>
+              <a:rPr lang="pt-PT" sz="1400" dirty="0"/>
+              <a:t> com o uso das novas estruturas de dados!</a:t>
             </a:r>
           </a:p>
         </p:txBody>
       </p:sp>
-      <p:sp>
-        <p:nvSpPr>
-          <p:cNvPr id="30" name="CaixaDeTexto 29">
-            <a:extLst>
-              <a:ext uri="{FF2B5EF4-FFF2-40B4-BE49-F238E27FC236}">
-                <a16:creationId xmlns:a16="http://schemas.microsoft.com/office/drawing/2014/main" id="{71473274-FC68-4965-8DC3-85B32D8783D9}"/>
-              </a:ext>
-            </a:extLst>
-          </p:cNvPr>
-          <p:cNvSpPr txBox="1"/>
-          <p:nvPr/>
-        </p:nvSpPr>
-        <p:spPr>
-          <a:xfrm>
-            <a:off x="7806721" y="3774717"/>
-            <a:ext cx="425820" cy="369332"/>
-          </a:xfrm>
-          <a:prstGeom prst="rect">
-            <a:avLst/>
-          </a:prstGeom>
-          <a:noFill/>
-        </p:spPr>
-        <p:txBody>
-          <a:bodyPr wrap="square" rtlCol="0">
-            <a:spAutoFit/>
-          </a:bodyPr>
-          <a:lstStyle/>
-          <a:p>
-            <a:r>
-              <a:rPr lang="pt-PT" dirty="0"/>
-              <a:t>*</a:t>
-            </a:r>
-          </a:p>
-        </p:txBody>
-      </p:sp>
-      <p:pic>
-        <p:nvPicPr>
-          <p:cNvPr id="25" name="Gráfico 24" descr="Distintivo 8">
-            <a:extLst>
-              <a:ext uri="{FF2B5EF4-FFF2-40B4-BE49-F238E27FC236}">
-                <a16:creationId xmlns:a16="http://schemas.microsoft.com/office/drawing/2014/main" id="{D81F15B9-E425-4181-9010-59D8FA948AA7}"/>
-              </a:ext>
-            </a:extLst>
-          </p:cNvPr>
-          <p:cNvPicPr>
-            <a:picLocks noChangeAspect="1"/>
-          </p:cNvPicPr>
-          <p:nvPr/>
-        </p:nvPicPr>
-        <p:blipFill>
-          <a:blip r:embed="rId8">
-            <a:extLst>
-              <a:ext uri="{28A0092B-C50C-407E-A947-70E740481C1C}">
-                <a14:useLocalDpi xmlns:a14="http://schemas.microsoft.com/office/drawing/2010/main" val="0"/>
-              </a:ext>
-              <a:ext uri="{96DAC541-7B7A-43D3-8B79-37D633B846F1}">
-                <asvg:svgBlip xmlns:asvg="http://schemas.microsoft.com/office/drawing/2016/SVG/main" r:embed="rId9"/>
-              </a:ext>
-            </a:extLst>
-          </a:blip>
-          <a:stretch>
-            <a:fillRect/>
-          </a:stretch>
-        </p:blipFill>
-        <p:spPr>
-          <a:xfrm>
-            <a:off x="903668" y="2090365"/>
-            <a:ext cx="213681" cy="213681"/>
-          </a:xfrm>
-          <a:prstGeom prst="rect">
-            <a:avLst/>
-          </a:prstGeom>
-        </p:spPr>
-      </p:pic>
-      <p:pic>
-        <p:nvPicPr>
-          <p:cNvPr id="26" name="Gráfico 25" descr="Distintivo 6">
-            <a:extLst>
-              <a:ext uri="{FF2B5EF4-FFF2-40B4-BE49-F238E27FC236}">
-                <a16:creationId xmlns:a16="http://schemas.microsoft.com/office/drawing/2014/main" id="{1A0E01C5-6443-45AC-A81A-5C1FBD84A3DA}"/>
-              </a:ext>
-            </a:extLst>
-          </p:cNvPr>
-          <p:cNvPicPr>
-            <a:picLocks noChangeAspect="1"/>
-          </p:cNvPicPr>
-          <p:nvPr/>
-        </p:nvPicPr>
-        <p:blipFill>
-          <a:blip r:embed="rId10">
-            <a:extLst>
-              <a:ext uri="{28A0092B-C50C-407E-A947-70E740481C1C}">
-                <a14:useLocalDpi xmlns:a14="http://schemas.microsoft.com/office/drawing/2010/main" val="0"/>
-              </a:ext>
-              <a:ext uri="{96DAC541-7B7A-43D3-8B79-37D633B846F1}">
-                <asvg:svgBlip xmlns:asvg="http://schemas.microsoft.com/office/drawing/2016/SVG/main" r:embed="rId11"/>
-              </a:ext>
-            </a:extLst>
-          </a:blip>
-          <a:stretch>
-            <a:fillRect/>
-          </a:stretch>
-        </p:blipFill>
-        <p:spPr>
-          <a:xfrm>
-            <a:off x="903669" y="1666862"/>
-            <a:ext cx="213681" cy="213681"/>
-          </a:xfrm>
-          <a:prstGeom prst="rect">
-            <a:avLst/>
-          </a:prstGeom>
-        </p:spPr>
-      </p:pic>
-      <p:pic>
-        <p:nvPicPr>
-          <p:cNvPr id="28" name="Gráfico 27" descr="Distintivo 7">
-            <a:extLst>
-              <a:ext uri="{FF2B5EF4-FFF2-40B4-BE49-F238E27FC236}">
-                <a16:creationId xmlns:a16="http://schemas.microsoft.com/office/drawing/2014/main" id="{F11DDF94-37A0-48C2-998A-B7DFBB71B709}"/>
-              </a:ext>
-            </a:extLst>
-          </p:cNvPr>
-          <p:cNvPicPr>
-            <a:picLocks noChangeAspect="1"/>
-          </p:cNvPicPr>
-          <p:nvPr/>
-        </p:nvPicPr>
-        <p:blipFill>
-          <a:blip r:embed="rId12">
-            <a:extLst>
-              <a:ext uri="{28A0092B-C50C-407E-A947-70E740481C1C}">
-                <a14:useLocalDpi xmlns:a14="http://schemas.microsoft.com/office/drawing/2010/main" val="0"/>
-              </a:ext>
-              <a:ext uri="{96DAC541-7B7A-43D3-8B79-37D633B846F1}">
-                <asvg:svgBlip xmlns:asvg="http://schemas.microsoft.com/office/drawing/2016/SVG/main" r:embed="rId13"/>
-              </a:ext>
-            </a:extLst>
-          </a:blip>
-          <a:stretch>
-            <a:fillRect/>
-          </a:stretch>
-        </p:blipFill>
-        <p:spPr>
-          <a:xfrm>
-            <a:off x="903668" y="1880543"/>
-            <a:ext cx="213681" cy="213681"/>
-          </a:xfrm>
-          <a:prstGeom prst="rect">
-            <a:avLst/>
-          </a:prstGeom>
-        </p:spPr>
-      </p:pic>
     </p:spTree>
     <p:extLst>
       <p:ext uri="{BB962C8B-B14F-4D97-AF65-F5344CB8AC3E}">
@@ -6773,7 +7057,7 @@
               <a:rPr lang="pt-PT" sz="1300" dirty="0">
                 <a:ea typeface="Verdana" panose="020B0604030504040204" pitchFamily="34" charset="0"/>
               </a:rPr>
-              <a:t>, que permite o registo de utilizadores como streamers e </a:t>
+              <a:t> que permite o registo de utilizadores como streamers e </a:t>
             </a:r>
             <a:r>
               <a:rPr lang="pt-PT" sz="1300" i="1" dirty="0" err="1">
@@ -6938,7 +7222,7 @@
               <a:rPr lang="pt-PT" sz="1300" dirty="0">
                 <a:ea typeface="Verdana" panose="020B0604030504040204" pitchFamily="34" charset="0"/>
               </a:rPr>
-              <a:t>) ordenada pelo montante	 e, em caso de empate, pela avaliação dada;</a:t>
+              <a:t>) ordenada pelo montante e, em caso de empate, pela avaliação dada;</a:t>
             </a:r>
           </a:p>
           <a:p>
@@ -6951,7 +7235,7 @@
               <a:rPr lang="pt-PT" sz="1300" dirty="0">
                 <a:ea typeface="Verdana" panose="020B0604030504040204" pitchFamily="34" charset="0"/>
               </a:rPr>
-              <a:t>Possibilidade de listar os donativos de maior montante, num determinado intervalo numérico de avaliações especificado;</a:t>
+              <a:t>Possibilidade de listar os donativos de maior montante num determinado intervalo numérico de avaliações especificado;</a:t>
             </a:r>
           </a:p>
           <a:p>
@@ -7001,7 +7285,7 @@
               <a:rPr lang="pt-PT" sz="1300" dirty="0">
                 <a:ea typeface="Verdana" panose="020B0604030504040204" pitchFamily="34" charset="0"/>
               </a:rPr>
-              <a:t>O anterior mecanismo assenta na especificação dos pedidos de compra que são caracterizados pelo nome do </a:t>
+              <a:t>O anterior mecanismo assenta na especificação dos pedidos de compra, que são caracterizados pelo nome do </a:t>
             </a:r>
             <a:r>
               <a:rPr lang="pt-PT" sz="1300" dirty="0" err="1">
@@ -7805,7 +8089,7 @@
             </a:r>
             <a:r>
               <a:rPr lang="pt-PT" sz="1300" i="1" dirty="0"/>
-              <a:t> representativo das donações efetuadas através da plataforma</a:t>
+              <a:t> representativo dos donativos efetuadas através da plataforma</a:t>
             </a:r>
             <a:r>
               <a:rPr lang="pt-PT" sz="1300" dirty="0"/>
@@ -7954,7 +8238,7 @@
             </a:r>
             <a:r>
               <a:rPr lang="pt-PT" sz="1300" dirty="0"/>
-              <a:t>com os parâmetros de quantidade e de prioridade iguais; Esta restrição deve-se então  meramente ao facto de termos decidido cumprir a caracterização das </a:t>
+              <a:t>com os parâmetros de quantidade e de prioridade iguais. Esta restrição deve-se então  meramente ao facto de termos decidido cumprir a caracterização das </a:t>
             </a:r>
             <a:r>
               <a:rPr lang="pt-PT" sz="1300" dirty="0" err="1"/>
@@ -7962,7 +8246,7 @@
             </a:r>
             <a:r>
               <a:rPr lang="pt-PT" sz="1300" dirty="0"/>
-              <a:t> da forma que nos era pedida no enunciado.</a:t>
+              <a:t> da forma que nos era pedido no enunciado.</a:t>
             </a:r>
           </a:p>
         </p:txBody>
@@ -8467,45 +8751,95 @@
             </a:endParaRPr>
           </a:p>
           <a:p>
-            <a:pPr lvl="1" algn="just"/>
+            <a:r>
+              <a:rPr lang="pt-PT" sz="1600" dirty="0">
+                <a:solidFill>
+                  <a:schemeClr val="bg1"/>
+                </a:solidFill>
+              </a:rPr>
+              <a:t>Importar:</a:t>
+            </a:r>
+          </a:p>
+          <a:p>
+            <a:endParaRPr lang="pt-PT" sz="1600" dirty="0">
+              <a:solidFill>
+                <a:schemeClr val="bg1"/>
+              </a:solidFill>
+            </a:endParaRPr>
+          </a:p>
+          <a:p>
+            <a:endParaRPr lang="pt-PT" sz="1600" dirty="0">
+              <a:solidFill>
+                <a:schemeClr val="bg1"/>
+              </a:solidFill>
+            </a:endParaRPr>
+          </a:p>
+          <a:p>
             <a:r>
               <a:rPr lang="pt-PT" sz="1300" dirty="0">
                 <a:solidFill>
                   <a:schemeClr val="bg1"/>
                 </a:solidFill>
               </a:rPr>
-              <a:t>Para guardar os dados, é utilizada a função acima, que escreve num ficheiro (.txt) todos os objetos e atributos, usando uma certa formatação.</a:t>
-            </a:r>
-          </a:p>
-          <a:p>
-            <a:r>
-              <a:rPr lang="pt-PT" sz="1600" dirty="0">
+              <a:t>Para importar os dados, são utilizadas as mesmas funções. Uma delas um construtor da StreamZ, que abre um ficheiro (.</a:t>
+            </a:r>
+            <a:r>
+              <a:rPr lang="pt-PT" sz="1300" dirty="0" err="1">
                 <a:solidFill>
                   <a:schemeClr val="bg1"/>
                 </a:solidFill>
               </a:rPr>
-              <a:t>Importar:</a:t>
-            </a:r>
-          </a:p>
-          <a:p>
-            <a:pPr marL="0" indent="0">
-              <a:buNone/>
-            </a:pPr>
-            <a:endParaRPr lang="pt-PT" sz="2400" dirty="0">
-              <a:solidFill>
-                <a:schemeClr val="bg1"/>
-              </a:solidFill>
-            </a:endParaRPr>
-          </a:p>
-          <a:p>
-            <a:pPr lvl="1" algn="just"/>
+              <a:t>txt</a:t>
+            </a:r>
             <a:r>
               <a:rPr lang="pt-PT" sz="1300" dirty="0">
                 <a:solidFill>
                   <a:schemeClr val="bg1"/>
                 </a:solidFill>
               </a:rPr>
-              <a:t>Para importar os dados, é utilizado um dos construtores da StreamZ, que abre um ficheiro (.txt) e o lê, sabendo que se encontra pré formatado, e cria os objetos e atributos a partir do mesmo.</a:t>
+              <a:t>), importando-o na plataforma. A segunda é a função </a:t>
+            </a:r>
+            <a:r>
+              <a:rPr lang="pt-PT" sz="1300" i="1" dirty="0">
+                <a:solidFill>
+                  <a:schemeClr val="bg1"/>
+                </a:solidFill>
+              </a:rPr>
+              <a:t>save</a:t>
+            </a:r>
+            <a:r>
+              <a:rPr lang="pt-PT" sz="1300" dirty="0">
+                <a:solidFill>
+                  <a:schemeClr val="bg1"/>
+                </a:solidFill>
+              </a:rPr>
+              <a:t> que cria um ficheiro .</a:t>
+            </a:r>
+            <a:r>
+              <a:rPr lang="pt-PT" sz="1300" dirty="0" err="1">
+                <a:solidFill>
+                  <a:schemeClr val="bg1"/>
+                </a:solidFill>
+              </a:rPr>
+              <a:t>txt</a:t>
+            </a:r>
+            <a:r>
+              <a:rPr lang="pt-PT" sz="1300" dirty="0">
+                <a:solidFill>
+                  <a:schemeClr val="bg1"/>
+                </a:solidFill>
+              </a:rPr>
+              <a:t>, guardando toda a informação no mesmo;</a:t>
+            </a:r>
+          </a:p>
+          <a:p>
+            <a:r>
+              <a:rPr lang="pt-PT" sz="1300" dirty="0">
+                <a:solidFill>
+                  <a:schemeClr val="bg1"/>
+                </a:solidFill>
+              </a:rPr>
+              <a:t>Assim, as alterações efetuadas no âmbito da segunda parte do trabalho encontram-se sinalizadas no exemplo apresentado.</a:t>
             </a:r>
           </a:p>
           <a:p>
@@ -8737,7 +9071,7 @@
         </p:nvSpPr>
         <p:spPr bwMode="auto">
           <a:xfrm>
-            <a:off x="612650" y="4003949"/>
+            <a:off x="609602" y="3194500"/>
             <a:ext cx="3571240" cy="292388"/>
           </a:xfrm>
           <a:prstGeom prst="rect">
@@ -9147,10 +9481,10 @@
       </p:sp>
       <p:pic>
         <p:nvPicPr>
-          <p:cNvPr id="4" name="Imagem 3">
-            <a:extLst>
-              <a:ext uri="{FF2B5EF4-FFF2-40B4-BE49-F238E27FC236}">
-                <a16:creationId xmlns:a16="http://schemas.microsoft.com/office/drawing/2014/main" id="{10E1E845-A8EF-4309-9873-0747FCC83458}"/>
+          <p:cNvPr id="8" name="Imagem 7" descr="Uma imagem com texto&#10;&#10;Descrição gerada automaticamente">
+            <a:extLst>
+              <a:ext uri="{FF2B5EF4-FFF2-40B4-BE49-F238E27FC236}">
+                <a16:creationId xmlns:a16="http://schemas.microsoft.com/office/drawing/2014/main" id="{33260144-FEAC-4AD2-A7C1-CFFB3D8FC5B3}"/>
               </a:ext>
             </a:extLst>
           </p:cNvPr>
@@ -9173,14 +9507,626 @@
         </p:blipFill>
         <p:spPr>
           <a:xfrm>
-            <a:off x="5029237" y="2544300"/>
-            <a:ext cx="5724083" cy="3054779"/>
+            <a:off x="4969694" y="2469256"/>
+            <a:ext cx="6146890" cy="3293438"/>
           </a:xfrm>
           <a:prstGeom prst="rect">
             <a:avLst/>
           </a:prstGeom>
         </p:spPr>
       </p:pic>
+      <p:sp>
+        <p:nvSpPr>
+          <p:cNvPr id="11" name="Retângulo: Cantos Arredondados 10">
+            <a:extLst>
+              <a:ext uri="{FF2B5EF4-FFF2-40B4-BE49-F238E27FC236}">
+                <a16:creationId xmlns:a16="http://schemas.microsoft.com/office/drawing/2014/main" id="{198E515A-3D72-4C69-988A-76215D1B9135}"/>
+              </a:ext>
+            </a:extLst>
+          </p:cNvPr>
+          <p:cNvSpPr/>
+          <p:nvPr/>
+        </p:nvSpPr>
+        <p:spPr>
+          <a:xfrm>
+            <a:off x="4962326" y="2818586"/>
+            <a:ext cx="5941894" cy="244654"/>
+          </a:xfrm>
+          <a:prstGeom prst="roundRect">
+            <a:avLst/>
+          </a:prstGeom>
+          <a:noFill/>
+          <a:ln w="28575">
+            <a:solidFill>
+              <a:srgbClr val="FFC000"/>
+            </a:solidFill>
+          </a:ln>
+        </p:spPr>
+        <p:style>
+          <a:lnRef idx="2">
+            <a:schemeClr val="accent1">
+              <a:shade val="50000"/>
+            </a:schemeClr>
+          </a:lnRef>
+          <a:fillRef idx="1">
+            <a:schemeClr val="accent1"/>
+          </a:fillRef>
+          <a:effectRef idx="0">
+            <a:schemeClr val="accent1"/>
+          </a:effectRef>
+          <a:fontRef idx="minor">
+            <a:schemeClr val="lt1"/>
+          </a:fontRef>
+        </p:style>
+        <p:txBody>
+          <a:bodyPr rtlCol="0" anchor="ctr"/>
+          <a:lstStyle/>
+          <a:p>
+            <a:pPr algn="ctr"/>
+            <a:endParaRPr lang="pt-PT"/>
+          </a:p>
+        </p:txBody>
+      </p:sp>
+      <p:cxnSp>
+        <p:nvCxnSpPr>
+          <p:cNvPr id="15" name="Conexão: Curva 14">
+            <a:extLst>
+              <a:ext uri="{FF2B5EF4-FFF2-40B4-BE49-F238E27FC236}">
+                <a16:creationId xmlns:a16="http://schemas.microsoft.com/office/drawing/2014/main" id="{E0F54540-CB4F-48F7-86A8-CE25089909BA}"/>
+              </a:ext>
+            </a:extLst>
+          </p:cNvPr>
+          <p:cNvCxnSpPr>
+            <a:cxnSpLocks/>
+            <a:stCxn id="11" idx="0"/>
+            <a:endCxn id="17" idx="2"/>
+          </p:cNvCxnSpPr>
+          <p:nvPr/>
+        </p:nvCxnSpPr>
+        <p:spPr>
+          <a:xfrm rot="5400000" flipH="1" flipV="1">
+            <a:off x="7905551" y="2335096"/>
+            <a:ext cx="511212" cy="455769"/>
+          </a:xfrm>
+          <a:prstGeom prst="curvedConnector3">
+            <a:avLst>
+              <a:gd name="adj1" fmla="val 50000"/>
+            </a:avLst>
+          </a:prstGeom>
+          <a:ln w="19050">
+            <a:solidFill>
+              <a:srgbClr val="FFC000"/>
+            </a:solidFill>
+            <a:tailEnd type="triangle"/>
+          </a:ln>
+        </p:spPr>
+        <p:style>
+          <a:lnRef idx="1">
+            <a:schemeClr val="accent1"/>
+          </a:lnRef>
+          <a:fillRef idx="0">
+            <a:schemeClr val="accent1"/>
+          </a:fillRef>
+          <a:effectRef idx="0">
+            <a:schemeClr val="accent1"/>
+          </a:effectRef>
+          <a:fontRef idx="minor">
+            <a:schemeClr val="tx1"/>
+          </a:fontRef>
+        </p:style>
+      </p:cxnSp>
+      <p:sp>
+        <p:nvSpPr>
+          <p:cNvPr id="17" name="CaixaDeTexto 16">
+            <a:extLst>
+              <a:ext uri="{FF2B5EF4-FFF2-40B4-BE49-F238E27FC236}">
+                <a16:creationId xmlns:a16="http://schemas.microsoft.com/office/drawing/2014/main" id="{B12EFD78-50FA-497B-A01C-1C5CC357E9F2}"/>
+              </a:ext>
+            </a:extLst>
+          </p:cNvPr>
+          <p:cNvSpPr txBox="1"/>
+          <p:nvPr/>
+        </p:nvSpPr>
+        <p:spPr>
+          <a:xfrm>
+            <a:off x="7312117" y="1845709"/>
+            <a:ext cx="2153850" cy="461665"/>
+          </a:xfrm>
+          <a:prstGeom prst="rect">
+            <a:avLst/>
+          </a:prstGeom>
+          <a:noFill/>
+        </p:spPr>
+        <p:txBody>
+          <a:bodyPr wrap="square" rtlCol="0">
+            <a:spAutoFit/>
+          </a:bodyPr>
+          <a:lstStyle/>
+          <a:p>
+            <a:r>
+              <a:rPr lang="pt-PT" sz="1200" b="1" dirty="0">
+                <a:solidFill>
+                  <a:schemeClr val="bg1"/>
+                </a:solidFill>
+              </a:rPr>
+              <a:t>Donativos</a:t>
+            </a:r>
+            <a:r>
+              <a:rPr lang="pt-PT" sz="1200" dirty="0">
+                <a:solidFill>
+                  <a:schemeClr val="bg1"/>
+                </a:solidFill>
+              </a:rPr>
+              <a:t>: </a:t>
+            </a:r>
+            <a:r>
+              <a:rPr lang="pt-PT" sz="1200" i="1" dirty="0" err="1">
+                <a:solidFill>
+                  <a:schemeClr val="bg1"/>
+                </a:solidFill>
+              </a:rPr>
+              <a:t>streamer</a:t>
+            </a:r>
+            <a:r>
+              <a:rPr lang="pt-PT" sz="1200" dirty="0">
+                <a:solidFill>
+                  <a:schemeClr val="bg1"/>
+                </a:solidFill>
+              </a:rPr>
+              <a:t>, montante, avaliação</a:t>
+            </a:r>
+          </a:p>
+        </p:txBody>
+      </p:sp>
+      <p:sp>
+        <p:nvSpPr>
+          <p:cNvPr id="19" name="Retângulo: Cantos Arredondados 18">
+            <a:extLst>
+              <a:ext uri="{FF2B5EF4-FFF2-40B4-BE49-F238E27FC236}">
+                <a16:creationId xmlns:a16="http://schemas.microsoft.com/office/drawing/2014/main" id="{7A2F5AED-E385-4468-A984-1911E511C78A}"/>
+              </a:ext>
+            </a:extLst>
+          </p:cNvPr>
+          <p:cNvSpPr/>
+          <p:nvPr/>
+        </p:nvSpPr>
+        <p:spPr>
+          <a:xfrm>
+            <a:off x="4969694" y="3063240"/>
+            <a:ext cx="3554292" cy="103072"/>
+          </a:xfrm>
+          <a:prstGeom prst="roundRect">
+            <a:avLst/>
+          </a:prstGeom>
+          <a:noFill/>
+          <a:ln w="28575">
+            <a:solidFill>
+              <a:srgbClr val="00B0F0"/>
+            </a:solidFill>
+          </a:ln>
+        </p:spPr>
+        <p:style>
+          <a:lnRef idx="2">
+            <a:schemeClr val="accent1">
+              <a:shade val="50000"/>
+            </a:schemeClr>
+          </a:lnRef>
+          <a:fillRef idx="1">
+            <a:schemeClr val="accent1"/>
+          </a:fillRef>
+          <a:effectRef idx="0">
+            <a:schemeClr val="accent1"/>
+          </a:effectRef>
+          <a:fontRef idx="minor">
+            <a:schemeClr val="lt1"/>
+          </a:fontRef>
+        </p:style>
+        <p:txBody>
+          <a:bodyPr rtlCol="0" anchor="ctr"/>
+          <a:lstStyle/>
+          <a:p>
+            <a:pPr algn="ctr"/>
+            <a:endParaRPr lang="pt-PT"/>
+          </a:p>
+        </p:txBody>
+      </p:sp>
+      <p:cxnSp>
+        <p:nvCxnSpPr>
+          <p:cNvPr id="24" name="Conexão: Curva 23">
+            <a:extLst>
+              <a:ext uri="{FF2B5EF4-FFF2-40B4-BE49-F238E27FC236}">
+                <a16:creationId xmlns:a16="http://schemas.microsoft.com/office/drawing/2014/main" id="{20AC15FE-BB40-4F10-9624-43C0DF857132}"/>
+              </a:ext>
+            </a:extLst>
+          </p:cNvPr>
+          <p:cNvCxnSpPr>
+            <a:cxnSpLocks/>
+            <a:stCxn id="19" idx="3"/>
+            <a:endCxn id="28" idx="1"/>
+          </p:cNvCxnSpPr>
+          <p:nvPr/>
+        </p:nvCxnSpPr>
+        <p:spPr>
+          <a:xfrm flipV="1">
+            <a:off x="8523986" y="1854221"/>
+            <a:ext cx="461253" cy="1260555"/>
+          </a:xfrm>
+          <a:prstGeom prst="curvedConnector3">
+            <a:avLst>
+              <a:gd name="adj1" fmla="val 50000"/>
+            </a:avLst>
+          </a:prstGeom>
+          <a:ln w="19050">
+            <a:solidFill>
+              <a:srgbClr val="00B0F0"/>
+            </a:solidFill>
+            <a:tailEnd type="triangle"/>
+          </a:ln>
+        </p:spPr>
+        <p:style>
+          <a:lnRef idx="1">
+            <a:schemeClr val="accent1"/>
+          </a:lnRef>
+          <a:fillRef idx="0">
+            <a:schemeClr val="accent1"/>
+          </a:fillRef>
+          <a:effectRef idx="0">
+            <a:schemeClr val="accent1"/>
+          </a:effectRef>
+          <a:fontRef idx="minor">
+            <a:schemeClr val="tx1"/>
+          </a:fontRef>
+        </p:style>
+      </p:cxnSp>
+      <p:sp>
+        <p:nvSpPr>
+          <p:cNvPr id="28" name="CaixaDeTexto 27">
+            <a:extLst>
+              <a:ext uri="{FF2B5EF4-FFF2-40B4-BE49-F238E27FC236}">
+                <a16:creationId xmlns:a16="http://schemas.microsoft.com/office/drawing/2014/main" id="{305F18C3-F2C8-4F1C-901B-8198A19AC165}"/>
+              </a:ext>
+            </a:extLst>
+          </p:cNvPr>
+          <p:cNvSpPr txBox="1"/>
+          <p:nvPr/>
+        </p:nvSpPr>
+        <p:spPr>
+          <a:xfrm>
+            <a:off x="8985239" y="1715721"/>
+            <a:ext cx="2153850" cy="276999"/>
+          </a:xfrm>
+          <a:prstGeom prst="rect">
+            <a:avLst/>
+          </a:prstGeom>
+          <a:noFill/>
+        </p:spPr>
+        <p:txBody>
+          <a:bodyPr wrap="square" rtlCol="0">
+            <a:spAutoFit/>
+          </a:bodyPr>
+          <a:lstStyle/>
+          <a:p>
+            <a:r>
+              <a:rPr lang="pt-PT" sz="1200" b="1" dirty="0">
+                <a:solidFill>
+                  <a:schemeClr val="bg1"/>
+                </a:solidFill>
+              </a:rPr>
+              <a:t>Produtos</a:t>
+            </a:r>
+            <a:r>
+              <a:rPr lang="pt-PT" sz="1200" dirty="0">
+                <a:solidFill>
+                  <a:schemeClr val="bg1"/>
+                </a:solidFill>
+              </a:rPr>
+              <a:t>: preço, </a:t>
+            </a:r>
+            <a:r>
+              <a:rPr lang="pt-PT" sz="1200" i="1" dirty="0">
+                <a:solidFill>
+                  <a:schemeClr val="bg1"/>
+                </a:solidFill>
+              </a:rPr>
+              <a:t>stock</a:t>
+            </a:r>
+          </a:p>
+        </p:txBody>
+      </p:sp>
+      <p:sp>
+        <p:nvSpPr>
+          <p:cNvPr id="30" name="Retângulo: Cantos Arredondados 29">
+            <a:extLst>
+              <a:ext uri="{FF2B5EF4-FFF2-40B4-BE49-F238E27FC236}">
+                <a16:creationId xmlns:a16="http://schemas.microsoft.com/office/drawing/2014/main" id="{6A4FD5A4-993E-4D95-B2E1-C1D1FE8DA09F}"/>
+              </a:ext>
+            </a:extLst>
+          </p:cNvPr>
+          <p:cNvSpPr/>
+          <p:nvPr/>
+        </p:nvSpPr>
+        <p:spPr>
+          <a:xfrm>
+            <a:off x="4969694" y="3194500"/>
+            <a:ext cx="4684846" cy="108336"/>
+          </a:xfrm>
+          <a:prstGeom prst="roundRect">
+            <a:avLst/>
+          </a:prstGeom>
+          <a:noFill/>
+          <a:ln w="28575">
+            <a:solidFill>
+              <a:srgbClr val="00B050"/>
+            </a:solidFill>
+          </a:ln>
+        </p:spPr>
+        <p:style>
+          <a:lnRef idx="2">
+            <a:schemeClr val="accent1">
+              <a:shade val="50000"/>
+            </a:schemeClr>
+          </a:lnRef>
+          <a:fillRef idx="1">
+            <a:schemeClr val="accent1"/>
+          </a:fillRef>
+          <a:effectRef idx="0">
+            <a:schemeClr val="accent1"/>
+          </a:effectRef>
+          <a:fontRef idx="minor">
+            <a:schemeClr val="lt1"/>
+          </a:fontRef>
+        </p:style>
+        <p:txBody>
+          <a:bodyPr rtlCol="0" anchor="ctr"/>
+          <a:lstStyle/>
+          <a:p>
+            <a:pPr algn="ctr"/>
+            <a:endParaRPr lang="pt-PT"/>
+          </a:p>
+        </p:txBody>
+      </p:sp>
+      <p:cxnSp>
+        <p:nvCxnSpPr>
+          <p:cNvPr id="32" name="Conexão: Curva 31">
+            <a:extLst>
+              <a:ext uri="{FF2B5EF4-FFF2-40B4-BE49-F238E27FC236}">
+                <a16:creationId xmlns:a16="http://schemas.microsoft.com/office/drawing/2014/main" id="{1030FB84-DFFE-490C-A8F0-40519671954B}"/>
+              </a:ext>
+            </a:extLst>
+          </p:cNvPr>
+          <p:cNvCxnSpPr>
+            <a:cxnSpLocks/>
+            <a:stCxn id="30" idx="3"/>
+            <a:endCxn id="33" idx="0"/>
+          </p:cNvCxnSpPr>
+          <p:nvPr/>
+        </p:nvCxnSpPr>
+        <p:spPr>
+          <a:xfrm flipH="1">
+            <a:off x="7508456" y="3248668"/>
+            <a:ext cx="2146084" cy="2645286"/>
+          </a:xfrm>
+          <a:prstGeom prst="curvedConnector4">
+            <a:avLst>
+              <a:gd name="adj1" fmla="val -10652"/>
+              <a:gd name="adj2" fmla="val 51024"/>
+            </a:avLst>
+          </a:prstGeom>
+          <a:ln w="19050">
+            <a:solidFill>
+              <a:srgbClr val="00B050"/>
+            </a:solidFill>
+            <a:tailEnd type="triangle"/>
+          </a:ln>
+        </p:spPr>
+        <p:style>
+          <a:lnRef idx="1">
+            <a:schemeClr val="accent1"/>
+          </a:lnRef>
+          <a:fillRef idx="0">
+            <a:schemeClr val="accent1"/>
+          </a:fillRef>
+          <a:effectRef idx="0">
+            <a:schemeClr val="accent1"/>
+          </a:effectRef>
+          <a:fontRef idx="minor">
+            <a:schemeClr val="tx1"/>
+          </a:fontRef>
+        </p:style>
+      </p:cxnSp>
+      <p:sp>
+        <p:nvSpPr>
+          <p:cNvPr id="33" name="CaixaDeTexto 32">
+            <a:extLst>
+              <a:ext uri="{FF2B5EF4-FFF2-40B4-BE49-F238E27FC236}">
+                <a16:creationId xmlns:a16="http://schemas.microsoft.com/office/drawing/2014/main" id="{D801ADB7-3E1C-40D1-AC0B-1314766D9686}"/>
+              </a:ext>
+            </a:extLst>
+          </p:cNvPr>
+          <p:cNvSpPr txBox="1"/>
+          <p:nvPr/>
+        </p:nvSpPr>
+        <p:spPr>
+          <a:xfrm>
+            <a:off x="6431531" y="5893954"/>
+            <a:ext cx="2153850" cy="461665"/>
+          </a:xfrm>
+          <a:prstGeom prst="rect">
+            <a:avLst/>
+          </a:prstGeom>
+          <a:noFill/>
+        </p:spPr>
+        <p:txBody>
+          <a:bodyPr wrap="square" rtlCol="0">
+            <a:spAutoFit/>
+          </a:bodyPr>
+          <a:lstStyle/>
+          <a:p>
+            <a:r>
+              <a:rPr lang="pt-PT" sz="1200" b="1" i="1" dirty="0" err="1">
+                <a:solidFill>
+                  <a:schemeClr val="bg1"/>
+                </a:solidFill>
+              </a:rPr>
+              <a:t>Orders</a:t>
+            </a:r>
+            <a:r>
+              <a:rPr lang="pt-PT" sz="1200" dirty="0">
+                <a:solidFill>
+                  <a:schemeClr val="bg1"/>
+                </a:solidFill>
+              </a:rPr>
+              <a:t>: </a:t>
+            </a:r>
+            <a:r>
+              <a:rPr lang="pt-PT" sz="1200" i="1" dirty="0" err="1">
+                <a:solidFill>
+                  <a:schemeClr val="bg1"/>
+                </a:solidFill>
+              </a:rPr>
+              <a:t>viewer</a:t>
+            </a:r>
+            <a:r>
+              <a:rPr lang="pt-PT" sz="1200" dirty="0">
+                <a:solidFill>
+                  <a:schemeClr val="bg1"/>
+                </a:solidFill>
+              </a:rPr>
+              <a:t>, quantidade, prioridade, id do produto</a:t>
+            </a:r>
+          </a:p>
+        </p:txBody>
+      </p:sp>
+      <p:sp>
+        <p:nvSpPr>
+          <p:cNvPr id="3" name="Retângulo: Cantos Arredondados 2">
+            <a:extLst>
+              <a:ext uri="{FF2B5EF4-FFF2-40B4-BE49-F238E27FC236}">
+                <a16:creationId xmlns:a16="http://schemas.microsoft.com/office/drawing/2014/main" id="{6017A218-001A-4117-ADD5-5A9828FFACC9}"/>
+              </a:ext>
+            </a:extLst>
+          </p:cNvPr>
+          <p:cNvSpPr/>
+          <p:nvPr/>
+        </p:nvSpPr>
+        <p:spPr>
+          <a:xfrm>
+            <a:off x="4969694" y="2700164"/>
+            <a:ext cx="618306" cy="118422"/>
+          </a:xfrm>
+          <a:prstGeom prst="roundRect">
+            <a:avLst/>
+          </a:prstGeom>
+          <a:noFill/>
+          <a:ln w="19050"/>
+        </p:spPr>
+        <p:style>
+          <a:lnRef idx="2">
+            <a:schemeClr val="accent1">
+              <a:shade val="50000"/>
+            </a:schemeClr>
+          </a:lnRef>
+          <a:fillRef idx="1">
+            <a:schemeClr val="accent1"/>
+          </a:fillRef>
+          <a:effectRef idx="0">
+            <a:schemeClr val="accent1"/>
+          </a:effectRef>
+          <a:fontRef idx="minor">
+            <a:schemeClr val="lt1"/>
+          </a:fontRef>
+        </p:style>
+        <p:txBody>
+          <a:bodyPr rtlCol="0" anchor="ctr"/>
+          <a:lstStyle/>
+          <a:p>
+            <a:pPr algn="ctr"/>
+            <a:endParaRPr lang="pt-PT"/>
+          </a:p>
+        </p:txBody>
+      </p:sp>
+      <p:cxnSp>
+        <p:nvCxnSpPr>
+          <p:cNvPr id="10" name="Conexão: Curva 9">
+            <a:extLst>
+              <a:ext uri="{FF2B5EF4-FFF2-40B4-BE49-F238E27FC236}">
+                <a16:creationId xmlns:a16="http://schemas.microsoft.com/office/drawing/2014/main" id="{F2BD8727-2F54-498C-BD4B-7B0148074103}"/>
+              </a:ext>
+            </a:extLst>
+          </p:cNvPr>
+          <p:cNvCxnSpPr>
+            <a:cxnSpLocks/>
+            <a:stCxn id="3" idx="3"/>
+            <a:endCxn id="13" idx="2"/>
+          </p:cNvCxnSpPr>
+          <p:nvPr/>
+        </p:nvCxnSpPr>
+        <p:spPr>
+          <a:xfrm flipV="1">
+            <a:off x="5588000" y="2445854"/>
+            <a:ext cx="1370430" cy="313521"/>
+          </a:xfrm>
+          <a:prstGeom prst="curvedConnector2">
+            <a:avLst/>
+          </a:prstGeom>
+          <a:ln w="19050">
+            <a:tailEnd type="triangle"/>
+          </a:ln>
+        </p:spPr>
+        <p:style>
+          <a:lnRef idx="1">
+            <a:schemeClr val="accent1"/>
+          </a:lnRef>
+          <a:fillRef idx="0">
+            <a:schemeClr val="accent1"/>
+          </a:fillRef>
+          <a:effectRef idx="0">
+            <a:schemeClr val="accent1"/>
+          </a:effectRef>
+          <a:fontRef idx="minor">
+            <a:schemeClr val="tx1"/>
+          </a:fontRef>
+        </p:style>
+      </p:cxnSp>
+      <p:sp>
+        <p:nvSpPr>
+          <p:cNvPr id="13" name="CaixaDeTexto 12">
+            <a:extLst>
+              <a:ext uri="{FF2B5EF4-FFF2-40B4-BE49-F238E27FC236}">
+                <a16:creationId xmlns:a16="http://schemas.microsoft.com/office/drawing/2014/main" id="{6B2339C4-1172-422A-803B-966009DD616C}"/>
+              </a:ext>
+            </a:extLst>
+          </p:cNvPr>
+          <p:cNvSpPr txBox="1"/>
+          <p:nvPr/>
+        </p:nvSpPr>
+        <p:spPr>
+          <a:xfrm>
+            <a:off x="6340799" y="2199633"/>
+            <a:ext cx="1235262" cy="246221"/>
+          </a:xfrm>
+          <a:prstGeom prst="rect">
+            <a:avLst/>
+          </a:prstGeom>
+          <a:noFill/>
+        </p:spPr>
+        <p:txBody>
+          <a:bodyPr wrap="square" rtlCol="0">
+            <a:spAutoFit/>
+          </a:bodyPr>
+          <a:lstStyle/>
+          <a:p>
+            <a:r>
+              <a:rPr lang="pt-PT" sz="1000" b="1" dirty="0">
+                <a:solidFill>
+                  <a:schemeClr val="bg1"/>
+                </a:solidFill>
+              </a:rPr>
+              <a:t>StreamZ Capital</a:t>
+            </a:r>
+          </a:p>
+        </p:txBody>
+      </p:sp>
     </p:spTree>
     <p:extLst>
       <p:ext uri="{BB962C8B-B14F-4D97-AF65-F5344CB8AC3E}">
@@ -10843,7 +11789,7 @@
             <a:pPr algn="just"/>
             <a:r>
               <a:rPr lang="pt-PT" sz="1600" dirty="0"/>
-              <a:t>Não contém mais que a sua declaração, que retrata o erro tratado no seu nome.</a:t>
+              <a:t>Não contém mais que a sua declaração, que retrata o erro declarado no seu nome.</a:t>
             </a:r>
           </a:p>
         </p:txBody>
@@ -12567,13 +13513,13 @@
         </p:nvSpPr>
         <p:spPr>
           <a:xfrm>
-            <a:off x="558209" y="2221992"/>
-            <a:ext cx="11164399" cy="4418505"/>
+            <a:off x="498834" y="2011680"/>
+            <a:ext cx="11382257" cy="4779737"/>
           </a:xfrm>
         </p:spPr>
         <p:txBody>
           <a:bodyPr>
-            <a:normAutofit fontScale="55000" lnSpcReduction="20000"/>
+            <a:normAutofit fontScale="25000" lnSpcReduction="20000"/>
           </a:bodyPr>
           <a:lstStyle/>
           <a:p>
@@ -12583,7 +13529,7 @@
               </a:lnSpc>
             </a:pPr>
             <a:r>
-              <a:rPr lang="pt-PT" sz="2900" b="1" dirty="0"/>
+              <a:rPr lang="pt-PT" sz="4400" b="1" dirty="0"/>
               <a:t>Requeridas:</a:t>
             </a:r>
           </a:p>
@@ -12594,8 +13540,8 @@
               </a:lnSpc>
             </a:pPr>
             <a:r>
-              <a:rPr lang="pt-PT" dirty="0"/>
-              <a:t>Todas as funcionalidades requisitadas no problema da segunda parte, tal como a criação de .</a:t>
+              <a:rPr lang="pt-PT" sz="4000" dirty="0"/>
+              <a:t>Todas as funcionalidades requisitadas no problema da segunda parte, utilizando as estruturas de dados adequadas e também solicitadas, as árvores binárias de pesquisa, as filas de prioridade e as tabelas de dispersão.</a:t>
             </a:r>
           </a:p>
           <a:p>
@@ -12605,7 +13551,7 @@
               </a:lnSpc>
             </a:pPr>
             <a:r>
-              <a:rPr lang="pt-PT" sz="2900" b="1" dirty="0"/>
+              <a:rPr lang="pt-PT" sz="4400" b="1" dirty="0"/>
               <a:t>Adicionadas:</a:t>
             </a:r>
           </a:p>
@@ -12616,11 +13562,11 @@
               </a:lnSpc>
             </a:pPr>
             <a:r>
-              <a:rPr lang="pt-PT" i="1" u="sng" dirty="0"/>
+              <a:rPr lang="pt-PT" sz="4000" i="1" u="sng" dirty="0"/>
               <a:t>StreamZ</a:t>
             </a:r>
             <a:r>
-              <a:rPr lang="pt-PT" dirty="0"/>
+              <a:rPr lang="pt-PT" sz="4000" dirty="0"/>
               <a:t>:</a:t>
             </a:r>
           </a:p>
@@ -12631,24 +13577,62 @@
               </a:lnSpc>
             </a:pPr>
             <a:r>
-              <a:rPr lang="pt-PT" sz="2400" dirty="0"/>
+              <a:rPr lang="pt-PT" sz="4000" dirty="0"/>
               <a:t>Adicionamos um atributo </a:t>
             </a:r>
             <a:r>
-              <a:rPr lang="pt-PT" sz="2400" i="1" dirty="0" err="1"/>
-              <a:t>capacity</a:t>
-            </a:r>
-            <a:r>
-              <a:rPr lang="pt-PT" sz="2400" dirty="0"/>
-              <a:t>, que reflete a capacidade de </a:t>
-            </a:r>
-            <a:r>
-              <a:rPr lang="pt-PT" sz="2400" i="1" dirty="0" err="1"/>
-              <a:t>streams</a:t>
-            </a:r>
-            <a:r>
-              <a:rPr lang="pt-PT" sz="2400" dirty="0"/>
-              <a:t> ativas da plataforma.</a:t>
+              <a:rPr lang="pt-PT" sz="4000" i="1" dirty="0" err="1"/>
+              <a:t>streamz_capital</a:t>
+            </a:r>
+            <a:r>
+              <a:rPr lang="pt-PT" sz="4000" dirty="0"/>
+              <a:t>, que reflete o capital detido pela plataforma;</a:t>
+            </a:r>
+          </a:p>
+          <a:p>
+            <a:pPr lvl="2" algn="just">
+              <a:lnSpc>
+                <a:spcPct val="110000"/>
+              </a:lnSpc>
+            </a:pPr>
+            <a:r>
+              <a:rPr lang="pt-PT" sz="4000" dirty="0"/>
+              <a:t>Para além das estruturas de dados referidas em cima, adicionamos um vetor de produtos, onde de encontram todos os produtos disponíveis para venda;</a:t>
+            </a:r>
+          </a:p>
+          <a:p>
+            <a:pPr lvl="2" algn="just">
+              <a:lnSpc>
+                <a:spcPct val="110000"/>
+              </a:lnSpc>
+            </a:pPr>
+            <a:r>
+              <a:rPr lang="pt-PT" sz="4000" dirty="0"/>
+              <a:t>À medida que construímos cada uma das estruturas anteriores, também desenvolvemos as funções respetivas, que manipulavam cada uma das mesma, tais como </a:t>
+            </a:r>
+            <a:r>
+              <a:rPr lang="pt-PT" sz="4000" i="1" dirty="0" err="1"/>
+              <a:t>makeOrder</a:t>
+            </a:r>
+            <a:r>
+              <a:rPr lang="pt-PT" sz="4000" dirty="0"/>
+              <a:t>, </a:t>
+            </a:r>
+            <a:r>
+              <a:rPr lang="pt-PT" sz="4000" i="1" dirty="0" err="1"/>
+              <a:t>makeDonation</a:t>
+            </a:r>
+            <a:r>
+              <a:rPr lang="pt-PT" sz="4000" dirty="0"/>
+              <a:t>, </a:t>
+            </a:r>
+            <a:r>
+              <a:rPr lang="pt-PT" sz="4000" i="1" dirty="0" err="1"/>
+              <a:t>sellProduct</a:t>
+            </a:r>
+            <a:r>
+              <a:rPr lang="pt-PT" sz="4000" dirty="0"/>
+              <a:t>, etc.</a:t>
             </a:r>
           </a:p>
           <a:p>
@@ -12658,12 +13642,20 @@
               </a:lnSpc>
             </a:pPr>
             <a:r>
-              <a:rPr lang="pt-PT" dirty="0"/>
+              <a:rPr lang="pt-PT" sz="4000" dirty="0"/>
               <a:t> </a:t>
             </a:r>
             <a:r>
-              <a:rPr lang="pt-PT" u="sng" dirty="0"/>
-              <a:t>Classe dos Menus:</a:t>
+              <a:rPr lang="pt-PT" sz="4000" u="sng" dirty="0"/>
+              <a:t>Classe dos </a:t>
+            </a:r>
+            <a:r>
+              <a:rPr lang="pt-PT" sz="4000" i="1" u="sng" dirty="0" err="1"/>
+              <a:t>Products</a:t>
+            </a:r>
+            <a:r>
+              <a:rPr lang="pt-PT" sz="4000" u="sng" dirty="0"/>
+              <a:t>:</a:t>
             </a:r>
           </a:p>
           <a:p>
@@ -12673,16 +13665,132 @@
               </a:lnSpc>
             </a:pPr>
             <a:r>
-              <a:rPr lang="pt-PT" sz="2400" dirty="0"/>
-              <a:t>Utilizada na criação dos menus de consola interativos que se encontram na </a:t>
-            </a:r>
-            <a:r>
-              <a:rPr lang="pt-PT" sz="2400" i="1" dirty="0"/>
-              <a:t>framework</a:t>
-            </a:r>
-            <a:r>
-              <a:rPr lang="pt-PT" sz="2400" dirty="0"/>
-              <a:t>.</a:t>
+              <a:rPr lang="pt-PT" sz="4000" dirty="0"/>
+              <a:t>Utilizada na definição de cada produto que um </a:t>
+            </a:r>
+            <a:r>
+              <a:rPr lang="pt-PT" sz="4000" i="1" dirty="0" err="1"/>
+              <a:t>streamer</a:t>
+            </a:r>
+            <a:r>
+              <a:rPr lang="pt-PT" sz="4000" dirty="0"/>
+              <a:t> quer vender;</a:t>
+            </a:r>
+          </a:p>
+          <a:p>
+            <a:pPr lvl="2" algn="just">
+              <a:lnSpc>
+                <a:spcPct val="110000"/>
+              </a:lnSpc>
+            </a:pPr>
+            <a:r>
+              <a:rPr lang="pt-PT" sz="4000" dirty="0"/>
+              <a:t>Esta classe tem um atributo </a:t>
+            </a:r>
+            <a:r>
+              <a:rPr lang="pt-PT" sz="4000" i="1" dirty="0" err="1"/>
+              <a:t>price</a:t>
+            </a:r>
+            <a:r>
+              <a:rPr lang="pt-PT" sz="4000" dirty="0"/>
+              <a:t>, que em junção com as </a:t>
+            </a:r>
+            <a:r>
+              <a:rPr lang="pt-PT" sz="4000" i="1" dirty="0" err="1"/>
+              <a:t>wallets</a:t>
+            </a:r>
+            <a:r>
+              <a:rPr lang="pt-PT" sz="4000" dirty="0"/>
+              <a:t> adicionadas a cada utilizador, possibilitou a criação de um micro sistema de transações;</a:t>
+            </a:r>
+          </a:p>
+          <a:p>
+            <a:pPr lvl="2" algn="just">
+              <a:lnSpc>
+                <a:spcPct val="110000"/>
+              </a:lnSpc>
+            </a:pPr>
+            <a:r>
+              <a:rPr lang="pt-PT" sz="4000" dirty="0"/>
+              <a:t>No sistema de transações referido anteriormente, sempre que um </a:t>
+            </a:r>
+            <a:r>
+              <a:rPr lang="pt-PT" sz="4000" i="1" dirty="0" err="1"/>
+              <a:t>streamer</a:t>
+            </a:r>
+            <a:r>
+              <a:rPr lang="pt-PT" sz="4000" dirty="0"/>
+              <a:t> vende um produto, este está de facto a vendê-lo à </a:t>
+            </a:r>
+            <a:r>
+              <a:rPr lang="pt-PT" sz="4000" i="1" dirty="0" err="1"/>
+              <a:t>streamz</a:t>
+            </a:r>
+            <a:r>
+              <a:rPr lang="pt-PT" sz="4000" dirty="0"/>
+              <a:t>, que o compra 10% abaixo do seu preço real (</a:t>
+            </a:r>
+            <a:r>
+              <a:rPr lang="pt-PT" sz="4000" i="1" dirty="0"/>
+              <a:t>STREAMZ_RETAIL_COMISSION </a:t>
+            </a:r>
+            <a:r>
+              <a:rPr lang="pt-PT" sz="4000" dirty="0"/>
+              <a:t>= 0.1, nova macro definida no </a:t>
+            </a:r>
+            <a:r>
+              <a:rPr lang="pt-PT" sz="4000" i="1" dirty="0" err="1"/>
+              <a:t>utils.h</a:t>
+            </a:r>
+            <a:r>
+              <a:rPr lang="pt-PT" sz="4000" dirty="0"/>
+              <a:t>). De seguida, o produto fica disponível na plataforma e pode ser comprado por um </a:t>
+            </a:r>
+            <a:r>
+              <a:rPr lang="pt-PT" sz="4000" i="1" dirty="0" err="1"/>
+              <a:t>viewer</a:t>
+            </a:r>
+            <a:r>
+              <a:rPr lang="pt-PT" sz="4000" dirty="0"/>
+              <a:t>, quando este o compra já paga o preço real, tendo a plataforma, deste modo, um rendimento fixo.</a:t>
+            </a:r>
+          </a:p>
+          <a:p>
+            <a:pPr lvl="2" algn="just">
+              <a:lnSpc>
+                <a:spcPct val="110000"/>
+              </a:lnSpc>
+            </a:pPr>
+            <a:r>
+              <a:rPr lang="pt-PT" sz="4000" dirty="0"/>
+              <a:t>Por outro lado, a plataforma também permite aos </a:t>
+            </a:r>
+            <a:r>
+              <a:rPr lang="pt-PT" sz="4000" i="1" dirty="0" err="1"/>
+              <a:t>viewers</a:t>
+            </a:r>
+            <a:r>
+              <a:rPr lang="pt-PT" sz="4000" dirty="0"/>
+              <a:t> de cancelarem as suas ordens de compra a qualquer momento, contudo, o produto fica perdido, tendo de haver uma penalização no valor reembolsado, que é de </a:t>
+            </a:r>
+            <a:r>
+              <a:rPr lang="pt-PT" sz="4000" u="sng" dirty="0"/>
+              <a:t>80</a:t>
+            </a:r>
+            <a:r>
+              <a:rPr lang="pt-PT" sz="4000" dirty="0"/>
+              <a:t> % do preço pago, reduzindo as perdas da empresa par apenas 10%,  por cada ordem que é cancelada.</a:t>
+            </a:r>
+          </a:p>
+          <a:p>
+            <a:pPr lvl="2" algn="just">
+              <a:lnSpc>
+                <a:spcPct val="110000"/>
+              </a:lnSpc>
+            </a:pPr>
+            <a:r>
+              <a:rPr lang="pt-PT" sz="4000" dirty="0"/>
+              <a:t>Existe também um limite máximo de quantidade de produto por ordem de compra;</a:t>
             </a:r>
           </a:p>
           <a:p>
@@ -12692,19 +13800,19 @@
               </a:lnSpc>
             </a:pPr>
             <a:r>
-              <a:rPr lang="pt-PT" i="1" u="sng" dirty="0"/>
+              <a:rPr lang="pt-PT" sz="4000" i="1" u="sng" dirty="0"/>
               <a:t>StreamZ Framework</a:t>
             </a:r>
             <a:r>
-              <a:rPr lang="pt-PT" dirty="0"/>
+              <a:rPr lang="pt-PT" sz="4000" dirty="0"/>
               <a:t>, que utiliza a classe </a:t>
             </a:r>
             <a:r>
-              <a:rPr lang="pt-PT" i="1" dirty="0"/>
+              <a:rPr lang="pt-PT" sz="4000" i="1" dirty="0"/>
               <a:t>StreamZ</a:t>
             </a:r>
             <a:r>
-              <a:rPr lang="pt-PT" dirty="0"/>
+              <a:rPr lang="pt-PT" sz="4000" dirty="0"/>
               <a:t> e as restantes relacionadas com esta última, onde se encontram implementadas estas funcionalidades:</a:t>
             </a:r>
           </a:p>
@@ -12715,16 +13823,12 @@
               </a:lnSpc>
             </a:pPr>
             <a:r>
-              <a:rPr lang="pt-PT" sz="2400" dirty="0"/>
-              <a:t>Possibilidade de não criar uma, mas sim, um ilimitado número de plataformas </a:t>
-            </a:r>
-            <a:r>
-              <a:rPr lang="pt-PT" sz="2400" i="1" dirty="0"/>
-              <a:t>StreamZ</a:t>
-            </a:r>
-            <a:r>
-              <a:rPr lang="pt-PT" sz="2400" dirty="0"/>
-              <a:t>;</a:t>
+              <a:rPr lang="pt-PT" sz="4000" i="1" dirty="0" err="1"/>
+              <a:t>Viewers</a:t>
+            </a:r>
+            <a:r>
+              <a:rPr lang="pt-PT" sz="4000" dirty="0"/>
+              <a:t> têm então possibilidade de comprar produtos, fazer donativos e cancelar as suas compras;</a:t>
             </a:r>
           </a:p>
           <a:p>
@@ -12734,12 +13838,12 @@
               </a:lnSpc>
             </a:pPr>
             <a:r>
-              <a:rPr lang="pt-PT" sz="2400" dirty="0"/>
-              <a:t>Possibilidade de guardar ou importar a qualquer altura, no menu das definições, onde também é possível ativar o </a:t>
-            </a:r>
-            <a:r>
-              <a:rPr lang="pt-PT" sz="2400" i="1" dirty="0"/>
-              <a:t>auto save;</a:t>
+              <a:rPr lang="pt-PT" sz="4000" i="1" dirty="0" err="1"/>
+              <a:t>Streamers</a:t>
+            </a:r>
+            <a:r>
+              <a:rPr lang="pt-PT" sz="4000" dirty="0"/>
+              <a:t> podem agora vender os seus produtos </a:t>
             </a:r>
           </a:p>
           <a:p>
@@ -12749,16 +13853,47 @@
               </a:lnSpc>
             </a:pPr>
             <a:r>
-              <a:rPr lang="pt-PT" sz="2400" dirty="0"/>
-              <a:t>Sistema de </a:t>
-            </a:r>
-            <a:r>
-              <a:rPr lang="pt-PT" sz="2400" i="1" dirty="0"/>
-              <a:t>Login</a:t>
-            </a:r>
-            <a:r>
-              <a:rPr lang="pt-PT" sz="2400" dirty="0"/>
-              <a:t> (associado a cada uma das plataformas criadas);</a:t>
+              <a:rPr lang="pt-PT" sz="4000" dirty="0"/>
+              <a:t>Melhorias nos algoritmos criados anteriormente, com a utilização das novas estruturas de dados mais eficientes; (ex. </a:t>
+            </a:r>
+            <a:r>
+              <a:rPr lang="pt-PT" sz="4000" i="1" dirty="0" err="1"/>
+              <a:t>getStreamerByName</a:t>
+            </a:r>
+            <a:r>
+              <a:rPr lang="pt-PT" sz="4000" dirty="0"/>
+              <a:t>() com a utilização da </a:t>
+            </a:r>
+            <a:r>
+              <a:rPr lang="pt-PT" sz="4000" i="1" dirty="0" err="1"/>
+              <a:t>hash</a:t>
+            </a:r>
+            <a:r>
+              <a:rPr lang="pt-PT" sz="4000" dirty="0"/>
+              <a:t> </a:t>
+            </a:r>
+            <a:r>
+              <a:rPr lang="pt-PT" sz="4000" i="1" dirty="0" err="1"/>
+              <a:t>table</a:t>
+            </a:r>
+            <a:r>
+              <a:rPr lang="pt-PT" sz="4000" dirty="0"/>
+              <a:t>);</a:t>
+            </a:r>
+          </a:p>
+          <a:p>
+            <a:pPr lvl="1" algn="just">
+              <a:lnSpc>
+                <a:spcPct val="110000"/>
+              </a:lnSpc>
+            </a:pPr>
+            <a:r>
+              <a:rPr lang="pt-PT" sz="4000" u="sng" dirty="0"/>
+              <a:t>Informação guardada em ficheiros</a:t>
+            </a:r>
+            <a:r>
+              <a:rPr lang="pt-PT" sz="4000" dirty="0"/>
+              <a:t>:</a:t>
             </a:r>
           </a:p>
           <a:p>
@@ -12768,16 +13903,8 @@
               </a:lnSpc>
             </a:pPr>
             <a:r>
-              <a:rPr lang="pt-PT" sz="2400" dirty="0"/>
-              <a:t>Passwords dos utilizadores encriptadas, através do algoritmo </a:t>
-            </a:r>
-            <a:r>
-              <a:rPr lang="pt-PT" sz="2400" i="1" dirty="0"/>
-              <a:t>sha256</a:t>
-            </a:r>
-            <a:r>
-              <a:rPr lang="pt-PT" sz="2400" dirty="0"/>
-              <a:t> (considerado totalmente seguro na atualidade);</a:t>
+              <a:rPr lang="pt-PT" sz="4000" dirty="0"/>
+              <a:t>A informação relativa às carteiras de cada utilizador é agora guardada em ficheiros;</a:t>
             </a:r>
           </a:p>
           <a:p>
@@ -12787,57 +13914,8 @@
               </a:lnSpc>
             </a:pPr>
             <a:r>
-              <a:rPr lang="pt-PT" sz="2400" i="1" dirty="0" err="1"/>
-              <a:t>Admin</a:t>
-            </a:r>
-            <a:r>
-              <a:rPr lang="pt-PT" sz="2400" dirty="0"/>
-              <a:t> com a possibilidade de criar e entrar nas contas de todos os utilizadores.</a:t>
-            </a:r>
-          </a:p>
-          <a:p>
-            <a:pPr lvl="1" algn="just">
-              <a:lnSpc>
-                <a:spcPct val="110000"/>
-              </a:lnSpc>
-            </a:pPr>
-            <a:r>
-              <a:rPr lang="pt-PT" u="sng" dirty="0"/>
-              <a:t>Informação guardada em ficheiros</a:t>
-            </a:r>
-            <a:r>
-              <a:rPr lang="pt-PT" dirty="0"/>
-              <a:t>:</a:t>
-            </a:r>
-          </a:p>
-          <a:p>
-            <a:pPr lvl="2" algn="just">
-              <a:lnSpc>
-                <a:spcPct val="110000"/>
-              </a:lnSpc>
-            </a:pPr>
-            <a:r>
-              <a:rPr lang="pt-PT" sz="2400" dirty="0"/>
-              <a:t>Cada ficheiro tem um indicativo de que se trata de um ficheiro formatado pela </a:t>
-            </a:r>
-            <a:r>
-              <a:rPr lang="pt-PT" sz="2400" i="1" dirty="0"/>
-              <a:t>StreamZ</a:t>
-            </a:r>
-            <a:r>
-              <a:rPr lang="pt-PT" sz="2400" dirty="0"/>
-              <a:t>, caso contrário é ignorado;</a:t>
-            </a:r>
-          </a:p>
-          <a:p>
-            <a:pPr lvl="2" algn="just">
-              <a:lnSpc>
-                <a:spcPct val="110000"/>
-              </a:lnSpc>
-            </a:pPr>
-            <a:r>
-              <a:rPr lang="pt-PT" sz="2400" dirty="0"/>
-              <a:t>Todo os comentários são também guardados nos respetivos ficheiros;</a:t>
+              <a:rPr lang="pt-PT" sz="4000" dirty="0"/>
+              <a:t>Os produtos são também guardados, tal como os donativos e ordens de compra;</a:t>
             </a:r>
           </a:p>
           <a:p>
@@ -12896,8 +13974,8 @@
         </p:blipFill>
         <p:spPr>
           <a:xfrm>
-            <a:off x="9616498" y="4883912"/>
-            <a:ext cx="364081" cy="364081"/>
+            <a:off x="9502324" y="4015901"/>
+            <a:ext cx="245209" cy="245209"/>
           </a:xfrm>
           <a:custGeom>
             <a:avLst/>
@@ -14671,14 +15749,14 @@
             <a:pPr lvl="1"/>
             <a:r>
               <a:rPr lang="pt-PT" sz="1300" dirty="0"/>
-              <a:t>Organizar o trabalho para o tempo que tínhamos, uma vez que não tínhamos imensa disponibilidade;</a:t>
+              <a:t>Organizar o trabalho mediante o tempo que tínhamos, uma vez que não tínhamos imensa disponibilidade;</a:t>
             </a:r>
           </a:p>
           <a:p>
             <a:pPr lvl="1"/>
             <a:r>
               <a:rPr lang="pt-PT" sz="1300" dirty="0"/>
-              <a:t>Não, de certa forma, destruir todo o trabalho que já tínhamos feito antes, com as modificações que tivemos de fazer.</a:t>
+              <a:t>De certa forma, não destruir todo o trabalho que já tínhamos feito antes com as modificações que tivemos de fazer.</a:t>
             </a:r>
           </a:p>
           <a:p>

--- a/StreamZ_presentation (part 2).pptx
+++ b/StreamZ_presentation (part 2).pptx
@@ -4520,6 +4520,42 @@
       </p:grpSpPr>
       <p:pic>
         <p:nvPicPr>
+          <p:cNvPr id="6" name="Imagem 5" descr="Uma imagem com texto&#10;&#10;Descrição gerada automaticamente">
+            <a:extLst>
+              <a:ext uri="{FF2B5EF4-FFF2-40B4-BE49-F238E27FC236}">
+                <a16:creationId xmlns:a16="http://schemas.microsoft.com/office/drawing/2014/main" id="{5718E263-BEBB-43BF-9F59-BDD2F629A287}"/>
+              </a:ext>
+            </a:extLst>
+          </p:cNvPr>
+          <p:cNvPicPr>
+            <a:picLocks noChangeAspect="1"/>
+          </p:cNvPicPr>
+          <p:nvPr/>
+        </p:nvPicPr>
+        <p:blipFill>
+          <a:blip r:embed="rId2">
+            <a:extLst>
+              <a:ext uri="{28A0092B-C50C-407E-A947-70E740481C1C}">
+                <a14:useLocalDpi xmlns:a14="http://schemas.microsoft.com/office/drawing/2010/main" val="0"/>
+              </a:ext>
+            </a:extLst>
+          </a:blip>
+          <a:stretch>
+            <a:fillRect/>
+          </a:stretch>
+        </p:blipFill>
+        <p:spPr>
+          <a:xfrm>
+            <a:off x="2318446" y="3295303"/>
+            <a:ext cx="1988992" cy="2940203"/>
+          </a:xfrm>
+          <a:prstGeom prst="rect">
+            <a:avLst/>
+          </a:prstGeom>
+        </p:spPr>
+      </p:pic>
+      <p:pic>
+        <p:nvPicPr>
           <p:cNvPr id="39" name="Imagem 38" descr="Uma imagem com texto&#10;&#10;Descrição gerada automaticamente">
             <a:extLst>
               <a:ext uri="{FF2B5EF4-FFF2-40B4-BE49-F238E27FC236}">
@@ -4533,7 +4569,7 @@
           <p:nvPr/>
         </p:nvPicPr>
         <p:blipFill rotWithShape="1">
-          <a:blip r:embed="rId2">
+          <a:blip r:embed="rId3">
             <a:extLst>
               <a:ext uri="{28A0092B-C50C-407E-A947-70E740481C1C}">
                 <a14:useLocalDpi xmlns:a14="http://schemas.microsoft.com/office/drawing/2010/main" val="0"/>
@@ -4547,41 +4583,6 @@
           <a:xfrm>
             <a:off x="7150915" y="3295303"/>
             <a:ext cx="1889330" cy="2960930"/>
-          </a:xfrm>
-          <a:prstGeom prst="rect">
-            <a:avLst/>
-          </a:prstGeom>
-        </p:spPr>
-      </p:pic>
-      <p:pic>
-        <p:nvPicPr>
-          <p:cNvPr id="37" name="Imagem 36" descr="Uma imagem com texto&#10;&#10;Descrição gerada automaticamente">
-            <a:extLst>
-              <a:ext uri="{FF2B5EF4-FFF2-40B4-BE49-F238E27FC236}">
-                <a16:creationId xmlns:a16="http://schemas.microsoft.com/office/drawing/2014/main" id="{BE4B7270-B308-4400-9475-F0D34D95CBF5}"/>
-              </a:ext>
-            </a:extLst>
-          </p:cNvPr>
-          <p:cNvPicPr>
-            <a:picLocks noChangeAspect="1"/>
-          </p:cNvPicPr>
-          <p:nvPr/>
-        </p:nvPicPr>
-        <p:blipFill rotWithShape="1">
-          <a:blip r:embed="rId3">
-            <a:extLst>
-              <a:ext uri="{28A0092B-C50C-407E-A947-70E740481C1C}">
-                <a14:useLocalDpi xmlns:a14="http://schemas.microsoft.com/office/drawing/2010/main" val="0"/>
-              </a:ext>
-            </a:extLst>
-          </a:blip>
-          <a:srcRect l="3534" t="-369"/>
-          <a:stretch/>
-        </p:blipFill>
-        <p:spPr>
-          <a:xfrm>
-            <a:off x="2280237" y="3295303"/>
-            <a:ext cx="2109835" cy="2745903"/>
           </a:xfrm>
           <a:prstGeom prst="rect">
             <a:avLst/>
@@ -4698,7 +4699,6 @@
           <p:cNvCxnSpPr>
             <a:cxnSpLocks/>
             <a:stCxn id="3" idx="2"/>
-            <a:endCxn id="37" idx="0"/>
           </p:cNvCxnSpPr>
           <p:nvPr/>
         </p:nvCxnSpPr>
@@ -5823,6 +5823,156 @@
             <a:r>
               <a:rPr lang="pt-PT" sz="1400" dirty="0"/>
               <a:t> com o uso das novas estruturas de dados!</a:t>
+            </a:r>
+          </a:p>
+        </p:txBody>
+      </p:sp>
+      <p:sp>
+        <p:nvSpPr>
+          <p:cNvPr id="33" name="Retângulo: Cantos Arredondados 32">
+            <a:extLst>
+              <a:ext uri="{FF2B5EF4-FFF2-40B4-BE49-F238E27FC236}">
+                <a16:creationId xmlns:a16="http://schemas.microsoft.com/office/drawing/2014/main" id="{6A9CA1C0-260E-4A80-B5EF-1DFDEF356566}"/>
+              </a:ext>
+            </a:extLst>
+          </p:cNvPr>
+          <p:cNvSpPr/>
+          <p:nvPr/>
+        </p:nvSpPr>
+        <p:spPr>
+          <a:xfrm>
+            <a:off x="2404027" y="5600353"/>
+            <a:ext cx="1728722" cy="207085"/>
+          </a:xfrm>
+          <a:prstGeom prst="roundRect">
+            <a:avLst/>
+          </a:prstGeom>
+          <a:noFill/>
+          <a:ln w="38100">
+            <a:solidFill>
+              <a:srgbClr val="FFC000"/>
+            </a:solidFill>
+          </a:ln>
+        </p:spPr>
+        <p:style>
+          <a:lnRef idx="2">
+            <a:schemeClr val="accent1">
+              <a:shade val="50000"/>
+            </a:schemeClr>
+          </a:lnRef>
+          <a:fillRef idx="1">
+            <a:schemeClr val="accent1"/>
+          </a:fillRef>
+          <a:effectRef idx="0">
+            <a:schemeClr val="accent1"/>
+          </a:effectRef>
+          <a:fontRef idx="minor">
+            <a:schemeClr val="lt1"/>
+          </a:fontRef>
+        </p:style>
+        <p:txBody>
+          <a:bodyPr rtlCol="0" anchor="ctr"/>
+          <a:lstStyle/>
+          <a:p>
+            <a:pPr algn="ctr"/>
+            <a:endParaRPr lang="pt-PT" dirty="0"/>
+          </a:p>
+        </p:txBody>
+      </p:sp>
+      <p:cxnSp>
+        <p:nvCxnSpPr>
+          <p:cNvPr id="34" name="Conexão: Curva 33">
+            <a:extLst>
+              <a:ext uri="{FF2B5EF4-FFF2-40B4-BE49-F238E27FC236}">
+                <a16:creationId xmlns:a16="http://schemas.microsoft.com/office/drawing/2014/main" id="{FD72D483-5D29-492C-AF0D-19A26EF9F2DC}"/>
+              </a:ext>
+            </a:extLst>
+          </p:cNvPr>
+          <p:cNvCxnSpPr>
+            <a:cxnSpLocks/>
+            <a:stCxn id="33" idx="1"/>
+            <a:endCxn id="38" idx="2"/>
+          </p:cNvCxnSpPr>
+          <p:nvPr/>
+        </p:nvCxnSpPr>
+        <p:spPr>
+          <a:xfrm rot="10800000" flipV="1">
+            <a:off x="1337613" y="5703895"/>
+            <a:ext cx="1066415" cy="693607"/>
+          </a:xfrm>
+          <a:prstGeom prst="curvedConnector4">
+            <a:avLst>
+              <a:gd name="adj1" fmla="val 12884"/>
+              <a:gd name="adj2" fmla="val 132958"/>
+            </a:avLst>
+          </a:prstGeom>
+          <a:ln w="38100">
+            <a:solidFill>
+              <a:srgbClr val="FFC000"/>
+            </a:solidFill>
+            <a:tailEnd type="triangle"/>
+          </a:ln>
+        </p:spPr>
+        <p:style>
+          <a:lnRef idx="1">
+            <a:schemeClr val="accent1"/>
+          </a:lnRef>
+          <a:fillRef idx="0">
+            <a:schemeClr val="accent1"/>
+          </a:fillRef>
+          <a:effectRef idx="0">
+            <a:schemeClr val="accent1"/>
+          </a:effectRef>
+          <a:fontRef idx="minor">
+            <a:schemeClr val="tx1"/>
+          </a:fontRef>
+        </p:style>
+      </p:cxnSp>
+      <p:sp>
+        <p:nvSpPr>
+          <p:cNvPr id="38" name="CaixaDeTexto 37">
+            <a:extLst>
+              <a:ext uri="{FF2B5EF4-FFF2-40B4-BE49-F238E27FC236}">
+                <a16:creationId xmlns:a16="http://schemas.microsoft.com/office/drawing/2014/main" id="{0EA4C26E-E657-4962-8E4F-73900B29BE50}"/>
+              </a:ext>
+            </a:extLst>
+          </p:cNvPr>
+          <p:cNvSpPr txBox="1"/>
+          <p:nvPr/>
+        </p:nvSpPr>
+        <p:spPr>
+          <a:xfrm>
+            <a:off x="545987" y="5566506"/>
+            <a:ext cx="1583249" cy="830997"/>
+          </a:xfrm>
+          <a:prstGeom prst="rect">
+            <a:avLst/>
+          </a:prstGeom>
+          <a:noFill/>
+          <a:ln>
+            <a:solidFill>
+              <a:schemeClr val="tx1"/>
+            </a:solidFill>
+            <a:prstDash val="lgDash"/>
+          </a:ln>
+        </p:spPr>
+        <p:txBody>
+          <a:bodyPr wrap="square" rtlCol="0">
+            <a:spAutoFit/>
+          </a:bodyPr>
+          <a:lstStyle/>
+          <a:p>
+            <a:r>
+              <a:rPr lang="pt-PT" sz="1200" dirty="0"/>
+              <a:t>Opção para os </a:t>
+            </a:r>
+            <a:r>
+              <a:rPr lang="pt-PT" sz="1200" i="1" dirty="0" err="1"/>
+              <a:t>streamers</a:t>
+            </a:r>
+            <a:r>
+              <a:rPr lang="pt-PT" sz="1200" dirty="0"/>
+              <a:t> desativarem a sua conta</a:t>
             </a:r>
           </a:p>
         </p:txBody>

--- a/StreamZ_presentation (part 2).pptx
+++ b/StreamZ_presentation (part 2).pptx
@@ -4520,10 +4520,10 @@
       </p:grpSpPr>
       <p:pic>
         <p:nvPicPr>
-          <p:cNvPr id="6" name="Imagem 5" descr="Uma imagem com texto&#10;&#10;Descrição gerada automaticamente">
-            <a:extLst>
-              <a:ext uri="{FF2B5EF4-FFF2-40B4-BE49-F238E27FC236}">
-                <a16:creationId xmlns:a16="http://schemas.microsoft.com/office/drawing/2014/main" id="{5718E263-BEBB-43BF-9F59-BDD2F629A287}"/>
+          <p:cNvPr id="12" name="Imagem 11" descr="Uma imagem com texto&#10;&#10;Descrição gerada automaticamente">
+            <a:extLst>
+              <a:ext uri="{FF2B5EF4-FFF2-40B4-BE49-F238E27FC236}">
+                <a16:creationId xmlns:a16="http://schemas.microsoft.com/office/drawing/2014/main" id="{2C7D8DF0-243B-4036-9BA2-95373576CCDE}"/>
               </a:ext>
             </a:extLst>
           </p:cNvPr>
@@ -4546,7 +4546,43 @@
         </p:blipFill>
         <p:spPr>
           <a:xfrm>
-            <a:off x="2318446" y="3295303"/>
+            <a:off x="4636292" y="3302402"/>
+            <a:ext cx="2302017" cy="2473192"/>
+          </a:xfrm>
+          <a:prstGeom prst="rect">
+            <a:avLst/>
+          </a:prstGeom>
+        </p:spPr>
+      </p:pic>
+      <p:pic>
+        <p:nvPicPr>
+          <p:cNvPr id="6" name="Imagem 5" descr="Uma imagem com texto&#10;&#10;Descrição gerada automaticamente">
+            <a:extLst>
+              <a:ext uri="{FF2B5EF4-FFF2-40B4-BE49-F238E27FC236}">
+                <a16:creationId xmlns:a16="http://schemas.microsoft.com/office/drawing/2014/main" id="{5718E263-BEBB-43BF-9F59-BDD2F629A287}"/>
+              </a:ext>
+            </a:extLst>
+          </p:cNvPr>
+          <p:cNvPicPr>
+            <a:picLocks noChangeAspect="1"/>
+          </p:cNvPicPr>
+          <p:nvPr/>
+        </p:nvPicPr>
+        <p:blipFill>
+          <a:blip r:embed="rId3">
+            <a:extLst>
+              <a:ext uri="{28A0092B-C50C-407E-A947-70E740481C1C}">
+                <a14:useLocalDpi xmlns:a14="http://schemas.microsoft.com/office/drawing/2010/main" val="0"/>
+              </a:ext>
+            </a:extLst>
+          </a:blip>
+          <a:stretch>
+            <a:fillRect/>
+          </a:stretch>
+        </p:blipFill>
+        <p:spPr>
+          <a:xfrm>
+            <a:off x="1917784" y="3279297"/>
             <a:ext cx="1988992" cy="2940203"/>
           </a:xfrm>
           <a:prstGeom prst="rect">
@@ -4569,7 +4605,7 @@
           <p:nvPr/>
         </p:nvPicPr>
         <p:blipFill rotWithShape="1">
-          <a:blip r:embed="rId3">
+          <a:blip r:embed="rId4">
             <a:extLst>
               <a:ext uri="{28A0092B-C50C-407E-A947-70E740481C1C}">
                 <a14:useLocalDpi xmlns:a14="http://schemas.microsoft.com/office/drawing/2010/main" val="0"/>
@@ -4787,7 +4823,7 @@
         </p:nvGrpSpPr>
         <p:grpSpPr>
           <a:xfrm>
-            <a:off x="4053528" y="5809972"/>
+            <a:off x="2695593" y="6067368"/>
             <a:ext cx="413075" cy="371866"/>
             <a:chOff x="510203" y="599076"/>
             <a:chExt cx="413075" cy="371866"/>
@@ -5007,7 +5043,7 @@
         <p:spPr>
           <a:xfrm>
             <a:off x="1067691" y="1246245"/>
-            <a:ext cx="2353225" cy="892552"/>
+            <a:ext cx="2353225" cy="1092607"/>
           </a:xfrm>
           <a:prstGeom prst="rect">
             <a:avLst/>
@@ -5049,6 +5085,18 @@
             <a:r>
               <a:rPr lang="pt-PT" sz="1300" i="1" dirty="0" err="1"/>
               <a:t>viewer</a:t>
+            </a:r>
+            <a:endParaRPr lang="pt-PT" sz="1300" i="1" dirty="0"/>
+          </a:p>
+          <a:p>
+            <a:pPr algn="just"/>
+            <a:r>
+              <a:rPr lang="pt-PT" sz="1300" i="1" dirty="0"/>
+              <a:t>Menu do </a:t>
+            </a:r>
+            <a:r>
+              <a:rPr lang="pt-PT" sz="1300" i="1" dirty="0" err="1"/>
+              <a:t>admin</a:t>
             </a:r>
             <a:endParaRPr lang="pt-PT" sz="1300" i="1" dirty="0"/>
           </a:p>
@@ -5117,13 +5165,13 @@
           <p:nvPr/>
         </p:nvPicPr>
         <p:blipFill>
-          <a:blip r:embed="rId4">
+          <a:blip r:embed="rId5">
             <a:extLst>
               <a:ext uri="{28A0092B-C50C-407E-A947-70E740481C1C}">
                 <a14:useLocalDpi xmlns:a14="http://schemas.microsoft.com/office/drawing/2010/main" val="0"/>
               </a:ext>
               <a:ext uri="{96DAC541-7B7A-43D3-8B79-37D633B846F1}">
-                <asvg:svgBlip xmlns:asvg="http://schemas.microsoft.com/office/drawing/2016/SVG/main" r:embed="rId5"/>
+                <asvg:svgBlip xmlns:asvg="http://schemas.microsoft.com/office/drawing/2016/SVG/main" r:embed="rId6"/>
               </a:ext>
             </a:extLst>
           </a:blip>
@@ -5156,13 +5204,13 @@
           <p:nvPr/>
         </p:nvPicPr>
         <p:blipFill>
-          <a:blip r:embed="rId6">
+          <a:blip r:embed="rId7">
             <a:extLst>
               <a:ext uri="{28A0092B-C50C-407E-A947-70E740481C1C}">
                 <a14:useLocalDpi xmlns:a14="http://schemas.microsoft.com/office/drawing/2010/main" val="0"/>
               </a:ext>
               <a:ext uri="{96DAC541-7B7A-43D3-8B79-37D633B846F1}">
-                <asvg:svgBlip xmlns:asvg="http://schemas.microsoft.com/office/drawing/2016/SVG/main" r:embed="rId7"/>
+                <asvg:svgBlip xmlns:asvg="http://schemas.microsoft.com/office/drawing/2016/SVG/main" r:embed="rId8"/>
               </a:ext>
             </a:extLst>
           </a:blip>
@@ -5194,7 +5242,7 @@
         </p:nvSpPr>
         <p:spPr>
           <a:xfrm>
-            <a:off x="2405849" y="5388746"/>
+            <a:off x="2005187" y="5372740"/>
             <a:ext cx="1260629" cy="223009"/>
           </a:xfrm>
           <a:prstGeom prst="roundRect">
@@ -5406,7 +5454,7 @@
         </p:nvCxnSpPr>
         <p:spPr>
           <a:xfrm rot="10800000">
-            <a:off x="1351427" y="4698963"/>
+            <a:off x="950765" y="4682957"/>
             <a:ext cx="1054422" cy="801288"/>
           </a:xfrm>
           <a:prstGeom prst="curvedConnector2">
@@ -5491,15 +5539,15 @@
           </p:cNvPr>
           <p:cNvCxnSpPr>
             <a:cxnSpLocks/>
-            <a:stCxn id="63" idx="1"/>
-            <a:endCxn id="81" idx="3"/>
+            <a:stCxn id="63" idx="3"/>
+            <a:endCxn id="81" idx="1"/>
           </p:cNvCxnSpPr>
           <p:nvPr/>
         </p:nvCxnSpPr>
         <p:spPr>
-          <a:xfrm rot="10800000">
-            <a:off x="6786490" y="5257217"/>
-            <a:ext cx="415381" cy="305251"/>
+          <a:xfrm flipV="1">
+            <a:off x="8431489" y="5019605"/>
+            <a:ext cx="1343557" cy="542862"/>
           </a:xfrm>
           <a:prstGeom prst="curvedConnector3">
             <a:avLst>
@@ -5590,7 +5638,7 @@
         </p:nvSpPr>
         <p:spPr>
           <a:xfrm>
-            <a:off x="559802" y="3867966"/>
+            <a:off x="159140" y="3851960"/>
             <a:ext cx="1583249" cy="830997"/>
           </a:xfrm>
           <a:prstGeom prst="rect">
@@ -5745,8 +5793,8 @@
         </p:nvSpPr>
         <p:spPr>
           <a:xfrm>
-            <a:off x="5746061" y="4564718"/>
-            <a:ext cx="1040428" cy="1384995"/>
+            <a:off x="9775046" y="4696439"/>
+            <a:ext cx="2108676" cy="646331"/>
           </a:xfrm>
           <a:prstGeom prst="rect">
             <a:avLst/>
@@ -5841,7 +5889,7 @@
         </p:nvSpPr>
         <p:spPr>
           <a:xfrm>
-            <a:off x="2404027" y="5600353"/>
+            <a:off x="2003365" y="5584347"/>
             <a:ext cx="1728722" cy="207085"/>
           </a:xfrm>
           <a:prstGeom prst="roundRect">
@@ -5897,7 +5945,7 @@
         </p:nvCxnSpPr>
         <p:spPr>
           <a:xfrm rot="10800000" flipV="1">
-            <a:off x="1337613" y="5703895"/>
+            <a:off x="936951" y="5687889"/>
             <a:ext cx="1066415" cy="693607"/>
           </a:xfrm>
           <a:prstGeom prst="curvedConnector4">
@@ -5942,7 +5990,7 @@
         </p:nvSpPr>
         <p:spPr>
           <a:xfrm>
-            <a:off x="545987" y="5566506"/>
+            <a:off x="145325" y="5550500"/>
             <a:ext cx="1583249" cy="830997"/>
           </a:xfrm>
           <a:prstGeom prst="rect">
@@ -5977,6 +6025,501 @@
           </a:p>
         </p:txBody>
       </p:sp>
+      <p:cxnSp>
+        <p:nvCxnSpPr>
+          <p:cNvPr id="9" name="Conexão reta unidirecional 8">
+            <a:extLst>
+              <a:ext uri="{FF2B5EF4-FFF2-40B4-BE49-F238E27FC236}">
+                <a16:creationId xmlns:a16="http://schemas.microsoft.com/office/drawing/2014/main" id="{0C5317B8-C1F0-4FA9-B326-2280840ACF65}"/>
+              </a:ext>
+            </a:extLst>
+          </p:cNvPr>
+          <p:cNvCxnSpPr>
+            <a:cxnSpLocks/>
+            <a:stCxn id="3" idx="2"/>
+          </p:cNvCxnSpPr>
+          <p:nvPr/>
+        </p:nvCxnSpPr>
+        <p:spPr>
+          <a:xfrm flipH="1">
+            <a:off x="6093439" y="2331007"/>
+            <a:ext cx="2558" cy="973304"/>
+          </a:xfrm>
+          <a:prstGeom prst="straightConnector1">
+            <a:avLst/>
+          </a:prstGeom>
+          <a:ln w="57150">
+            <a:tailEnd type="triangle"/>
+          </a:ln>
+        </p:spPr>
+        <p:style>
+          <a:lnRef idx="1">
+            <a:schemeClr val="accent1"/>
+          </a:lnRef>
+          <a:fillRef idx="0">
+            <a:schemeClr val="accent1"/>
+          </a:fillRef>
+          <a:effectRef idx="0">
+            <a:schemeClr val="accent1"/>
+          </a:effectRef>
+          <a:fontRef idx="minor">
+            <a:schemeClr val="tx1"/>
+          </a:fontRef>
+        </p:style>
+      </p:cxnSp>
+      <p:sp>
+        <p:nvSpPr>
+          <p:cNvPr id="47" name="Retângulo: Cantos Arredondados 46">
+            <a:extLst>
+              <a:ext uri="{FF2B5EF4-FFF2-40B4-BE49-F238E27FC236}">
+                <a16:creationId xmlns:a16="http://schemas.microsoft.com/office/drawing/2014/main" id="{E0201C9C-C5C4-4D5A-B952-B7AAB8DD5622}"/>
+              </a:ext>
+            </a:extLst>
+          </p:cNvPr>
+          <p:cNvSpPr/>
+          <p:nvPr/>
+        </p:nvSpPr>
+        <p:spPr>
+          <a:xfrm>
+            <a:off x="4861001" y="5019605"/>
+            <a:ext cx="1888174" cy="271431"/>
+          </a:xfrm>
+          <a:prstGeom prst="roundRect">
+            <a:avLst/>
+          </a:prstGeom>
+          <a:noFill/>
+          <a:ln w="38100">
+            <a:solidFill>
+              <a:srgbClr val="FFC000"/>
+            </a:solidFill>
+          </a:ln>
+        </p:spPr>
+        <p:style>
+          <a:lnRef idx="2">
+            <a:schemeClr val="accent1">
+              <a:shade val="50000"/>
+            </a:schemeClr>
+          </a:lnRef>
+          <a:fillRef idx="1">
+            <a:schemeClr val="accent1"/>
+          </a:fillRef>
+          <a:effectRef idx="0">
+            <a:schemeClr val="accent1"/>
+          </a:effectRef>
+          <a:fontRef idx="minor">
+            <a:schemeClr val="lt1"/>
+          </a:fontRef>
+        </p:style>
+        <p:txBody>
+          <a:bodyPr rtlCol="0" anchor="ctr"/>
+          <a:lstStyle/>
+          <a:p>
+            <a:pPr algn="ctr"/>
+            <a:endParaRPr lang="pt-PT" dirty="0"/>
+          </a:p>
+        </p:txBody>
+      </p:sp>
+      <p:cxnSp>
+        <p:nvCxnSpPr>
+          <p:cNvPr id="48" name="Conexão: Curva 47">
+            <a:extLst>
+              <a:ext uri="{FF2B5EF4-FFF2-40B4-BE49-F238E27FC236}">
+                <a16:creationId xmlns:a16="http://schemas.microsoft.com/office/drawing/2014/main" id="{B08D342B-1855-4E02-A605-A896B874806D}"/>
+              </a:ext>
+            </a:extLst>
+          </p:cNvPr>
+          <p:cNvCxnSpPr>
+            <a:cxnSpLocks/>
+            <a:stCxn id="47" idx="0"/>
+            <a:endCxn id="51" idx="0"/>
+          </p:cNvCxnSpPr>
+          <p:nvPr/>
+        </p:nvCxnSpPr>
+        <p:spPr>
+          <a:xfrm rot="16200000" flipH="1">
+            <a:off x="5734031" y="5090661"/>
+            <a:ext cx="895381" cy="753269"/>
+          </a:xfrm>
+          <a:prstGeom prst="curvedConnector5">
+            <a:avLst>
+              <a:gd name="adj1" fmla="val -25531"/>
+              <a:gd name="adj2" fmla="val 155680"/>
+              <a:gd name="adj3" fmla="val 65157"/>
+            </a:avLst>
+          </a:prstGeom>
+          <a:ln w="38100">
+            <a:solidFill>
+              <a:srgbClr val="FFC000"/>
+            </a:solidFill>
+            <a:tailEnd type="triangle"/>
+          </a:ln>
+        </p:spPr>
+        <p:style>
+          <a:lnRef idx="1">
+            <a:schemeClr val="accent1"/>
+          </a:lnRef>
+          <a:fillRef idx="0">
+            <a:schemeClr val="accent1"/>
+          </a:fillRef>
+          <a:effectRef idx="0">
+            <a:schemeClr val="accent1"/>
+          </a:effectRef>
+          <a:fontRef idx="minor">
+            <a:schemeClr val="tx1"/>
+          </a:fontRef>
+        </p:style>
+      </p:cxnSp>
+      <p:sp>
+        <p:nvSpPr>
+          <p:cNvPr id="51" name="CaixaDeTexto 50">
+            <a:extLst>
+              <a:ext uri="{FF2B5EF4-FFF2-40B4-BE49-F238E27FC236}">
+                <a16:creationId xmlns:a16="http://schemas.microsoft.com/office/drawing/2014/main" id="{3749A785-9DFA-4C36-AF1D-003CEA6DDB94}"/>
+              </a:ext>
+            </a:extLst>
+          </p:cNvPr>
+          <p:cNvSpPr txBox="1"/>
+          <p:nvPr/>
+        </p:nvSpPr>
+        <p:spPr>
+          <a:xfrm>
+            <a:off x="5766732" y="5914986"/>
+            <a:ext cx="1583249" cy="864003"/>
+          </a:xfrm>
+          <a:prstGeom prst="rect">
+            <a:avLst/>
+          </a:prstGeom>
+          <a:noFill/>
+          <a:ln>
+            <a:solidFill>
+              <a:schemeClr val="tx1"/>
+            </a:solidFill>
+            <a:prstDash val="lgDash"/>
+          </a:ln>
+        </p:spPr>
+        <p:txBody>
+          <a:bodyPr wrap="square" rtlCol="0">
+            <a:spAutoFit/>
+          </a:bodyPr>
+          <a:lstStyle/>
+          <a:p>
+            <a:r>
+              <a:rPr lang="pt-PT" sz="1200" dirty="0"/>
+              <a:t>O </a:t>
+            </a:r>
+            <a:r>
+              <a:rPr lang="pt-PT" sz="1200" i="1" dirty="0" err="1"/>
+              <a:t>admin</a:t>
+            </a:r>
+            <a:r>
+              <a:rPr lang="pt-PT" sz="1200" dirty="0"/>
+              <a:t> pode listar todas as contas de </a:t>
+            </a:r>
+            <a:r>
+              <a:rPr lang="pt-PT" sz="1200" i="1" dirty="0" err="1"/>
+              <a:t>streamers</a:t>
+            </a:r>
+            <a:r>
+              <a:rPr lang="pt-PT" sz="1200" dirty="0"/>
+              <a:t> ativas e inativas</a:t>
+            </a:r>
+          </a:p>
+        </p:txBody>
+      </p:sp>
+      <p:cxnSp>
+        <p:nvCxnSpPr>
+          <p:cNvPr id="53" name="Conexão: Curva 52">
+            <a:extLst>
+              <a:ext uri="{FF2B5EF4-FFF2-40B4-BE49-F238E27FC236}">
+                <a16:creationId xmlns:a16="http://schemas.microsoft.com/office/drawing/2014/main" id="{3FAD86B9-24AF-415C-8133-0B9EA4BB48E5}"/>
+              </a:ext>
+            </a:extLst>
+          </p:cNvPr>
+          <p:cNvCxnSpPr>
+            <a:cxnSpLocks/>
+            <a:stCxn id="55" idx="2"/>
+            <a:endCxn id="58" idx="0"/>
+          </p:cNvCxnSpPr>
+          <p:nvPr/>
+        </p:nvCxnSpPr>
+        <p:spPr>
+          <a:xfrm rot="5400000">
+            <a:off x="5072470" y="5225350"/>
+            <a:ext cx="479114" cy="950546"/>
+          </a:xfrm>
+          <a:prstGeom prst="curvedConnector3">
+            <a:avLst>
+              <a:gd name="adj1" fmla="val 50000"/>
+            </a:avLst>
+          </a:prstGeom>
+          <a:ln w="38100">
+            <a:solidFill>
+              <a:srgbClr val="FFC000"/>
+            </a:solidFill>
+            <a:tailEnd type="triangle"/>
+          </a:ln>
+        </p:spPr>
+        <p:style>
+          <a:lnRef idx="1">
+            <a:schemeClr val="accent1"/>
+          </a:lnRef>
+          <a:fillRef idx="0">
+            <a:schemeClr val="accent1"/>
+          </a:fillRef>
+          <a:effectRef idx="0">
+            <a:schemeClr val="accent1"/>
+          </a:effectRef>
+          <a:fontRef idx="minor">
+            <a:schemeClr val="tx1"/>
+          </a:fontRef>
+        </p:style>
+      </p:cxnSp>
+      <p:sp>
+        <p:nvSpPr>
+          <p:cNvPr id="55" name="Retângulo: Cantos Arredondados 54">
+            <a:extLst>
+              <a:ext uri="{FF2B5EF4-FFF2-40B4-BE49-F238E27FC236}">
+                <a16:creationId xmlns:a16="http://schemas.microsoft.com/office/drawing/2014/main" id="{4436864E-B22D-4077-B09A-E7AB85F6E589}"/>
+              </a:ext>
+            </a:extLst>
+          </p:cNvPr>
+          <p:cNvSpPr/>
+          <p:nvPr/>
+        </p:nvSpPr>
+        <p:spPr>
+          <a:xfrm>
+            <a:off x="4843213" y="5298135"/>
+            <a:ext cx="1888174" cy="162931"/>
+          </a:xfrm>
+          <a:prstGeom prst="roundRect">
+            <a:avLst/>
+          </a:prstGeom>
+          <a:noFill/>
+          <a:ln w="38100">
+            <a:solidFill>
+              <a:srgbClr val="FFC000"/>
+            </a:solidFill>
+          </a:ln>
+        </p:spPr>
+        <p:style>
+          <a:lnRef idx="2">
+            <a:schemeClr val="accent1">
+              <a:shade val="50000"/>
+            </a:schemeClr>
+          </a:lnRef>
+          <a:fillRef idx="1">
+            <a:schemeClr val="accent1"/>
+          </a:fillRef>
+          <a:effectRef idx="0">
+            <a:schemeClr val="accent1"/>
+          </a:effectRef>
+          <a:fontRef idx="minor">
+            <a:schemeClr val="lt1"/>
+          </a:fontRef>
+        </p:style>
+        <p:txBody>
+          <a:bodyPr rtlCol="0" anchor="ctr"/>
+          <a:lstStyle/>
+          <a:p>
+            <a:pPr algn="ctr"/>
+            <a:endParaRPr lang="pt-PT" dirty="0"/>
+          </a:p>
+        </p:txBody>
+      </p:sp>
+      <p:sp>
+        <p:nvSpPr>
+          <p:cNvPr id="58" name="CaixaDeTexto 57">
+            <a:extLst>
+              <a:ext uri="{FF2B5EF4-FFF2-40B4-BE49-F238E27FC236}">
+                <a16:creationId xmlns:a16="http://schemas.microsoft.com/office/drawing/2014/main" id="{6327E576-D4C0-46E2-BFB6-CFC771C33356}"/>
+              </a:ext>
+            </a:extLst>
+          </p:cNvPr>
+          <p:cNvSpPr txBox="1"/>
+          <p:nvPr/>
+        </p:nvSpPr>
+        <p:spPr>
+          <a:xfrm>
+            <a:off x="3999922" y="5940180"/>
+            <a:ext cx="1673663" cy="830997"/>
+          </a:xfrm>
+          <a:prstGeom prst="rect">
+            <a:avLst/>
+          </a:prstGeom>
+          <a:noFill/>
+          <a:ln>
+            <a:solidFill>
+              <a:schemeClr val="tx1"/>
+            </a:solidFill>
+            <a:prstDash val="lgDash"/>
+          </a:ln>
+        </p:spPr>
+        <p:txBody>
+          <a:bodyPr wrap="square" rtlCol="0">
+            <a:spAutoFit/>
+          </a:bodyPr>
+          <a:lstStyle/>
+          <a:p>
+            <a:r>
+              <a:rPr lang="pt-PT" sz="1200" dirty="0"/>
+              <a:t>O </a:t>
+            </a:r>
+            <a:r>
+              <a:rPr lang="pt-PT" sz="1200" i="1" dirty="0" err="1"/>
+              <a:t>admin</a:t>
+            </a:r>
+            <a:r>
+              <a:rPr lang="pt-PT" sz="1200" dirty="0"/>
+              <a:t> pode listar procurar os donativos num determinado intervalo de avaliações</a:t>
+            </a:r>
+          </a:p>
+        </p:txBody>
+      </p:sp>
+      <p:pic>
+        <p:nvPicPr>
+          <p:cNvPr id="37" name="Gráfico 36" descr="Distintivo 3 com preenchimento sólido">
+            <a:extLst>
+              <a:ext uri="{FF2B5EF4-FFF2-40B4-BE49-F238E27FC236}">
+                <a16:creationId xmlns:a16="http://schemas.microsoft.com/office/drawing/2014/main" id="{1F41873F-F7E1-42AE-ABD9-FC640995D9B0}"/>
+              </a:ext>
+            </a:extLst>
+          </p:cNvPr>
+          <p:cNvPicPr>
+            <a:picLocks noChangeAspect="1"/>
+          </p:cNvPicPr>
+          <p:nvPr/>
+        </p:nvPicPr>
+        <p:blipFill>
+          <a:blip r:embed="rId9">
+            <a:extLst>
+              <a:ext uri="{28A0092B-C50C-407E-A947-70E740481C1C}">
+                <a14:useLocalDpi xmlns:a14="http://schemas.microsoft.com/office/drawing/2010/main" val="0"/>
+              </a:ext>
+              <a:ext uri="{96DAC541-7B7A-43D3-8B79-37D633B846F1}">
+                <asvg:svgBlip xmlns:asvg="http://schemas.microsoft.com/office/drawing/2016/SVG/main" r:embed="rId10"/>
+              </a:ext>
+            </a:extLst>
+          </a:blip>
+          <a:stretch>
+            <a:fillRect/>
+          </a:stretch>
+        </p:blipFill>
+        <p:spPr>
+          <a:xfrm>
+            <a:off x="929977" y="2103168"/>
+            <a:ext cx="202957" cy="202957"/>
+          </a:xfrm>
+          <a:prstGeom prst="rect">
+            <a:avLst/>
+          </a:prstGeom>
+        </p:spPr>
+      </p:pic>
+      <p:grpSp>
+        <p:nvGrpSpPr>
+          <p:cNvPr id="67" name="Agrupar 66">
+            <a:extLst>
+              <a:ext uri="{FF2B5EF4-FFF2-40B4-BE49-F238E27FC236}">
+                <a16:creationId xmlns:a16="http://schemas.microsoft.com/office/drawing/2014/main" id="{8411BF69-AFD1-49A4-B92B-8CBC0473224E}"/>
+              </a:ext>
+            </a:extLst>
+          </p:cNvPr>
+          <p:cNvGrpSpPr/>
+          <p:nvPr/>
+        </p:nvGrpSpPr>
+        <p:grpSpPr>
+          <a:xfrm>
+            <a:off x="6631537" y="3236564"/>
+            <a:ext cx="413075" cy="371866"/>
+            <a:chOff x="510203" y="599076"/>
+            <a:chExt cx="413075" cy="371866"/>
+          </a:xfrm>
+        </p:grpSpPr>
+        <p:sp>
+          <p:nvSpPr>
+            <p:cNvPr id="68" name="Oval 67">
+              <a:extLst>
+                <a:ext uri="{FF2B5EF4-FFF2-40B4-BE49-F238E27FC236}">
+                  <a16:creationId xmlns:a16="http://schemas.microsoft.com/office/drawing/2014/main" id="{19594F23-5325-4552-B321-C74DD96225EE}"/>
+                </a:ext>
+              </a:extLst>
+            </p:cNvPr>
+            <p:cNvSpPr/>
+            <p:nvPr/>
+          </p:nvSpPr>
+          <p:spPr>
+            <a:xfrm>
+              <a:off x="510203" y="599076"/>
+              <a:ext cx="413075" cy="369332"/>
+            </a:xfrm>
+            <a:prstGeom prst="ellipse">
+              <a:avLst/>
+            </a:prstGeom>
+          </p:spPr>
+          <p:style>
+            <a:lnRef idx="2">
+              <a:schemeClr val="accent1">
+                <a:shade val="50000"/>
+              </a:schemeClr>
+            </a:lnRef>
+            <a:fillRef idx="1">
+              <a:schemeClr val="accent1"/>
+            </a:fillRef>
+            <a:effectRef idx="0">
+              <a:schemeClr val="accent1"/>
+            </a:effectRef>
+            <a:fontRef idx="minor">
+              <a:schemeClr val="lt1"/>
+            </a:fontRef>
+          </p:style>
+          <p:txBody>
+            <a:bodyPr rtlCol="0" anchor="ctr"/>
+            <a:lstStyle/>
+            <a:p>
+              <a:pPr algn="ctr"/>
+              <a:endParaRPr lang="pt-PT"/>
+            </a:p>
+          </p:txBody>
+        </p:sp>
+        <p:sp>
+          <p:nvSpPr>
+            <p:cNvPr id="69" name="CaixaDeTexto 68">
+              <a:extLst>
+                <a:ext uri="{FF2B5EF4-FFF2-40B4-BE49-F238E27FC236}">
+                  <a16:creationId xmlns:a16="http://schemas.microsoft.com/office/drawing/2014/main" id="{55FBE13F-890C-4498-A2A5-8FD162656A05}"/>
+                </a:ext>
+              </a:extLst>
+            </p:cNvPr>
+            <p:cNvSpPr txBox="1"/>
+            <p:nvPr/>
+          </p:nvSpPr>
+          <p:spPr>
+            <a:xfrm>
+              <a:off x="563677" y="599076"/>
+              <a:ext cx="274523" cy="371866"/>
+            </a:xfrm>
+            <a:prstGeom prst="rect">
+              <a:avLst/>
+            </a:prstGeom>
+            <a:noFill/>
+          </p:spPr>
+          <p:txBody>
+            <a:bodyPr wrap="square" rtlCol="0">
+              <a:spAutoFit/>
+            </a:bodyPr>
+            <a:lstStyle/>
+            <a:p>
+              <a:r>
+                <a:rPr lang="pt-PT" b="1" dirty="0">
+                  <a:solidFill>
+                    <a:schemeClr val="bg1"/>
+                  </a:solidFill>
+                </a:rPr>
+                <a:t>3</a:t>
+              </a:r>
+            </a:p>
+          </p:txBody>
+        </p:sp>
+      </p:grpSp>
     </p:spTree>
     <p:extLst>
       <p:ext uri="{BB962C8B-B14F-4D97-AF65-F5344CB8AC3E}">

--- a/StreamZ_presentation (part 2).pptx
+++ b/StreamZ_presentation (part 2).pptx
@@ -14302,6 +14302,22 @@
             <a:r>
               <a:rPr lang="pt-PT" sz="4000" dirty="0"/>
               <a:t>À medida que construímos cada uma das estruturas anteriores, também desenvolvemos as funções respetivas, que manipulavam cada uma das mesma, tais como </a:t>
+            </a:r>
+            <a:r>
+              <a:rPr lang="pt-PT" sz="4000" i="1" dirty="0" err="1"/>
+              <a:t>processOrder</a:t>
+            </a:r>
+            <a:r>
+              <a:rPr lang="pt-PT" sz="4000" dirty="0"/>
+              <a:t>, que retira a primeira ordem da fila de </a:t>
+            </a:r>
+            <a:r>
+              <a:rPr lang="pt-PT" sz="4000" i="1" dirty="0" err="1"/>
+              <a:t>orders</a:t>
+            </a:r>
+            <a:r>
+              <a:rPr lang="pt-PT" sz="4000" dirty="0"/>
+              <a:t>, ou a </a:t>
             </a:r>
             <a:r>
               <a:rPr lang="pt-PT" sz="4000" i="1" dirty="0" err="1"/>
